--- a/docs/ASP.NET CORE - iTechArt 2018.pptx
+++ b/docs/ASP.NET CORE - iTechArt 2018.pptx
@@ -8,10 +8,10 @@
     <p:sldMasterId id="2147483702" r:id="rId4"/>
   </p:sldMasterIdLst>
   <p:notesMasterIdLst>
-    <p:notesMasterId r:id="rId31"/>
+    <p:notesMasterId r:id="rId34"/>
   </p:notesMasterIdLst>
   <p:handoutMasterIdLst>
-    <p:handoutMasterId r:id="rId32"/>
+    <p:handoutMasterId r:id="rId35"/>
   </p:handoutMasterIdLst>
   <p:sldIdLst>
     <p:sldId id="334" r:id="rId5"/>
@@ -37,9 +37,12 @@
     <p:sldId id="541" r:id="rId25"/>
     <p:sldId id="543" r:id="rId26"/>
     <p:sldId id="544" r:id="rId27"/>
-    <p:sldId id="528" r:id="rId28"/>
-    <p:sldId id="520" r:id="rId29"/>
-    <p:sldId id="521" r:id="rId30"/>
+    <p:sldId id="546" r:id="rId28"/>
+    <p:sldId id="547" r:id="rId29"/>
+    <p:sldId id="528" r:id="rId30"/>
+    <p:sldId id="545" r:id="rId31"/>
+    <p:sldId id="520" r:id="rId32"/>
+    <p:sldId id="521" r:id="rId33"/>
   </p:sldIdLst>
   <p:sldSz cx="9144000" cy="6858000" type="screen4x3"/>
   <p:notesSz cx="6858000" cy="9144000"/>
@@ -22876,6 +22879,16 @@
             </a:pPr>
             <a:r>
               <a:rPr lang="en-US" sz="2800" dirty="0" smtClean="0"/>
+              <a:t>Tag Helpers</a:t>
+            </a:r>
+          </a:p>
+          <a:p>
+            <a:pPr marL="457200" indent="-457200">
+              <a:buFont typeface="Wingdings" panose="05000000000000000000" pitchFamily="2" charset="2"/>
+              <a:buChar char="q"/>
+            </a:pPr>
+            <a:r>
+              <a:rPr lang="en-US" sz="2800" dirty="0" smtClean="0"/>
               <a:t>Others</a:t>
             </a:r>
             <a:endParaRPr lang="en-US" dirty="0"/>
@@ -29999,8 +30012,8 @@
           <a:lstStyle/>
           <a:p>
             <a:r>
-              <a:rPr lang="en-US" dirty="0" err="1" smtClean="0"/>
-              <a:t>LOgging</a:t>
+              <a:rPr lang="en-US" dirty="0" smtClean="0"/>
+              <a:t>Logging</a:t>
             </a:r>
             <a:endParaRPr lang="en-US" dirty="0"/>
           </a:p>
@@ -30653,62 +30666,7 @@
       </p:grpSpPr>
       <p:sp>
         <p:nvSpPr>
-          <p:cNvPr id="2" name="Text Placeholder 1"/>
-          <p:cNvSpPr>
-            <a:spLocks noGrp="1"/>
-          </p:cNvSpPr>
-          <p:nvPr>
-            <p:ph type="body" sz="quarter" idx="13"/>
-          </p:nvPr>
-        </p:nvSpPr>
-        <p:spPr>
-          <a:xfrm>
-            <a:off x="2699793" y="3573016"/>
-            <a:ext cx="3744416" cy="945788"/>
-          </a:xfrm>
-        </p:spPr>
-        <p:txBody>
-          <a:bodyPr/>
-          <a:lstStyle/>
-          <a:p>
-            <a:r>
-              <a:rPr lang="en-US" dirty="0"/>
-              <a:t>Linus Torvalds</a:t>
-            </a:r>
-          </a:p>
-        </p:txBody>
-      </p:sp>
-      <p:sp>
-        <p:nvSpPr>
-          <p:cNvPr id="3" name="Text Placeholder 2"/>
-          <p:cNvSpPr>
-            <a:spLocks noGrp="1"/>
-          </p:cNvSpPr>
-          <p:nvPr>
-            <p:ph type="body" sz="quarter" idx="11"/>
-          </p:nvPr>
-        </p:nvSpPr>
-        <p:spPr>
-          <a:xfrm>
-            <a:off x="827585" y="2708921"/>
-            <a:ext cx="7488832" cy="1874092"/>
-          </a:xfrm>
-        </p:spPr>
-        <p:txBody>
-          <a:bodyPr/>
-          <a:lstStyle/>
-          <a:p>
-            <a:pPr algn="ctr"/>
-            <a:r>
-              <a:rPr lang="en-US" sz="3600" dirty="0"/>
-              <a:t>Talk is cheap. Show me the code.</a:t>
-            </a:r>
-          </a:p>
-        </p:txBody>
-      </p:sp>
-      <p:sp>
-        <p:nvSpPr>
-          <p:cNvPr id="4" name="Title 3"/>
+          <p:cNvPr id="2" name="Title 1"/>
           <p:cNvSpPr>
             <a:spLocks noGrp="1"/>
           </p:cNvSpPr>
@@ -30722,8 +30680,8 @@
           <a:lstStyle/>
           <a:p>
             <a:r>
-              <a:rPr lang="en-GB" dirty="0" smtClean="0"/>
-              <a:t>Quote of the day</a:t>
+              <a:rPr lang="en-US" dirty="0" smtClean="0"/>
+              <a:t>Logging</a:t>
             </a:r>
             <a:endParaRPr lang="en-US" dirty="0"/>
           </a:p>
@@ -30731,7 +30689,7 @@
       </p:sp>
       <p:sp>
         <p:nvSpPr>
-          <p:cNvPr id="5" name="Footer Placeholder 4"/>
+          <p:cNvPr id="3" name="Footer Placeholder 2"/>
           <p:cNvSpPr>
             <a:spLocks noGrp="1"/>
           </p:cNvSpPr>
@@ -30752,10 +30710,595 @@
           </a:p>
         </p:txBody>
       </p:sp>
+      <p:sp>
+        <p:nvSpPr>
+          <p:cNvPr id="6" name="Rectangle 5"/>
+          <p:cNvSpPr/>
+          <p:nvPr/>
+        </p:nvSpPr>
+        <p:spPr>
+          <a:xfrm>
+            <a:off x="323852" y="1648545"/>
+            <a:ext cx="8507725" cy="3416320"/>
+          </a:xfrm>
+          <a:prstGeom prst="rect">
+            <a:avLst/>
+          </a:prstGeom>
+          <a:solidFill>
+            <a:sysClr val="window" lastClr="FFFFFF"/>
+          </a:solidFill>
+          <a:ln w="19050" cap="flat" cmpd="sng" algn="ctr">
+            <a:solidFill>
+              <a:srgbClr val="0070C0"/>
+            </a:solidFill>
+            <a:prstDash val="solid"/>
+          </a:ln>
+          <a:effectLst/>
+        </p:spPr>
+        <p:txBody>
+          <a:bodyPr wrap="square">
+            <a:spAutoFit/>
+          </a:bodyPr>
+          <a:lstStyle>
+            <a:defPPr>
+              <a:defRPr lang="en-US"/>
+            </a:defPPr>
+            <a:lvl1pPr marL="0" algn="l" defTabSz="914400" rtl="0" eaLnBrk="1" latinLnBrk="0" hangingPunct="1">
+              <a:defRPr sz="1800" kern="1200">
+                <a:solidFill>
+                  <a:schemeClr val="dk1"/>
+                </a:solidFill>
+                <a:latin typeface="+mn-lt"/>
+                <a:ea typeface="+mn-ea"/>
+                <a:cs typeface="+mn-cs"/>
+              </a:defRPr>
+            </a:lvl1pPr>
+            <a:lvl2pPr marL="457200" algn="l" defTabSz="914400" rtl="0" eaLnBrk="1" latinLnBrk="0" hangingPunct="1">
+              <a:defRPr sz="1800" kern="1200">
+                <a:solidFill>
+                  <a:schemeClr val="dk1"/>
+                </a:solidFill>
+                <a:latin typeface="+mn-lt"/>
+                <a:ea typeface="+mn-ea"/>
+                <a:cs typeface="+mn-cs"/>
+              </a:defRPr>
+            </a:lvl2pPr>
+            <a:lvl3pPr marL="914400" algn="l" defTabSz="914400" rtl="0" eaLnBrk="1" latinLnBrk="0" hangingPunct="1">
+              <a:defRPr sz="1800" kern="1200">
+                <a:solidFill>
+                  <a:schemeClr val="dk1"/>
+                </a:solidFill>
+                <a:latin typeface="+mn-lt"/>
+                <a:ea typeface="+mn-ea"/>
+                <a:cs typeface="+mn-cs"/>
+              </a:defRPr>
+            </a:lvl3pPr>
+            <a:lvl4pPr marL="1371600" algn="l" defTabSz="914400" rtl="0" eaLnBrk="1" latinLnBrk="0" hangingPunct="1">
+              <a:defRPr sz="1800" kern="1200">
+                <a:solidFill>
+                  <a:schemeClr val="dk1"/>
+                </a:solidFill>
+                <a:latin typeface="+mn-lt"/>
+                <a:ea typeface="+mn-ea"/>
+                <a:cs typeface="+mn-cs"/>
+              </a:defRPr>
+            </a:lvl4pPr>
+            <a:lvl5pPr marL="1828800" algn="l" defTabSz="914400" rtl="0" eaLnBrk="1" latinLnBrk="0" hangingPunct="1">
+              <a:defRPr sz="1800" kern="1200">
+                <a:solidFill>
+                  <a:schemeClr val="dk1"/>
+                </a:solidFill>
+                <a:latin typeface="+mn-lt"/>
+                <a:ea typeface="+mn-ea"/>
+                <a:cs typeface="+mn-cs"/>
+              </a:defRPr>
+            </a:lvl5pPr>
+            <a:lvl6pPr marL="2286000" algn="l" defTabSz="914400" rtl="0" eaLnBrk="1" latinLnBrk="0" hangingPunct="1">
+              <a:defRPr sz="1800" kern="1200">
+                <a:solidFill>
+                  <a:schemeClr val="dk1"/>
+                </a:solidFill>
+                <a:latin typeface="+mn-lt"/>
+                <a:ea typeface="+mn-ea"/>
+                <a:cs typeface="+mn-cs"/>
+              </a:defRPr>
+            </a:lvl6pPr>
+            <a:lvl7pPr marL="2743200" algn="l" defTabSz="914400" rtl="0" eaLnBrk="1" latinLnBrk="0" hangingPunct="1">
+              <a:defRPr sz="1800" kern="1200">
+                <a:solidFill>
+                  <a:schemeClr val="dk1"/>
+                </a:solidFill>
+                <a:latin typeface="+mn-lt"/>
+                <a:ea typeface="+mn-ea"/>
+                <a:cs typeface="+mn-cs"/>
+              </a:defRPr>
+            </a:lvl7pPr>
+            <a:lvl8pPr marL="3200400" algn="l" defTabSz="914400" rtl="0" eaLnBrk="1" latinLnBrk="0" hangingPunct="1">
+              <a:defRPr sz="1800" kern="1200">
+                <a:solidFill>
+                  <a:schemeClr val="dk1"/>
+                </a:solidFill>
+                <a:latin typeface="+mn-lt"/>
+                <a:ea typeface="+mn-ea"/>
+                <a:cs typeface="+mn-cs"/>
+              </a:defRPr>
+            </a:lvl8pPr>
+            <a:lvl9pPr marL="3657600" algn="l" defTabSz="914400" rtl="0" eaLnBrk="1" latinLnBrk="0" hangingPunct="1">
+              <a:defRPr sz="1800" kern="1200">
+                <a:solidFill>
+                  <a:schemeClr val="dk1"/>
+                </a:solidFill>
+                <a:latin typeface="+mn-lt"/>
+                <a:ea typeface="+mn-ea"/>
+                <a:cs typeface="+mn-cs"/>
+              </a:defRPr>
+            </a:lvl9pPr>
+          </a:lstStyle>
+          <a:p>
+            <a:r>
+              <a:rPr lang="en-US" dirty="0">
+                <a:solidFill>
+                  <a:srgbClr val="0000FF"/>
+                </a:solidFill>
+                <a:latin typeface="Consolas" panose="020B0609020204030204" pitchFamily="49" charset="0"/>
+                <a:ea typeface="Consolas"/>
+                <a:cs typeface="Consolas" panose="020B0609020204030204" pitchFamily="49" charset="0"/>
+              </a:rPr>
+              <a:t>public class </a:t>
+            </a:r>
+            <a:r>
+              <a:rPr lang="en-US" dirty="0" err="1">
+                <a:solidFill>
+                  <a:srgbClr val="008B8B"/>
+                </a:solidFill>
+                <a:latin typeface="Consolas" panose="020B0609020204030204" pitchFamily="49" charset="0"/>
+                <a:ea typeface="Consolas"/>
+                <a:cs typeface="Consolas" panose="020B0609020204030204" pitchFamily="49" charset="0"/>
+              </a:rPr>
+              <a:t>HomeController</a:t>
+            </a:r>
+            <a:r>
+              <a:rPr lang="en-US" dirty="0">
+                <a:latin typeface="Consolas" panose="020B0609020204030204" pitchFamily="49" charset="0"/>
+                <a:cs typeface="Consolas" panose="020B0609020204030204" pitchFamily="49" charset="0"/>
+              </a:rPr>
+              <a:t> : </a:t>
+            </a:r>
+            <a:r>
+              <a:rPr lang="en-US" dirty="0">
+                <a:solidFill>
+                  <a:srgbClr val="008B8B"/>
+                </a:solidFill>
+                <a:latin typeface="Consolas" panose="020B0609020204030204" pitchFamily="49" charset="0"/>
+                <a:ea typeface="Consolas"/>
+                <a:cs typeface="Consolas" panose="020B0609020204030204" pitchFamily="49" charset="0"/>
+              </a:rPr>
+              <a:t>Controller </a:t>
+            </a:r>
+          </a:p>
+          <a:p>
+            <a:r>
+              <a:rPr lang="en-US" dirty="0">
+                <a:latin typeface="Consolas" panose="020B0609020204030204" pitchFamily="49" charset="0"/>
+                <a:cs typeface="Consolas" panose="020B0609020204030204" pitchFamily="49" charset="0"/>
+              </a:rPr>
+              <a:t>{ </a:t>
+            </a:r>
+          </a:p>
+          <a:p>
+            <a:r>
+              <a:rPr lang="en-US" dirty="0">
+                <a:latin typeface="Consolas" panose="020B0609020204030204" pitchFamily="49" charset="0"/>
+                <a:cs typeface="Consolas" panose="020B0609020204030204" pitchFamily="49" charset="0"/>
+              </a:rPr>
+              <a:t>	</a:t>
+            </a:r>
+            <a:r>
+              <a:rPr lang="en-US" dirty="0">
+                <a:solidFill>
+                  <a:srgbClr val="0000FF"/>
+                </a:solidFill>
+                <a:latin typeface="Consolas" panose="020B0609020204030204" pitchFamily="49" charset="0"/>
+                <a:ea typeface="Consolas"/>
+                <a:cs typeface="Consolas" panose="020B0609020204030204" pitchFamily="49" charset="0"/>
+              </a:rPr>
+              <a:t>private </a:t>
+            </a:r>
+            <a:r>
+              <a:rPr lang="en-US" dirty="0" err="1">
+                <a:solidFill>
+                  <a:srgbClr val="0000FF"/>
+                </a:solidFill>
+                <a:latin typeface="Consolas" panose="020B0609020204030204" pitchFamily="49" charset="0"/>
+                <a:ea typeface="Consolas"/>
+                <a:cs typeface="Consolas" panose="020B0609020204030204" pitchFamily="49" charset="0"/>
+              </a:rPr>
+              <a:t>readonly</a:t>
+            </a:r>
+            <a:r>
+              <a:rPr lang="en-US" dirty="0">
+                <a:solidFill>
+                  <a:srgbClr val="0000FF"/>
+                </a:solidFill>
+                <a:latin typeface="Consolas" panose="020B0609020204030204" pitchFamily="49" charset="0"/>
+                <a:ea typeface="Consolas"/>
+                <a:cs typeface="Consolas" panose="020B0609020204030204" pitchFamily="49" charset="0"/>
+              </a:rPr>
+              <a:t> </a:t>
+            </a:r>
+            <a:r>
+              <a:rPr lang="en-US" dirty="0" err="1" smtClean="0">
+                <a:solidFill>
+                  <a:srgbClr val="008B8B"/>
+                </a:solidFill>
+                <a:latin typeface="Consolas" panose="020B0609020204030204" pitchFamily="49" charset="0"/>
+                <a:ea typeface="Consolas"/>
+                <a:cs typeface="Consolas" panose="020B0609020204030204" pitchFamily="49" charset="0"/>
+              </a:rPr>
+              <a:t>ILogger</a:t>
+            </a:r>
+            <a:r>
+              <a:rPr lang="en-US" dirty="0" smtClean="0">
+                <a:latin typeface="Consolas" panose="020B0609020204030204" pitchFamily="49" charset="0"/>
+                <a:cs typeface="Consolas" panose="020B0609020204030204" pitchFamily="49" charset="0"/>
+              </a:rPr>
+              <a:t> logger; </a:t>
+            </a:r>
+            <a:endParaRPr lang="en-US" dirty="0">
+              <a:latin typeface="Consolas" panose="020B0609020204030204" pitchFamily="49" charset="0"/>
+              <a:cs typeface="Consolas" panose="020B0609020204030204" pitchFamily="49" charset="0"/>
+            </a:endParaRPr>
+          </a:p>
+          <a:p>
+            <a:endParaRPr lang="en-US" dirty="0">
+              <a:latin typeface="Consolas" panose="020B0609020204030204" pitchFamily="49" charset="0"/>
+              <a:cs typeface="Consolas" panose="020B0609020204030204" pitchFamily="49" charset="0"/>
+            </a:endParaRPr>
+          </a:p>
+          <a:p>
+            <a:r>
+              <a:rPr lang="en-US" dirty="0">
+                <a:latin typeface="Consolas" panose="020B0609020204030204" pitchFamily="49" charset="0"/>
+                <a:cs typeface="Consolas" panose="020B0609020204030204" pitchFamily="49" charset="0"/>
+              </a:rPr>
+              <a:t>	</a:t>
+            </a:r>
+            <a:r>
+              <a:rPr lang="en-US" dirty="0">
+                <a:solidFill>
+                  <a:srgbClr val="0000FF"/>
+                </a:solidFill>
+                <a:latin typeface="Consolas" panose="020B0609020204030204" pitchFamily="49" charset="0"/>
+                <a:ea typeface="Consolas"/>
+                <a:cs typeface="Consolas" panose="020B0609020204030204" pitchFamily="49" charset="0"/>
+              </a:rPr>
+              <a:t>public</a:t>
+            </a:r>
+            <a:r>
+              <a:rPr lang="en-US" dirty="0">
+                <a:latin typeface="Consolas" panose="020B0609020204030204" pitchFamily="49" charset="0"/>
+                <a:cs typeface="Consolas" panose="020B0609020204030204" pitchFamily="49" charset="0"/>
+              </a:rPr>
+              <a:t> </a:t>
+            </a:r>
+            <a:r>
+              <a:rPr lang="en-US" dirty="0" err="1" smtClean="0">
+                <a:latin typeface="Consolas" panose="020B0609020204030204" pitchFamily="49" charset="0"/>
+                <a:cs typeface="Consolas" panose="020B0609020204030204" pitchFamily="49" charset="0"/>
+              </a:rPr>
+              <a:t>HomeController</a:t>
+            </a:r>
+            <a:r>
+              <a:rPr lang="en-US" dirty="0" smtClean="0">
+                <a:latin typeface="Consolas" panose="020B0609020204030204" pitchFamily="49" charset="0"/>
+                <a:cs typeface="Consolas" panose="020B0609020204030204" pitchFamily="49" charset="0"/>
+              </a:rPr>
+              <a:t>(</a:t>
+            </a:r>
+            <a:r>
+              <a:rPr lang="en-US" dirty="0" err="1" smtClean="0">
+                <a:solidFill>
+                  <a:srgbClr val="008B8B"/>
+                </a:solidFill>
+                <a:latin typeface="Consolas" panose="020B0609020204030204" pitchFamily="49" charset="0"/>
+                <a:ea typeface="Consolas"/>
+                <a:cs typeface="Consolas" panose="020B0609020204030204" pitchFamily="49" charset="0"/>
+              </a:rPr>
+              <a:t>ILogger</a:t>
+            </a:r>
+            <a:r>
+              <a:rPr lang="en-US" dirty="0">
+                <a:latin typeface="Consolas" panose="020B0609020204030204" pitchFamily="49" charset="0"/>
+                <a:cs typeface="Consolas" panose="020B0609020204030204" pitchFamily="49" charset="0"/>
+              </a:rPr>
+              <a:t>&lt;</a:t>
+            </a:r>
+            <a:r>
+              <a:rPr lang="en-US" dirty="0" err="1" smtClean="0">
+                <a:solidFill>
+                  <a:srgbClr val="008B8B"/>
+                </a:solidFill>
+                <a:latin typeface="Consolas" panose="020B0609020204030204" pitchFamily="49" charset="0"/>
+                <a:ea typeface="Consolas"/>
+                <a:cs typeface="Consolas" panose="020B0609020204030204" pitchFamily="49" charset="0"/>
+              </a:rPr>
+              <a:t>HomeController</a:t>
+            </a:r>
+            <a:r>
+              <a:rPr lang="en-US" dirty="0">
+                <a:latin typeface="Consolas" panose="020B0609020204030204" pitchFamily="49" charset="0"/>
+                <a:cs typeface="Consolas" panose="020B0609020204030204" pitchFamily="49" charset="0"/>
+              </a:rPr>
+              <a:t>&gt;</a:t>
+            </a:r>
+            <a:r>
+              <a:rPr lang="en-US" dirty="0" smtClean="0">
+                <a:latin typeface="Consolas" panose="020B0609020204030204" pitchFamily="49" charset="0"/>
+                <a:cs typeface="Consolas" panose="020B0609020204030204" pitchFamily="49" charset="0"/>
+              </a:rPr>
+              <a:t> logger) </a:t>
+            </a:r>
+            <a:endParaRPr lang="en-US" dirty="0">
+              <a:latin typeface="Consolas" panose="020B0609020204030204" pitchFamily="49" charset="0"/>
+              <a:cs typeface="Consolas" panose="020B0609020204030204" pitchFamily="49" charset="0"/>
+            </a:endParaRPr>
+          </a:p>
+          <a:p>
+            <a:r>
+              <a:rPr lang="en-US" dirty="0">
+                <a:latin typeface="Consolas" panose="020B0609020204030204" pitchFamily="49" charset="0"/>
+                <a:cs typeface="Consolas" panose="020B0609020204030204" pitchFamily="49" charset="0"/>
+              </a:rPr>
+              <a:t>	{</a:t>
+            </a:r>
+          </a:p>
+          <a:p>
+            <a:r>
+              <a:rPr lang="en-US" dirty="0">
+                <a:latin typeface="Consolas" panose="020B0609020204030204" pitchFamily="49" charset="0"/>
+                <a:cs typeface="Consolas" panose="020B0609020204030204" pitchFamily="49" charset="0"/>
+              </a:rPr>
+              <a:t>		</a:t>
+            </a:r>
+            <a:r>
+              <a:rPr lang="en-US" dirty="0" err="1" smtClean="0">
+                <a:solidFill>
+                  <a:srgbClr val="0000FF"/>
+                </a:solidFill>
+                <a:latin typeface="Consolas" panose="020B0609020204030204" pitchFamily="49" charset="0"/>
+                <a:ea typeface="Consolas"/>
+                <a:cs typeface="Consolas" panose="020B0609020204030204" pitchFamily="49" charset="0"/>
+              </a:rPr>
+              <a:t>this</a:t>
+            </a:r>
+            <a:r>
+              <a:rPr lang="en-US" dirty="0" err="1" smtClean="0">
+                <a:latin typeface="Consolas" panose="020B0609020204030204" pitchFamily="49" charset="0"/>
+                <a:cs typeface="Consolas" panose="020B0609020204030204" pitchFamily="49" charset="0"/>
+              </a:rPr>
+              <a:t>.logger</a:t>
+            </a:r>
+            <a:r>
+              <a:rPr lang="en-US" dirty="0" smtClean="0">
+                <a:latin typeface="Consolas" panose="020B0609020204030204" pitchFamily="49" charset="0"/>
+                <a:cs typeface="Consolas" panose="020B0609020204030204" pitchFamily="49" charset="0"/>
+              </a:rPr>
+              <a:t> </a:t>
+            </a:r>
+            <a:r>
+              <a:rPr lang="en-US" dirty="0">
+                <a:latin typeface="Consolas" panose="020B0609020204030204" pitchFamily="49" charset="0"/>
+                <a:cs typeface="Consolas" panose="020B0609020204030204" pitchFamily="49" charset="0"/>
+              </a:rPr>
+              <a:t>= </a:t>
+            </a:r>
+            <a:r>
+              <a:rPr lang="en-US" dirty="0" smtClean="0">
+                <a:latin typeface="Consolas" panose="020B0609020204030204" pitchFamily="49" charset="0"/>
+                <a:cs typeface="Consolas" panose="020B0609020204030204" pitchFamily="49" charset="0"/>
+              </a:rPr>
+              <a:t>logger;</a:t>
+            </a:r>
+          </a:p>
+          <a:p>
+            <a:r>
+              <a:rPr lang="en-US" dirty="0"/>
+              <a:t>	</a:t>
+            </a:r>
+            <a:r>
+              <a:rPr lang="en-US" dirty="0" smtClean="0"/>
+              <a:t>	</a:t>
+            </a:r>
+            <a:r>
+              <a:rPr lang="en-US" dirty="0" err="1" smtClean="0">
+                <a:solidFill>
+                  <a:srgbClr val="0000FF"/>
+                </a:solidFill>
+                <a:latin typeface="Consolas" panose="020B0609020204030204" pitchFamily="49" charset="0"/>
+                <a:ea typeface="Consolas"/>
+                <a:cs typeface="Consolas" panose="020B0609020204030204" pitchFamily="49" charset="0"/>
+              </a:rPr>
+              <a:t>this</a:t>
+            </a:r>
+            <a:r>
+              <a:rPr lang="en-US" dirty="0" err="1" smtClean="0">
+                <a:latin typeface="Consolas" panose="020B0609020204030204" pitchFamily="49" charset="0"/>
+                <a:cs typeface="Consolas" panose="020B0609020204030204" pitchFamily="49" charset="0"/>
+              </a:rPr>
+              <a:t>.logger.LogInformation</a:t>
+            </a:r>
+            <a:r>
+              <a:rPr lang="en-US" dirty="0" smtClean="0">
+                <a:latin typeface="Consolas" panose="020B0609020204030204" pitchFamily="49" charset="0"/>
+                <a:cs typeface="Consolas" panose="020B0609020204030204" pitchFamily="49" charset="0"/>
+              </a:rPr>
+              <a:t>(</a:t>
+            </a:r>
+            <a:r>
+              <a:rPr lang="en-US" dirty="0">
+                <a:solidFill>
+                  <a:srgbClr val="A31515"/>
+                </a:solidFill>
+                <a:latin typeface="Consolas" panose="020B0609020204030204" pitchFamily="49" charset="0"/>
+                <a:ea typeface="Consolas"/>
+                <a:cs typeface="Consolas" panose="020B0609020204030204" pitchFamily="49" charset="0"/>
+              </a:rPr>
+              <a:t>"</a:t>
+            </a:r>
+            <a:r>
+              <a:rPr lang="en-US" dirty="0" smtClean="0">
+                <a:solidFill>
+                  <a:srgbClr val="A31515"/>
+                </a:solidFill>
+                <a:latin typeface="Consolas" panose="020B0609020204030204" pitchFamily="49" charset="0"/>
+                <a:ea typeface="Consolas"/>
+                <a:cs typeface="Consolas" panose="020B0609020204030204" pitchFamily="49" charset="0"/>
+              </a:rPr>
+              <a:t>Controller </a:t>
+            </a:r>
+            <a:r>
+              <a:rPr lang="en-US" dirty="0">
+                <a:solidFill>
+                  <a:srgbClr val="A31515"/>
+                </a:solidFill>
+                <a:latin typeface="Consolas" panose="020B0609020204030204" pitchFamily="49" charset="0"/>
+                <a:ea typeface="Consolas"/>
+                <a:cs typeface="Consolas" panose="020B0609020204030204" pitchFamily="49" charset="0"/>
+              </a:rPr>
+              <a:t>created"</a:t>
+            </a:r>
+            <a:r>
+              <a:rPr lang="en-US" dirty="0">
+                <a:latin typeface="Consolas" panose="020B0609020204030204" pitchFamily="49" charset="0"/>
+                <a:cs typeface="Consolas" panose="020B0609020204030204" pitchFamily="49" charset="0"/>
+              </a:rPr>
+              <a:t>);</a:t>
+            </a:r>
+            <a:endParaRPr lang="en-US" dirty="0">
+              <a:latin typeface="Consolas" panose="020B0609020204030204" pitchFamily="49" charset="0"/>
+              <a:cs typeface="Consolas" panose="020B0609020204030204" pitchFamily="49" charset="0"/>
+            </a:endParaRPr>
+          </a:p>
+          <a:p>
+            <a:r>
+              <a:rPr lang="en-US" dirty="0">
+                <a:latin typeface="Consolas" panose="020B0609020204030204" pitchFamily="49" charset="0"/>
+                <a:cs typeface="Consolas" panose="020B0609020204030204" pitchFamily="49" charset="0"/>
+              </a:rPr>
+              <a:t>	}</a:t>
+            </a:r>
+          </a:p>
+          <a:p>
+            <a:r>
+              <a:rPr lang="en-US" dirty="0">
+                <a:latin typeface="Consolas" panose="020B0609020204030204" pitchFamily="49" charset="0"/>
+                <a:cs typeface="Consolas" panose="020B0609020204030204" pitchFamily="49" charset="0"/>
+              </a:rPr>
+              <a:t>	</a:t>
+            </a:r>
+          </a:p>
+          <a:p>
+            <a:r>
+              <a:rPr lang="en-US" dirty="0">
+                <a:latin typeface="Consolas" panose="020B0609020204030204" pitchFamily="49" charset="0"/>
+                <a:cs typeface="Consolas" panose="020B0609020204030204" pitchFamily="49" charset="0"/>
+              </a:rPr>
+              <a:t>	</a:t>
+            </a:r>
+            <a:r>
+              <a:rPr lang="en-US" dirty="0">
+                <a:solidFill>
+                  <a:srgbClr val="006400"/>
+                </a:solidFill>
+                <a:latin typeface="Consolas"/>
+                <a:ea typeface="Consolas"/>
+                <a:cs typeface="Consolas"/>
+              </a:rPr>
+              <a:t>//Implementation</a:t>
+            </a:r>
+          </a:p>
+          <a:p>
+            <a:r>
+              <a:rPr lang="en-US" dirty="0">
+                <a:latin typeface="Consolas" panose="020B0609020204030204" pitchFamily="49" charset="0"/>
+                <a:cs typeface="Consolas" panose="020B0609020204030204" pitchFamily="49" charset="0"/>
+              </a:rPr>
+              <a:t>}</a:t>
+            </a:r>
+            <a:endParaRPr lang="en-US" dirty="0">
+              <a:latin typeface="Consolas" panose="020B0609020204030204" pitchFamily="49" charset="0"/>
+              <a:cs typeface="Consolas" panose="020B0609020204030204" pitchFamily="49" charset="0"/>
+            </a:endParaRPr>
+          </a:p>
+        </p:txBody>
+      </p:sp>
+      <p:sp>
+        <p:nvSpPr>
+          <p:cNvPr id="7" name="TextBox 6"/>
+          <p:cNvSpPr txBox="1"/>
+          <p:nvPr/>
+        </p:nvSpPr>
+        <p:spPr>
+          <a:xfrm>
+            <a:off x="7248630" y="1340768"/>
+            <a:ext cx="1582947" cy="307777"/>
+          </a:xfrm>
+          <a:prstGeom prst="rect">
+            <a:avLst/>
+          </a:prstGeom>
+          <a:solidFill>
+            <a:srgbClr val="0070C0"/>
+          </a:solidFill>
+          <a:ln w="19050">
+            <a:noFill/>
+          </a:ln>
+        </p:spPr>
+        <p:txBody>
+          <a:bodyPr wrap="square" rtlCol="0">
+            <a:spAutoFit/>
+          </a:bodyPr>
+          <a:lstStyle/>
+          <a:p>
+            <a:pPr marL="0" marR="0" lvl="0" indent="0" defTabSz="914400" eaLnBrk="1" fontAlgn="auto" latinLnBrk="0" hangingPunct="1">
+              <a:lnSpc>
+                <a:spcPct val="100000"/>
+              </a:lnSpc>
+              <a:spcBef>
+                <a:spcPts val="0"/>
+              </a:spcBef>
+              <a:spcAft>
+                <a:spcPts val="0"/>
+              </a:spcAft>
+              <a:buClrTx/>
+              <a:buSzTx/>
+              <a:buFontTx/>
+              <a:buNone/>
+              <a:tabLst/>
+              <a:defRPr/>
+            </a:pPr>
+            <a:r>
+              <a:rPr kumimoji="0" lang="en-US" sz="1400" b="0" i="0" u="none" strike="noStrike" kern="0" cap="none" spc="0" normalizeH="0" baseline="0" noProof="0" dirty="0" smtClean="0">
+                <a:ln>
+                  <a:noFill/>
+                </a:ln>
+                <a:solidFill>
+                  <a:prstClr val="white"/>
+                </a:solidFill>
+                <a:effectLst/>
+                <a:uLnTx/>
+                <a:uFillTx/>
+                <a:latin typeface="Arial" panose="020B0604020202020204" pitchFamily="34" charset="0"/>
+                <a:cs typeface="Arial" panose="020B0604020202020204" pitchFamily="34" charset="0"/>
+              </a:rPr>
+              <a:t>CODE SNIPPET</a:t>
+            </a:r>
+          </a:p>
+        </p:txBody>
+      </p:sp>
     </p:spTree>
     <p:extLst>
       <p:ext uri="{BB962C8B-B14F-4D97-AF65-F5344CB8AC3E}">
-        <p14:creationId xmlns:p14="http://schemas.microsoft.com/office/powerpoint/2010/main" val="3967209613"/>
+        <p14:creationId xmlns:p14="http://schemas.microsoft.com/office/powerpoint/2010/main" val="1678056575"/>
       </p:ext>
     </p:extLst>
   </p:cSld>
@@ -30805,13 +31348,10 @@
           <a:lstStyle/>
           <a:p>
             <a:r>
-              <a:rPr lang="en-US" dirty="0" smtClean="0"/>
-              <a:t>IT’s ALL </a:t>
-            </a:r>
-            <a:r>
-              <a:rPr lang="en-US" dirty="0"/>
-              <a:t>ABOUT architecture</a:t>
-            </a:r>
+              <a:rPr lang="en-GB" dirty="0" smtClean="0"/>
+              <a:t>TAG HELPERS</a:t>
+            </a:r>
+            <a:endParaRPr lang="en-US" dirty="0"/>
           </a:p>
         </p:txBody>
       </p:sp>
@@ -30853,6 +31393,314 @@
           <a:bodyPr/>
           <a:lstStyle/>
           <a:p>
+            <a:r>
+              <a:rPr lang="en-GB" dirty="0" smtClean="0"/>
+              <a:t>TODO</a:t>
+            </a:r>
+            <a:endParaRPr lang="en-US" dirty="0"/>
+          </a:p>
+        </p:txBody>
+      </p:sp>
+    </p:spTree>
+    <p:extLst>
+      <p:ext uri="{BB962C8B-B14F-4D97-AF65-F5344CB8AC3E}">
+        <p14:creationId xmlns:p14="http://schemas.microsoft.com/office/powerpoint/2010/main" val="4230502830"/>
+      </p:ext>
+    </p:extLst>
+  </p:cSld>
+  <p:clrMapOvr>
+    <a:masterClrMapping/>
+  </p:clrMapOvr>
+</p:sld>
+</file>
+
+<file path=ppt/slides/slide26.xml><?xml version="1.0" encoding="utf-8"?>
+<p:sld xmlns:a="http://schemas.openxmlformats.org/drawingml/2006/main" xmlns:r="http://schemas.openxmlformats.org/officeDocument/2006/relationships" xmlns:p="http://schemas.openxmlformats.org/presentationml/2006/main">
+  <p:cSld>
+    <p:spTree>
+      <p:nvGrpSpPr>
+        <p:cNvPr id="1" name=""/>
+        <p:cNvGrpSpPr/>
+        <p:nvPr/>
+      </p:nvGrpSpPr>
+      <p:grpSpPr>
+        <a:xfrm>
+          <a:off x="0" y="0"/>
+          <a:ext cx="0" cy="0"/>
+          <a:chOff x="0" y="0"/>
+          <a:chExt cx="0" cy="0"/>
+        </a:xfrm>
+      </p:grpSpPr>
+      <p:sp>
+        <p:nvSpPr>
+          <p:cNvPr id="2" name="Text Placeholder 1"/>
+          <p:cNvSpPr>
+            <a:spLocks noGrp="1"/>
+          </p:cNvSpPr>
+          <p:nvPr>
+            <p:ph type="body" sz="quarter" idx="13"/>
+          </p:nvPr>
+        </p:nvSpPr>
+        <p:spPr>
+          <a:xfrm>
+            <a:off x="2699793" y="3573016"/>
+            <a:ext cx="3744416" cy="945788"/>
+          </a:xfrm>
+        </p:spPr>
+        <p:txBody>
+          <a:bodyPr/>
+          <a:lstStyle/>
+          <a:p>
+            <a:r>
+              <a:rPr lang="en-US" dirty="0"/>
+              <a:t>Linus Torvalds</a:t>
+            </a:r>
+          </a:p>
+        </p:txBody>
+      </p:sp>
+      <p:sp>
+        <p:nvSpPr>
+          <p:cNvPr id="3" name="Text Placeholder 2"/>
+          <p:cNvSpPr>
+            <a:spLocks noGrp="1"/>
+          </p:cNvSpPr>
+          <p:nvPr>
+            <p:ph type="body" sz="quarter" idx="11"/>
+          </p:nvPr>
+        </p:nvSpPr>
+        <p:spPr>
+          <a:xfrm>
+            <a:off x="827585" y="2708921"/>
+            <a:ext cx="7488832" cy="1874092"/>
+          </a:xfrm>
+        </p:spPr>
+        <p:txBody>
+          <a:bodyPr/>
+          <a:lstStyle/>
+          <a:p>
+            <a:pPr algn="ctr"/>
+            <a:r>
+              <a:rPr lang="en-US" sz="3600" dirty="0"/>
+              <a:t>Talk is cheap. Show me the code.</a:t>
+            </a:r>
+          </a:p>
+        </p:txBody>
+      </p:sp>
+      <p:sp>
+        <p:nvSpPr>
+          <p:cNvPr id="4" name="Title 3"/>
+          <p:cNvSpPr>
+            <a:spLocks noGrp="1"/>
+          </p:cNvSpPr>
+          <p:nvPr>
+            <p:ph type="title"/>
+          </p:nvPr>
+        </p:nvSpPr>
+        <p:spPr/>
+        <p:txBody>
+          <a:bodyPr/>
+          <a:lstStyle/>
+          <a:p>
+            <a:r>
+              <a:rPr lang="en-GB" dirty="0" smtClean="0"/>
+              <a:t>Quote of the day</a:t>
+            </a:r>
+            <a:endParaRPr lang="en-US" dirty="0"/>
+          </a:p>
+        </p:txBody>
+      </p:sp>
+      <p:sp>
+        <p:nvSpPr>
+          <p:cNvPr id="5" name="Footer Placeholder 4"/>
+          <p:cNvSpPr>
+            <a:spLocks noGrp="1"/>
+          </p:cNvSpPr>
+          <p:nvPr>
+            <p:ph type="ftr" sz="quarter" idx="3"/>
+          </p:nvPr>
+        </p:nvSpPr>
+        <p:spPr/>
+        <p:txBody>
+          <a:bodyPr/>
+          <a:lstStyle/>
+          <a:p>
+            <a:r>
+              <a:rPr lang="en-US" smtClean="0"/>
+              <a:t>PRESENTATION NAME</a:t>
+            </a:r>
+            <a:endParaRPr lang="en-US" dirty="0"/>
+          </a:p>
+        </p:txBody>
+      </p:sp>
+    </p:spTree>
+    <p:extLst>
+      <p:ext uri="{BB962C8B-B14F-4D97-AF65-F5344CB8AC3E}">
+        <p14:creationId xmlns:p14="http://schemas.microsoft.com/office/powerpoint/2010/main" val="3967209613"/>
+      </p:ext>
+    </p:extLst>
+  </p:cSld>
+  <p:clrMapOvr>
+    <a:masterClrMapping/>
+  </p:clrMapOvr>
+  <p:timing>
+    <p:tnLst>
+      <p:par>
+        <p:cTn id="1" dur="indefinite" restart="never" nodeType="tmRoot"/>
+      </p:par>
+    </p:tnLst>
+  </p:timing>
+</p:sld>
+</file>
+
+<file path=ppt/slides/slide27.xml><?xml version="1.0" encoding="utf-8"?>
+<p:sld xmlns:a="http://schemas.openxmlformats.org/drawingml/2006/main" xmlns:r="http://schemas.openxmlformats.org/officeDocument/2006/relationships" xmlns:p="http://schemas.openxmlformats.org/presentationml/2006/main">
+  <p:cSld>
+    <p:spTree>
+      <p:nvGrpSpPr>
+        <p:cNvPr id="1" name=""/>
+        <p:cNvGrpSpPr/>
+        <p:nvPr/>
+      </p:nvGrpSpPr>
+      <p:grpSpPr>
+        <a:xfrm>
+          <a:off x="0" y="0"/>
+          <a:ext cx="0" cy="0"/>
+          <a:chOff x="0" y="0"/>
+          <a:chExt cx="0" cy="0"/>
+        </a:xfrm>
+      </p:grpSpPr>
+      <p:sp>
+        <p:nvSpPr>
+          <p:cNvPr id="2" name="Text Placeholder 1"/>
+          <p:cNvSpPr>
+            <a:spLocks noGrp="1"/>
+          </p:cNvSpPr>
+          <p:nvPr>
+            <p:ph type="body" sz="quarter" idx="11"/>
+          </p:nvPr>
+        </p:nvSpPr>
+        <p:spPr/>
+        <p:txBody>
+          <a:bodyPr/>
+          <a:lstStyle/>
+          <a:p>
+            <a:endParaRPr lang="en-US" dirty="0"/>
+          </a:p>
+        </p:txBody>
+      </p:sp>
+      <p:sp>
+        <p:nvSpPr>
+          <p:cNvPr id="3" name="Text Placeholder 2"/>
+          <p:cNvSpPr>
+            <a:spLocks noGrp="1"/>
+          </p:cNvSpPr>
+          <p:nvPr>
+            <p:ph type="body" sz="quarter" idx="12"/>
+          </p:nvPr>
+        </p:nvSpPr>
+        <p:spPr/>
+        <p:txBody>
+          <a:bodyPr/>
+          <a:lstStyle/>
+          <a:p>
+            <a:endParaRPr lang="en-US"/>
+          </a:p>
+        </p:txBody>
+      </p:sp>
+    </p:spTree>
+    <p:extLst>
+      <p:ext uri="{BB962C8B-B14F-4D97-AF65-F5344CB8AC3E}">
+        <p14:creationId xmlns:p14="http://schemas.microsoft.com/office/powerpoint/2010/main" val="3194048973"/>
+      </p:ext>
+    </p:extLst>
+  </p:cSld>
+  <p:clrMapOvr>
+    <a:masterClrMapping/>
+  </p:clrMapOvr>
+</p:sld>
+</file>
+
+<file path=ppt/slides/slide28.xml><?xml version="1.0" encoding="utf-8"?>
+<p:sld xmlns:a="http://schemas.openxmlformats.org/drawingml/2006/main" xmlns:r="http://schemas.openxmlformats.org/officeDocument/2006/relationships" xmlns:p="http://schemas.openxmlformats.org/presentationml/2006/main">
+  <p:cSld>
+    <p:spTree>
+      <p:nvGrpSpPr>
+        <p:cNvPr id="1" name=""/>
+        <p:cNvGrpSpPr/>
+        <p:nvPr/>
+      </p:nvGrpSpPr>
+      <p:grpSpPr>
+        <a:xfrm>
+          <a:off x="0" y="0"/>
+          <a:ext cx="0" cy="0"/>
+          <a:chOff x="0" y="0"/>
+          <a:chExt cx="0" cy="0"/>
+        </a:xfrm>
+      </p:grpSpPr>
+      <p:sp>
+        <p:nvSpPr>
+          <p:cNvPr id="2" name="Title 1"/>
+          <p:cNvSpPr>
+            <a:spLocks noGrp="1"/>
+          </p:cNvSpPr>
+          <p:nvPr>
+            <p:ph type="title"/>
+          </p:nvPr>
+        </p:nvSpPr>
+        <p:spPr/>
+        <p:txBody>
+          <a:bodyPr/>
+          <a:lstStyle/>
+          <a:p>
+            <a:r>
+              <a:rPr lang="en-US" dirty="0" smtClean="0"/>
+              <a:t>IT’s ALL </a:t>
+            </a:r>
+            <a:r>
+              <a:rPr lang="en-US" dirty="0"/>
+              <a:t>ABOUT architecture</a:t>
+            </a:r>
+          </a:p>
+        </p:txBody>
+      </p:sp>
+      <p:sp>
+        <p:nvSpPr>
+          <p:cNvPr id="3" name="Footer Placeholder 2"/>
+          <p:cNvSpPr>
+            <a:spLocks noGrp="1"/>
+          </p:cNvSpPr>
+          <p:nvPr>
+            <p:ph type="ftr" sz="quarter" idx="3"/>
+          </p:nvPr>
+        </p:nvSpPr>
+        <p:spPr/>
+        <p:txBody>
+          <a:bodyPr/>
+          <a:lstStyle/>
+          <a:p>
+            <a:r>
+              <a:rPr lang="en-US" smtClean="0"/>
+              <a:t>PRESENTATION NAME</a:t>
+            </a:r>
+            <a:endParaRPr lang="en-US" dirty="0"/>
+          </a:p>
+        </p:txBody>
+      </p:sp>
+      <p:sp>
+        <p:nvSpPr>
+          <p:cNvPr id="4" name="Content Placeholder 3"/>
+          <p:cNvSpPr>
+            <a:spLocks noGrp="1"/>
+          </p:cNvSpPr>
+          <p:nvPr>
+            <p:ph sz="quarter" idx="12"/>
+          </p:nvPr>
+        </p:nvSpPr>
+        <p:spPr/>
+        <p:txBody>
+          <a:bodyPr/>
+          <a:lstStyle/>
+          <a:p>
             <a:pPr marL="0" indent="0">
               <a:buNone/>
             </a:pPr>
@@ -30932,7 +31780,7 @@
 </p:sld>
 </file>
 
-<file path=ppt/slides/slide26.xml><?xml version="1.0" encoding="utf-8"?>
+<file path=ppt/slides/slide29.xml><?xml version="1.0" encoding="utf-8"?>
 <p:sld xmlns:a="http://schemas.openxmlformats.org/drawingml/2006/main" xmlns:r="http://schemas.openxmlformats.org/officeDocument/2006/relationships" xmlns:p="http://schemas.openxmlformats.org/presentationml/2006/main">
   <p:cSld>
     <p:spTree>

--- a/docs/ASP.NET CORE - iTechArt 2018.pptx
+++ b/docs/ASP.NET CORE - iTechArt 2018.pptx
@@ -8,10 +8,10 @@
     <p:sldMasterId id="2147483702" r:id="rId4"/>
   </p:sldMasterIdLst>
   <p:notesMasterIdLst>
-    <p:notesMasterId r:id="rId34"/>
+    <p:notesMasterId r:id="rId31"/>
   </p:notesMasterIdLst>
   <p:handoutMasterIdLst>
-    <p:handoutMasterId r:id="rId35"/>
+    <p:handoutMasterId r:id="rId32"/>
   </p:handoutMasterIdLst>
   <p:sldIdLst>
     <p:sldId id="334" r:id="rId5"/>
@@ -39,10 +39,7 @@
     <p:sldId id="544" r:id="rId27"/>
     <p:sldId id="546" r:id="rId28"/>
     <p:sldId id="547" r:id="rId29"/>
-    <p:sldId id="528" r:id="rId30"/>
-    <p:sldId id="545" r:id="rId31"/>
-    <p:sldId id="520" r:id="rId32"/>
-    <p:sldId id="521" r:id="rId33"/>
+    <p:sldId id="548" r:id="rId30"/>
   </p:sldIdLst>
   <p:sldSz cx="9144000" cy="6858000" type="screen4x3"/>
   <p:notesSz cx="6858000" cy="9144000"/>
@@ -5342,7 +5339,7 @@
           <a:p>
             <a:fld id="{4745C2A7-EC62-4025-933C-BCAFCDD3DF69}" type="datetimeFigureOut">
               <a:rPr lang="en-US" smtClean="0"/>
-              <a:t>2/2/2018</a:t>
+              <a:t>2/13/2018</a:t>
             </a:fld>
             <a:endParaRPr lang="en-US"/>
           </a:p>
@@ -5507,7 +5504,7 @@
           <a:p>
             <a:fld id="{06260018-D06A-43EF-993F-2C9FDF70442E}" type="datetimeFigureOut">
               <a:rPr lang="en-US" smtClean="0"/>
-              <a:t>2/2/2018</a:t>
+              <a:t>2/13/2018</a:t>
             </a:fld>
             <a:endParaRPr lang="en-US"/>
           </a:p>
@@ -18808,6 +18805,219 @@
 </file>
 
 <file path=ppt/slideLayouts/slideLayout33.xml><?xml version="1.0" encoding="utf-8"?>
+<p:sldLayout xmlns:a="http://schemas.openxmlformats.org/drawingml/2006/main" xmlns:r="http://schemas.openxmlformats.org/officeDocument/2006/relationships" xmlns:p="http://schemas.openxmlformats.org/presentationml/2006/main" userDrawn="1">
+  <p:cSld name="Bye 1">
+    <p:spTree>
+      <p:nvGrpSpPr>
+        <p:cNvPr id="1" name=""/>
+        <p:cNvGrpSpPr/>
+        <p:nvPr/>
+      </p:nvGrpSpPr>
+      <p:grpSpPr>
+        <a:xfrm>
+          <a:off x="0" y="0"/>
+          <a:ext cx="0" cy="0"/>
+          <a:chOff x="0" y="0"/>
+          <a:chExt cx="0" cy="0"/>
+        </a:xfrm>
+      </p:grpSpPr>
+      <p:sp>
+        <p:nvSpPr>
+          <p:cNvPr id="7" name="Text Placeholder 33"/>
+          <p:cNvSpPr>
+            <a:spLocks noGrp="1"/>
+          </p:cNvSpPr>
+          <p:nvPr>
+            <p:ph type="body" sz="quarter" idx="11" hasCustomPrompt="1"/>
+          </p:nvPr>
+        </p:nvSpPr>
+        <p:spPr>
+          <a:xfrm>
+            <a:off x="971600" y="2507260"/>
+            <a:ext cx="7200800" cy="561700"/>
+          </a:xfrm>
+          <a:prstGeom prst="rect">
+            <a:avLst/>
+          </a:prstGeom>
+        </p:spPr>
+        <p:txBody>
+          <a:bodyPr lIns="0" tIns="0" rIns="0" bIns="0">
+            <a:noAutofit/>
+          </a:bodyPr>
+          <a:lstStyle>
+            <a:lvl1pPr marL="0" indent="0" algn="ctr">
+              <a:buNone/>
+              <a:defRPr sz="4800" baseline="0">
+                <a:solidFill>
+                  <a:schemeClr val="tx1"/>
+                </a:solidFill>
+                <a:latin typeface="Arial Black" panose="020B0A04020102020204" pitchFamily="34" charset="0"/>
+              </a:defRPr>
+            </a:lvl1pPr>
+            <a:lvl2pPr marL="457200" indent="0" algn="l">
+              <a:buNone/>
+              <a:defRPr/>
+            </a:lvl2pPr>
+          </a:lstStyle>
+          <a:p>
+            <a:pPr lvl="0"/>
+            <a:r>
+              <a:rPr lang="en-US" dirty="0" smtClean="0"/>
+              <a:t>Go make something.</a:t>
+            </a:r>
+            <a:endParaRPr lang="en-US" dirty="0"/>
+          </a:p>
+        </p:txBody>
+      </p:sp>
+      <p:sp>
+        <p:nvSpPr>
+          <p:cNvPr id="8" name="Text Placeholder 35"/>
+          <p:cNvSpPr>
+            <a:spLocks noGrp="1"/>
+          </p:cNvSpPr>
+          <p:nvPr>
+            <p:ph type="body" sz="quarter" idx="12" hasCustomPrompt="1"/>
+          </p:nvPr>
+        </p:nvSpPr>
+        <p:spPr>
+          <a:xfrm>
+            <a:off x="971600" y="3289206"/>
+            <a:ext cx="7200800" cy="643850"/>
+          </a:xfrm>
+          <a:prstGeom prst="rect">
+            <a:avLst/>
+          </a:prstGeom>
+        </p:spPr>
+        <p:txBody>
+          <a:bodyPr lIns="0" tIns="0" rIns="0" bIns="0"/>
+          <a:lstStyle>
+            <a:lvl1pPr marL="0" indent="0" algn="ctr">
+              <a:lnSpc>
+                <a:spcPct val="100000"/>
+              </a:lnSpc>
+              <a:spcBef>
+                <a:spcPts val="0"/>
+              </a:spcBef>
+              <a:buNone/>
+              <a:defRPr sz="1800" baseline="0">
+                <a:solidFill>
+                  <a:schemeClr val="accent3"/>
+                </a:solidFill>
+                <a:latin typeface="Arial" panose="020B0604020202020204" pitchFamily="34" charset="0"/>
+                <a:cs typeface="Arial" panose="020B0604020202020204" pitchFamily="34" charset="0"/>
+              </a:defRPr>
+            </a:lvl1pPr>
+          </a:lstStyle>
+          <a:p>
+            <a:pPr lvl="0"/>
+            <a:r>
+              <a:rPr lang="en-US" dirty="0" smtClean="0"/>
+              <a:t>Lorem ipsum dolor sit </a:t>
+            </a:r>
+            <a:r>
+              <a:rPr lang="en-US" dirty="0" err="1" smtClean="0"/>
+              <a:t>amet</a:t>
+            </a:r>
+            <a:r>
+              <a:rPr lang="en-US" dirty="0" smtClean="0"/>
+              <a:t> </a:t>
+            </a:r>
+            <a:r>
+              <a:rPr lang="en-US" dirty="0" err="1" smtClean="0"/>
+              <a:t>consectetur</a:t>
+            </a:r>
+            <a:r>
+              <a:rPr lang="en-US" dirty="0" smtClean="0"/>
+              <a:t> </a:t>
+            </a:r>
+            <a:r>
+              <a:rPr lang="en-US" dirty="0" err="1" smtClean="0"/>
+              <a:t>adipiscin</a:t>
+            </a:r>
+            <a:r>
+              <a:rPr lang="en-US" dirty="0" smtClean="0"/>
+              <a:t>  example@gmail.com</a:t>
+            </a:r>
+          </a:p>
+        </p:txBody>
+      </p:sp>
+      <p:pic>
+        <p:nvPicPr>
+          <p:cNvPr id="5" name="Picture 4"/>
+          <p:cNvPicPr>
+            <a:picLocks noChangeAspect="1"/>
+          </p:cNvPicPr>
+          <p:nvPr userDrawn="1"/>
+        </p:nvPicPr>
+        <p:blipFill>
+          <a:blip r:embed="rId2" cstate="print">
+            <a:extLst>
+              <a:ext uri="{28A0092B-C50C-407E-A947-70E740481C1C}">
+                <a14:useLocalDpi xmlns:a14="http://schemas.microsoft.com/office/drawing/2010/main" val="0"/>
+              </a:ext>
+            </a:extLst>
+          </a:blip>
+          <a:stretch>
+            <a:fillRect/>
+          </a:stretch>
+        </p:blipFill>
+        <p:spPr>
+          <a:xfrm>
+            <a:off x="3635896" y="4077072"/>
+            <a:ext cx="1822408" cy="343534"/>
+          </a:xfrm>
+          <a:prstGeom prst="rect">
+            <a:avLst/>
+          </a:prstGeom>
+        </p:spPr>
+      </p:pic>
+    </p:spTree>
+    <p:extLst>
+      <p:ext uri="{BB962C8B-B14F-4D97-AF65-F5344CB8AC3E}">
+        <p14:creationId xmlns:p14="http://schemas.microsoft.com/office/powerpoint/2010/main" val="171104204"/>
+      </p:ext>
+    </p:extLst>
+  </p:cSld>
+  <p:clrMapOvr>
+    <a:masterClrMapping/>
+  </p:clrMapOvr>
+  <p:timing>
+    <p:tnLst>
+      <p:par>
+        <p:cTn id="1" dur="indefinite" restart="never" nodeType="tmRoot"/>
+      </p:par>
+    </p:tnLst>
+  </p:timing>
+  <p:extLst mod="1">
+    <p:ext uri="{DCECCB84-F9BA-43D5-87BE-67443E8EF086}">
+      <p15:sldGuideLst xmlns:p15="http://schemas.microsoft.com/office/powerpoint/2012/main">
+        <p15:guide id="1" orient="horz" pos="1480">
+          <p15:clr>
+            <a:srgbClr val="FBAE40"/>
+          </p15:clr>
+        </p15:guide>
+        <p15:guide id="2" pos="2880">
+          <p15:clr>
+            <a:srgbClr val="FBAE40"/>
+          </p15:clr>
+        </p15:guide>
+        <p15:guide id="3" orient="horz" pos="2840">
+          <p15:clr>
+            <a:srgbClr val="FBAE40"/>
+          </p15:clr>
+        </p15:guide>
+        <p15:guide id="4" orient="horz" pos="2160">
+          <p15:clr>
+            <a:srgbClr val="FBAE40"/>
+          </p15:clr>
+        </p15:guide>
+      </p15:sldGuideLst>
+    </p:ext>
+  </p:extLst>
+</p:sldLayout>
+</file>
+
+<file path=ppt/slideLayouts/slideLayout34.xml><?xml version="1.0" encoding="utf-8"?>
 <p:sldLayout xmlns:a="http://schemas.openxmlformats.org/drawingml/2006/main" xmlns:r="http://schemas.openxmlformats.org/officeDocument/2006/relationships" xmlns:p="http://schemas.openxmlformats.org/presentationml/2006/main" preserve="1" userDrawn="1">
   <p:cSld name="Bye 1">
     <p:spTree>
@@ -21719,7 +21929,7 @@
           <p:nvPr userDrawn="1"/>
         </p:nvPicPr>
         <p:blipFill>
-          <a:blip r:embed="rId19">
+          <a:blip r:embed="rId20">
             <a:extLst>
               <a:ext uri="{28A0092B-C50C-407E-A947-70E740481C1C}">
                 <a14:useLocalDpi xmlns:a14="http://schemas.microsoft.com/office/drawing/2010/main" val="0"/>
@@ -21786,7 +21996,7 @@
           <p:nvPr userDrawn="1"/>
         </p:nvPicPr>
         <p:blipFill>
-          <a:blip r:embed="rId20">
+          <a:blip r:embed="rId21">
             <a:extLst>
               <a:ext uri="{28A0092B-C50C-407E-A947-70E740481C1C}">
                 <a14:useLocalDpi xmlns:a14="http://schemas.microsoft.com/office/drawing/2010/main" val="0"/>
@@ -21966,6 +22176,7 @@
     <p:sldLayoutId id="2147483700" r:id="rId15"/>
     <p:sldLayoutId id="2147483701" r:id="rId16"/>
     <p:sldLayoutId id="2147483714" r:id="rId17"/>
+    <p:sldLayoutId id="2147483716" r:id="rId18"/>
   </p:sldLayoutIdLst>
   <p:timing>
     <p:tnLst>
@@ -23159,18 +23370,7 @@
                 <a:ea typeface="Consolas"/>
                 <a:cs typeface="Consolas" panose="020B0609020204030204" pitchFamily="49" charset="0"/>
               </a:rPr>
-              <a:t>public </a:t>
-            </a:r>
-            <a:r>
-              <a:rPr lang="en-US" dirty="0">
-                <a:solidFill>
-                  <a:srgbClr val="0000FF"/>
-                </a:solidFill>
-                <a:latin typeface="Consolas" panose="020B0609020204030204" pitchFamily="49" charset="0"/>
-                <a:ea typeface="Consolas"/>
-                <a:cs typeface="Consolas" panose="020B0609020204030204" pitchFamily="49" charset="0"/>
-              </a:rPr>
-              <a:t>static void </a:t>
+              <a:t>public static void </a:t>
             </a:r>
             <a:r>
               <a:rPr lang="en-US" dirty="0">
@@ -23919,18 +24119,7 @@
                 <a:ea typeface="Consolas"/>
                 <a:cs typeface="Consolas" panose="020B0609020204030204" pitchFamily="49" charset="0"/>
               </a:rPr>
-              <a:t>public </a:t>
-            </a:r>
-            <a:r>
-              <a:rPr lang="en-US" dirty="0">
-                <a:solidFill>
-                  <a:srgbClr val="0000FF"/>
-                </a:solidFill>
-                <a:latin typeface="Consolas" panose="020B0609020204030204" pitchFamily="49" charset="0"/>
-                <a:ea typeface="Consolas"/>
-                <a:cs typeface="Consolas" panose="020B0609020204030204" pitchFamily="49" charset="0"/>
-              </a:rPr>
-              <a:t>void </a:t>
+              <a:t>public void </a:t>
             </a:r>
             <a:r>
               <a:rPr lang="en-US" dirty="0" err="1">
@@ -24013,18 +24202,7 @@
                 <a:ea typeface="Consolas"/>
                 <a:cs typeface="Consolas"/>
               </a:rPr>
-              <a:t>//... </a:t>
-            </a:r>
-            <a:r>
-              <a:rPr lang="en-US" dirty="0">
-                <a:solidFill>
-                  <a:srgbClr val="006400"/>
-                </a:solidFill>
-                <a:latin typeface="Consolas"/>
-                <a:ea typeface="Consolas"/>
-                <a:cs typeface="Consolas"/>
-              </a:rPr>
-              <a:t>add services to the container</a:t>
+              <a:t>//... add services to the container</a:t>
             </a:r>
           </a:p>
           <a:p>
@@ -24079,18 +24257,7 @@
                 <a:ea typeface="Consolas"/>
                 <a:cs typeface="Consolas" panose="020B0609020204030204" pitchFamily="49" charset="0"/>
               </a:rPr>
-              <a:t>public </a:t>
-            </a:r>
-            <a:r>
-              <a:rPr lang="en-US" dirty="0">
-                <a:solidFill>
-                  <a:srgbClr val="0000FF"/>
-                </a:solidFill>
-                <a:latin typeface="Consolas" panose="020B0609020204030204" pitchFamily="49" charset="0"/>
-                <a:ea typeface="Consolas"/>
-                <a:cs typeface="Consolas" panose="020B0609020204030204" pitchFamily="49" charset="0"/>
-              </a:rPr>
-              <a:t>void </a:t>
+              <a:t>public void </a:t>
             </a:r>
             <a:r>
               <a:rPr lang="en-US" dirty="0">
@@ -24162,18 +24329,7 @@
                 <a:ea typeface="Consolas"/>
                 <a:cs typeface="Consolas"/>
               </a:rPr>
-              <a:t>//... </a:t>
-            </a:r>
-            <a:r>
-              <a:rPr lang="en-US" dirty="0">
-                <a:solidFill>
-                  <a:srgbClr val="006400"/>
-                </a:solidFill>
-                <a:latin typeface="Consolas"/>
-                <a:ea typeface="Consolas"/>
-                <a:cs typeface="Consolas"/>
-              </a:rPr>
-              <a:t>configure the HTTP request pipeline</a:t>
+              <a:t>//... configure the HTTP request pipeline</a:t>
             </a:r>
           </a:p>
           <a:p>
@@ -24431,7 +24587,6 @@
               <a:rPr lang="en-US" dirty="0"/>
               <a:t>Dependency injection</a:t>
             </a:r>
-            <a:endParaRPr lang="en-US" dirty="0"/>
           </a:p>
         </p:txBody>
       </p:sp>
@@ -24816,10 +24971,10 @@
                 <a:ea typeface="Consolas"/>
                 <a:cs typeface="Consolas"/>
               </a:rPr>
-              <a:t>//</a:t>
-            </a:r>
-            <a:r>
-              <a:rPr lang="en-US" dirty="0">
+              <a:t>//Adding </a:t>
+            </a:r>
+            <a:r>
+              <a:rPr lang="en-US" dirty="0" err="1">
                 <a:solidFill>
                   <a:srgbClr val="006400"/>
                 </a:solidFill>
@@ -24827,10 +24982,10 @@
                 <a:ea typeface="Consolas"/>
                 <a:cs typeface="Consolas"/>
               </a:rPr>
-              <a:t>Adding </a:t>
-            </a:r>
-            <a:r>
-              <a:rPr lang="en-US" dirty="0" err="1">
+              <a:t>EmailSender</a:t>
+            </a:r>
+            <a:r>
+              <a:rPr lang="en-US" dirty="0">
                 <a:solidFill>
                   <a:srgbClr val="006400"/>
                 </a:solidFill>
@@ -24838,40 +24993,7 @@
                 <a:ea typeface="Consolas"/>
                 <a:cs typeface="Consolas"/>
               </a:rPr>
-              <a:t>EmailSender</a:t>
-            </a:r>
-            <a:r>
-              <a:rPr lang="en-US" dirty="0">
-                <a:solidFill>
-                  <a:srgbClr val="006400"/>
-                </a:solidFill>
-                <a:latin typeface="Consolas"/>
-                <a:ea typeface="Consolas"/>
-                <a:cs typeface="Consolas"/>
-              </a:rPr>
-              <a:t> </a:t>
-            </a:r>
-            <a:r>
-              <a:rPr lang="en-US" dirty="0">
-                <a:solidFill>
-                  <a:srgbClr val="006400"/>
-                </a:solidFill>
-                <a:latin typeface="Consolas"/>
-                <a:ea typeface="Consolas"/>
-                <a:cs typeface="Consolas"/>
-              </a:rPr>
-              <a:t>that will be </a:t>
-            </a:r>
-            <a:r>
-              <a:rPr lang="en-US" dirty="0">
-                <a:solidFill>
-                  <a:srgbClr val="006400"/>
-                </a:solidFill>
-                <a:latin typeface="Consolas"/>
-                <a:ea typeface="Consolas"/>
-                <a:cs typeface="Consolas"/>
-              </a:rPr>
-              <a:t>same object per request </a:t>
+              <a:t> that will be same object per request </a:t>
             </a:r>
           </a:p>
           <a:p>
@@ -24963,10 +25085,10 @@
                 <a:ea typeface="Consolas"/>
                 <a:cs typeface="Consolas"/>
               </a:rPr>
-              <a:t>//</a:t>
-            </a:r>
-            <a:r>
-              <a:rPr lang="en-US" dirty="0">
+              <a:t>//Adding </a:t>
+            </a:r>
+            <a:r>
+              <a:rPr lang="en-US" dirty="0" err="1">
                 <a:solidFill>
                   <a:srgbClr val="006400"/>
                 </a:solidFill>
@@ -24974,10 +25096,10 @@
                 <a:ea typeface="Consolas"/>
                 <a:cs typeface="Consolas"/>
               </a:rPr>
-              <a:t>Adding </a:t>
-            </a:r>
-            <a:r>
-              <a:rPr lang="en-US" dirty="0" err="1">
+              <a:t>SmsSender</a:t>
+            </a:r>
+            <a:r>
+              <a:rPr lang="en-US" dirty="0">
                 <a:solidFill>
                   <a:srgbClr val="006400"/>
                 </a:solidFill>
@@ -24985,40 +25107,7 @@
                 <a:ea typeface="Consolas"/>
                 <a:cs typeface="Consolas"/>
               </a:rPr>
-              <a:t>SmsSender</a:t>
-            </a:r>
-            <a:r>
-              <a:rPr lang="en-US" dirty="0">
-                <a:solidFill>
-                  <a:srgbClr val="006400"/>
-                </a:solidFill>
-                <a:latin typeface="Consolas"/>
-                <a:ea typeface="Consolas"/>
-                <a:cs typeface="Consolas"/>
-              </a:rPr>
-              <a:t> </a:t>
-            </a:r>
-            <a:r>
-              <a:rPr lang="en-US" dirty="0">
-                <a:solidFill>
-                  <a:srgbClr val="006400"/>
-                </a:solidFill>
-                <a:latin typeface="Consolas"/>
-                <a:ea typeface="Consolas"/>
-                <a:cs typeface="Consolas"/>
-              </a:rPr>
-              <a:t>that will be same object per </a:t>
-            </a:r>
-            <a:r>
-              <a:rPr lang="en-US" dirty="0">
-                <a:solidFill>
-                  <a:srgbClr val="006400"/>
-                </a:solidFill>
-                <a:latin typeface="Consolas"/>
-                <a:ea typeface="Consolas"/>
-                <a:cs typeface="Consolas"/>
-              </a:rPr>
-              <a:t>app</a:t>
+              <a:t> that will be same object per app</a:t>
             </a:r>
           </a:p>
           <a:p>
@@ -25218,7 +25307,6 @@
               <a:rPr lang="en-US" dirty="0"/>
               <a:t>Dependency injection</a:t>
             </a:r>
-            <a:endParaRPr lang="en-US" dirty="0"/>
           </a:p>
         </p:txBody>
       </p:sp>
@@ -25417,14 +25505,6 @@
               </a:rPr>
               <a:t>Controller </a:t>
             </a:r>
-            <a:endParaRPr lang="en-US" dirty="0">
-              <a:solidFill>
-                <a:srgbClr val="008B8B"/>
-              </a:solidFill>
-              <a:latin typeface="Consolas" panose="020B0609020204030204" pitchFamily="49" charset="0"/>
-              <a:ea typeface="Consolas"/>
-              <a:cs typeface="Consolas" panose="020B0609020204030204" pitchFamily="49" charset="0"/>
-            </a:endParaRPr>
           </a:p>
           <a:p>
             <a:r>
@@ -27080,14 +27160,6 @@
               </a:rPr>
               <a:t>" </a:t>
             </a:r>
-            <a:endParaRPr lang="en-US" dirty="0">
-              <a:solidFill>
-                <a:srgbClr val="A31515"/>
-              </a:solidFill>
-              <a:latin typeface="Consolas"/>
-              <a:ea typeface="Consolas"/>
-              <a:cs typeface="Consolas"/>
-            </a:endParaRPr>
           </a:p>
           <a:p>
             <a:r>
@@ -29070,14 +29142,7 @@
                 <a:latin typeface="Consolas" panose="020B0609020204030204" pitchFamily="49" charset="0"/>
                 <a:cs typeface="Consolas" panose="020B0609020204030204" pitchFamily="49" charset="0"/>
               </a:rPr>
-              <a:t>)</a:t>
-            </a:r>
-            <a:r>
-              <a:rPr lang="en-US" dirty="0">
-                <a:latin typeface="Consolas" panose="020B0609020204030204" pitchFamily="49" charset="0"/>
-                <a:cs typeface="Consolas" panose="020B0609020204030204" pitchFamily="49" charset="0"/>
-              </a:rPr>
-              <a:t>;</a:t>
+              <a:t>);</a:t>
             </a:r>
             <a:endParaRPr lang="en-US" dirty="0" smtClean="0">
               <a:latin typeface="Consolas" panose="020B0609020204030204" pitchFamily="49" charset="0"/>
@@ -29483,10 +29548,6 @@
               </a:rPr>
               <a:t>; }</a:t>
             </a:r>
-            <a:endParaRPr lang="en-US" dirty="0">
-              <a:latin typeface="Consolas" panose="020B0609020204030204" pitchFamily="49" charset="0"/>
-              <a:cs typeface="Consolas" panose="020B0609020204030204" pitchFamily="49" charset="0"/>
-            </a:endParaRPr>
           </a:p>
           <a:p>
             <a:r>
@@ -29519,18 +29580,7 @@
                 <a:ea typeface="Consolas"/>
                 <a:cs typeface="Consolas" panose="020B0609020204030204" pitchFamily="49" charset="0"/>
               </a:rPr>
-              <a:t>public </a:t>
-            </a:r>
-            <a:r>
-              <a:rPr lang="en-US" dirty="0">
-                <a:solidFill>
-                  <a:srgbClr val="0000FF"/>
-                </a:solidFill>
-                <a:latin typeface="Consolas" panose="020B0609020204030204" pitchFamily="49" charset="0"/>
-                <a:ea typeface="Consolas"/>
-                <a:cs typeface="Consolas" panose="020B0609020204030204" pitchFamily="49" charset="0"/>
-              </a:rPr>
-              <a:t>void </a:t>
+              <a:t>public void </a:t>
             </a:r>
             <a:r>
               <a:rPr lang="en-US" dirty="0">
@@ -30506,10 +30556,6 @@
               </a:rPr>
               <a:t>);</a:t>
             </a:r>
-            <a:endParaRPr lang="en-US" dirty="0">
-              <a:latin typeface="Consolas" panose="020B0609020204030204" pitchFamily="49" charset="0"/>
-              <a:cs typeface="Consolas" panose="020B0609020204030204" pitchFamily="49" charset="0"/>
-            </a:endParaRPr>
           </a:p>
           <a:p>
             <a:r>
@@ -30557,10 +30603,6 @@
               </a:rPr>
               <a:t>}</a:t>
             </a:r>
-            <a:endParaRPr lang="en-US" dirty="0">
-              <a:latin typeface="Consolas" panose="020B0609020204030204" pitchFamily="49" charset="0"/>
-              <a:cs typeface="Consolas" panose="020B0609020204030204" pitchFamily="49" charset="0"/>
-            </a:endParaRPr>
           </a:p>
         </p:txBody>
       </p:sp>
@@ -31174,10 +31216,6 @@
               </a:rPr>
               <a:t>);</a:t>
             </a:r>
-            <a:endParaRPr lang="en-US" dirty="0">
-              <a:latin typeface="Consolas" panose="020B0609020204030204" pitchFamily="49" charset="0"/>
-              <a:cs typeface="Consolas" panose="020B0609020204030204" pitchFamily="49" charset="0"/>
-            </a:endParaRPr>
           </a:p>
           <a:p>
             <a:r>
@@ -31225,10 +31263,6 @@
               </a:rPr>
               <a:t>}</a:t>
             </a:r>
-            <a:endParaRPr lang="en-US" dirty="0">
-              <a:latin typeface="Consolas" panose="020B0609020204030204" pitchFamily="49" charset="0"/>
-              <a:cs typeface="Consolas" panose="020B0609020204030204" pitchFamily="49" charset="0"/>
-            </a:endParaRPr>
           </a:p>
         </p:txBody>
       </p:sp>
@@ -31431,499 +31465,10 @@
           <a:chExt cx="0" cy="0"/>
         </a:xfrm>
       </p:grpSpPr>
-      <p:sp>
-        <p:nvSpPr>
-          <p:cNvPr id="2" name="Text Placeholder 1"/>
-          <p:cNvSpPr>
-            <a:spLocks noGrp="1"/>
-          </p:cNvSpPr>
-          <p:nvPr>
-            <p:ph type="body" sz="quarter" idx="13"/>
-          </p:nvPr>
-        </p:nvSpPr>
-        <p:spPr>
-          <a:xfrm>
-            <a:off x="2699793" y="3573016"/>
-            <a:ext cx="3744416" cy="945788"/>
-          </a:xfrm>
-        </p:spPr>
-        <p:txBody>
-          <a:bodyPr/>
-          <a:lstStyle/>
-          <a:p>
-            <a:r>
-              <a:rPr lang="en-US" dirty="0"/>
-              <a:t>Linus Torvalds</a:t>
-            </a:r>
-          </a:p>
-        </p:txBody>
-      </p:sp>
-      <p:sp>
-        <p:nvSpPr>
-          <p:cNvPr id="3" name="Text Placeholder 2"/>
-          <p:cNvSpPr>
-            <a:spLocks noGrp="1"/>
-          </p:cNvSpPr>
-          <p:nvPr>
-            <p:ph type="body" sz="quarter" idx="11"/>
-          </p:nvPr>
-        </p:nvSpPr>
-        <p:spPr>
-          <a:xfrm>
-            <a:off x="827585" y="2708921"/>
-            <a:ext cx="7488832" cy="1874092"/>
-          </a:xfrm>
-        </p:spPr>
-        <p:txBody>
-          <a:bodyPr/>
-          <a:lstStyle/>
-          <a:p>
-            <a:pPr algn="ctr"/>
-            <a:r>
-              <a:rPr lang="en-US" sz="3600" dirty="0"/>
-              <a:t>Talk is cheap. Show me the code.</a:t>
-            </a:r>
-          </a:p>
-        </p:txBody>
-      </p:sp>
-      <p:sp>
-        <p:nvSpPr>
-          <p:cNvPr id="4" name="Title 3"/>
-          <p:cNvSpPr>
-            <a:spLocks noGrp="1"/>
-          </p:cNvSpPr>
-          <p:nvPr>
-            <p:ph type="title"/>
-          </p:nvPr>
-        </p:nvSpPr>
-        <p:spPr/>
-        <p:txBody>
-          <a:bodyPr/>
-          <a:lstStyle/>
-          <a:p>
-            <a:r>
-              <a:rPr lang="en-GB" dirty="0" smtClean="0"/>
-              <a:t>Quote of the day</a:t>
-            </a:r>
-            <a:endParaRPr lang="en-US" dirty="0"/>
-          </a:p>
-        </p:txBody>
-      </p:sp>
-      <p:sp>
-        <p:nvSpPr>
-          <p:cNvPr id="5" name="Footer Placeholder 4"/>
-          <p:cNvSpPr>
-            <a:spLocks noGrp="1"/>
-          </p:cNvSpPr>
-          <p:nvPr>
-            <p:ph type="ftr" sz="quarter" idx="3"/>
-          </p:nvPr>
-        </p:nvSpPr>
-        <p:spPr/>
-        <p:txBody>
-          <a:bodyPr/>
-          <a:lstStyle/>
-          <a:p>
-            <a:r>
-              <a:rPr lang="en-US" smtClean="0"/>
-              <a:t>PRESENTATION NAME</a:t>
-            </a:r>
-            <a:endParaRPr lang="en-US" dirty="0"/>
-          </a:p>
-        </p:txBody>
-      </p:sp>
     </p:spTree>
     <p:extLst>
       <p:ext uri="{BB962C8B-B14F-4D97-AF65-F5344CB8AC3E}">
-        <p14:creationId xmlns:p14="http://schemas.microsoft.com/office/powerpoint/2010/main" val="3967209613"/>
-      </p:ext>
-    </p:extLst>
-  </p:cSld>
-  <p:clrMapOvr>
-    <a:masterClrMapping/>
-  </p:clrMapOvr>
-  <p:timing>
-    <p:tnLst>
-      <p:par>
-        <p:cTn id="1" dur="indefinite" restart="never" nodeType="tmRoot"/>
-      </p:par>
-    </p:tnLst>
-  </p:timing>
-</p:sld>
-</file>
-
-<file path=ppt/slides/slide27.xml><?xml version="1.0" encoding="utf-8"?>
-<p:sld xmlns:a="http://schemas.openxmlformats.org/drawingml/2006/main" xmlns:r="http://schemas.openxmlformats.org/officeDocument/2006/relationships" xmlns:p="http://schemas.openxmlformats.org/presentationml/2006/main">
-  <p:cSld>
-    <p:spTree>
-      <p:nvGrpSpPr>
-        <p:cNvPr id="1" name=""/>
-        <p:cNvGrpSpPr/>
-        <p:nvPr/>
-      </p:nvGrpSpPr>
-      <p:grpSpPr>
-        <a:xfrm>
-          <a:off x="0" y="0"/>
-          <a:ext cx="0" cy="0"/>
-          <a:chOff x="0" y="0"/>
-          <a:chExt cx="0" cy="0"/>
-        </a:xfrm>
-      </p:grpSpPr>
-      <p:sp>
-        <p:nvSpPr>
-          <p:cNvPr id="2" name="Text Placeholder 1"/>
-          <p:cNvSpPr>
-            <a:spLocks noGrp="1"/>
-          </p:cNvSpPr>
-          <p:nvPr>
-            <p:ph type="body" sz="quarter" idx="11"/>
-          </p:nvPr>
-        </p:nvSpPr>
-        <p:spPr/>
-        <p:txBody>
-          <a:bodyPr/>
-          <a:lstStyle/>
-          <a:p>
-            <a:endParaRPr lang="en-US" dirty="0"/>
-          </a:p>
-        </p:txBody>
-      </p:sp>
-      <p:sp>
-        <p:nvSpPr>
-          <p:cNvPr id="3" name="Text Placeholder 2"/>
-          <p:cNvSpPr>
-            <a:spLocks noGrp="1"/>
-          </p:cNvSpPr>
-          <p:nvPr>
-            <p:ph type="body" sz="quarter" idx="12"/>
-          </p:nvPr>
-        </p:nvSpPr>
-        <p:spPr/>
-        <p:txBody>
-          <a:bodyPr/>
-          <a:lstStyle/>
-          <a:p>
-            <a:endParaRPr lang="en-US"/>
-          </a:p>
-        </p:txBody>
-      </p:sp>
-    </p:spTree>
-    <p:extLst>
-      <p:ext uri="{BB962C8B-B14F-4D97-AF65-F5344CB8AC3E}">
-        <p14:creationId xmlns:p14="http://schemas.microsoft.com/office/powerpoint/2010/main" val="3194048973"/>
-      </p:ext>
-    </p:extLst>
-  </p:cSld>
-  <p:clrMapOvr>
-    <a:masterClrMapping/>
-  </p:clrMapOvr>
-</p:sld>
-</file>
-
-<file path=ppt/slides/slide28.xml><?xml version="1.0" encoding="utf-8"?>
-<p:sld xmlns:a="http://schemas.openxmlformats.org/drawingml/2006/main" xmlns:r="http://schemas.openxmlformats.org/officeDocument/2006/relationships" xmlns:p="http://schemas.openxmlformats.org/presentationml/2006/main">
-  <p:cSld>
-    <p:spTree>
-      <p:nvGrpSpPr>
-        <p:cNvPr id="1" name=""/>
-        <p:cNvGrpSpPr/>
-        <p:nvPr/>
-      </p:nvGrpSpPr>
-      <p:grpSpPr>
-        <a:xfrm>
-          <a:off x="0" y="0"/>
-          <a:ext cx="0" cy="0"/>
-          <a:chOff x="0" y="0"/>
-          <a:chExt cx="0" cy="0"/>
-        </a:xfrm>
-      </p:grpSpPr>
-      <p:sp>
-        <p:nvSpPr>
-          <p:cNvPr id="2" name="Title 1"/>
-          <p:cNvSpPr>
-            <a:spLocks noGrp="1"/>
-          </p:cNvSpPr>
-          <p:nvPr>
-            <p:ph type="title"/>
-          </p:nvPr>
-        </p:nvSpPr>
-        <p:spPr/>
-        <p:txBody>
-          <a:bodyPr/>
-          <a:lstStyle/>
-          <a:p>
-            <a:r>
-              <a:rPr lang="en-US" dirty="0" smtClean="0"/>
-              <a:t>IT’s ALL </a:t>
-            </a:r>
-            <a:r>
-              <a:rPr lang="en-US" dirty="0"/>
-              <a:t>ABOUT architecture</a:t>
-            </a:r>
-          </a:p>
-        </p:txBody>
-      </p:sp>
-      <p:sp>
-        <p:nvSpPr>
-          <p:cNvPr id="3" name="Footer Placeholder 2"/>
-          <p:cNvSpPr>
-            <a:spLocks noGrp="1"/>
-          </p:cNvSpPr>
-          <p:nvPr>
-            <p:ph type="ftr" sz="quarter" idx="3"/>
-          </p:nvPr>
-        </p:nvSpPr>
-        <p:spPr/>
-        <p:txBody>
-          <a:bodyPr/>
-          <a:lstStyle/>
-          <a:p>
-            <a:r>
-              <a:rPr lang="en-US" smtClean="0"/>
-              <a:t>PRESENTATION NAME</a:t>
-            </a:r>
-            <a:endParaRPr lang="en-US" dirty="0"/>
-          </a:p>
-        </p:txBody>
-      </p:sp>
-      <p:sp>
-        <p:nvSpPr>
-          <p:cNvPr id="4" name="Content Placeholder 3"/>
-          <p:cNvSpPr>
-            <a:spLocks noGrp="1"/>
-          </p:cNvSpPr>
-          <p:nvPr>
-            <p:ph sz="quarter" idx="12"/>
-          </p:nvPr>
-        </p:nvSpPr>
-        <p:spPr/>
-        <p:txBody>
-          <a:bodyPr/>
-          <a:lstStyle/>
-          <a:p>
-            <a:pPr marL="0" indent="0">
-              <a:buNone/>
-            </a:pPr>
-            <a:r>
-              <a:rPr lang="en-US" dirty="0"/>
-              <a:t>N-tier </a:t>
-            </a:r>
-            <a:r>
-              <a:rPr lang="en-US" dirty="0" smtClean="0"/>
-              <a:t>web architecture style:</a:t>
-            </a:r>
-            <a:endParaRPr lang="en-US" dirty="0"/>
-          </a:p>
-          <a:p>
-            <a:pPr marL="0" indent="0">
-              <a:buNone/>
-            </a:pPr>
-            <a:endParaRPr lang="en-US" dirty="0" smtClean="0"/>
-          </a:p>
-          <a:p>
-            <a:pPr marL="285750" indent="-285750">
-              <a:buFont typeface="Wingdings" panose="05000000000000000000" pitchFamily="2" charset="2"/>
-              <a:buChar char="q"/>
-            </a:pPr>
-            <a:r>
-              <a:rPr lang="en-US" dirty="0" smtClean="0"/>
-              <a:t>0 Tiers – Client has direct database access</a:t>
-            </a:r>
-          </a:p>
-          <a:p>
-            <a:pPr marL="285750" indent="-285750">
-              <a:buFont typeface="Wingdings" panose="05000000000000000000" pitchFamily="2" charset="2"/>
-              <a:buChar char="q"/>
-            </a:pPr>
-            <a:r>
-              <a:rPr lang="en-US" dirty="0"/>
-              <a:t>1</a:t>
-            </a:r>
-            <a:r>
-              <a:rPr lang="en-US" dirty="0" smtClean="0"/>
-              <a:t> Tier – Web tier is used between client and database</a:t>
-            </a:r>
-          </a:p>
-          <a:p>
-            <a:pPr marL="285750" indent="-285750">
-              <a:buFont typeface="Wingdings" panose="05000000000000000000" pitchFamily="2" charset="2"/>
-              <a:buChar char="q"/>
-            </a:pPr>
-            <a:r>
-              <a:rPr lang="en-GB" dirty="0" smtClean="0"/>
-              <a:t>2 Tiers – Data tier is used to handle database</a:t>
-            </a:r>
-          </a:p>
-          <a:p>
-            <a:pPr marL="285750" indent="-285750">
-              <a:buFont typeface="Wingdings" panose="05000000000000000000" pitchFamily="2" charset="2"/>
-              <a:buChar char="q"/>
-            </a:pPr>
-            <a:r>
-              <a:rPr lang="en-GB" dirty="0" smtClean="0"/>
-              <a:t>3 Tiers – Business tier is used to handle business logic</a:t>
-            </a:r>
-            <a:endParaRPr lang="en-US" dirty="0"/>
-          </a:p>
-        </p:txBody>
-      </p:sp>
-    </p:spTree>
-    <p:extLst>
-      <p:ext uri="{BB962C8B-B14F-4D97-AF65-F5344CB8AC3E}">
-        <p14:creationId xmlns:p14="http://schemas.microsoft.com/office/powerpoint/2010/main" val="640089714"/>
-      </p:ext>
-    </p:extLst>
-  </p:cSld>
-  <p:clrMapOvr>
-    <a:masterClrMapping/>
-  </p:clrMapOvr>
-</p:sld>
-</file>
-
-<file path=ppt/slides/slide29.xml><?xml version="1.0" encoding="utf-8"?>
-<p:sld xmlns:a="http://schemas.openxmlformats.org/drawingml/2006/main" xmlns:r="http://schemas.openxmlformats.org/officeDocument/2006/relationships" xmlns:p="http://schemas.openxmlformats.org/presentationml/2006/main">
-  <p:cSld>
-    <p:spTree>
-      <p:nvGrpSpPr>
-        <p:cNvPr id="1" name=""/>
-        <p:cNvGrpSpPr/>
-        <p:nvPr/>
-      </p:nvGrpSpPr>
-      <p:grpSpPr>
-        <a:xfrm>
-          <a:off x="0" y="0"/>
-          <a:ext cx="0" cy="0"/>
-          <a:chOff x="0" y="0"/>
-          <a:chExt cx="0" cy="0"/>
-        </a:xfrm>
-      </p:grpSpPr>
-      <p:sp>
-        <p:nvSpPr>
-          <p:cNvPr id="2" name="Title 1"/>
-          <p:cNvSpPr>
-            <a:spLocks noGrp="1"/>
-          </p:cNvSpPr>
-          <p:nvPr>
-            <p:ph type="title"/>
-          </p:nvPr>
-        </p:nvSpPr>
-        <p:spPr/>
-        <p:txBody>
-          <a:bodyPr/>
-          <a:lstStyle/>
-          <a:p>
-            <a:r>
-              <a:rPr lang="en-US" dirty="0"/>
-              <a:t>IT’s ALL ABOUT architecture</a:t>
-            </a:r>
-          </a:p>
-        </p:txBody>
-      </p:sp>
-      <p:sp>
-        <p:nvSpPr>
-          <p:cNvPr id="3" name="Footer Placeholder 2"/>
-          <p:cNvSpPr>
-            <a:spLocks noGrp="1"/>
-          </p:cNvSpPr>
-          <p:nvPr>
-            <p:ph type="ftr" sz="quarter" idx="3"/>
-          </p:nvPr>
-        </p:nvSpPr>
-        <p:spPr/>
-        <p:txBody>
-          <a:bodyPr/>
-          <a:lstStyle/>
-          <a:p>
-            <a:r>
-              <a:rPr lang="en-US" smtClean="0"/>
-              <a:t>PRESENTATION NAME</a:t>
-            </a:r>
-            <a:endParaRPr lang="en-US" dirty="0"/>
-          </a:p>
-        </p:txBody>
-      </p:sp>
-      <p:sp>
-        <p:nvSpPr>
-          <p:cNvPr id="4" name="Content Placeholder 3"/>
-          <p:cNvSpPr>
-            <a:spLocks noGrp="1"/>
-          </p:cNvSpPr>
-          <p:nvPr>
-            <p:ph sz="quarter" idx="12"/>
-          </p:nvPr>
-        </p:nvSpPr>
-        <p:spPr/>
-        <p:txBody>
-          <a:bodyPr/>
-          <a:lstStyle/>
-          <a:p>
-            <a:pPr marL="285750" indent="-285750">
-              <a:buFont typeface="Wingdings" panose="05000000000000000000" pitchFamily="2" charset="2"/>
-              <a:buChar char="q"/>
-            </a:pPr>
-            <a:r>
-              <a:rPr lang="en-GB" dirty="0" smtClean="0"/>
-              <a:t>N-tier</a:t>
-            </a:r>
-            <a:endParaRPr lang="en-GB" dirty="0"/>
-          </a:p>
-          <a:p>
-            <a:pPr marL="285750" indent="-285750">
-              <a:buFont typeface="Wingdings" panose="05000000000000000000" pitchFamily="2" charset="2"/>
-              <a:buChar char="q"/>
-            </a:pPr>
-            <a:r>
-              <a:rPr lang="en-GB" dirty="0" err="1" smtClean="0"/>
-              <a:t>Microservices</a:t>
-            </a:r>
-            <a:endParaRPr lang="en-GB" dirty="0" smtClean="0"/>
-          </a:p>
-          <a:p>
-            <a:pPr marL="285750" indent="-285750">
-              <a:buFont typeface="Wingdings" panose="05000000000000000000" pitchFamily="2" charset="2"/>
-              <a:buChar char="q"/>
-            </a:pPr>
-            <a:r>
-              <a:rPr lang="en-GB" dirty="0" smtClean="0"/>
-              <a:t>CQRS</a:t>
-            </a:r>
-          </a:p>
-          <a:p>
-            <a:pPr marL="285750" indent="-285750">
-              <a:buFont typeface="Wingdings" panose="05000000000000000000" pitchFamily="2" charset="2"/>
-              <a:buChar char="q"/>
-            </a:pPr>
-            <a:r>
-              <a:rPr lang="en-GB" dirty="0" smtClean="0"/>
-              <a:t>Event-driven architecture</a:t>
-            </a:r>
-          </a:p>
-          <a:p>
-            <a:pPr marL="285750" indent="-285750">
-              <a:buFont typeface="Wingdings" panose="05000000000000000000" pitchFamily="2" charset="2"/>
-              <a:buChar char="q"/>
-            </a:pPr>
-            <a:r>
-              <a:rPr lang="en-GB" dirty="0" smtClean="0"/>
-              <a:t>Web-queue-worker</a:t>
-            </a:r>
-          </a:p>
-          <a:p>
-            <a:pPr marL="285750" indent="-285750">
-              <a:buFont typeface="Wingdings" panose="05000000000000000000" pitchFamily="2" charset="2"/>
-              <a:buChar char="q"/>
-            </a:pPr>
-            <a:r>
-              <a:rPr lang="en-GB" dirty="0" smtClean="0"/>
-              <a:t>Others</a:t>
-            </a:r>
-          </a:p>
-        </p:txBody>
-      </p:sp>
-    </p:spTree>
-    <p:extLst>
-      <p:ext uri="{BB962C8B-B14F-4D97-AF65-F5344CB8AC3E}">
-        <p14:creationId xmlns:p14="http://schemas.microsoft.com/office/powerpoint/2010/main" val="3507619123"/>
+        <p14:creationId xmlns:p14="http://schemas.microsoft.com/office/powerpoint/2010/main" val="2166031301"/>
       </p:ext>
     </p:extLst>
   </p:cSld>

--- a/docs/ASP.NET CORE - iTechArt 2018.pptx
+++ b/docs/ASP.NET CORE - iTechArt 2018.pptx
@@ -1790,7 +1790,28 @@
     </dgm:pt>
     <dgm:pt modelId="{BC8E5545-E9F0-4F4F-956F-F1CA11DA9E20}" type="pres">
       <dgm:prSet presAssocID="{FBE4E575-4702-4DA9-9655-5EE732574C56}" presName="imgShp" presStyleLbl="fgImgPlace1" presStyleIdx="0" presStyleCnt="3"/>
-      <dgm:spPr/>
+      <dgm:spPr>
+        <a:blipFill>
+          <a:blip xmlns:r="http://schemas.openxmlformats.org/officeDocument/2006/relationships" r:embed="rId1">
+            <a:extLst>
+              <a:ext uri="{28A0092B-C50C-407E-A947-70E740481C1C}">
+                <a14:useLocalDpi xmlns:a14="http://schemas.microsoft.com/office/drawing/2010/main" val="0"/>
+              </a:ext>
+            </a:extLst>
+          </a:blip>
+          <a:srcRect/>
+          <a:stretch>
+            <a:fillRect/>
+          </a:stretch>
+        </a:blipFill>
+      </dgm:spPr>
+      <dgm:t>
+        <a:bodyPr/>
+        <a:lstStyle/>
+        <a:p>
+          <a:endParaRPr lang="en-US"/>
+        </a:p>
+      </dgm:t>
     </dgm:pt>
     <dgm:pt modelId="{F510BEF4-6295-4A53-8F93-644939AFE3B2}" type="pres">
       <dgm:prSet presAssocID="{FBE4E575-4702-4DA9-9655-5EE732574C56}" presName="txShp" presStyleLbl="node1" presStyleIdx="0" presStyleCnt="3">
@@ -1817,7 +1838,28 @@
     </dgm:pt>
     <dgm:pt modelId="{E6F80C21-3375-4FB7-B230-BE8F58547CCB}" type="pres">
       <dgm:prSet presAssocID="{205E25F2-4ED0-437F-9EAA-89F8F73A3F7F}" presName="imgShp" presStyleLbl="fgImgPlace1" presStyleIdx="1" presStyleCnt="3"/>
-      <dgm:spPr/>
+      <dgm:spPr>
+        <a:blipFill>
+          <a:blip xmlns:r="http://schemas.openxmlformats.org/officeDocument/2006/relationships" r:embed="rId2">
+            <a:extLst>
+              <a:ext uri="{28A0092B-C50C-407E-A947-70E740481C1C}">
+                <a14:useLocalDpi xmlns:a14="http://schemas.microsoft.com/office/drawing/2010/main" val="0"/>
+              </a:ext>
+            </a:extLst>
+          </a:blip>
+          <a:srcRect/>
+          <a:stretch>
+            <a:fillRect/>
+          </a:stretch>
+        </a:blipFill>
+      </dgm:spPr>
+      <dgm:t>
+        <a:bodyPr/>
+        <a:lstStyle/>
+        <a:p>
+          <a:endParaRPr lang="en-US"/>
+        </a:p>
+      </dgm:t>
     </dgm:pt>
     <dgm:pt modelId="{54C1566A-F260-46EF-9D4D-E46B85A84B4D}" type="pres">
       <dgm:prSet presAssocID="{205E25F2-4ED0-437F-9EAA-89F8F73A3F7F}" presName="txShp" presStyleLbl="node1" presStyleIdx="1" presStyleCnt="3">
@@ -1844,7 +1886,28 @@
     </dgm:pt>
     <dgm:pt modelId="{83885D33-5235-4B81-BB92-12C950845F9C}" type="pres">
       <dgm:prSet presAssocID="{85BF6E63-708F-4373-97FA-E3C8B48C9D8C}" presName="imgShp" presStyleLbl="fgImgPlace1" presStyleIdx="2" presStyleCnt="3"/>
-      <dgm:spPr/>
+      <dgm:spPr>
+        <a:blipFill>
+          <a:blip xmlns:r="http://schemas.openxmlformats.org/officeDocument/2006/relationships" r:embed="rId3">
+            <a:extLst>
+              <a:ext uri="{28A0092B-C50C-407E-A947-70E740481C1C}">
+                <a14:useLocalDpi xmlns:a14="http://schemas.microsoft.com/office/drawing/2010/main" val="0"/>
+              </a:ext>
+            </a:extLst>
+          </a:blip>
+          <a:srcRect/>
+          <a:stretch>
+            <a:fillRect/>
+          </a:stretch>
+        </a:blipFill>
+      </dgm:spPr>
+      <dgm:t>
+        <a:bodyPr/>
+        <a:lstStyle/>
+        <a:p>
+          <a:endParaRPr lang="en-US"/>
+        </a:p>
+      </dgm:t>
     </dgm:pt>
     <dgm:pt modelId="{F664DC40-E114-4D5F-BFFB-61E936796F8E}" type="pres">
       <dgm:prSet presAssocID="{85BF6E63-708F-4373-97FA-E3C8B48C9D8C}" presName="txShp" presStyleLbl="node1" presStyleIdx="2" presStyleCnt="3">
@@ -2203,15 +2266,19 @@
         <a:prstGeom prst="ellipse">
           <a:avLst/>
         </a:prstGeom>
-        <a:solidFill>
-          <a:schemeClr val="accent1">
-            <a:tint val="50000"/>
-            <a:hueOff val="0"/>
-            <a:satOff val="0"/>
-            <a:lumOff val="0"/>
-            <a:alphaOff val="0"/>
-          </a:schemeClr>
-        </a:solidFill>
+        <a:blipFill>
+          <a:blip xmlns:r="http://schemas.openxmlformats.org/officeDocument/2006/relationships" r:embed="rId1">
+            <a:extLst>
+              <a:ext uri="{28A0092B-C50C-407E-A947-70E740481C1C}">
+                <a14:useLocalDpi xmlns:a14="http://schemas.microsoft.com/office/drawing/2010/main" val="0"/>
+              </a:ext>
+            </a:extLst>
+          </a:blip>
+          <a:srcRect/>
+          <a:stretch>
+            <a:fillRect/>
+          </a:stretch>
+        </a:blipFill>
         <a:ln w="12700" cap="flat" cmpd="sng" algn="ctr">
           <a:solidFill>
             <a:schemeClr val="lt1">
@@ -2330,15 +2397,19 @@
         <a:prstGeom prst="ellipse">
           <a:avLst/>
         </a:prstGeom>
-        <a:solidFill>
-          <a:schemeClr val="accent1">
-            <a:tint val="50000"/>
-            <a:hueOff val="0"/>
-            <a:satOff val="0"/>
-            <a:lumOff val="0"/>
-            <a:alphaOff val="0"/>
-          </a:schemeClr>
-        </a:solidFill>
+        <a:blipFill>
+          <a:blip xmlns:r="http://schemas.openxmlformats.org/officeDocument/2006/relationships" r:embed="rId2">
+            <a:extLst>
+              <a:ext uri="{28A0092B-C50C-407E-A947-70E740481C1C}">
+                <a14:useLocalDpi xmlns:a14="http://schemas.microsoft.com/office/drawing/2010/main" val="0"/>
+              </a:ext>
+            </a:extLst>
+          </a:blip>
+          <a:srcRect/>
+          <a:stretch>
+            <a:fillRect/>
+          </a:stretch>
+        </a:blipFill>
         <a:ln w="12700" cap="flat" cmpd="sng" algn="ctr">
           <a:solidFill>
             <a:schemeClr val="lt1">
@@ -2457,15 +2528,19 @@
         <a:prstGeom prst="ellipse">
           <a:avLst/>
         </a:prstGeom>
-        <a:solidFill>
-          <a:schemeClr val="accent1">
-            <a:tint val="50000"/>
-            <a:hueOff val="0"/>
-            <a:satOff val="0"/>
-            <a:lumOff val="0"/>
-            <a:alphaOff val="0"/>
-          </a:schemeClr>
-        </a:solidFill>
+        <a:blipFill>
+          <a:blip xmlns:r="http://schemas.openxmlformats.org/officeDocument/2006/relationships" r:embed="rId3">
+            <a:extLst>
+              <a:ext uri="{28A0092B-C50C-407E-A947-70E740481C1C}">
+                <a14:useLocalDpi xmlns:a14="http://schemas.microsoft.com/office/drawing/2010/main" val="0"/>
+              </a:ext>
+            </a:extLst>
+          </a:blip>
+          <a:srcRect/>
+          <a:stretch>
+            <a:fillRect/>
+          </a:stretch>
+        </a:blipFill>
         <a:ln w="12700" cap="flat" cmpd="sng" algn="ctr">
           <a:solidFill>
             <a:schemeClr val="lt1">
@@ -6687,1173 +6762,6 @@
 
 <file path=ppt/slideLayouts/slideLayout13.xml><?xml version="1.0" encoding="utf-8"?>
 <p:sldLayout xmlns:a="http://schemas.openxmlformats.org/drawingml/2006/main" xmlns:r="http://schemas.openxmlformats.org/officeDocument/2006/relationships" xmlns:p="http://schemas.openxmlformats.org/presentationml/2006/main" preserve="1" userDrawn="1">
-  <p:cSld name="Quote layout">
-    <p:spTree>
-      <p:nvGrpSpPr>
-        <p:cNvPr id="1" name=""/>
-        <p:cNvGrpSpPr/>
-        <p:nvPr/>
-      </p:nvGrpSpPr>
-      <p:grpSpPr>
-        <a:xfrm>
-          <a:off x="0" y="0"/>
-          <a:ext cx="0" cy="0"/>
-          <a:chOff x="0" y="0"/>
-          <a:chExt cx="0" cy="0"/>
-        </a:xfrm>
-      </p:grpSpPr>
-      <p:pic>
-        <p:nvPicPr>
-          <p:cNvPr id="6" name="Picture 2"/>
-          <p:cNvPicPr>
-            <a:picLocks noChangeAspect="1" noChangeArrowheads="1"/>
-          </p:cNvPicPr>
-          <p:nvPr userDrawn="1"/>
-        </p:nvPicPr>
-        <p:blipFill>
-          <a:blip r:embed="rId2">
-            <a:extLst>
-              <a:ext uri="{28A0092B-C50C-407E-A947-70E740481C1C}">
-                <a14:useLocalDpi xmlns:a14="http://schemas.microsoft.com/office/drawing/2010/main" val="0"/>
-              </a:ext>
-            </a:extLst>
-          </a:blip>
-          <a:srcRect/>
-          <a:stretch>
-            <a:fillRect/>
-          </a:stretch>
-        </p:blipFill>
-        <p:spPr bwMode="auto">
-          <a:xfrm>
-            <a:off x="4386908" y="2276872"/>
-            <a:ext cx="374334" cy="289917"/>
-          </a:xfrm>
-          <a:prstGeom prst="rect">
-            <a:avLst/>
-          </a:prstGeom>
-          <a:noFill/>
-          <a:ln>
-            <a:noFill/>
-          </a:ln>
-          <a:effectLst/>
-          <a:extLst>
-            <a:ext uri="{909E8E84-426E-40DD-AFC4-6F175D3DCCD1}">
-              <a14:hiddenFill xmlns:a14="http://schemas.microsoft.com/office/drawing/2010/main">
-                <a:solidFill>
-                  <a:schemeClr val="accent1"/>
-                </a:solidFill>
-              </a14:hiddenFill>
-            </a:ext>
-            <a:ext uri="{91240B29-F687-4F45-9708-019B960494DF}">
-              <a14:hiddenLine xmlns:a14="http://schemas.microsoft.com/office/drawing/2010/main" w="9525">
-                <a:solidFill>
-                  <a:schemeClr val="tx1"/>
-                </a:solidFill>
-                <a:miter lim="800000"/>
-                <a:headEnd/>
-                <a:tailEnd/>
-              </a14:hiddenLine>
-            </a:ext>
-            <a:ext uri="{AF507438-7753-43E0-B8FC-AC1667EBCBE1}">
-              <a14:hiddenEffects xmlns:a14="http://schemas.microsoft.com/office/drawing/2010/main">
-                <a:effectLst>
-                  <a:outerShdw dist="35921" dir="2700000" algn="ctr" rotWithShape="0">
-                    <a:schemeClr val="bg2"/>
-                  </a:outerShdw>
-                </a:effectLst>
-              </a14:hiddenEffects>
-            </a:ext>
-          </a:extLst>
-        </p:spPr>
-      </p:pic>
-      <p:sp>
-        <p:nvSpPr>
-          <p:cNvPr id="7" name="Text Placeholder 7"/>
-          <p:cNvSpPr>
-            <a:spLocks noGrp="1"/>
-          </p:cNvSpPr>
-          <p:nvPr>
-            <p:ph type="body" sz="quarter" idx="13" hasCustomPrompt="1"/>
-          </p:nvPr>
-        </p:nvSpPr>
-        <p:spPr>
-          <a:xfrm>
-            <a:off x="2699792" y="4717345"/>
-            <a:ext cx="3744416" cy="441732"/>
-          </a:xfrm>
-          <a:prstGeom prst="rect">
-            <a:avLst/>
-          </a:prstGeom>
-        </p:spPr>
-        <p:txBody>
-          <a:bodyPr/>
-          <a:lstStyle>
-            <a:lvl1pPr marL="0" indent="0" algn="ctr">
-              <a:buNone/>
-              <a:defRPr sz="2000" baseline="0">
-                <a:solidFill>
-                  <a:schemeClr val="accent5"/>
-                </a:solidFill>
-                <a:latin typeface="Arial" panose="020B0604020202020204" pitchFamily="34" charset="0"/>
-                <a:cs typeface="Arial" panose="020B0604020202020204" pitchFamily="34" charset="0"/>
-              </a:defRPr>
-            </a:lvl1pPr>
-          </a:lstStyle>
-          <a:p>
-            <a:pPr lvl="0"/>
-            <a:r>
-              <a:rPr lang="en-US" dirty="0" smtClean="0"/>
-              <a:t>Name - Profession</a:t>
-            </a:r>
-            <a:endParaRPr lang="en-US" dirty="0"/>
-          </a:p>
-        </p:txBody>
-      </p:sp>
-      <p:sp>
-        <p:nvSpPr>
-          <p:cNvPr id="8" name="Text Placeholder 6"/>
-          <p:cNvSpPr>
-            <a:spLocks noGrp="1"/>
-          </p:cNvSpPr>
-          <p:nvPr>
-            <p:ph type="body" sz="quarter" idx="11" hasCustomPrompt="1"/>
-          </p:nvPr>
-        </p:nvSpPr>
-        <p:spPr>
-          <a:xfrm>
-            <a:off x="827585" y="2688667"/>
-            <a:ext cx="7488832" cy="1894346"/>
-          </a:xfrm>
-          <a:prstGeom prst="rect">
-            <a:avLst/>
-          </a:prstGeom>
-        </p:spPr>
-        <p:txBody>
-          <a:bodyPr lIns="0" tIns="0" rIns="0" bIns="0"/>
-          <a:lstStyle>
-            <a:lvl1pPr marL="0" indent="0" algn="just">
-              <a:lnSpc>
-                <a:spcPct val="100000"/>
-              </a:lnSpc>
-              <a:buNone/>
-              <a:defRPr sz="2000" i="1">
-                <a:latin typeface="Arial" panose="020B0604020202020204" pitchFamily="34" charset="0"/>
-                <a:cs typeface="Arial" panose="020B0604020202020204" pitchFamily="34" charset="0"/>
-              </a:defRPr>
-            </a:lvl1pPr>
-            <a:lvl2pPr>
-              <a:defRPr sz="1700">
-                <a:latin typeface="Arial Bold" panose="020B0704020202020204" pitchFamily="34" charset="0"/>
-                <a:cs typeface="Arial Bold" panose="020B0704020202020204" pitchFamily="34" charset="0"/>
-              </a:defRPr>
-            </a:lvl2pPr>
-            <a:lvl3pPr>
-              <a:defRPr sz="1700">
-                <a:latin typeface="Arial Bold" panose="020B0704020202020204" pitchFamily="34" charset="0"/>
-                <a:cs typeface="Arial Bold" panose="020B0704020202020204" pitchFamily="34" charset="0"/>
-              </a:defRPr>
-            </a:lvl3pPr>
-            <a:lvl4pPr>
-              <a:defRPr sz="1700">
-                <a:latin typeface="Arial Bold" panose="020B0704020202020204" pitchFamily="34" charset="0"/>
-                <a:cs typeface="Arial Bold" panose="020B0704020202020204" pitchFamily="34" charset="0"/>
-              </a:defRPr>
-            </a:lvl4pPr>
-            <a:lvl5pPr>
-              <a:defRPr sz="1700">
-                <a:latin typeface="Arial Bold" panose="020B0704020202020204" pitchFamily="34" charset="0"/>
-                <a:cs typeface="Arial Bold" panose="020B0704020202020204" pitchFamily="34" charset="0"/>
-              </a:defRPr>
-            </a:lvl5pPr>
-          </a:lstStyle>
-          <a:p>
-            <a:pPr lvl="0"/>
-            <a:r>
-              <a:rPr lang="en-US" dirty="0" err="1" smtClean="0"/>
-              <a:t>Lorem</a:t>
-            </a:r>
-            <a:r>
-              <a:rPr lang="en-US" dirty="0" smtClean="0"/>
-              <a:t> </a:t>
-            </a:r>
-            <a:r>
-              <a:rPr lang="en-US" dirty="0" err="1" smtClean="0"/>
-              <a:t>ipsum</a:t>
-            </a:r>
-            <a:r>
-              <a:rPr lang="en-US" dirty="0" smtClean="0"/>
-              <a:t> dolor sit </a:t>
-            </a:r>
-            <a:r>
-              <a:rPr lang="en-US" dirty="0" err="1" smtClean="0"/>
-              <a:t>amet</a:t>
-            </a:r>
-            <a:r>
-              <a:rPr lang="en-US" dirty="0" smtClean="0"/>
-              <a:t>, </a:t>
-            </a:r>
-            <a:r>
-              <a:rPr lang="en-US" dirty="0" err="1" smtClean="0"/>
-              <a:t>consectetur</a:t>
-            </a:r>
-            <a:r>
-              <a:rPr lang="en-US" dirty="0" smtClean="0"/>
-              <a:t> </a:t>
-            </a:r>
-            <a:r>
-              <a:rPr lang="en-US" dirty="0" err="1" smtClean="0"/>
-              <a:t>adipiscing</a:t>
-            </a:r>
-            <a:r>
-              <a:rPr lang="en-US" dirty="0" smtClean="0"/>
-              <a:t> </a:t>
-            </a:r>
-            <a:r>
-              <a:rPr lang="en-US" dirty="0" err="1" smtClean="0"/>
-              <a:t>elit</a:t>
-            </a:r>
-            <a:r>
-              <a:rPr lang="en-US" dirty="0" smtClean="0"/>
-              <a:t>, </a:t>
-            </a:r>
-            <a:r>
-              <a:rPr lang="en-US" dirty="0" err="1" smtClean="0"/>
-              <a:t>sed</a:t>
-            </a:r>
-            <a:r>
-              <a:rPr lang="en-US" dirty="0" smtClean="0"/>
-              <a:t> do </a:t>
-            </a:r>
-            <a:r>
-              <a:rPr lang="en-US" dirty="0" err="1" smtClean="0"/>
-              <a:t>eiusmod</a:t>
-            </a:r>
-            <a:r>
-              <a:rPr lang="en-US" dirty="0" smtClean="0"/>
-              <a:t> </a:t>
-            </a:r>
-            <a:r>
-              <a:rPr lang="en-US" dirty="0" err="1" smtClean="0"/>
-              <a:t>tempor</a:t>
-            </a:r>
-            <a:r>
-              <a:rPr lang="en-US" dirty="0" smtClean="0"/>
-              <a:t> </a:t>
-            </a:r>
-            <a:r>
-              <a:rPr lang="en-US" dirty="0" err="1" smtClean="0"/>
-              <a:t>incididunt</a:t>
-            </a:r>
-            <a:r>
-              <a:rPr lang="en-US" dirty="0" smtClean="0"/>
-              <a:t> </a:t>
-            </a:r>
-            <a:r>
-              <a:rPr lang="en-US" dirty="0" err="1" smtClean="0"/>
-              <a:t>ut</a:t>
-            </a:r>
-            <a:r>
-              <a:rPr lang="en-US" dirty="0" smtClean="0"/>
-              <a:t> </a:t>
-            </a:r>
-            <a:r>
-              <a:rPr lang="en-US" dirty="0" err="1" smtClean="0"/>
-              <a:t>labore</a:t>
-            </a:r>
-            <a:r>
-              <a:rPr lang="en-US" dirty="0" smtClean="0"/>
-              <a:t> et </a:t>
-            </a:r>
-            <a:r>
-              <a:rPr lang="en-US" dirty="0" err="1" smtClean="0"/>
-              <a:t>dolore</a:t>
-            </a:r>
-            <a:r>
-              <a:rPr lang="en-US" dirty="0" smtClean="0"/>
-              <a:t> magna </a:t>
-            </a:r>
-            <a:r>
-              <a:rPr lang="en-US" dirty="0" err="1" smtClean="0"/>
-              <a:t>aliqua</a:t>
-            </a:r>
-            <a:r>
-              <a:rPr lang="en-US" dirty="0" smtClean="0"/>
-              <a:t>. </a:t>
-            </a:r>
-            <a:r>
-              <a:rPr lang="en-US" dirty="0" err="1" smtClean="0"/>
-              <a:t>Ut</a:t>
-            </a:r>
-            <a:r>
-              <a:rPr lang="en-US" dirty="0" smtClean="0"/>
-              <a:t> </a:t>
-            </a:r>
-            <a:r>
-              <a:rPr lang="en-US" dirty="0" err="1" smtClean="0"/>
-              <a:t>enim</a:t>
-            </a:r>
-            <a:r>
-              <a:rPr lang="en-US" dirty="0" smtClean="0"/>
-              <a:t> ad minim </a:t>
-            </a:r>
-            <a:r>
-              <a:rPr lang="en-US" dirty="0" err="1" smtClean="0"/>
-              <a:t>veniam</a:t>
-            </a:r>
-            <a:r>
-              <a:rPr lang="en-US" dirty="0" smtClean="0"/>
-              <a:t>, </a:t>
-            </a:r>
-            <a:r>
-              <a:rPr lang="en-US" dirty="0" err="1" smtClean="0"/>
-              <a:t>quis</a:t>
-            </a:r>
-            <a:r>
-              <a:rPr lang="en-US" dirty="0" smtClean="0"/>
-              <a:t> </a:t>
-            </a:r>
-            <a:r>
-              <a:rPr lang="en-US" dirty="0" err="1" smtClean="0"/>
-              <a:t>nostrud</a:t>
-            </a:r>
-            <a:r>
-              <a:rPr lang="en-US" dirty="0" smtClean="0"/>
-              <a:t> exercitation </a:t>
-            </a:r>
-            <a:r>
-              <a:rPr lang="en-US" dirty="0" err="1" smtClean="0"/>
-              <a:t>ullamco</a:t>
-            </a:r>
-            <a:r>
-              <a:rPr lang="en-US" dirty="0" smtClean="0"/>
-              <a:t> </a:t>
-            </a:r>
-            <a:r>
-              <a:rPr lang="en-US" dirty="0" err="1" smtClean="0"/>
-              <a:t>laboris</a:t>
-            </a:r>
-            <a:r>
-              <a:rPr lang="en-US" dirty="0" smtClean="0"/>
-              <a:t> nisi </a:t>
-            </a:r>
-            <a:r>
-              <a:rPr lang="en-US" dirty="0" err="1" smtClean="0"/>
-              <a:t>ut</a:t>
-            </a:r>
-            <a:r>
-              <a:rPr lang="en-US" dirty="0" smtClean="0"/>
-              <a:t> </a:t>
-            </a:r>
-            <a:r>
-              <a:rPr lang="en-US" dirty="0" err="1" smtClean="0"/>
-              <a:t>aliquip</a:t>
-            </a:r>
-            <a:r>
-              <a:rPr lang="en-US" dirty="0" smtClean="0"/>
-              <a:t> ex </a:t>
-            </a:r>
-            <a:r>
-              <a:rPr lang="en-US" dirty="0" err="1" smtClean="0"/>
-              <a:t>ea</a:t>
-            </a:r>
-            <a:r>
-              <a:rPr lang="en-US" dirty="0" smtClean="0"/>
-              <a:t> </a:t>
-            </a:r>
-            <a:r>
-              <a:rPr lang="en-US" dirty="0" err="1" smtClean="0"/>
-              <a:t>commodo</a:t>
-            </a:r>
-            <a:r>
-              <a:rPr lang="en-US" dirty="0" smtClean="0"/>
-              <a:t> </a:t>
-            </a:r>
-            <a:r>
-              <a:rPr lang="en-US" dirty="0" err="1" smtClean="0"/>
-              <a:t>consequat</a:t>
-            </a:r>
-            <a:r>
-              <a:rPr lang="en-US" dirty="0" smtClean="0"/>
-              <a:t>. </a:t>
-            </a:r>
-            <a:r>
-              <a:rPr lang="en-US" dirty="0" err="1" smtClean="0"/>
-              <a:t>Duis</a:t>
-            </a:r>
-            <a:r>
-              <a:rPr lang="en-US" dirty="0" smtClean="0"/>
-              <a:t> </a:t>
-            </a:r>
-            <a:r>
-              <a:rPr lang="en-US" dirty="0" err="1" smtClean="0"/>
-              <a:t>aute</a:t>
-            </a:r>
-            <a:r>
-              <a:rPr lang="en-US" dirty="0" smtClean="0"/>
-              <a:t> </a:t>
-            </a:r>
-            <a:r>
-              <a:rPr lang="en-US" dirty="0" err="1" smtClean="0"/>
-              <a:t>irure</a:t>
-            </a:r>
-            <a:r>
-              <a:rPr lang="en-US" dirty="0" smtClean="0"/>
-              <a:t> dolor in </a:t>
-            </a:r>
-            <a:r>
-              <a:rPr lang="en-US" dirty="0" err="1" smtClean="0"/>
-              <a:t>reprehenderit</a:t>
-            </a:r>
-            <a:r>
-              <a:rPr lang="en-US" dirty="0" smtClean="0"/>
-              <a:t> in </a:t>
-            </a:r>
-            <a:r>
-              <a:rPr lang="en-US" dirty="0" err="1" smtClean="0"/>
-              <a:t>voluptate</a:t>
-            </a:r>
-            <a:r>
-              <a:rPr lang="en-US" dirty="0" smtClean="0"/>
-              <a:t> </a:t>
-            </a:r>
-            <a:r>
-              <a:rPr lang="en-US" dirty="0" err="1" smtClean="0"/>
-              <a:t>velit</a:t>
-            </a:r>
-            <a:r>
-              <a:rPr lang="en-US" dirty="0" smtClean="0"/>
-              <a:t> </a:t>
-            </a:r>
-            <a:r>
-              <a:rPr lang="en-US" dirty="0" err="1" smtClean="0"/>
-              <a:t>esse</a:t>
-            </a:r>
-            <a:r>
-              <a:rPr lang="en-US" dirty="0" smtClean="0"/>
-              <a:t> </a:t>
-            </a:r>
-            <a:r>
-              <a:rPr lang="en-US" dirty="0" err="1" smtClean="0"/>
-              <a:t>cillum</a:t>
-            </a:r>
-            <a:r>
-              <a:rPr lang="en-US" dirty="0" smtClean="0"/>
-              <a:t> </a:t>
-            </a:r>
-            <a:r>
-              <a:rPr lang="en-US" dirty="0" err="1" smtClean="0"/>
-              <a:t>dolore</a:t>
-            </a:r>
-            <a:r>
-              <a:rPr lang="en-US" dirty="0" smtClean="0"/>
-              <a:t> </a:t>
-            </a:r>
-            <a:r>
-              <a:rPr lang="en-US" dirty="0" err="1" smtClean="0"/>
-              <a:t>eu</a:t>
-            </a:r>
-            <a:r>
-              <a:rPr lang="en-US" dirty="0" smtClean="0"/>
-              <a:t> </a:t>
-            </a:r>
-            <a:r>
-              <a:rPr lang="en-US" dirty="0" err="1" smtClean="0"/>
-              <a:t>fugiat</a:t>
-            </a:r>
-            <a:r>
-              <a:rPr lang="en-US" dirty="0" smtClean="0"/>
-              <a:t> </a:t>
-            </a:r>
-            <a:r>
-              <a:rPr lang="en-US" dirty="0" err="1" smtClean="0"/>
-              <a:t>nulla</a:t>
-            </a:r>
-            <a:r>
-              <a:rPr lang="en-US" dirty="0" smtClean="0"/>
-              <a:t> </a:t>
-            </a:r>
-            <a:r>
-              <a:rPr lang="en-US" dirty="0" err="1" smtClean="0"/>
-              <a:t>pariatur</a:t>
-            </a:r>
-            <a:r>
-              <a:rPr lang="en-US" dirty="0" smtClean="0"/>
-              <a:t>. </a:t>
-            </a:r>
-          </a:p>
-        </p:txBody>
-      </p:sp>
-      <p:pic>
-        <p:nvPicPr>
-          <p:cNvPr id="11" name="Picture 10"/>
-          <p:cNvPicPr>
-            <a:picLocks noChangeAspect="1"/>
-          </p:cNvPicPr>
-          <p:nvPr userDrawn="1"/>
-        </p:nvPicPr>
-        <p:blipFill>
-          <a:blip r:embed="rId3">
-            <a:extLst>
-              <a:ext uri="{28A0092B-C50C-407E-A947-70E740481C1C}">
-                <a14:useLocalDpi xmlns:a14="http://schemas.microsoft.com/office/drawing/2010/main" val="0"/>
-              </a:ext>
-            </a:extLst>
-          </a:blip>
-          <a:stretch>
-            <a:fillRect/>
-          </a:stretch>
-        </p:blipFill>
-        <p:spPr>
-          <a:xfrm>
-            <a:off x="8868520" y="442800"/>
-            <a:ext cx="276225" cy="276225"/>
-          </a:xfrm>
-          <a:prstGeom prst="rect">
-            <a:avLst/>
-          </a:prstGeom>
-        </p:spPr>
-      </p:pic>
-      <p:sp>
-        <p:nvSpPr>
-          <p:cNvPr id="12" name="Slide Number Placeholder 5"/>
-          <p:cNvSpPr txBox="1">
-            <a:spLocks/>
-          </p:cNvSpPr>
-          <p:nvPr userDrawn="1"/>
-        </p:nvSpPr>
-        <p:spPr>
-          <a:xfrm>
-            <a:off x="8832322" y="303422"/>
-            <a:ext cx="405313" cy="276226"/>
-          </a:xfrm>
-          <a:prstGeom prst="rect">
-            <a:avLst/>
-          </a:prstGeom>
-        </p:spPr>
-        <p:txBody>
-          <a:bodyPr vert="horz" lIns="91440" tIns="45720" rIns="91440" bIns="45720" rtlCol="0" anchor="ctr"/>
-          <a:lstStyle>
-            <a:defPPr>
-              <a:defRPr lang="en-US"/>
-            </a:defPPr>
-            <a:lvl1pPr marL="0" algn="r" defTabSz="914400" rtl="0" eaLnBrk="1" latinLnBrk="0" hangingPunct="1">
-              <a:defRPr sz="1400" kern="1200">
-                <a:solidFill>
-                  <a:schemeClr val="bg1"/>
-                </a:solidFill>
-                <a:latin typeface="+mn-lt"/>
-                <a:ea typeface="+mn-ea"/>
-                <a:cs typeface="+mn-cs"/>
-              </a:defRPr>
-            </a:lvl1pPr>
-            <a:lvl2pPr marL="457200" algn="l" defTabSz="914400" rtl="0" eaLnBrk="1" latinLnBrk="0" hangingPunct="1">
-              <a:defRPr sz="1800" kern="1200">
-                <a:solidFill>
-                  <a:schemeClr val="tx1"/>
-                </a:solidFill>
-                <a:latin typeface="+mn-lt"/>
-                <a:ea typeface="+mn-ea"/>
-                <a:cs typeface="+mn-cs"/>
-              </a:defRPr>
-            </a:lvl2pPr>
-            <a:lvl3pPr marL="914400" algn="l" defTabSz="914400" rtl="0" eaLnBrk="1" latinLnBrk="0" hangingPunct="1">
-              <a:defRPr sz="1800" kern="1200">
-                <a:solidFill>
-                  <a:schemeClr val="tx1"/>
-                </a:solidFill>
-                <a:latin typeface="+mn-lt"/>
-                <a:ea typeface="+mn-ea"/>
-                <a:cs typeface="+mn-cs"/>
-              </a:defRPr>
-            </a:lvl3pPr>
-            <a:lvl4pPr marL="1371600" algn="l" defTabSz="914400" rtl="0" eaLnBrk="1" latinLnBrk="0" hangingPunct="1">
-              <a:defRPr sz="1800" kern="1200">
-                <a:solidFill>
-                  <a:schemeClr val="tx1"/>
-                </a:solidFill>
-                <a:latin typeface="+mn-lt"/>
-                <a:ea typeface="+mn-ea"/>
-                <a:cs typeface="+mn-cs"/>
-              </a:defRPr>
-            </a:lvl4pPr>
-            <a:lvl5pPr marL="1828800" algn="l" defTabSz="914400" rtl="0" eaLnBrk="1" latinLnBrk="0" hangingPunct="1">
-              <a:defRPr sz="1800" kern="1200">
-                <a:solidFill>
-                  <a:schemeClr val="tx1"/>
-                </a:solidFill>
-                <a:latin typeface="+mn-lt"/>
-                <a:ea typeface="+mn-ea"/>
-                <a:cs typeface="+mn-cs"/>
-              </a:defRPr>
-            </a:lvl5pPr>
-            <a:lvl6pPr marL="2286000" algn="l" defTabSz="914400" rtl="0" eaLnBrk="1" latinLnBrk="0" hangingPunct="1">
-              <a:defRPr sz="1800" kern="1200">
-                <a:solidFill>
-                  <a:schemeClr val="tx1"/>
-                </a:solidFill>
-                <a:latin typeface="+mn-lt"/>
-                <a:ea typeface="+mn-ea"/>
-                <a:cs typeface="+mn-cs"/>
-              </a:defRPr>
-            </a:lvl6pPr>
-            <a:lvl7pPr marL="2743200" algn="l" defTabSz="914400" rtl="0" eaLnBrk="1" latinLnBrk="0" hangingPunct="1">
-              <a:defRPr sz="1800" kern="1200">
-                <a:solidFill>
-                  <a:schemeClr val="tx1"/>
-                </a:solidFill>
-                <a:latin typeface="+mn-lt"/>
-                <a:ea typeface="+mn-ea"/>
-                <a:cs typeface="+mn-cs"/>
-              </a:defRPr>
-            </a:lvl7pPr>
-            <a:lvl8pPr marL="3200400" algn="l" defTabSz="914400" rtl="0" eaLnBrk="1" latinLnBrk="0" hangingPunct="1">
-              <a:defRPr sz="1800" kern="1200">
-                <a:solidFill>
-                  <a:schemeClr val="tx1"/>
-                </a:solidFill>
-                <a:latin typeface="+mn-lt"/>
-                <a:ea typeface="+mn-ea"/>
-                <a:cs typeface="+mn-cs"/>
-              </a:defRPr>
-            </a:lvl8pPr>
-            <a:lvl9pPr marL="3657600" algn="l" defTabSz="914400" rtl="0" eaLnBrk="1" latinLnBrk="0" hangingPunct="1">
-              <a:defRPr sz="1800" kern="1200">
-                <a:solidFill>
-                  <a:schemeClr val="tx1"/>
-                </a:solidFill>
-                <a:latin typeface="+mn-lt"/>
-                <a:ea typeface="+mn-ea"/>
-                <a:cs typeface="+mn-cs"/>
-              </a:defRPr>
-            </a:lvl9pPr>
-          </a:lstStyle>
-          <a:p>
-            <a:pPr algn="just"/>
-            <a:fld id="{CA8A9033-43B4-495E-9CC2-052EECE3BC38}" type="slidenum">
-              <a:rPr lang="en-US" sz="1200" smtClean="0">
-                <a:solidFill>
-                  <a:schemeClr val="bg2"/>
-                </a:solidFill>
-              </a:rPr>
-              <a:pPr algn="just"/>
-              <a:t>‹#›</a:t>
-            </a:fld>
-            <a:endParaRPr lang="en-US" sz="1200" dirty="0">
-              <a:solidFill>
-                <a:schemeClr val="bg2"/>
-              </a:solidFill>
-            </a:endParaRPr>
-          </a:p>
-        </p:txBody>
-      </p:sp>
-      <p:sp>
-        <p:nvSpPr>
-          <p:cNvPr id="16" name="Rectangle 15"/>
-          <p:cNvSpPr/>
-          <p:nvPr userDrawn="1"/>
-        </p:nvSpPr>
-        <p:spPr>
-          <a:xfrm>
-            <a:off x="0" y="-1"/>
-            <a:ext cx="9150051" cy="1196753"/>
-          </a:xfrm>
-          <a:prstGeom prst="rect">
-            <a:avLst/>
-          </a:prstGeom>
-          <a:solidFill>
-            <a:schemeClr val="bg2"/>
-          </a:solidFill>
-          <a:ln>
-            <a:noFill/>
-          </a:ln>
-        </p:spPr>
-        <p:style>
-          <a:lnRef idx="2">
-            <a:schemeClr val="accent1">
-              <a:shade val="50000"/>
-            </a:schemeClr>
-          </a:lnRef>
-          <a:fillRef idx="1">
-            <a:schemeClr val="accent1"/>
-          </a:fillRef>
-          <a:effectRef idx="0">
-            <a:schemeClr val="accent1"/>
-          </a:effectRef>
-          <a:fontRef idx="minor">
-            <a:schemeClr val="lt1"/>
-          </a:fontRef>
-        </p:style>
-        <p:txBody>
-          <a:bodyPr lIns="0" tIns="0" rIns="0" bIns="0" rtlCol="0" anchor="ctr"/>
-          <a:lstStyle/>
-          <a:p>
-            <a:pPr algn="ctr"/>
-            <a:endParaRPr lang="en-US"/>
-          </a:p>
-        </p:txBody>
-      </p:sp>
-      <p:pic>
-        <p:nvPicPr>
-          <p:cNvPr id="17" name="Picture 16"/>
-          <p:cNvPicPr>
-            <a:picLocks noChangeAspect="1"/>
-          </p:cNvPicPr>
-          <p:nvPr userDrawn="1"/>
-        </p:nvPicPr>
-        <p:blipFill>
-          <a:blip r:embed="rId4">
-            <a:extLst>
-              <a:ext uri="{28A0092B-C50C-407E-A947-70E740481C1C}">
-                <a14:useLocalDpi xmlns:a14="http://schemas.microsoft.com/office/drawing/2010/main" val="0"/>
-              </a:ext>
-            </a:extLst>
-          </a:blip>
-          <a:stretch>
-            <a:fillRect/>
-          </a:stretch>
-        </p:blipFill>
-        <p:spPr>
-          <a:xfrm>
-            <a:off x="0" y="441535"/>
-            <a:ext cx="123825" cy="276225"/>
-          </a:xfrm>
-          <a:prstGeom prst="rect">
-            <a:avLst/>
-          </a:prstGeom>
-        </p:spPr>
-      </p:pic>
-      <p:pic>
-        <p:nvPicPr>
-          <p:cNvPr id="18" name="Picture 17"/>
-          <p:cNvPicPr>
-            <a:picLocks noChangeAspect="1"/>
-          </p:cNvPicPr>
-          <p:nvPr userDrawn="1"/>
-        </p:nvPicPr>
-        <p:blipFill>
-          <a:blip r:embed="rId3">
-            <a:extLst>
-              <a:ext uri="{28A0092B-C50C-407E-A947-70E740481C1C}">
-                <a14:useLocalDpi xmlns:a14="http://schemas.microsoft.com/office/drawing/2010/main" val="0"/>
-              </a:ext>
-            </a:extLst>
-          </a:blip>
-          <a:stretch>
-            <a:fillRect/>
-          </a:stretch>
-        </p:blipFill>
-        <p:spPr>
-          <a:xfrm>
-            <a:off x="8868520" y="442800"/>
-            <a:ext cx="276225" cy="276225"/>
-          </a:xfrm>
-          <a:prstGeom prst="rect">
-            <a:avLst/>
-          </a:prstGeom>
-        </p:spPr>
-      </p:pic>
-      <p:sp>
-        <p:nvSpPr>
-          <p:cNvPr id="19" name="Slide Number Placeholder 5"/>
-          <p:cNvSpPr txBox="1">
-            <a:spLocks/>
-          </p:cNvSpPr>
-          <p:nvPr userDrawn="1"/>
-        </p:nvSpPr>
-        <p:spPr>
-          <a:xfrm>
-            <a:off x="8832322" y="442800"/>
-            <a:ext cx="405313" cy="276226"/>
-          </a:xfrm>
-          <a:prstGeom prst="rect">
-            <a:avLst/>
-          </a:prstGeom>
-        </p:spPr>
-        <p:txBody>
-          <a:bodyPr vert="horz" lIns="91440" tIns="45720" rIns="91440" bIns="45720" rtlCol="0" anchor="ctr"/>
-          <a:lstStyle>
-            <a:defPPr>
-              <a:defRPr lang="en-US"/>
-            </a:defPPr>
-            <a:lvl1pPr marL="0" algn="r" defTabSz="914400" rtl="0" eaLnBrk="1" latinLnBrk="0" hangingPunct="1">
-              <a:defRPr sz="1400" kern="1200">
-                <a:solidFill>
-                  <a:schemeClr val="bg1"/>
-                </a:solidFill>
-                <a:latin typeface="+mn-lt"/>
-                <a:ea typeface="+mn-ea"/>
-                <a:cs typeface="+mn-cs"/>
-              </a:defRPr>
-            </a:lvl1pPr>
-            <a:lvl2pPr marL="457200" algn="l" defTabSz="914400" rtl="0" eaLnBrk="1" latinLnBrk="0" hangingPunct="1">
-              <a:defRPr sz="1800" kern="1200">
-                <a:solidFill>
-                  <a:schemeClr val="tx1"/>
-                </a:solidFill>
-                <a:latin typeface="+mn-lt"/>
-                <a:ea typeface="+mn-ea"/>
-                <a:cs typeface="+mn-cs"/>
-              </a:defRPr>
-            </a:lvl2pPr>
-            <a:lvl3pPr marL="914400" algn="l" defTabSz="914400" rtl="0" eaLnBrk="1" latinLnBrk="0" hangingPunct="1">
-              <a:defRPr sz="1800" kern="1200">
-                <a:solidFill>
-                  <a:schemeClr val="tx1"/>
-                </a:solidFill>
-                <a:latin typeface="+mn-lt"/>
-                <a:ea typeface="+mn-ea"/>
-                <a:cs typeface="+mn-cs"/>
-              </a:defRPr>
-            </a:lvl3pPr>
-            <a:lvl4pPr marL="1371600" algn="l" defTabSz="914400" rtl="0" eaLnBrk="1" latinLnBrk="0" hangingPunct="1">
-              <a:defRPr sz="1800" kern="1200">
-                <a:solidFill>
-                  <a:schemeClr val="tx1"/>
-                </a:solidFill>
-                <a:latin typeface="+mn-lt"/>
-                <a:ea typeface="+mn-ea"/>
-                <a:cs typeface="+mn-cs"/>
-              </a:defRPr>
-            </a:lvl4pPr>
-            <a:lvl5pPr marL="1828800" algn="l" defTabSz="914400" rtl="0" eaLnBrk="1" latinLnBrk="0" hangingPunct="1">
-              <a:defRPr sz="1800" kern="1200">
-                <a:solidFill>
-                  <a:schemeClr val="tx1"/>
-                </a:solidFill>
-                <a:latin typeface="+mn-lt"/>
-                <a:ea typeface="+mn-ea"/>
-                <a:cs typeface="+mn-cs"/>
-              </a:defRPr>
-            </a:lvl5pPr>
-            <a:lvl6pPr marL="2286000" algn="l" defTabSz="914400" rtl="0" eaLnBrk="1" latinLnBrk="0" hangingPunct="1">
-              <a:defRPr sz="1800" kern="1200">
-                <a:solidFill>
-                  <a:schemeClr val="tx1"/>
-                </a:solidFill>
-                <a:latin typeface="+mn-lt"/>
-                <a:ea typeface="+mn-ea"/>
-                <a:cs typeface="+mn-cs"/>
-              </a:defRPr>
-            </a:lvl6pPr>
-            <a:lvl7pPr marL="2743200" algn="l" defTabSz="914400" rtl="0" eaLnBrk="1" latinLnBrk="0" hangingPunct="1">
-              <a:defRPr sz="1800" kern="1200">
-                <a:solidFill>
-                  <a:schemeClr val="tx1"/>
-                </a:solidFill>
-                <a:latin typeface="+mn-lt"/>
-                <a:ea typeface="+mn-ea"/>
-                <a:cs typeface="+mn-cs"/>
-              </a:defRPr>
-            </a:lvl7pPr>
-            <a:lvl8pPr marL="3200400" algn="l" defTabSz="914400" rtl="0" eaLnBrk="1" latinLnBrk="0" hangingPunct="1">
-              <a:defRPr sz="1800" kern="1200">
-                <a:solidFill>
-                  <a:schemeClr val="tx1"/>
-                </a:solidFill>
-                <a:latin typeface="+mn-lt"/>
-                <a:ea typeface="+mn-ea"/>
-                <a:cs typeface="+mn-cs"/>
-              </a:defRPr>
-            </a:lvl8pPr>
-            <a:lvl9pPr marL="3657600" algn="l" defTabSz="914400" rtl="0" eaLnBrk="1" latinLnBrk="0" hangingPunct="1">
-              <a:defRPr sz="1800" kern="1200">
-                <a:solidFill>
-                  <a:schemeClr val="tx1"/>
-                </a:solidFill>
-                <a:latin typeface="+mn-lt"/>
-                <a:ea typeface="+mn-ea"/>
-                <a:cs typeface="+mn-cs"/>
-              </a:defRPr>
-            </a:lvl9pPr>
-          </a:lstStyle>
-          <a:p>
-            <a:pPr algn="just"/>
-            <a:fld id="{CA8A9033-43B4-495E-9CC2-052EECE3BC38}" type="slidenum">
-              <a:rPr lang="en-US" sz="1200" smtClean="0">
-                <a:solidFill>
-                  <a:schemeClr val="bg2"/>
-                </a:solidFill>
-              </a:rPr>
-              <a:pPr algn="just"/>
-              <a:t>‹#›</a:t>
-            </a:fld>
-            <a:endParaRPr lang="en-US" sz="1200" dirty="0">
-              <a:solidFill>
-                <a:schemeClr val="bg2"/>
-              </a:solidFill>
-            </a:endParaRPr>
-          </a:p>
-        </p:txBody>
-      </p:sp>
-      <p:sp>
-        <p:nvSpPr>
-          <p:cNvPr id="20" name="Title Placeholder 1"/>
-          <p:cNvSpPr>
-            <a:spLocks noGrp="1"/>
-          </p:cNvSpPr>
-          <p:nvPr>
-            <p:ph type="title" hasCustomPrompt="1"/>
-          </p:nvPr>
-        </p:nvSpPr>
-        <p:spPr>
-          <a:xfrm>
-            <a:off x="323851" y="0"/>
-            <a:ext cx="8507726" cy="1196751"/>
-          </a:xfrm>
-          <a:prstGeom prst="rect">
-            <a:avLst/>
-          </a:prstGeom>
-        </p:spPr>
-        <p:txBody>
-          <a:bodyPr vert="horz" lIns="0" tIns="0" rIns="0" bIns="0" rtlCol="0" anchor="ctr">
-            <a:noAutofit/>
-          </a:bodyPr>
-          <a:lstStyle>
-            <a:lvl1pPr>
-              <a:defRPr sz="3400" cap="all" baseline="0">
-                <a:solidFill>
-                  <a:schemeClr val="tx1"/>
-                </a:solidFill>
-                <a:latin typeface="Arial Black" panose="020B0A04020102020204" pitchFamily="34" charset="0"/>
-              </a:defRPr>
-            </a:lvl1pPr>
-          </a:lstStyle>
-          <a:p>
-            <a:r>
-              <a:rPr lang="en-US" dirty="0" smtClean="0"/>
-              <a:t>CLICK TO EDIT MASTER TITLE STYLE</a:t>
-            </a:r>
-            <a:endParaRPr lang="en-US" dirty="0"/>
-          </a:p>
-        </p:txBody>
-      </p:sp>
-      <p:cxnSp>
-        <p:nvCxnSpPr>
-          <p:cNvPr id="21" name="Straight Connector 20"/>
-          <p:cNvCxnSpPr/>
-          <p:nvPr userDrawn="1"/>
-        </p:nvCxnSpPr>
-        <p:spPr>
-          <a:xfrm>
-            <a:off x="-6051" y="1196752"/>
-            <a:ext cx="9144000" cy="0"/>
-          </a:xfrm>
-          <a:prstGeom prst="line">
-            <a:avLst/>
-          </a:prstGeom>
-          <a:ln>
-            <a:solidFill>
-              <a:schemeClr val="bg1">
-                <a:lumMod val="75000"/>
-              </a:schemeClr>
-            </a:solidFill>
-          </a:ln>
-        </p:spPr>
-        <p:style>
-          <a:lnRef idx="1">
-            <a:schemeClr val="accent1"/>
-          </a:lnRef>
-          <a:fillRef idx="0">
-            <a:schemeClr val="accent1"/>
-          </a:fillRef>
-          <a:effectRef idx="0">
-            <a:schemeClr val="accent1"/>
-          </a:effectRef>
-          <a:fontRef idx="minor">
-            <a:schemeClr val="tx1"/>
-          </a:fontRef>
-        </p:style>
-      </p:cxnSp>
-      <p:sp>
-        <p:nvSpPr>
-          <p:cNvPr id="22" name="Rectangle 21"/>
-          <p:cNvSpPr/>
-          <p:nvPr userDrawn="1"/>
-        </p:nvSpPr>
-        <p:spPr>
-          <a:xfrm>
-            <a:off x="0" y="6447600"/>
-            <a:ext cx="9154800" cy="439200"/>
-          </a:xfrm>
-          <a:prstGeom prst="rect">
-            <a:avLst/>
-          </a:prstGeom>
-          <a:solidFill>
-            <a:srgbClr val="808080"/>
-          </a:solidFill>
-          <a:ln>
-            <a:noFill/>
-          </a:ln>
-        </p:spPr>
-        <p:style>
-          <a:lnRef idx="2">
-            <a:schemeClr val="accent1">
-              <a:shade val="50000"/>
-            </a:schemeClr>
-          </a:lnRef>
-          <a:fillRef idx="1">
-            <a:schemeClr val="accent1"/>
-          </a:fillRef>
-          <a:effectRef idx="0">
-            <a:schemeClr val="accent1"/>
-          </a:effectRef>
-          <a:fontRef idx="minor">
-            <a:schemeClr val="lt1"/>
-          </a:fontRef>
-        </p:style>
-        <p:txBody>
-          <a:bodyPr lIns="0" tIns="0" rIns="0" bIns="0" rtlCol="0" anchor="ctr"/>
-          <a:lstStyle/>
-          <a:p>
-            <a:pPr algn="ctr"/>
-            <a:endParaRPr lang="en-US"/>
-          </a:p>
-        </p:txBody>
-      </p:sp>
-      <p:cxnSp>
-        <p:nvCxnSpPr>
-          <p:cNvPr id="23" name="Straight Connector 22"/>
-          <p:cNvCxnSpPr/>
-          <p:nvPr userDrawn="1"/>
-        </p:nvCxnSpPr>
-        <p:spPr>
-          <a:xfrm>
-            <a:off x="1475656" y="6557267"/>
-            <a:ext cx="0" cy="216024"/>
-          </a:xfrm>
-          <a:prstGeom prst="line">
-            <a:avLst/>
-          </a:prstGeom>
-          <a:ln>
-            <a:solidFill>
-              <a:schemeClr val="bg1"/>
-            </a:solidFill>
-          </a:ln>
-        </p:spPr>
-        <p:style>
-          <a:lnRef idx="1">
-            <a:schemeClr val="accent1"/>
-          </a:lnRef>
-          <a:fillRef idx="0">
-            <a:schemeClr val="accent1"/>
-          </a:fillRef>
-          <a:effectRef idx="0">
-            <a:schemeClr val="accent1"/>
-          </a:effectRef>
-          <a:fontRef idx="minor">
-            <a:schemeClr val="tx1"/>
-          </a:fontRef>
-        </p:style>
-      </p:cxnSp>
-      <p:pic>
-        <p:nvPicPr>
-          <p:cNvPr id="24" name="Picture 23"/>
-          <p:cNvPicPr>
-            <a:picLocks noChangeAspect="1"/>
-          </p:cNvPicPr>
-          <p:nvPr userDrawn="1"/>
-        </p:nvPicPr>
-        <p:blipFill>
-          <a:blip r:embed="rId5">
-            <a:extLst>
-              <a:ext uri="{28A0092B-C50C-407E-A947-70E740481C1C}">
-                <a14:useLocalDpi xmlns:a14="http://schemas.microsoft.com/office/drawing/2010/main" val="0"/>
-              </a:ext>
-            </a:extLst>
-          </a:blip>
-          <a:stretch>
-            <a:fillRect/>
-          </a:stretch>
-        </p:blipFill>
-        <p:spPr>
-          <a:xfrm>
-            <a:off x="323850" y="6557267"/>
-            <a:ext cx="1005840" cy="196053"/>
-          </a:xfrm>
-          <a:prstGeom prst="rect">
-            <a:avLst/>
-          </a:prstGeom>
-        </p:spPr>
-      </p:pic>
-      <p:sp>
-        <p:nvSpPr>
-          <p:cNvPr id="25" name="Footer Placeholder 5"/>
-          <p:cNvSpPr>
-            <a:spLocks noGrp="1"/>
-          </p:cNvSpPr>
-          <p:nvPr>
-            <p:ph type="ftr" sz="quarter" idx="3"/>
-          </p:nvPr>
-        </p:nvSpPr>
-        <p:spPr>
-          <a:xfrm>
-            <a:off x="1619672" y="6447599"/>
-            <a:ext cx="3086100" cy="439201"/>
-          </a:xfrm>
-          <a:prstGeom prst="rect">
-            <a:avLst/>
-          </a:prstGeom>
-        </p:spPr>
-        <p:txBody>
-          <a:bodyPr vert="horz" lIns="0" tIns="0" rIns="0" bIns="0" rtlCol="0" anchor="ctr"/>
-          <a:lstStyle>
-            <a:lvl1pPr algn="l">
-              <a:defRPr sz="1000" cap="all" baseline="0">
-                <a:solidFill>
-                  <a:srgbClr val="FFFFFF"/>
-                </a:solidFill>
-                <a:latin typeface="Arial" panose="020B0604020202020204" pitchFamily="34" charset="0"/>
-                <a:cs typeface="Arial" panose="020B0604020202020204" pitchFamily="34" charset="0"/>
-              </a:defRPr>
-            </a:lvl1pPr>
-          </a:lstStyle>
-          <a:p>
-            <a:r>
-              <a:rPr lang="en-US" dirty="0" smtClean="0"/>
-              <a:t>PRESENTATION NAME</a:t>
-            </a:r>
-            <a:endParaRPr lang="en-US" dirty="0"/>
-          </a:p>
-        </p:txBody>
-      </p:sp>
-    </p:spTree>
-    <p:extLst>
-      <p:ext uri="{BB962C8B-B14F-4D97-AF65-F5344CB8AC3E}">
-        <p14:creationId xmlns:p14="http://schemas.microsoft.com/office/powerpoint/2010/main" val="1519188514"/>
-      </p:ext>
-    </p:extLst>
-  </p:cSld>
-  <p:clrMapOvr>
-    <a:masterClrMapping/>
-  </p:clrMapOvr>
-  <p:timing>
-    <p:tnLst>
-      <p:par>
-        <p:cTn id="1" dur="indefinite" restart="never" nodeType="tmRoot"/>
-      </p:par>
-    </p:tnLst>
-  </p:timing>
-  <p:extLst mod="1">
-    <p:ext uri="{DCECCB84-F9BA-43D5-87BE-67443E8EF086}">
-      <p15:sldGuideLst xmlns:p15="http://schemas.microsoft.com/office/powerpoint/2012/main">
-        <p15:guide id="1" orient="horz" pos="2160" userDrawn="1">
-          <p15:clr>
-            <a:srgbClr val="FBAE40"/>
-          </p15:clr>
-        </p15:guide>
-        <p15:guide id="2" pos="2880" userDrawn="1">
-          <p15:clr>
-            <a:srgbClr val="FBAE40"/>
-          </p15:clr>
-        </p15:guide>
-      </p15:sldGuideLst>
-    </p:ext>
-  </p:extLst>
-</p:sldLayout>
-</file>
-
-<file path=ppt/slideLayouts/slideLayout14.xml><?xml version="1.0" encoding="utf-8"?>
-<p:sldLayout xmlns:a="http://schemas.openxmlformats.org/drawingml/2006/main" xmlns:r="http://schemas.openxmlformats.org/officeDocument/2006/relationships" xmlns:p="http://schemas.openxmlformats.org/presentationml/2006/main" preserve="1" userDrawn="1">
   <p:cSld name="Contrast layout">
     <p:spTree>
       <p:nvGrpSpPr>
@@ -8608,9 +7516,9 @@
 </p:sldLayout>
 </file>
 
-<file path=ppt/slideLayouts/slideLayout15.xml><?xml version="1.0" encoding="utf-8"?>
+<file path=ppt/slideLayouts/slideLayout14.xml><?xml version="1.0" encoding="utf-8"?>
 <p:sldLayout xmlns:a="http://schemas.openxmlformats.org/drawingml/2006/main" xmlns:r="http://schemas.openxmlformats.org/officeDocument/2006/relationships" xmlns:p="http://schemas.openxmlformats.org/presentationml/2006/main" userDrawn="1">
-  <p:cSld name="Content">
+  <p:cSld name="1_Content">
     <p:spTree>
       <p:nvGrpSpPr>
         <p:cNvPr id="1" name=""/>
@@ -8899,158 +7807,6 @@
       </p:cxnSp>
       <p:sp>
         <p:nvSpPr>
-          <p:cNvPr id="15" name="Rectangle 14"/>
-          <p:cNvSpPr/>
-          <p:nvPr userDrawn="1"/>
-        </p:nvSpPr>
-        <p:spPr>
-          <a:xfrm>
-            <a:off x="0" y="6447600"/>
-            <a:ext cx="9154800" cy="439200"/>
-          </a:xfrm>
-          <a:prstGeom prst="rect">
-            <a:avLst/>
-          </a:prstGeom>
-          <a:solidFill>
-            <a:srgbClr val="808080"/>
-          </a:solidFill>
-          <a:ln>
-            <a:noFill/>
-          </a:ln>
-        </p:spPr>
-        <p:style>
-          <a:lnRef idx="2">
-            <a:schemeClr val="accent1">
-              <a:shade val="50000"/>
-            </a:schemeClr>
-          </a:lnRef>
-          <a:fillRef idx="1">
-            <a:schemeClr val="accent1"/>
-          </a:fillRef>
-          <a:effectRef idx="0">
-            <a:schemeClr val="accent1"/>
-          </a:effectRef>
-          <a:fontRef idx="minor">
-            <a:schemeClr val="lt1"/>
-          </a:fontRef>
-        </p:style>
-        <p:txBody>
-          <a:bodyPr lIns="0" tIns="0" rIns="0" bIns="0" rtlCol="0" anchor="ctr"/>
-          <a:lstStyle/>
-          <a:p>
-            <a:pPr algn="ctr"/>
-            <a:endParaRPr lang="en-US"/>
-          </a:p>
-        </p:txBody>
-      </p:sp>
-      <p:cxnSp>
-        <p:nvCxnSpPr>
-          <p:cNvPr id="17" name="Straight Connector 16"/>
-          <p:cNvCxnSpPr/>
-          <p:nvPr userDrawn="1"/>
-        </p:nvCxnSpPr>
-        <p:spPr>
-          <a:xfrm>
-            <a:off x="1475656" y="6557267"/>
-            <a:ext cx="0" cy="216024"/>
-          </a:xfrm>
-          <a:prstGeom prst="line">
-            <a:avLst/>
-          </a:prstGeom>
-          <a:ln>
-            <a:solidFill>
-              <a:schemeClr val="bg1"/>
-            </a:solidFill>
-          </a:ln>
-        </p:spPr>
-        <p:style>
-          <a:lnRef idx="1">
-            <a:schemeClr val="accent1"/>
-          </a:lnRef>
-          <a:fillRef idx="0">
-            <a:schemeClr val="accent1"/>
-          </a:fillRef>
-          <a:effectRef idx="0">
-            <a:schemeClr val="accent1"/>
-          </a:effectRef>
-          <a:fontRef idx="minor">
-            <a:schemeClr val="tx1"/>
-          </a:fontRef>
-        </p:style>
-      </p:cxnSp>
-      <p:pic>
-        <p:nvPicPr>
-          <p:cNvPr id="18" name="Picture 17"/>
-          <p:cNvPicPr>
-            <a:picLocks noChangeAspect="1"/>
-          </p:cNvPicPr>
-          <p:nvPr userDrawn="1"/>
-        </p:nvPicPr>
-        <p:blipFill>
-          <a:blip r:embed="rId4">
-            <a:extLst>
-              <a:ext uri="{28A0092B-C50C-407E-A947-70E740481C1C}">
-                <a14:useLocalDpi xmlns:a14="http://schemas.microsoft.com/office/drawing/2010/main" val="0"/>
-              </a:ext>
-            </a:extLst>
-          </a:blip>
-          <a:stretch>
-            <a:fillRect/>
-          </a:stretch>
-        </p:blipFill>
-        <p:spPr>
-          <a:xfrm>
-            <a:off x="323850" y="6557267"/>
-            <a:ext cx="1005840" cy="196053"/>
-          </a:xfrm>
-          <a:prstGeom prst="rect">
-            <a:avLst/>
-          </a:prstGeom>
-        </p:spPr>
-      </p:pic>
-      <p:sp>
-        <p:nvSpPr>
-          <p:cNvPr id="19" name="Footer Placeholder 5"/>
-          <p:cNvSpPr>
-            <a:spLocks noGrp="1"/>
-          </p:cNvSpPr>
-          <p:nvPr>
-            <p:ph type="ftr" sz="quarter" idx="3"/>
-          </p:nvPr>
-        </p:nvSpPr>
-        <p:spPr>
-          <a:xfrm>
-            <a:off x="1619672" y="6447599"/>
-            <a:ext cx="3086100" cy="439201"/>
-          </a:xfrm>
-          <a:prstGeom prst="rect">
-            <a:avLst/>
-          </a:prstGeom>
-        </p:spPr>
-        <p:txBody>
-          <a:bodyPr vert="horz" lIns="0" tIns="0" rIns="0" bIns="0" rtlCol="0" anchor="ctr"/>
-          <a:lstStyle>
-            <a:lvl1pPr algn="l">
-              <a:defRPr sz="1000" cap="all" baseline="0">
-                <a:solidFill>
-                  <a:srgbClr val="FFFFFF"/>
-                </a:solidFill>
-                <a:latin typeface="Arial" panose="020B0604020202020204" pitchFamily="34" charset="0"/>
-                <a:cs typeface="Arial" panose="020B0604020202020204" pitchFamily="34" charset="0"/>
-              </a:defRPr>
-            </a:lvl1pPr>
-          </a:lstStyle>
-          <a:p>
-            <a:r>
-              <a:rPr lang="en-US" dirty="0" smtClean="0"/>
-              <a:t>PRESENTATION NAME</a:t>
-            </a:r>
-            <a:endParaRPr lang="en-US" dirty="0"/>
-          </a:p>
-        </p:txBody>
-      </p:sp>
-      <p:sp>
-        <p:nvSpPr>
           <p:cNvPr id="6" name="Content Placeholder 5"/>
           <p:cNvSpPr>
             <a:spLocks noGrp="1"/>
@@ -9176,6 +7932,1023 @@
           </p15:clr>
         </p15:guide>
         <p15:guide id="4" pos="5556">
+          <p15:clr>
+            <a:srgbClr val="FBAE40"/>
+          </p15:clr>
+        </p15:guide>
+      </p15:sldGuideLst>
+    </p:ext>
+  </p:extLst>
+</p:sldLayout>
+</file>
+
+<file path=ppt/slideLayouts/slideLayout15.xml><?xml version="1.0" encoding="utf-8"?>
+<p:sldLayout xmlns:a="http://schemas.openxmlformats.org/drawingml/2006/main" xmlns:r="http://schemas.openxmlformats.org/officeDocument/2006/relationships" xmlns:p="http://schemas.openxmlformats.org/presentationml/2006/main" preserve="1" userDrawn="1">
+  <p:cSld name="1_Quote layout">
+    <p:spTree>
+      <p:nvGrpSpPr>
+        <p:cNvPr id="1" name=""/>
+        <p:cNvGrpSpPr/>
+        <p:nvPr/>
+      </p:nvGrpSpPr>
+      <p:grpSpPr>
+        <a:xfrm>
+          <a:off x="0" y="0"/>
+          <a:ext cx="0" cy="0"/>
+          <a:chOff x="0" y="0"/>
+          <a:chExt cx="0" cy="0"/>
+        </a:xfrm>
+      </p:grpSpPr>
+      <p:pic>
+        <p:nvPicPr>
+          <p:cNvPr id="6" name="Picture 2"/>
+          <p:cNvPicPr>
+            <a:picLocks noChangeAspect="1" noChangeArrowheads="1"/>
+          </p:cNvPicPr>
+          <p:nvPr userDrawn="1"/>
+        </p:nvPicPr>
+        <p:blipFill>
+          <a:blip r:embed="rId2">
+            <a:extLst>
+              <a:ext uri="{28A0092B-C50C-407E-A947-70E740481C1C}">
+                <a14:useLocalDpi xmlns:a14="http://schemas.microsoft.com/office/drawing/2010/main" val="0"/>
+              </a:ext>
+            </a:extLst>
+          </a:blip>
+          <a:srcRect/>
+          <a:stretch>
+            <a:fillRect/>
+          </a:stretch>
+        </p:blipFill>
+        <p:spPr bwMode="auto">
+          <a:xfrm>
+            <a:off x="4386908" y="2276872"/>
+            <a:ext cx="374334" cy="289917"/>
+          </a:xfrm>
+          <a:prstGeom prst="rect">
+            <a:avLst/>
+          </a:prstGeom>
+          <a:noFill/>
+          <a:ln>
+            <a:noFill/>
+          </a:ln>
+          <a:effectLst/>
+          <a:extLst>
+            <a:ext uri="{909E8E84-426E-40DD-AFC4-6F175D3DCCD1}">
+              <a14:hiddenFill xmlns:a14="http://schemas.microsoft.com/office/drawing/2010/main">
+                <a:solidFill>
+                  <a:schemeClr val="accent1"/>
+                </a:solidFill>
+              </a14:hiddenFill>
+            </a:ext>
+            <a:ext uri="{91240B29-F687-4F45-9708-019B960494DF}">
+              <a14:hiddenLine xmlns:a14="http://schemas.microsoft.com/office/drawing/2010/main" w="9525">
+                <a:solidFill>
+                  <a:schemeClr val="tx1"/>
+                </a:solidFill>
+                <a:miter lim="800000"/>
+                <a:headEnd/>
+                <a:tailEnd/>
+              </a14:hiddenLine>
+            </a:ext>
+            <a:ext uri="{AF507438-7753-43E0-B8FC-AC1667EBCBE1}">
+              <a14:hiddenEffects xmlns:a14="http://schemas.microsoft.com/office/drawing/2010/main">
+                <a:effectLst>
+                  <a:outerShdw dist="35921" dir="2700000" algn="ctr" rotWithShape="0">
+                    <a:schemeClr val="bg2"/>
+                  </a:outerShdw>
+                </a:effectLst>
+              </a14:hiddenEffects>
+            </a:ext>
+          </a:extLst>
+        </p:spPr>
+      </p:pic>
+      <p:sp>
+        <p:nvSpPr>
+          <p:cNvPr id="7" name="Text Placeholder 7"/>
+          <p:cNvSpPr>
+            <a:spLocks noGrp="1"/>
+          </p:cNvSpPr>
+          <p:nvPr>
+            <p:ph type="body" sz="quarter" idx="13" hasCustomPrompt="1"/>
+          </p:nvPr>
+        </p:nvSpPr>
+        <p:spPr>
+          <a:xfrm>
+            <a:off x="2699792" y="4717345"/>
+            <a:ext cx="3744416" cy="441732"/>
+          </a:xfrm>
+          <a:prstGeom prst="rect">
+            <a:avLst/>
+          </a:prstGeom>
+        </p:spPr>
+        <p:txBody>
+          <a:bodyPr/>
+          <a:lstStyle>
+            <a:lvl1pPr marL="0" indent="0" algn="ctr">
+              <a:buNone/>
+              <a:defRPr sz="2000" baseline="0">
+                <a:solidFill>
+                  <a:schemeClr val="accent5">
+                    <a:lumMod val="50000"/>
+                  </a:schemeClr>
+                </a:solidFill>
+                <a:latin typeface="Arial" panose="020B0604020202020204" pitchFamily="34" charset="0"/>
+                <a:cs typeface="Arial" panose="020B0604020202020204" pitchFamily="34" charset="0"/>
+              </a:defRPr>
+            </a:lvl1pPr>
+          </a:lstStyle>
+          <a:p>
+            <a:pPr lvl="0"/>
+            <a:r>
+              <a:rPr lang="en-US" dirty="0" smtClean="0"/>
+              <a:t>Name - Profession</a:t>
+            </a:r>
+            <a:endParaRPr lang="en-US" dirty="0"/>
+          </a:p>
+        </p:txBody>
+      </p:sp>
+      <p:sp>
+        <p:nvSpPr>
+          <p:cNvPr id="8" name="Text Placeholder 6"/>
+          <p:cNvSpPr>
+            <a:spLocks noGrp="1"/>
+          </p:cNvSpPr>
+          <p:nvPr>
+            <p:ph type="body" sz="quarter" idx="11" hasCustomPrompt="1"/>
+          </p:nvPr>
+        </p:nvSpPr>
+        <p:spPr>
+          <a:xfrm>
+            <a:off x="827585" y="2688667"/>
+            <a:ext cx="7488832" cy="1894346"/>
+          </a:xfrm>
+          <a:prstGeom prst="rect">
+            <a:avLst/>
+          </a:prstGeom>
+        </p:spPr>
+        <p:txBody>
+          <a:bodyPr lIns="0" tIns="0" rIns="0" bIns="0"/>
+          <a:lstStyle>
+            <a:lvl1pPr marL="0" indent="0" algn="just">
+              <a:lnSpc>
+                <a:spcPct val="100000"/>
+              </a:lnSpc>
+              <a:buNone/>
+              <a:defRPr sz="2000" i="1">
+                <a:latin typeface="Arial" panose="020B0604020202020204" pitchFamily="34" charset="0"/>
+                <a:cs typeface="Arial" panose="020B0604020202020204" pitchFamily="34" charset="0"/>
+              </a:defRPr>
+            </a:lvl1pPr>
+            <a:lvl2pPr>
+              <a:defRPr sz="1700">
+                <a:latin typeface="Arial Bold" panose="020B0704020202020204" pitchFamily="34" charset="0"/>
+                <a:cs typeface="Arial Bold" panose="020B0704020202020204" pitchFamily="34" charset="0"/>
+              </a:defRPr>
+            </a:lvl2pPr>
+            <a:lvl3pPr>
+              <a:defRPr sz="1700">
+                <a:latin typeface="Arial Bold" panose="020B0704020202020204" pitchFamily="34" charset="0"/>
+                <a:cs typeface="Arial Bold" panose="020B0704020202020204" pitchFamily="34" charset="0"/>
+              </a:defRPr>
+            </a:lvl3pPr>
+            <a:lvl4pPr>
+              <a:defRPr sz="1700">
+                <a:latin typeface="Arial Bold" panose="020B0704020202020204" pitchFamily="34" charset="0"/>
+                <a:cs typeface="Arial Bold" panose="020B0704020202020204" pitchFamily="34" charset="0"/>
+              </a:defRPr>
+            </a:lvl4pPr>
+            <a:lvl5pPr>
+              <a:defRPr sz="1700">
+                <a:latin typeface="Arial Bold" panose="020B0704020202020204" pitchFamily="34" charset="0"/>
+                <a:cs typeface="Arial Bold" panose="020B0704020202020204" pitchFamily="34" charset="0"/>
+              </a:defRPr>
+            </a:lvl5pPr>
+          </a:lstStyle>
+          <a:p>
+            <a:pPr lvl="0"/>
+            <a:r>
+              <a:rPr lang="en-US" dirty="0" err="1" smtClean="0"/>
+              <a:t>Lorem</a:t>
+            </a:r>
+            <a:r>
+              <a:rPr lang="en-US" dirty="0" smtClean="0"/>
+              <a:t> </a:t>
+            </a:r>
+            <a:r>
+              <a:rPr lang="en-US" dirty="0" err="1" smtClean="0"/>
+              <a:t>ipsum</a:t>
+            </a:r>
+            <a:r>
+              <a:rPr lang="en-US" dirty="0" smtClean="0"/>
+              <a:t> dolor sit </a:t>
+            </a:r>
+            <a:r>
+              <a:rPr lang="en-US" dirty="0" err="1" smtClean="0"/>
+              <a:t>amet</a:t>
+            </a:r>
+            <a:r>
+              <a:rPr lang="en-US" dirty="0" smtClean="0"/>
+              <a:t>, </a:t>
+            </a:r>
+            <a:r>
+              <a:rPr lang="en-US" dirty="0" err="1" smtClean="0"/>
+              <a:t>consectetur</a:t>
+            </a:r>
+            <a:r>
+              <a:rPr lang="en-US" dirty="0" smtClean="0"/>
+              <a:t> </a:t>
+            </a:r>
+            <a:r>
+              <a:rPr lang="en-US" dirty="0" err="1" smtClean="0"/>
+              <a:t>adipiscing</a:t>
+            </a:r>
+            <a:r>
+              <a:rPr lang="en-US" dirty="0" smtClean="0"/>
+              <a:t> </a:t>
+            </a:r>
+            <a:r>
+              <a:rPr lang="en-US" dirty="0" err="1" smtClean="0"/>
+              <a:t>elit</a:t>
+            </a:r>
+            <a:r>
+              <a:rPr lang="en-US" dirty="0" smtClean="0"/>
+              <a:t>, </a:t>
+            </a:r>
+            <a:r>
+              <a:rPr lang="en-US" dirty="0" err="1" smtClean="0"/>
+              <a:t>sed</a:t>
+            </a:r>
+            <a:r>
+              <a:rPr lang="en-US" dirty="0" smtClean="0"/>
+              <a:t> do </a:t>
+            </a:r>
+            <a:r>
+              <a:rPr lang="en-US" dirty="0" err="1" smtClean="0"/>
+              <a:t>eiusmod</a:t>
+            </a:r>
+            <a:r>
+              <a:rPr lang="en-US" dirty="0" smtClean="0"/>
+              <a:t> </a:t>
+            </a:r>
+            <a:r>
+              <a:rPr lang="en-US" dirty="0" err="1" smtClean="0"/>
+              <a:t>tempor</a:t>
+            </a:r>
+            <a:r>
+              <a:rPr lang="en-US" dirty="0" smtClean="0"/>
+              <a:t> </a:t>
+            </a:r>
+            <a:r>
+              <a:rPr lang="en-US" dirty="0" err="1" smtClean="0"/>
+              <a:t>incididunt</a:t>
+            </a:r>
+            <a:r>
+              <a:rPr lang="en-US" dirty="0" smtClean="0"/>
+              <a:t> </a:t>
+            </a:r>
+            <a:r>
+              <a:rPr lang="en-US" dirty="0" err="1" smtClean="0"/>
+              <a:t>ut</a:t>
+            </a:r>
+            <a:r>
+              <a:rPr lang="en-US" dirty="0" smtClean="0"/>
+              <a:t> </a:t>
+            </a:r>
+            <a:r>
+              <a:rPr lang="en-US" dirty="0" err="1" smtClean="0"/>
+              <a:t>labore</a:t>
+            </a:r>
+            <a:r>
+              <a:rPr lang="en-US" dirty="0" smtClean="0"/>
+              <a:t> et </a:t>
+            </a:r>
+            <a:r>
+              <a:rPr lang="en-US" dirty="0" err="1" smtClean="0"/>
+              <a:t>dolore</a:t>
+            </a:r>
+            <a:r>
+              <a:rPr lang="en-US" dirty="0" smtClean="0"/>
+              <a:t> magna </a:t>
+            </a:r>
+            <a:r>
+              <a:rPr lang="en-US" dirty="0" err="1" smtClean="0"/>
+              <a:t>aliqua</a:t>
+            </a:r>
+            <a:r>
+              <a:rPr lang="en-US" dirty="0" smtClean="0"/>
+              <a:t>. </a:t>
+            </a:r>
+            <a:r>
+              <a:rPr lang="en-US" dirty="0" err="1" smtClean="0"/>
+              <a:t>Ut</a:t>
+            </a:r>
+            <a:r>
+              <a:rPr lang="en-US" dirty="0" smtClean="0"/>
+              <a:t> </a:t>
+            </a:r>
+            <a:r>
+              <a:rPr lang="en-US" dirty="0" err="1" smtClean="0"/>
+              <a:t>enim</a:t>
+            </a:r>
+            <a:r>
+              <a:rPr lang="en-US" dirty="0" smtClean="0"/>
+              <a:t> ad minim </a:t>
+            </a:r>
+            <a:r>
+              <a:rPr lang="en-US" dirty="0" err="1" smtClean="0"/>
+              <a:t>veniam</a:t>
+            </a:r>
+            <a:r>
+              <a:rPr lang="en-US" dirty="0" smtClean="0"/>
+              <a:t>, </a:t>
+            </a:r>
+            <a:r>
+              <a:rPr lang="en-US" dirty="0" err="1" smtClean="0"/>
+              <a:t>quis</a:t>
+            </a:r>
+            <a:r>
+              <a:rPr lang="en-US" dirty="0" smtClean="0"/>
+              <a:t> </a:t>
+            </a:r>
+            <a:r>
+              <a:rPr lang="en-US" dirty="0" err="1" smtClean="0"/>
+              <a:t>nostrud</a:t>
+            </a:r>
+            <a:r>
+              <a:rPr lang="en-US" dirty="0" smtClean="0"/>
+              <a:t> exercitation </a:t>
+            </a:r>
+            <a:r>
+              <a:rPr lang="en-US" dirty="0" err="1" smtClean="0"/>
+              <a:t>ullamco</a:t>
+            </a:r>
+            <a:r>
+              <a:rPr lang="en-US" dirty="0" smtClean="0"/>
+              <a:t> </a:t>
+            </a:r>
+            <a:r>
+              <a:rPr lang="en-US" dirty="0" err="1" smtClean="0"/>
+              <a:t>laboris</a:t>
+            </a:r>
+            <a:r>
+              <a:rPr lang="en-US" dirty="0" smtClean="0"/>
+              <a:t> nisi </a:t>
+            </a:r>
+            <a:r>
+              <a:rPr lang="en-US" dirty="0" err="1" smtClean="0"/>
+              <a:t>ut</a:t>
+            </a:r>
+            <a:r>
+              <a:rPr lang="en-US" dirty="0" smtClean="0"/>
+              <a:t> </a:t>
+            </a:r>
+            <a:r>
+              <a:rPr lang="en-US" dirty="0" err="1" smtClean="0"/>
+              <a:t>aliquip</a:t>
+            </a:r>
+            <a:r>
+              <a:rPr lang="en-US" dirty="0" smtClean="0"/>
+              <a:t> ex </a:t>
+            </a:r>
+            <a:r>
+              <a:rPr lang="en-US" dirty="0" err="1" smtClean="0"/>
+              <a:t>ea</a:t>
+            </a:r>
+            <a:r>
+              <a:rPr lang="en-US" dirty="0" smtClean="0"/>
+              <a:t> </a:t>
+            </a:r>
+            <a:r>
+              <a:rPr lang="en-US" dirty="0" err="1" smtClean="0"/>
+              <a:t>commodo</a:t>
+            </a:r>
+            <a:r>
+              <a:rPr lang="en-US" dirty="0" smtClean="0"/>
+              <a:t> </a:t>
+            </a:r>
+            <a:r>
+              <a:rPr lang="en-US" dirty="0" err="1" smtClean="0"/>
+              <a:t>consequat</a:t>
+            </a:r>
+            <a:r>
+              <a:rPr lang="en-US" dirty="0" smtClean="0"/>
+              <a:t>. </a:t>
+            </a:r>
+            <a:r>
+              <a:rPr lang="en-US" dirty="0" err="1" smtClean="0"/>
+              <a:t>Duis</a:t>
+            </a:r>
+            <a:r>
+              <a:rPr lang="en-US" dirty="0" smtClean="0"/>
+              <a:t> </a:t>
+            </a:r>
+            <a:r>
+              <a:rPr lang="en-US" dirty="0" err="1" smtClean="0"/>
+              <a:t>aute</a:t>
+            </a:r>
+            <a:r>
+              <a:rPr lang="en-US" dirty="0" smtClean="0"/>
+              <a:t> </a:t>
+            </a:r>
+            <a:r>
+              <a:rPr lang="en-US" dirty="0" err="1" smtClean="0"/>
+              <a:t>irure</a:t>
+            </a:r>
+            <a:r>
+              <a:rPr lang="en-US" dirty="0" smtClean="0"/>
+              <a:t> dolor in </a:t>
+            </a:r>
+            <a:r>
+              <a:rPr lang="en-US" dirty="0" err="1" smtClean="0"/>
+              <a:t>reprehenderit</a:t>
+            </a:r>
+            <a:r>
+              <a:rPr lang="en-US" dirty="0" smtClean="0"/>
+              <a:t> in </a:t>
+            </a:r>
+            <a:r>
+              <a:rPr lang="en-US" dirty="0" err="1" smtClean="0"/>
+              <a:t>voluptate</a:t>
+            </a:r>
+            <a:r>
+              <a:rPr lang="en-US" dirty="0" smtClean="0"/>
+              <a:t> </a:t>
+            </a:r>
+            <a:r>
+              <a:rPr lang="en-US" dirty="0" err="1" smtClean="0"/>
+              <a:t>velit</a:t>
+            </a:r>
+            <a:r>
+              <a:rPr lang="en-US" dirty="0" smtClean="0"/>
+              <a:t> </a:t>
+            </a:r>
+            <a:r>
+              <a:rPr lang="en-US" dirty="0" err="1" smtClean="0"/>
+              <a:t>esse</a:t>
+            </a:r>
+            <a:r>
+              <a:rPr lang="en-US" dirty="0" smtClean="0"/>
+              <a:t> </a:t>
+            </a:r>
+            <a:r>
+              <a:rPr lang="en-US" dirty="0" err="1" smtClean="0"/>
+              <a:t>cillum</a:t>
+            </a:r>
+            <a:r>
+              <a:rPr lang="en-US" dirty="0" smtClean="0"/>
+              <a:t> </a:t>
+            </a:r>
+            <a:r>
+              <a:rPr lang="en-US" dirty="0" err="1" smtClean="0"/>
+              <a:t>dolore</a:t>
+            </a:r>
+            <a:r>
+              <a:rPr lang="en-US" dirty="0" smtClean="0"/>
+              <a:t> </a:t>
+            </a:r>
+            <a:r>
+              <a:rPr lang="en-US" dirty="0" err="1" smtClean="0"/>
+              <a:t>eu</a:t>
+            </a:r>
+            <a:r>
+              <a:rPr lang="en-US" dirty="0" smtClean="0"/>
+              <a:t> </a:t>
+            </a:r>
+            <a:r>
+              <a:rPr lang="en-US" dirty="0" err="1" smtClean="0"/>
+              <a:t>fugiat</a:t>
+            </a:r>
+            <a:r>
+              <a:rPr lang="en-US" dirty="0" smtClean="0"/>
+              <a:t> </a:t>
+            </a:r>
+            <a:r>
+              <a:rPr lang="en-US" dirty="0" err="1" smtClean="0"/>
+              <a:t>nulla</a:t>
+            </a:r>
+            <a:r>
+              <a:rPr lang="en-US" dirty="0" smtClean="0"/>
+              <a:t> </a:t>
+            </a:r>
+            <a:r>
+              <a:rPr lang="en-US" dirty="0" err="1" smtClean="0"/>
+              <a:t>pariatur</a:t>
+            </a:r>
+            <a:r>
+              <a:rPr lang="en-US" dirty="0" smtClean="0"/>
+              <a:t>. </a:t>
+            </a:r>
+          </a:p>
+        </p:txBody>
+      </p:sp>
+      <p:pic>
+        <p:nvPicPr>
+          <p:cNvPr id="11" name="Picture 10"/>
+          <p:cNvPicPr>
+            <a:picLocks noChangeAspect="1"/>
+          </p:cNvPicPr>
+          <p:nvPr userDrawn="1"/>
+        </p:nvPicPr>
+        <p:blipFill>
+          <a:blip r:embed="rId3">
+            <a:extLst>
+              <a:ext uri="{28A0092B-C50C-407E-A947-70E740481C1C}">
+                <a14:useLocalDpi xmlns:a14="http://schemas.microsoft.com/office/drawing/2010/main" val="0"/>
+              </a:ext>
+            </a:extLst>
+          </a:blip>
+          <a:stretch>
+            <a:fillRect/>
+          </a:stretch>
+        </p:blipFill>
+        <p:spPr>
+          <a:xfrm>
+            <a:off x="8868520" y="442800"/>
+            <a:ext cx="276225" cy="276225"/>
+          </a:xfrm>
+          <a:prstGeom prst="rect">
+            <a:avLst/>
+          </a:prstGeom>
+        </p:spPr>
+      </p:pic>
+      <p:sp>
+        <p:nvSpPr>
+          <p:cNvPr id="12" name="Slide Number Placeholder 5"/>
+          <p:cNvSpPr txBox="1">
+            <a:spLocks/>
+          </p:cNvSpPr>
+          <p:nvPr userDrawn="1"/>
+        </p:nvSpPr>
+        <p:spPr>
+          <a:xfrm>
+            <a:off x="8832322" y="303422"/>
+            <a:ext cx="405313" cy="276226"/>
+          </a:xfrm>
+          <a:prstGeom prst="rect">
+            <a:avLst/>
+          </a:prstGeom>
+        </p:spPr>
+        <p:txBody>
+          <a:bodyPr vert="horz" lIns="91440" tIns="45720" rIns="91440" bIns="45720" rtlCol="0" anchor="ctr"/>
+          <a:lstStyle>
+            <a:defPPr>
+              <a:defRPr lang="en-US"/>
+            </a:defPPr>
+            <a:lvl1pPr marL="0" algn="r" defTabSz="914400" rtl="0" eaLnBrk="1" latinLnBrk="0" hangingPunct="1">
+              <a:defRPr sz="1400" kern="1200">
+                <a:solidFill>
+                  <a:schemeClr val="bg1"/>
+                </a:solidFill>
+                <a:latin typeface="+mn-lt"/>
+                <a:ea typeface="+mn-ea"/>
+                <a:cs typeface="+mn-cs"/>
+              </a:defRPr>
+            </a:lvl1pPr>
+            <a:lvl2pPr marL="457200" algn="l" defTabSz="914400" rtl="0" eaLnBrk="1" latinLnBrk="0" hangingPunct="1">
+              <a:defRPr sz="1800" kern="1200">
+                <a:solidFill>
+                  <a:schemeClr val="tx1"/>
+                </a:solidFill>
+                <a:latin typeface="+mn-lt"/>
+                <a:ea typeface="+mn-ea"/>
+                <a:cs typeface="+mn-cs"/>
+              </a:defRPr>
+            </a:lvl2pPr>
+            <a:lvl3pPr marL="914400" algn="l" defTabSz="914400" rtl="0" eaLnBrk="1" latinLnBrk="0" hangingPunct="1">
+              <a:defRPr sz="1800" kern="1200">
+                <a:solidFill>
+                  <a:schemeClr val="tx1"/>
+                </a:solidFill>
+                <a:latin typeface="+mn-lt"/>
+                <a:ea typeface="+mn-ea"/>
+                <a:cs typeface="+mn-cs"/>
+              </a:defRPr>
+            </a:lvl3pPr>
+            <a:lvl4pPr marL="1371600" algn="l" defTabSz="914400" rtl="0" eaLnBrk="1" latinLnBrk="0" hangingPunct="1">
+              <a:defRPr sz="1800" kern="1200">
+                <a:solidFill>
+                  <a:schemeClr val="tx1"/>
+                </a:solidFill>
+                <a:latin typeface="+mn-lt"/>
+                <a:ea typeface="+mn-ea"/>
+                <a:cs typeface="+mn-cs"/>
+              </a:defRPr>
+            </a:lvl4pPr>
+            <a:lvl5pPr marL="1828800" algn="l" defTabSz="914400" rtl="0" eaLnBrk="1" latinLnBrk="0" hangingPunct="1">
+              <a:defRPr sz="1800" kern="1200">
+                <a:solidFill>
+                  <a:schemeClr val="tx1"/>
+                </a:solidFill>
+                <a:latin typeface="+mn-lt"/>
+                <a:ea typeface="+mn-ea"/>
+                <a:cs typeface="+mn-cs"/>
+              </a:defRPr>
+            </a:lvl5pPr>
+            <a:lvl6pPr marL="2286000" algn="l" defTabSz="914400" rtl="0" eaLnBrk="1" latinLnBrk="0" hangingPunct="1">
+              <a:defRPr sz="1800" kern="1200">
+                <a:solidFill>
+                  <a:schemeClr val="tx1"/>
+                </a:solidFill>
+                <a:latin typeface="+mn-lt"/>
+                <a:ea typeface="+mn-ea"/>
+                <a:cs typeface="+mn-cs"/>
+              </a:defRPr>
+            </a:lvl6pPr>
+            <a:lvl7pPr marL="2743200" algn="l" defTabSz="914400" rtl="0" eaLnBrk="1" latinLnBrk="0" hangingPunct="1">
+              <a:defRPr sz="1800" kern="1200">
+                <a:solidFill>
+                  <a:schemeClr val="tx1"/>
+                </a:solidFill>
+                <a:latin typeface="+mn-lt"/>
+                <a:ea typeface="+mn-ea"/>
+                <a:cs typeface="+mn-cs"/>
+              </a:defRPr>
+            </a:lvl7pPr>
+            <a:lvl8pPr marL="3200400" algn="l" defTabSz="914400" rtl="0" eaLnBrk="1" latinLnBrk="0" hangingPunct="1">
+              <a:defRPr sz="1800" kern="1200">
+                <a:solidFill>
+                  <a:schemeClr val="tx1"/>
+                </a:solidFill>
+                <a:latin typeface="+mn-lt"/>
+                <a:ea typeface="+mn-ea"/>
+                <a:cs typeface="+mn-cs"/>
+              </a:defRPr>
+            </a:lvl8pPr>
+            <a:lvl9pPr marL="3657600" algn="l" defTabSz="914400" rtl="0" eaLnBrk="1" latinLnBrk="0" hangingPunct="1">
+              <a:defRPr sz="1800" kern="1200">
+                <a:solidFill>
+                  <a:schemeClr val="tx1"/>
+                </a:solidFill>
+                <a:latin typeface="+mn-lt"/>
+                <a:ea typeface="+mn-ea"/>
+                <a:cs typeface="+mn-cs"/>
+              </a:defRPr>
+            </a:lvl9pPr>
+          </a:lstStyle>
+          <a:p>
+            <a:pPr algn="just"/>
+            <a:fld id="{CA8A9033-43B4-495E-9CC2-052EECE3BC38}" type="slidenum">
+              <a:rPr lang="en-US" sz="1200" smtClean="0">
+                <a:solidFill>
+                  <a:schemeClr val="bg2"/>
+                </a:solidFill>
+              </a:rPr>
+              <a:pPr algn="just"/>
+              <a:t>‹#›</a:t>
+            </a:fld>
+            <a:endParaRPr lang="en-US" sz="1200" dirty="0">
+              <a:solidFill>
+                <a:schemeClr val="bg2"/>
+              </a:solidFill>
+            </a:endParaRPr>
+          </a:p>
+        </p:txBody>
+      </p:sp>
+      <p:sp>
+        <p:nvSpPr>
+          <p:cNvPr id="16" name="Rectangle 15"/>
+          <p:cNvSpPr/>
+          <p:nvPr userDrawn="1"/>
+        </p:nvSpPr>
+        <p:spPr>
+          <a:xfrm>
+            <a:off x="0" y="-1"/>
+            <a:ext cx="9150051" cy="1196753"/>
+          </a:xfrm>
+          <a:prstGeom prst="rect">
+            <a:avLst/>
+          </a:prstGeom>
+          <a:solidFill>
+            <a:schemeClr val="bg2"/>
+          </a:solidFill>
+          <a:ln>
+            <a:noFill/>
+          </a:ln>
+        </p:spPr>
+        <p:style>
+          <a:lnRef idx="2">
+            <a:schemeClr val="accent1">
+              <a:shade val="50000"/>
+            </a:schemeClr>
+          </a:lnRef>
+          <a:fillRef idx="1">
+            <a:schemeClr val="accent1"/>
+          </a:fillRef>
+          <a:effectRef idx="0">
+            <a:schemeClr val="accent1"/>
+          </a:effectRef>
+          <a:fontRef idx="minor">
+            <a:schemeClr val="lt1"/>
+          </a:fontRef>
+        </p:style>
+        <p:txBody>
+          <a:bodyPr lIns="0" tIns="0" rIns="0" bIns="0" rtlCol="0" anchor="ctr"/>
+          <a:lstStyle/>
+          <a:p>
+            <a:pPr algn="ctr"/>
+            <a:endParaRPr lang="en-US"/>
+          </a:p>
+        </p:txBody>
+      </p:sp>
+      <p:pic>
+        <p:nvPicPr>
+          <p:cNvPr id="17" name="Picture 16"/>
+          <p:cNvPicPr>
+            <a:picLocks noChangeAspect="1"/>
+          </p:cNvPicPr>
+          <p:nvPr userDrawn="1"/>
+        </p:nvPicPr>
+        <p:blipFill>
+          <a:blip r:embed="rId4">
+            <a:extLst>
+              <a:ext uri="{28A0092B-C50C-407E-A947-70E740481C1C}">
+                <a14:useLocalDpi xmlns:a14="http://schemas.microsoft.com/office/drawing/2010/main" val="0"/>
+              </a:ext>
+            </a:extLst>
+          </a:blip>
+          <a:stretch>
+            <a:fillRect/>
+          </a:stretch>
+        </p:blipFill>
+        <p:spPr>
+          <a:xfrm>
+            <a:off x="0" y="441535"/>
+            <a:ext cx="123825" cy="276225"/>
+          </a:xfrm>
+          <a:prstGeom prst="rect">
+            <a:avLst/>
+          </a:prstGeom>
+        </p:spPr>
+      </p:pic>
+      <p:pic>
+        <p:nvPicPr>
+          <p:cNvPr id="18" name="Picture 17"/>
+          <p:cNvPicPr>
+            <a:picLocks noChangeAspect="1"/>
+          </p:cNvPicPr>
+          <p:nvPr userDrawn="1"/>
+        </p:nvPicPr>
+        <p:blipFill>
+          <a:blip r:embed="rId3">
+            <a:extLst>
+              <a:ext uri="{28A0092B-C50C-407E-A947-70E740481C1C}">
+                <a14:useLocalDpi xmlns:a14="http://schemas.microsoft.com/office/drawing/2010/main" val="0"/>
+              </a:ext>
+            </a:extLst>
+          </a:blip>
+          <a:stretch>
+            <a:fillRect/>
+          </a:stretch>
+        </p:blipFill>
+        <p:spPr>
+          <a:xfrm>
+            <a:off x="8868520" y="442800"/>
+            <a:ext cx="276225" cy="276225"/>
+          </a:xfrm>
+          <a:prstGeom prst="rect">
+            <a:avLst/>
+          </a:prstGeom>
+        </p:spPr>
+      </p:pic>
+      <p:sp>
+        <p:nvSpPr>
+          <p:cNvPr id="19" name="Slide Number Placeholder 5"/>
+          <p:cNvSpPr txBox="1">
+            <a:spLocks/>
+          </p:cNvSpPr>
+          <p:nvPr userDrawn="1"/>
+        </p:nvSpPr>
+        <p:spPr>
+          <a:xfrm>
+            <a:off x="8832322" y="442800"/>
+            <a:ext cx="405313" cy="276226"/>
+          </a:xfrm>
+          <a:prstGeom prst="rect">
+            <a:avLst/>
+          </a:prstGeom>
+        </p:spPr>
+        <p:txBody>
+          <a:bodyPr vert="horz" lIns="91440" tIns="45720" rIns="91440" bIns="45720" rtlCol="0" anchor="ctr"/>
+          <a:lstStyle>
+            <a:defPPr>
+              <a:defRPr lang="en-US"/>
+            </a:defPPr>
+            <a:lvl1pPr marL="0" algn="r" defTabSz="914400" rtl="0" eaLnBrk="1" latinLnBrk="0" hangingPunct="1">
+              <a:defRPr sz="1400" kern="1200">
+                <a:solidFill>
+                  <a:schemeClr val="bg1"/>
+                </a:solidFill>
+                <a:latin typeface="+mn-lt"/>
+                <a:ea typeface="+mn-ea"/>
+                <a:cs typeface="+mn-cs"/>
+              </a:defRPr>
+            </a:lvl1pPr>
+            <a:lvl2pPr marL="457200" algn="l" defTabSz="914400" rtl="0" eaLnBrk="1" latinLnBrk="0" hangingPunct="1">
+              <a:defRPr sz="1800" kern="1200">
+                <a:solidFill>
+                  <a:schemeClr val="tx1"/>
+                </a:solidFill>
+                <a:latin typeface="+mn-lt"/>
+                <a:ea typeface="+mn-ea"/>
+                <a:cs typeface="+mn-cs"/>
+              </a:defRPr>
+            </a:lvl2pPr>
+            <a:lvl3pPr marL="914400" algn="l" defTabSz="914400" rtl="0" eaLnBrk="1" latinLnBrk="0" hangingPunct="1">
+              <a:defRPr sz="1800" kern="1200">
+                <a:solidFill>
+                  <a:schemeClr val="tx1"/>
+                </a:solidFill>
+                <a:latin typeface="+mn-lt"/>
+                <a:ea typeface="+mn-ea"/>
+                <a:cs typeface="+mn-cs"/>
+              </a:defRPr>
+            </a:lvl3pPr>
+            <a:lvl4pPr marL="1371600" algn="l" defTabSz="914400" rtl="0" eaLnBrk="1" latinLnBrk="0" hangingPunct="1">
+              <a:defRPr sz="1800" kern="1200">
+                <a:solidFill>
+                  <a:schemeClr val="tx1"/>
+                </a:solidFill>
+                <a:latin typeface="+mn-lt"/>
+                <a:ea typeface="+mn-ea"/>
+                <a:cs typeface="+mn-cs"/>
+              </a:defRPr>
+            </a:lvl4pPr>
+            <a:lvl5pPr marL="1828800" algn="l" defTabSz="914400" rtl="0" eaLnBrk="1" latinLnBrk="0" hangingPunct="1">
+              <a:defRPr sz="1800" kern="1200">
+                <a:solidFill>
+                  <a:schemeClr val="tx1"/>
+                </a:solidFill>
+                <a:latin typeface="+mn-lt"/>
+                <a:ea typeface="+mn-ea"/>
+                <a:cs typeface="+mn-cs"/>
+              </a:defRPr>
+            </a:lvl5pPr>
+            <a:lvl6pPr marL="2286000" algn="l" defTabSz="914400" rtl="0" eaLnBrk="1" latinLnBrk="0" hangingPunct="1">
+              <a:defRPr sz="1800" kern="1200">
+                <a:solidFill>
+                  <a:schemeClr val="tx1"/>
+                </a:solidFill>
+                <a:latin typeface="+mn-lt"/>
+                <a:ea typeface="+mn-ea"/>
+                <a:cs typeface="+mn-cs"/>
+              </a:defRPr>
+            </a:lvl6pPr>
+            <a:lvl7pPr marL="2743200" algn="l" defTabSz="914400" rtl="0" eaLnBrk="1" latinLnBrk="0" hangingPunct="1">
+              <a:defRPr sz="1800" kern="1200">
+                <a:solidFill>
+                  <a:schemeClr val="tx1"/>
+                </a:solidFill>
+                <a:latin typeface="+mn-lt"/>
+                <a:ea typeface="+mn-ea"/>
+                <a:cs typeface="+mn-cs"/>
+              </a:defRPr>
+            </a:lvl7pPr>
+            <a:lvl8pPr marL="3200400" algn="l" defTabSz="914400" rtl="0" eaLnBrk="1" latinLnBrk="0" hangingPunct="1">
+              <a:defRPr sz="1800" kern="1200">
+                <a:solidFill>
+                  <a:schemeClr val="tx1"/>
+                </a:solidFill>
+                <a:latin typeface="+mn-lt"/>
+                <a:ea typeface="+mn-ea"/>
+                <a:cs typeface="+mn-cs"/>
+              </a:defRPr>
+            </a:lvl8pPr>
+            <a:lvl9pPr marL="3657600" algn="l" defTabSz="914400" rtl="0" eaLnBrk="1" latinLnBrk="0" hangingPunct="1">
+              <a:defRPr sz="1800" kern="1200">
+                <a:solidFill>
+                  <a:schemeClr val="tx1"/>
+                </a:solidFill>
+                <a:latin typeface="+mn-lt"/>
+                <a:ea typeface="+mn-ea"/>
+                <a:cs typeface="+mn-cs"/>
+              </a:defRPr>
+            </a:lvl9pPr>
+          </a:lstStyle>
+          <a:p>
+            <a:pPr algn="just"/>
+            <a:fld id="{CA8A9033-43B4-495E-9CC2-052EECE3BC38}" type="slidenum">
+              <a:rPr lang="en-US" sz="1200" smtClean="0">
+                <a:solidFill>
+                  <a:schemeClr val="bg2"/>
+                </a:solidFill>
+              </a:rPr>
+              <a:pPr algn="just"/>
+              <a:t>‹#›</a:t>
+            </a:fld>
+            <a:endParaRPr lang="en-US" sz="1200" dirty="0">
+              <a:solidFill>
+                <a:schemeClr val="bg2"/>
+              </a:solidFill>
+            </a:endParaRPr>
+          </a:p>
+        </p:txBody>
+      </p:sp>
+      <p:sp>
+        <p:nvSpPr>
+          <p:cNvPr id="20" name="Title Placeholder 1"/>
+          <p:cNvSpPr>
+            <a:spLocks noGrp="1"/>
+          </p:cNvSpPr>
+          <p:nvPr>
+            <p:ph type="title" hasCustomPrompt="1"/>
+          </p:nvPr>
+        </p:nvSpPr>
+        <p:spPr>
+          <a:xfrm>
+            <a:off x="323851" y="0"/>
+            <a:ext cx="8507726" cy="1196751"/>
+          </a:xfrm>
+          <a:prstGeom prst="rect">
+            <a:avLst/>
+          </a:prstGeom>
+        </p:spPr>
+        <p:txBody>
+          <a:bodyPr vert="horz" lIns="0" tIns="0" rIns="0" bIns="0" rtlCol="0" anchor="ctr">
+            <a:noAutofit/>
+          </a:bodyPr>
+          <a:lstStyle>
+            <a:lvl1pPr>
+              <a:defRPr sz="3400" cap="all" baseline="0">
+                <a:solidFill>
+                  <a:schemeClr val="tx1"/>
+                </a:solidFill>
+                <a:latin typeface="Arial Black" panose="020B0A04020102020204" pitchFamily="34" charset="0"/>
+              </a:defRPr>
+            </a:lvl1pPr>
+          </a:lstStyle>
+          <a:p>
+            <a:r>
+              <a:rPr lang="en-US" dirty="0" smtClean="0"/>
+              <a:t>CLICK TO EDIT MASTER TITLE STYLE</a:t>
+            </a:r>
+            <a:endParaRPr lang="en-US" dirty="0"/>
+          </a:p>
+        </p:txBody>
+      </p:sp>
+      <p:cxnSp>
+        <p:nvCxnSpPr>
+          <p:cNvPr id="21" name="Straight Connector 20"/>
+          <p:cNvCxnSpPr/>
+          <p:nvPr userDrawn="1"/>
+        </p:nvCxnSpPr>
+        <p:spPr>
+          <a:xfrm>
+            <a:off x="-6051" y="1196752"/>
+            <a:ext cx="9144000" cy="0"/>
+          </a:xfrm>
+          <a:prstGeom prst="line">
+            <a:avLst/>
+          </a:prstGeom>
+          <a:ln>
+            <a:solidFill>
+              <a:schemeClr val="bg1">
+                <a:lumMod val="75000"/>
+              </a:schemeClr>
+            </a:solidFill>
+          </a:ln>
+        </p:spPr>
+        <p:style>
+          <a:lnRef idx="1">
+            <a:schemeClr val="accent1"/>
+          </a:lnRef>
+          <a:fillRef idx="0">
+            <a:schemeClr val="accent1"/>
+          </a:fillRef>
+          <a:effectRef idx="0">
+            <a:schemeClr val="accent1"/>
+          </a:effectRef>
+          <a:fontRef idx="minor">
+            <a:schemeClr val="tx1"/>
+          </a:fontRef>
+        </p:style>
+      </p:cxnSp>
+    </p:spTree>
+    <p:extLst>
+      <p:ext uri="{BB962C8B-B14F-4D97-AF65-F5344CB8AC3E}">
+        <p14:creationId xmlns:p14="http://schemas.microsoft.com/office/powerpoint/2010/main" val="1519188514"/>
+      </p:ext>
+    </p:extLst>
+  </p:cSld>
+  <p:clrMapOvr>
+    <a:masterClrMapping/>
+  </p:clrMapOvr>
+  <p:timing>
+    <p:tnLst>
+      <p:par>
+        <p:cTn id="1" dur="indefinite" restart="never" nodeType="tmRoot"/>
+      </p:par>
+    </p:tnLst>
+  </p:timing>
+  <p:extLst mod="1">
+    <p:ext uri="{DCECCB84-F9BA-43D5-87BE-67443E8EF086}">
+      <p15:sldGuideLst xmlns:p15="http://schemas.microsoft.com/office/powerpoint/2012/main">
+        <p15:guide id="1" orient="horz" pos="2160" userDrawn="1">
+          <p15:clr>
+            <a:srgbClr val="FBAE40"/>
+          </p15:clr>
+        </p15:guide>
+        <p15:guide id="2" pos="2880" userDrawn="1">
           <p15:clr>
             <a:srgbClr val="FBAE40"/>
           </p15:clr>
@@ -9477,158 +9250,6 @@
       </p:cxnSp>
       <p:sp>
         <p:nvSpPr>
-          <p:cNvPr id="15" name="Rectangle 14"/>
-          <p:cNvSpPr/>
-          <p:nvPr userDrawn="1"/>
-        </p:nvSpPr>
-        <p:spPr>
-          <a:xfrm>
-            <a:off x="0" y="6447600"/>
-            <a:ext cx="9154800" cy="439200"/>
-          </a:xfrm>
-          <a:prstGeom prst="rect">
-            <a:avLst/>
-          </a:prstGeom>
-          <a:solidFill>
-            <a:srgbClr val="808080"/>
-          </a:solidFill>
-          <a:ln>
-            <a:noFill/>
-          </a:ln>
-        </p:spPr>
-        <p:style>
-          <a:lnRef idx="2">
-            <a:schemeClr val="accent1">
-              <a:shade val="50000"/>
-            </a:schemeClr>
-          </a:lnRef>
-          <a:fillRef idx="1">
-            <a:schemeClr val="accent1"/>
-          </a:fillRef>
-          <a:effectRef idx="0">
-            <a:schemeClr val="accent1"/>
-          </a:effectRef>
-          <a:fontRef idx="minor">
-            <a:schemeClr val="lt1"/>
-          </a:fontRef>
-        </p:style>
-        <p:txBody>
-          <a:bodyPr lIns="0" tIns="0" rIns="0" bIns="0" rtlCol="0" anchor="ctr"/>
-          <a:lstStyle/>
-          <a:p>
-            <a:pPr algn="ctr"/>
-            <a:endParaRPr lang="en-US"/>
-          </a:p>
-        </p:txBody>
-      </p:sp>
-      <p:cxnSp>
-        <p:nvCxnSpPr>
-          <p:cNvPr id="17" name="Straight Connector 16"/>
-          <p:cNvCxnSpPr/>
-          <p:nvPr userDrawn="1"/>
-        </p:nvCxnSpPr>
-        <p:spPr>
-          <a:xfrm>
-            <a:off x="1475656" y="6557267"/>
-            <a:ext cx="0" cy="216024"/>
-          </a:xfrm>
-          <a:prstGeom prst="line">
-            <a:avLst/>
-          </a:prstGeom>
-          <a:ln>
-            <a:solidFill>
-              <a:schemeClr val="bg1"/>
-            </a:solidFill>
-          </a:ln>
-        </p:spPr>
-        <p:style>
-          <a:lnRef idx="1">
-            <a:schemeClr val="accent1"/>
-          </a:lnRef>
-          <a:fillRef idx="0">
-            <a:schemeClr val="accent1"/>
-          </a:fillRef>
-          <a:effectRef idx="0">
-            <a:schemeClr val="accent1"/>
-          </a:effectRef>
-          <a:fontRef idx="minor">
-            <a:schemeClr val="tx1"/>
-          </a:fontRef>
-        </p:style>
-      </p:cxnSp>
-      <p:pic>
-        <p:nvPicPr>
-          <p:cNvPr id="18" name="Picture 17"/>
-          <p:cNvPicPr>
-            <a:picLocks noChangeAspect="1"/>
-          </p:cNvPicPr>
-          <p:nvPr userDrawn="1"/>
-        </p:nvPicPr>
-        <p:blipFill>
-          <a:blip r:embed="rId4">
-            <a:extLst>
-              <a:ext uri="{28A0092B-C50C-407E-A947-70E740481C1C}">
-                <a14:useLocalDpi xmlns:a14="http://schemas.microsoft.com/office/drawing/2010/main" val="0"/>
-              </a:ext>
-            </a:extLst>
-          </a:blip>
-          <a:stretch>
-            <a:fillRect/>
-          </a:stretch>
-        </p:blipFill>
-        <p:spPr>
-          <a:xfrm>
-            <a:off x="323850" y="6557267"/>
-            <a:ext cx="1005840" cy="196053"/>
-          </a:xfrm>
-          <a:prstGeom prst="rect">
-            <a:avLst/>
-          </a:prstGeom>
-        </p:spPr>
-      </p:pic>
-      <p:sp>
-        <p:nvSpPr>
-          <p:cNvPr id="19" name="Footer Placeholder 5"/>
-          <p:cNvSpPr>
-            <a:spLocks noGrp="1"/>
-          </p:cNvSpPr>
-          <p:nvPr>
-            <p:ph type="ftr" sz="quarter" idx="3"/>
-          </p:nvPr>
-        </p:nvSpPr>
-        <p:spPr>
-          <a:xfrm>
-            <a:off x="1619672" y="6447599"/>
-            <a:ext cx="3086100" cy="439201"/>
-          </a:xfrm>
-          <a:prstGeom prst="rect">
-            <a:avLst/>
-          </a:prstGeom>
-        </p:spPr>
-        <p:txBody>
-          <a:bodyPr vert="horz" lIns="0" tIns="0" rIns="0" bIns="0" rtlCol="0" anchor="ctr"/>
-          <a:lstStyle>
-            <a:lvl1pPr algn="l">
-              <a:defRPr sz="1000" cap="all" baseline="0">
-                <a:solidFill>
-                  <a:srgbClr val="FFFFFF"/>
-                </a:solidFill>
-                <a:latin typeface="Arial" panose="020B0604020202020204" pitchFamily="34" charset="0"/>
-                <a:cs typeface="Arial" panose="020B0604020202020204" pitchFamily="34" charset="0"/>
-              </a:defRPr>
-            </a:lvl1pPr>
-          </a:lstStyle>
-          <a:p>
-            <a:r>
-              <a:rPr lang="en-US" dirty="0" smtClean="0"/>
-              <a:t>PRESENTATION NAME</a:t>
-            </a:r>
-            <a:endParaRPr lang="en-US" dirty="0"/>
-          </a:p>
-        </p:txBody>
-      </p:sp>
-      <p:sp>
-        <p:nvSpPr>
           <p:cNvPr id="6" name="Content Placeholder 5"/>
           <p:cNvSpPr>
             <a:spLocks noGrp="1"/>
@@ -9815,158 +9436,6 @@
             <a:r>
               <a:rPr lang="en-US" dirty="0" err="1" smtClean="0"/>
               <a:t>STYLe</a:t>
-            </a:r>
-            <a:endParaRPr lang="en-US" dirty="0"/>
-          </a:p>
-        </p:txBody>
-      </p:sp>
-      <p:sp>
-        <p:nvSpPr>
-          <p:cNvPr id="11" name="Rectangle 10"/>
-          <p:cNvSpPr/>
-          <p:nvPr userDrawn="1"/>
-        </p:nvSpPr>
-        <p:spPr>
-          <a:xfrm>
-            <a:off x="0" y="6447600"/>
-            <a:ext cx="9154800" cy="439200"/>
-          </a:xfrm>
-          <a:prstGeom prst="rect">
-            <a:avLst/>
-          </a:prstGeom>
-          <a:solidFill>
-            <a:srgbClr val="808080"/>
-          </a:solidFill>
-          <a:ln>
-            <a:noFill/>
-          </a:ln>
-        </p:spPr>
-        <p:style>
-          <a:lnRef idx="2">
-            <a:schemeClr val="accent1">
-              <a:shade val="50000"/>
-            </a:schemeClr>
-          </a:lnRef>
-          <a:fillRef idx="1">
-            <a:schemeClr val="accent1"/>
-          </a:fillRef>
-          <a:effectRef idx="0">
-            <a:schemeClr val="accent1"/>
-          </a:effectRef>
-          <a:fontRef idx="minor">
-            <a:schemeClr val="lt1"/>
-          </a:fontRef>
-        </p:style>
-        <p:txBody>
-          <a:bodyPr lIns="0" tIns="0" rIns="0" bIns="0" rtlCol="0" anchor="ctr"/>
-          <a:lstStyle/>
-          <a:p>
-            <a:pPr algn="ctr"/>
-            <a:endParaRPr lang="en-US"/>
-          </a:p>
-        </p:txBody>
-      </p:sp>
-      <p:cxnSp>
-        <p:nvCxnSpPr>
-          <p:cNvPr id="12" name="Straight Connector 11"/>
-          <p:cNvCxnSpPr/>
-          <p:nvPr userDrawn="1"/>
-        </p:nvCxnSpPr>
-        <p:spPr>
-          <a:xfrm>
-            <a:off x="1475656" y="6557267"/>
-            <a:ext cx="0" cy="216024"/>
-          </a:xfrm>
-          <a:prstGeom prst="line">
-            <a:avLst/>
-          </a:prstGeom>
-          <a:ln>
-            <a:solidFill>
-              <a:schemeClr val="bg1"/>
-            </a:solidFill>
-          </a:ln>
-        </p:spPr>
-        <p:style>
-          <a:lnRef idx="1">
-            <a:schemeClr val="accent1"/>
-          </a:lnRef>
-          <a:fillRef idx="0">
-            <a:schemeClr val="accent1"/>
-          </a:fillRef>
-          <a:effectRef idx="0">
-            <a:schemeClr val="accent1"/>
-          </a:effectRef>
-          <a:fontRef idx="minor">
-            <a:schemeClr val="tx1"/>
-          </a:fontRef>
-        </p:style>
-      </p:cxnSp>
-      <p:pic>
-        <p:nvPicPr>
-          <p:cNvPr id="13" name="Picture 12"/>
-          <p:cNvPicPr>
-            <a:picLocks noChangeAspect="1"/>
-          </p:cNvPicPr>
-          <p:nvPr userDrawn="1"/>
-        </p:nvPicPr>
-        <p:blipFill>
-          <a:blip r:embed="rId2">
-            <a:extLst>
-              <a:ext uri="{28A0092B-C50C-407E-A947-70E740481C1C}">
-                <a14:useLocalDpi xmlns:a14="http://schemas.microsoft.com/office/drawing/2010/main" val="0"/>
-              </a:ext>
-            </a:extLst>
-          </a:blip>
-          <a:stretch>
-            <a:fillRect/>
-          </a:stretch>
-        </p:blipFill>
-        <p:spPr>
-          <a:xfrm>
-            <a:off x="323850" y="6557267"/>
-            <a:ext cx="1005840" cy="196053"/>
-          </a:xfrm>
-          <a:prstGeom prst="rect">
-            <a:avLst/>
-          </a:prstGeom>
-        </p:spPr>
-      </p:pic>
-      <p:sp>
-        <p:nvSpPr>
-          <p:cNvPr id="14" name="Footer Placeholder 5"/>
-          <p:cNvSpPr>
-            <a:spLocks noGrp="1"/>
-          </p:cNvSpPr>
-          <p:nvPr>
-            <p:ph type="ftr" sz="quarter" idx="3"/>
-          </p:nvPr>
-        </p:nvSpPr>
-        <p:spPr>
-          <a:xfrm>
-            <a:off x="1619672" y="6447599"/>
-            <a:ext cx="3086100" cy="439201"/>
-          </a:xfrm>
-          <a:prstGeom prst="rect">
-            <a:avLst/>
-          </a:prstGeom>
-        </p:spPr>
-        <p:txBody>
-          <a:bodyPr vert="horz" lIns="0" tIns="0" rIns="0" bIns="0" rtlCol="0" anchor="ctr"/>
-          <a:lstStyle>
-            <a:lvl1pPr algn="l">
-              <a:defRPr sz="1000" cap="all" baseline="0">
-                <a:solidFill>
-                  <a:srgbClr val="FFFFFF"/>
-                </a:solidFill>
-                <a:latin typeface="Arial" panose="020B0604020202020204" pitchFamily="34" charset="0"/>
-                <a:cs typeface="Arial" panose="020B0604020202020204" pitchFamily="34" charset="0"/>
-              </a:defRPr>
-            </a:lvl1pPr>
-          </a:lstStyle>
-          <a:p>
-            <a:r>
-              <a:rPr lang="en-US" dirty="0" smtClean="0"/>
-              <a:t>PRESENTATION NAME</a:t>
             </a:r>
             <a:endParaRPr lang="en-US" dirty="0"/>
           </a:p>
@@ -10551,107 +10020,6 @@
           </a:p>
         </p:txBody>
       </p:sp>
-      <p:pic>
-        <p:nvPicPr>
-          <p:cNvPr id="13" name="Picture 12"/>
-          <p:cNvPicPr>
-            <a:picLocks noChangeAspect="1"/>
-          </p:cNvPicPr>
-          <p:nvPr userDrawn="1"/>
-        </p:nvPicPr>
-        <p:blipFill>
-          <a:blip r:embed="rId2">
-            <a:extLst>
-              <a:ext uri="{28A0092B-C50C-407E-A947-70E740481C1C}">
-                <a14:useLocalDpi xmlns:a14="http://schemas.microsoft.com/office/drawing/2010/main" val="0"/>
-              </a:ext>
-            </a:extLst>
-          </a:blip>
-          <a:stretch>
-            <a:fillRect/>
-          </a:stretch>
-        </p:blipFill>
-        <p:spPr>
-          <a:xfrm>
-            <a:off x="-5627" y="6447829"/>
-            <a:ext cx="9159404" cy="437555"/>
-          </a:xfrm>
-          <a:prstGeom prst="rect">
-            <a:avLst/>
-          </a:prstGeom>
-        </p:spPr>
-      </p:pic>
-      <p:pic>
-        <p:nvPicPr>
-          <p:cNvPr id="14" name="Picture 13"/>
-          <p:cNvPicPr>
-            <a:picLocks noChangeAspect="1"/>
-          </p:cNvPicPr>
-          <p:nvPr userDrawn="1"/>
-        </p:nvPicPr>
-        <p:blipFill>
-          <a:blip r:embed="rId3">
-            <a:extLst>
-              <a:ext uri="{28A0092B-C50C-407E-A947-70E740481C1C}">
-                <a14:useLocalDpi xmlns:a14="http://schemas.microsoft.com/office/drawing/2010/main" val="0"/>
-              </a:ext>
-            </a:extLst>
-          </a:blip>
-          <a:stretch>
-            <a:fillRect/>
-          </a:stretch>
-        </p:blipFill>
-        <p:spPr>
-          <a:xfrm>
-            <a:off x="579165" y="6561735"/>
-            <a:ext cx="995164" cy="193972"/>
-          </a:xfrm>
-          <a:prstGeom prst="rect">
-            <a:avLst/>
-          </a:prstGeom>
-        </p:spPr>
-      </p:pic>
-      <p:sp>
-        <p:nvSpPr>
-          <p:cNvPr id="21" name="Footer Placeholder 5"/>
-          <p:cNvSpPr>
-            <a:spLocks noGrp="1"/>
-          </p:cNvSpPr>
-          <p:nvPr>
-            <p:ph type="ftr" sz="quarter" idx="3"/>
-          </p:nvPr>
-        </p:nvSpPr>
-        <p:spPr>
-          <a:xfrm>
-            <a:off x="1835696" y="6476158"/>
-            <a:ext cx="3086100" cy="365125"/>
-          </a:xfrm>
-          <a:prstGeom prst="rect">
-            <a:avLst/>
-          </a:prstGeom>
-        </p:spPr>
-        <p:txBody>
-          <a:bodyPr vert="horz" lIns="91440" tIns="45720" rIns="91440" bIns="45720" rtlCol="0" anchor="ctr"/>
-          <a:lstStyle>
-            <a:lvl1pPr algn="l">
-              <a:defRPr sz="1000">
-                <a:solidFill>
-                  <a:schemeClr val="bg2"/>
-                </a:solidFill>
-                <a:latin typeface="Arial" panose="020B0604020202020204" pitchFamily="34" charset="0"/>
-                <a:cs typeface="Arial" panose="020B0604020202020204" pitchFamily="34" charset="0"/>
-              </a:defRPr>
-            </a:lvl1pPr>
-          </a:lstStyle>
-          <a:p>
-            <a:r>
-              <a:rPr lang="en-US" smtClean="0"/>
-              <a:t>PRESENTATION NAME</a:t>
-            </a:r>
-            <a:endParaRPr lang="en-US" dirty="0"/>
-          </a:p>
-        </p:txBody>
-      </p:sp>
       <p:sp>
         <p:nvSpPr>
           <p:cNvPr id="4" name="Текст 3"/>
@@ -10855,240 +10223,6 @@
             <a:r>
               <a:rPr lang="en-US" dirty="0" smtClean="0"/>
               <a:t>CLICK TO EDIT MASTER TITLE STYLE</a:t>
-            </a:r>
-            <a:endParaRPr lang="en-US" dirty="0"/>
-          </a:p>
-        </p:txBody>
-      </p:sp>
-      <p:sp>
-        <p:nvSpPr>
-          <p:cNvPr id="18" name="Rectangle 17"/>
-          <p:cNvSpPr/>
-          <p:nvPr userDrawn="1"/>
-        </p:nvSpPr>
-        <p:spPr>
-          <a:xfrm>
-            <a:off x="0" y="6446183"/>
-            <a:ext cx="9154800" cy="439200"/>
-          </a:xfrm>
-          <a:prstGeom prst="rect">
-            <a:avLst/>
-          </a:prstGeom>
-          <a:solidFill>
-            <a:srgbClr val="808080"/>
-          </a:solidFill>
-          <a:ln>
-            <a:noFill/>
-          </a:ln>
-        </p:spPr>
-        <p:style>
-          <a:lnRef idx="2">
-            <a:schemeClr val="accent1">
-              <a:shade val="50000"/>
-            </a:schemeClr>
-          </a:lnRef>
-          <a:fillRef idx="1">
-            <a:schemeClr val="accent1"/>
-          </a:fillRef>
-          <a:effectRef idx="0">
-            <a:schemeClr val="accent1"/>
-          </a:effectRef>
-          <a:fontRef idx="minor">
-            <a:schemeClr val="lt1"/>
-          </a:fontRef>
-        </p:style>
-        <p:txBody>
-          <a:bodyPr lIns="0" tIns="0" rIns="0" bIns="0" rtlCol="0" anchor="ctr"/>
-          <a:lstStyle/>
-          <a:p>
-            <a:pPr algn="ctr"/>
-            <a:endParaRPr lang="en-US"/>
-          </a:p>
-        </p:txBody>
-      </p:sp>
-      <p:cxnSp>
-        <p:nvCxnSpPr>
-          <p:cNvPr id="19" name="Straight Connector 18"/>
-          <p:cNvCxnSpPr/>
-          <p:nvPr userDrawn="1"/>
-        </p:nvCxnSpPr>
-        <p:spPr>
-          <a:xfrm>
-            <a:off x="1475656" y="6555851"/>
-            <a:ext cx="0" cy="216024"/>
-          </a:xfrm>
-          <a:prstGeom prst="line">
-            <a:avLst/>
-          </a:prstGeom>
-          <a:ln>
-            <a:solidFill>
-              <a:schemeClr val="bg1"/>
-            </a:solidFill>
-          </a:ln>
-        </p:spPr>
-        <p:style>
-          <a:lnRef idx="1">
-            <a:schemeClr val="accent1"/>
-          </a:lnRef>
-          <a:fillRef idx="0">
-            <a:schemeClr val="accent1"/>
-          </a:fillRef>
-          <a:effectRef idx="0">
-            <a:schemeClr val="accent1"/>
-          </a:effectRef>
-          <a:fontRef idx="minor">
-            <a:schemeClr val="tx1"/>
-          </a:fontRef>
-        </p:style>
-      </p:cxnSp>
-      <p:pic>
-        <p:nvPicPr>
-          <p:cNvPr id="20" name="Picture 19"/>
-          <p:cNvPicPr>
-            <a:picLocks noChangeAspect="1"/>
-          </p:cNvPicPr>
-          <p:nvPr userDrawn="1"/>
-        </p:nvPicPr>
-        <p:blipFill>
-          <a:blip r:embed="rId2">
-            <a:extLst>
-              <a:ext uri="{28A0092B-C50C-407E-A947-70E740481C1C}">
-                <a14:useLocalDpi xmlns:a14="http://schemas.microsoft.com/office/drawing/2010/main" val="0"/>
-              </a:ext>
-            </a:extLst>
-          </a:blip>
-          <a:stretch>
-            <a:fillRect/>
-          </a:stretch>
-        </p:blipFill>
-        <p:spPr>
-          <a:xfrm>
-            <a:off x="323850" y="6555851"/>
-            <a:ext cx="1005840" cy="196053"/>
-          </a:xfrm>
-          <a:prstGeom prst="rect">
-            <a:avLst/>
-          </a:prstGeom>
-        </p:spPr>
-      </p:pic>
-      <p:sp>
-        <p:nvSpPr>
-          <p:cNvPr id="21" name="Footer Placeholder 5"/>
-          <p:cNvSpPr txBox="1">
-            <a:spLocks/>
-          </p:cNvSpPr>
-          <p:nvPr userDrawn="1"/>
-        </p:nvSpPr>
-        <p:spPr>
-          <a:xfrm>
-            <a:off x="1619672" y="6446183"/>
-            <a:ext cx="3086100" cy="439201"/>
-          </a:xfrm>
-          <a:prstGeom prst="rect">
-            <a:avLst/>
-          </a:prstGeom>
-        </p:spPr>
-        <p:txBody>
-          <a:bodyPr vert="horz" lIns="0" tIns="0" rIns="0" bIns="0" rtlCol="0" anchor="ctr"/>
-          <a:lstStyle>
-            <a:defPPr>
-              <a:defRPr lang="en-US"/>
-            </a:defPPr>
-            <a:lvl1pPr marL="0" algn="l" defTabSz="914400" rtl="0" eaLnBrk="1" latinLnBrk="0" hangingPunct="1">
-              <a:defRPr sz="1000" kern="1200">
-                <a:solidFill>
-                  <a:srgbClr val="FFFFFF"/>
-                </a:solidFill>
-                <a:latin typeface="Arial" panose="020B0604020202020204" pitchFamily="34" charset="0"/>
-                <a:ea typeface="+mn-ea"/>
-                <a:cs typeface="Arial" panose="020B0604020202020204" pitchFamily="34" charset="0"/>
-              </a:defRPr>
-            </a:lvl1pPr>
-            <a:lvl2pPr marL="457200" algn="l" defTabSz="914400" rtl="0" eaLnBrk="1" latinLnBrk="0" hangingPunct="1">
-              <a:defRPr sz="1800" kern="1200">
-                <a:solidFill>
-                  <a:schemeClr val="tx1"/>
-                </a:solidFill>
-                <a:latin typeface="+mn-lt"/>
-                <a:ea typeface="+mn-ea"/>
-                <a:cs typeface="+mn-cs"/>
-              </a:defRPr>
-            </a:lvl2pPr>
-            <a:lvl3pPr marL="914400" algn="l" defTabSz="914400" rtl="0" eaLnBrk="1" latinLnBrk="0" hangingPunct="1">
-              <a:defRPr sz="1800" kern="1200">
-                <a:solidFill>
-                  <a:schemeClr val="tx1"/>
-                </a:solidFill>
-                <a:latin typeface="+mn-lt"/>
-                <a:ea typeface="+mn-ea"/>
-                <a:cs typeface="+mn-cs"/>
-              </a:defRPr>
-            </a:lvl3pPr>
-            <a:lvl4pPr marL="1371600" algn="l" defTabSz="914400" rtl="0" eaLnBrk="1" latinLnBrk="0" hangingPunct="1">
-              <a:defRPr sz="1800" kern="1200">
-                <a:solidFill>
-                  <a:schemeClr val="tx1"/>
-                </a:solidFill>
-                <a:latin typeface="+mn-lt"/>
-                <a:ea typeface="+mn-ea"/>
-                <a:cs typeface="+mn-cs"/>
-              </a:defRPr>
-            </a:lvl4pPr>
-            <a:lvl5pPr marL="1828800" algn="l" defTabSz="914400" rtl="0" eaLnBrk="1" latinLnBrk="0" hangingPunct="1">
-              <a:defRPr sz="1800" kern="1200">
-                <a:solidFill>
-                  <a:schemeClr val="tx1"/>
-                </a:solidFill>
-                <a:latin typeface="+mn-lt"/>
-                <a:ea typeface="+mn-ea"/>
-                <a:cs typeface="+mn-cs"/>
-              </a:defRPr>
-            </a:lvl5pPr>
-            <a:lvl6pPr marL="2286000" algn="l" defTabSz="914400" rtl="0" eaLnBrk="1" latinLnBrk="0" hangingPunct="1">
-              <a:defRPr sz="1800" kern="1200">
-                <a:solidFill>
-                  <a:schemeClr val="tx1"/>
-                </a:solidFill>
-                <a:latin typeface="+mn-lt"/>
-                <a:ea typeface="+mn-ea"/>
-                <a:cs typeface="+mn-cs"/>
-              </a:defRPr>
-            </a:lvl6pPr>
-            <a:lvl7pPr marL="2743200" algn="l" defTabSz="914400" rtl="0" eaLnBrk="1" latinLnBrk="0" hangingPunct="1">
-              <a:defRPr sz="1800" kern="1200">
-                <a:solidFill>
-                  <a:schemeClr val="tx1"/>
-                </a:solidFill>
-                <a:latin typeface="+mn-lt"/>
-                <a:ea typeface="+mn-ea"/>
-                <a:cs typeface="+mn-cs"/>
-              </a:defRPr>
-            </a:lvl7pPr>
-            <a:lvl8pPr marL="3200400" algn="l" defTabSz="914400" rtl="0" eaLnBrk="1" latinLnBrk="0" hangingPunct="1">
-              <a:defRPr sz="1800" kern="1200">
-                <a:solidFill>
-                  <a:schemeClr val="tx1"/>
-                </a:solidFill>
-                <a:latin typeface="+mn-lt"/>
-                <a:ea typeface="+mn-ea"/>
-                <a:cs typeface="+mn-cs"/>
-              </a:defRPr>
-            </a:lvl8pPr>
-            <a:lvl9pPr marL="3657600" algn="l" defTabSz="914400" rtl="0" eaLnBrk="1" latinLnBrk="0" hangingPunct="1">
-              <a:defRPr sz="1800" kern="1200">
-                <a:solidFill>
-                  <a:schemeClr val="tx1"/>
-                </a:solidFill>
-                <a:latin typeface="+mn-lt"/>
-                <a:ea typeface="+mn-ea"/>
-                <a:cs typeface="+mn-cs"/>
-              </a:defRPr>
-            </a:lvl9pPr>
-          </a:lstStyle>
-          <a:p>
-            <a:r>
-              <a:rPr lang="en-US" smtClean="0"/>
-              <a:t>PRESENTATION NAME</a:t>
             </a:r>
             <a:endParaRPr lang="en-US" dirty="0"/>
           </a:p>
@@ -11969,117 +11103,6 @@
       </p:sp>
       <p:sp>
         <p:nvSpPr>
-          <p:cNvPr id="11" name="Rectangle 10"/>
-          <p:cNvSpPr/>
-          <p:nvPr userDrawn="1"/>
-        </p:nvSpPr>
-        <p:spPr>
-          <a:xfrm>
-            <a:off x="0" y="6446184"/>
-            <a:ext cx="9154800" cy="439200"/>
-          </a:xfrm>
-          <a:prstGeom prst="rect">
-            <a:avLst/>
-          </a:prstGeom>
-          <a:solidFill>
-            <a:srgbClr val="808080"/>
-          </a:solidFill>
-          <a:ln>
-            <a:noFill/>
-          </a:ln>
-        </p:spPr>
-        <p:style>
-          <a:lnRef idx="2">
-            <a:schemeClr val="accent1">
-              <a:shade val="50000"/>
-            </a:schemeClr>
-          </a:lnRef>
-          <a:fillRef idx="1">
-            <a:schemeClr val="accent1"/>
-          </a:fillRef>
-          <a:effectRef idx="0">
-            <a:schemeClr val="accent1"/>
-          </a:effectRef>
-          <a:fontRef idx="minor">
-            <a:schemeClr val="lt1"/>
-          </a:fontRef>
-        </p:style>
-        <p:txBody>
-          <a:bodyPr lIns="0" tIns="0" rIns="0" bIns="0" rtlCol="0" anchor="ctr"/>
-          <a:lstStyle/>
-          <a:p>
-            <a:pPr algn="ctr"/>
-            <a:endParaRPr lang="en-US"/>
-          </a:p>
-        </p:txBody>
-      </p:sp>
-      <p:cxnSp>
-        <p:nvCxnSpPr>
-          <p:cNvPr id="12" name="Straight Connector 11"/>
-          <p:cNvCxnSpPr/>
-          <p:nvPr userDrawn="1"/>
-        </p:nvCxnSpPr>
-        <p:spPr>
-          <a:xfrm>
-            <a:off x="1475656" y="6555851"/>
-            <a:ext cx="0" cy="216024"/>
-          </a:xfrm>
-          <a:prstGeom prst="line">
-            <a:avLst/>
-          </a:prstGeom>
-          <a:ln>
-            <a:solidFill>
-              <a:schemeClr val="bg1"/>
-            </a:solidFill>
-          </a:ln>
-        </p:spPr>
-        <p:style>
-          <a:lnRef idx="1">
-            <a:schemeClr val="accent1"/>
-          </a:lnRef>
-          <a:fillRef idx="0">
-            <a:schemeClr val="accent1"/>
-          </a:fillRef>
-          <a:effectRef idx="0">
-            <a:schemeClr val="accent1"/>
-          </a:effectRef>
-          <a:fontRef idx="minor">
-            <a:schemeClr val="tx1"/>
-          </a:fontRef>
-        </p:style>
-      </p:cxnSp>
-      <p:pic>
-        <p:nvPicPr>
-          <p:cNvPr id="13" name="Picture 12"/>
-          <p:cNvPicPr>
-            <a:picLocks noChangeAspect="1"/>
-          </p:cNvPicPr>
-          <p:nvPr userDrawn="1"/>
-        </p:nvPicPr>
-        <p:blipFill>
-          <a:blip r:embed="rId2">
-            <a:extLst>
-              <a:ext uri="{28A0092B-C50C-407E-A947-70E740481C1C}">
-                <a14:useLocalDpi xmlns:a14="http://schemas.microsoft.com/office/drawing/2010/main" val="0"/>
-              </a:ext>
-            </a:extLst>
-          </a:blip>
-          <a:stretch>
-            <a:fillRect/>
-          </a:stretch>
-        </p:blipFill>
-        <p:spPr>
-          <a:xfrm>
-            <a:off x="323850" y="6555851"/>
-            <a:ext cx="1005840" cy="196053"/>
-          </a:xfrm>
-          <a:prstGeom prst="rect">
-            <a:avLst/>
-          </a:prstGeom>
-        </p:spPr>
-      </p:pic>
-      <p:sp>
-        <p:nvSpPr>
           <p:cNvPr id="16" name="Rectangle 15"/>
           <p:cNvSpPr/>
           <p:nvPr userDrawn="1"/>
@@ -12125,129 +11148,6 @@
           <a:p>
             <a:pPr algn="ctr"/>
             <a:endParaRPr lang="en-US"/>
-          </a:p>
-        </p:txBody>
-      </p:sp>
-      <p:sp>
-        <p:nvSpPr>
-          <p:cNvPr id="14" name="Footer Placeholder 5"/>
-          <p:cNvSpPr txBox="1">
-            <a:spLocks/>
-          </p:cNvSpPr>
-          <p:nvPr userDrawn="1"/>
-        </p:nvSpPr>
-        <p:spPr>
-          <a:xfrm>
-            <a:off x="1619672" y="6446183"/>
-            <a:ext cx="3086100" cy="439201"/>
-          </a:xfrm>
-          <a:prstGeom prst="rect">
-            <a:avLst/>
-          </a:prstGeom>
-        </p:spPr>
-        <p:txBody>
-          <a:bodyPr vert="horz" lIns="0" tIns="0" rIns="0" bIns="0" rtlCol="0" anchor="ctr"/>
-          <a:lstStyle>
-            <a:defPPr>
-              <a:defRPr lang="en-US"/>
-            </a:defPPr>
-            <a:lvl1pPr marL="0" algn="l" defTabSz="914400" rtl="0" eaLnBrk="1" latinLnBrk="0" hangingPunct="1">
-              <a:defRPr sz="1000" kern="1200">
-                <a:solidFill>
-                  <a:srgbClr val="FFFFFF"/>
-                </a:solidFill>
-                <a:latin typeface="Arial" panose="020B0604020202020204" pitchFamily="34" charset="0"/>
-                <a:ea typeface="+mn-ea"/>
-                <a:cs typeface="Arial" panose="020B0604020202020204" pitchFamily="34" charset="0"/>
-              </a:defRPr>
-            </a:lvl1pPr>
-            <a:lvl2pPr marL="457200" algn="l" defTabSz="914400" rtl="0" eaLnBrk="1" latinLnBrk="0" hangingPunct="1">
-              <a:defRPr sz="1800" kern="1200">
-                <a:solidFill>
-                  <a:schemeClr val="tx1"/>
-                </a:solidFill>
-                <a:latin typeface="+mn-lt"/>
-                <a:ea typeface="+mn-ea"/>
-                <a:cs typeface="+mn-cs"/>
-              </a:defRPr>
-            </a:lvl2pPr>
-            <a:lvl3pPr marL="914400" algn="l" defTabSz="914400" rtl="0" eaLnBrk="1" latinLnBrk="0" hangingPunct="1">
-              <a:defRPr sz="1800" kern="1200">
-                <a:solidFill>
-                  <a:schemeClr val="tx1"/>
-                </a:solidFill>
-                <a:latin typeface="+mn-lt"/>
-                <a:ea typeface="+mn-ea"/>
-                <a:cs typeface="+mn-cs"/>
-              </a:defRPr>
-            </a:lvl3pPr>
-            <a:lvl4pPr marL="1371600" algn="l" defTabSz="914400" rtl="0" eaLnBrk="1" latinLnBrk="0" hangingPunct="1">
-              <a:defRPr sz="1800" kern="1200">
-                <a:solidFill>
-                  <a:schemeClr val="tx1"/>
-                </a:solidFill>
-                <a:latin typeface="+mn-lt"/>
-                <a:ea typeface="+mn-ea"/>
-                <a:cs typeface="+mn-cs"/>
-              </a:defRPr>
-            </a:lvl4pPr>
-            <a:lvl5pPr marL="1828800" algn="l" defTabSz="914400" rtl="0" eaLnBrk="1" latinLnBrk="0" hangingPunct="1">
-              <a:defRPr sz="1800" kern="1200">
-                <a:solidFill>
-                  <a:schemeClr val="tx1"/>
-                </a:solidFill>
-                <a:latin typeface="+mn-lt"/>
-                <a:ea typeface="+mn-ea"/>
-                <a:cs typeface="+mn-cs"/>
-              </a:defRPr>
-            </a:lvl5pPr>
-            <a:lvl6pPr marL="2286000" algn="l" defTabSz="914400" rtl="0" eaLnBrk="1" latinLnBrk="0" hangingPunct="1">
-              <a:defRPr sz="1800" kern="1200">
-                <a:solidFill>
-                  <a:schemeClr val="tx1"/>
-                </a:solidFill>
-                <a:latin typeface="+mn-lt"/>
-                <a:ea typeface="+mn-ea"/>
-                <a:cs typeface="+mn-cs"/>
-              </a:defRPr>
-            </a:lvl6pPr>
-            <a:lvl7pPr marL="2743200" algn="l" defTabSz="914400" rtl="0" eaLnBrk="1" latinLnBrk="0" hangingPunct="1">
-              <a:defRPr sz="1800" kern="1200">
-                <a:solidFill>
-                  <a:schemeClr val="tx1"/>
-                </a:solidFill>
-                <a:latin typeface="+mn-lt"/>
-                <a:ea typeface="+mn-ea"/>
-                <a:cs typeface="+mn-cs"/>
-              </a:defRPr>
-            </a:lvl7pPr>
-            <a:lvl8pPr marL="3200400" algn="l" defTabSz="914400" rtl="0" eaLnBrk="1" latinLnBrk="0" hangingPunct="1">
-              <a:defRPr sz="1800" kern="1200">
-                <a:solidFill>
-                  <a:schemeClr val="tx1"/>
-                </a:solidFill>
-                <a:latin typeface="+mn-lt"/>
-                <a:ea typeface="+mn-ea"/>
-                <a:cs typeface="+mn-cs"/>
-              </a:defRPr>
-            </a:lvl8pPr>
-            <a:lvl9pPr marL="3657600" algn="l" defTabSz="914400" rtl="0" eaLnBrk="1" latinLnBrk="0" hangingPunct="1">
-              <a:defRPr sz="1800" kern="1200">
-                <a:solidFill>
-                  <a:schemeClr val="tx1"/>
-                </a:solidFill>
-                <a:latin typeface="+mn-lt"/>
-                <a:ea typeface="+mn-ea"/>
-                <a:cs typeface="+mn-cs"/>
-              </a:defRPr>
-            </a:lvl9pPr>
-          </a:lstStyle>
-          <a:p>
-            <a:r>
-              <a:rPr lang="en-US" smtClean="0"/>
-              <a:t>PRESENTATION NAME</a:t>
-            </a:r>
-            <a:endParaRPr lang="en-US" dirty="0"/>
           </a:p>
         </p:txBody>
       </p:sp>
@@ -12688,158 +11588,6 @@
           </a:p>
         </p:txBody>
       </p:sp>
-      <p:sp>
-        <p:nvSpPr>
-          <p:cNvPr id="21" name="Rectangle 20"/>
-          <p:cNvSpPr/>
-          <p:nvPr userDrawn="1"/>
-        </p:nvSpPr>
-        <p:spPr>
-          <a:xfrm>
-            <a:off x="0" y="6447600"/>
-            <a:ext cx="9154800" cy="439200"/>
-          </a:xfrm>
-          <a:prstGeom prst="rect">
-            <a:avLst/>
-          </a:prstGeom>
-          <a:solidFill>
-            <a:srgbClr val="808080"/>
-          </a:solidFill>
-          <a:ln>
-            <a:noFill/>
-          </a:ln>
-        </p:spPr>
-        <p:style>
-          <a:lnRef idx="2">
-            <a:schemeClr val="accent1">
-              <a:shade val="50000"/>
-            </a:schemeClr>
-          </a:lnRef>
-          <a:fillRef idx="1">
-            <a:schemeClr val="accent1"/>
-          </a:fillRef>
-          <a:effectRef idx="0">
-            <a:schemeClr val="accent1"/>
-          </a:effectRef>
-          <a:fontRef idx="minor">
-            <a:schemeClr val="lt1"/>
-          </a:fontRef>
-        </p:style>
-        <p:txBody>
-          <a:bodyPr lIns="0" tIns="0" rIns="0" bIns="0" rtlCol="0" anchor="ctr"/>
-          <a:lstStyle/>
-          <a:p>
-            <a:pPr algn="ctr"/>
-            <a:endParaRPr lang="en-US"/>
-          </a:p>
-        </p:txBody>
-      </p:sp>
-      <p:cxnSp>
-        <p:nvCxnSpPr>
-          <p:cNvPr id="22" name="Straight Connector 21"/>
-          <p:cNvCxnSpPr/>
-          <p:nvPr userDrawn="1"/>
-        </p:nvCxnSpPr>
-        <p:spPr>
-          <a:xfrm>
-            <a:off x="1475656" y="6557267"/>
-            <a:ext cx="0" cy="216024"/>
-          </a:xfrm>
-          <a:prstGeom prst="line">
-            <a:avLst/>
-          </a:prstGeom>
-          <a:ln>
-            <a:solidFill>
-              <a:schemeClr val="bg1"/>
-            </a:solidFill>
-          </a:ln>
-        </p:spPr>
-        <p:style>
-          <a:lnRef idx="1">
-            <a:schemeClr val="accent1"/>
-          </a:lnRef>
-          <a:fillRef idx="0">
-            <a:schemeClr val="accent1"/>
-          </a:fillRef>
-          <a:effectRef idx="0">
-            <a:schemeClr val="accent1"/>
-          </a:effectRef>
-          <a:fontRef idx="minor">
-            <a:schemeClr val="tx1"/>
-          </a:fontRef>
-        </p:style>
-      </p:cxnSp>
-      <p:pic>
-        <p:nvPicPr>
-          <p:cNvPr id="23" name="Picture 22"/>
-          <p:cNvPicPr>
-            <a:picLocks noChangeAspect="1"/>
-          </p:cNvPicPr>
-          <p:nvPr userDrawn="1"/>
-        </p:nvPicPr>
-        <p:blipFill>
-          <a:blip r:embed="rId4">
-            <a:extLst>
-              <a:ext uri="{28A0092B-C50C-407E-A947-70E740481C1C}">
-                <a14:useLocalDpi xmlns:a14="http://schemas.microsoft.com/office/drawing/2010/main" val="0"/>
-              </a:ext>
-            </a:extLst>
-          </a:blip>
-          <a:stretch>
-            <a:fillRect/>
-          </a:stretch>
-        </p:blipFill>
-        <p:spPr>
-          <a:xfrm>
-            <a:off x="323850" y="6557267"/>
-            <a:ext cx="1005840" cy="196053"/>
-          </a:xfrm>
-          <a:prstGeom prst="rect">
-            <a:avLst/>
-          </a:prstGeom>
-        </p:spPr>
-      </p:pic>
-      <p:sp>
-        <p:nvSpPr>
-          <p:cNvPr id="24" name="Footer Placeholder 5"/>
-          <p:cNvSpPr>
-            <a:spLocks noGrp="1"/>
-          </p:cNvSpPr>
-          <p:nvPr>
-            <p:ph type="ftr" sz="quarter" idx="3"/>
-          </p:nvPr>
-        </p:nvSpPr>
-        <p:spPr>
-          <a:xfrm>
-            <a:off x="1619672" y="6447599"/>
-            <a:ext cx="3086100" cy="439201"/>
-          </a:xfrm>
-          <a:prstGeom prst="rect">
-            <a:avLst/>
-          </a:prstGeom>
-        </p:spPr>
-        <p:txBody>
-          <a:bodyPr vert="horz" lIns="0" tIns="0" rIns="0" bIns="0" rtlCol="0" anchor="ctr"/>
-          <a:lstStyle>
-            <a:lvl1pPr algn="l">
-              <a:defRPr sz="1000">
-                <a:solidFill>
-                  <a:srgbClr val="FFFFFF"/>
-                </a:solidFill>
-                <a:latin typeface="Arial" panose="020B0604020202020204" pitchFamily="34" charset="0"/>
-                <a:cs typeface="Arial" panose="020B0604020202020204" pitchFamily="34" charset="0"/>
-              </a:defRPr>
-            </a:lvl1pPr>
-          </a:lstStyle>
-          <a:p>
-            <a:r>
-              <a:rPr lang="en-US" dirty="0" smtClean="0"/>
-              <a:t>PRESENTATION NAME</a:t>
-            </a:r>
-            <a:endParaRPr lang="en-US" dirty="0"/>
-          </a:p>
-        </p:txBody>
-      </p:sp>
     </p:spTree>
     <p:extLst>
       <p:ext uri="{BB962C8B-B14F-4D97-AF65-F5344CB8AC3E}">
@@ -13046,158 +11794,6 @@
             <a:r>
               <a:rPr lang="en-US" dirty="0" smtClean="0"/>
               <a:t>CLICK TO EDIT MASTER TITLE STYLE</a:t>
-            </a:r>
-            <a:endParaRPr lang="en-US" dirty="0"/>
-          </a:p>
-        </p:txBody>
-      </p:sp>
-      <p:sp>
-        <p:nvSpPr>
-          <p:cNvPr id="9" name="Rectangle 8"/>
-          <p:cNvSpPr/>
-          <p:nvPr userDrawn="1"/>
-        </p:nvSpPr>
-        <p:spPr>
-          <a:xfrm>
-            <a:off x="0" y="6447600"/>
-            <a:ext cx="9154800" cy="439200"/>
-          </a:xfrm>
-          <a:prstGeom prst="rect">
-            <a:avLst/>
-          </a:prstGeom>
-          <a:solidFill>
-            <a:srgbClr val="808080"/>
-          </a:solidFill>
-          <a:ln>
-            <a:noFill/>
-          </a:ln>
-        </p:spPr>
-        <p:style>
-          <a:lnRef idx="2">
-            <a:schemeClr val="accent1">
-              <a:shade val="50000"/>
-            </a:schemeClr>
-          </a:lnRef>
-          <a:fillRef idx="1">
-            <a:schemeClr val="accent1"/>
-          </a:fillRef>
-          <a:effectRef idx="0">
-            <a:schemeClr val="accent1"/>
-          </a:effectRef>
-          <a:fontRef idx="minor">
-            <a:schemeClr val="lt1"/>
-          </a:fontRef>
-        </p:style>
-        <p:txBody>
-          <a:bodyPr lIns="0" tIns="0" rIns="0" bIns="0" rtlCol="0" anchor="ctr"/>
-          <a:lstStyle/>
-          <a:p>
-            <a:pPr algn="ctr"/>
-            <a:endParaRPr lang="en-US"/>
-          </a:p>
-        </p:txBody>
-      </p:sp>
-      <p:cxnSp>
-        <p:nvCxnSpPr>
-          <p:cNvPr id="15" name="Straight Connector 14"/>
-          <p:cNvCxnSpPr/>
-          <p:nvPr userDrawn="1"/>
-        </p:nvCxnSpPr>
-        <p:spPr>
-          <a:xfrm>
-            <a:off x="1475656" y="6557267"/>
-            <a:ext cx="0" cy="216024"/>
-          </a:xfrm>
-          <a:prstGeom prst="line">
-            <a:avLst/>
-          </a:prstGeom>
-          <a:ln>
-            <a:solidFill>
-              <a:schemeClr val="bg1"/>
-            </a:solidFill>
-          </a:ln>
-        </p:spPr>
-        <p:style>
-          <a:lnRef idx="1">
-            <a:schemeClr val="accent1"/>
-          </a:lnRef>
-          <a:fillRef idx="0">
-            <a:schemeClr val="accent1"/>
-          </a:fillRef>
-          <a:effectRef idx="0">
-            <a:schemeClr val="accent1"/>
-          </a:effectRef>
-          <a:fontRef idx="minor">
-            <a:schemeClr val="tx1"/>
-          </a:fontRef>
-        </p:style>
-      </p:cxnSp>
-      <p:pic>
-        <p:nvPicPr>
-          <p:cNvPr id="16" name="Picture 15"/>
-          <p:cNvPicPr>
-            <a:picLocks noChangeAspect="1"/>
-          </p:cNvPicPr>
-          <p:nvPr userDrawn="1"/>
-        </p:nvPicPr>
-        <p:blipFill>
-          <a:blip r:embed="rId2">
-            <a:extLst>
-              <a:ext uri="{28A0092B-C50C-407E-A947-70E740481C1C}">
-                <a14:useLocalDpi xmlns:a14="http://schemas.microsoft.com/office/drawing/2010/main" val="0"/>
-              </a:ext>
-            </a:extLst>
-          </a:blip>
-          <a:stretch>
-            <a:fillRect/>
-          </a:stretch>
-        </p:blipFill>
-        <p:spPr>
-          <a:xfrm>
-            <a:off x="323850" y="6557267"/>
-            <a:ext cx="1005840" cy="196053"/>
-          </a:xfrm>
-          <a:prstGeom prst="rect">
-            <a:avLst/>
-          </a:prstGeom>
-        </p:spPr>
-      </p:pic>
-      <p:sp>
-        <p:nvSpPr>
-          <p:cNvPr id="17" name="Footer Placeholder 5"/>
-          <p:cNvSpPr>
-            <a:spLocks noGrp="1"/>
-          </p:cNvSpPr>
-          <p:nvPr>
-            <p:ph type="ftr" sz="quarter" idx="3"/>
-          </p:nvPr>
-        </p:nvSpPr>
-        <p:spPr>
-          <a:xfrm>
-            <a:off x="1619672" y="6447599"/>
-            <a:ext cx="3086100" cy="439201"/>
-          </a:xfrm>
-          <a:prstGeom prst="rect">
-            <a:avLst/>
-          </a:prstGeom>
-        </p:spPr>
-        <p:txBody>
-          <a:bodyPr vert="horz" lIns="0" tIns="0" rIns="0" bIns="0" rtlCol="0" anchor="ctr"/>
-          <a:lstStyle>
-            <a:lvl1pPr algn="l">
-              <a:defRPr sz="1000" cap="all" baseline="0">
-                <a:solidFill>
-                  <a:srgbClr val="FFFFFF"/>
-                </a:solidFill>
-                <a:latin typeface="Arial" panose="020B0604020202020204" pitchFamily="34" charset="0"/>
-                <a:cs typeface="Arial" panose="020B0604020202020204" pitchFamily="34" charset="0"/>
-              </a:defRPr>
-            </a:lvl1pPr>
-          </a:lstStyle>
-          <a:p>
-            <a:r>
-              <a:rPr lang="en-US" dirty="0" smtClean="0"/>
-              <a:t>PRESENTATION NAME</a:t>
             </a:r>
             <a:endParaRPr lang="en-US" dirty="0"/>
           </a:p>
@@ -13558,158 +12154,6 @@
           </a:lstStyle>
           <a:p>
             <a:pPr lvl="0"/>
-            <a:endParaRPr lang="en-US" dirty="0"/>
-          </a:p>
-        </p:txBody>
-      </p:sp>
-      <p:sp>
-        <p:nvSpPr>
-          <p:cNvPr id="15" name="Rectangle 14"/>
-          <p:cNvSpPr/>
-          <p:nvPr userDrawn="1"/>
-        </p:nvSpPr>
-        <p:spPr>
-          <a:xfrm>
-            <a:off x="0" y="6447600"/>
-            <a:ext cx="9154800" cy="439200"/>
-          </a:xfrm>
-          <a:prstGeom prst="rect">
-            <a:avLst/>
-          </a:prstGeom>
-          <a:solidFill>
-            <a:srgbClr val="808080"/>
-          </a:solidFill>
-          <a:ln>
-            <a:noFill/>
-          </a:ln>
-        </p:spPr>
-        <p:style>
-          <a:lnRef idx="2">
-            <a:schemeClr val="accent1">
-              <a:shade val="50000"/>
-            </a:schemeClr>
-          </a:lnRef>
-          <a:fillRef idx="1">
-            <a:schemeClr val="accent1"/>
-          </a:fillRef>
-          <a:effectRef idx="0">
-            <a:schemeClr val="accent1"/>
-          </a:effectRef>
-          <a:fontRef idx="minor">
-            <a:schemeClr val="lt1"/>
-          </a:fontRef>
-        </p:style>
-        <p:txBody>
-          <a:bodyPr lIns="0" tIns="0" rIns="0" bIns="0" rtlCol="0" anchor="ctr"/>
-          <a:lstStyle/>
-          <a:p>
-            <a:pPr algn="ctr"/>
-            <a:endParaRPr lang="en-US"/>
-          </a:p>
-        </p:txBody>
-      </p:sp>
-      <p:cxnSp>
-        <p:nvCxnSpPr>
-          <p:cNvPr id="16" name="Straight Connector 15"/>
-          <p:cNvCxnSpPr/>
-          <p:nvPr userDrawn="1"/>
-        </p:nvCxnSpPr>
-        <p:spPr>
-          <a:xfrm>
-            <a:off x="1475656" y="6557267"/>
-            <a:ext cx="0" cy="216024"/>
-          </a:xfrm>
-          <a:prstGeom prst="line">
-            <a:avLst/>
-          </a:prstGeom>
-          <a:ln>
-            <a:solidFill>
-              <a:schemeClr val="bg1"/>
-            </a:solidFill>
-          </a:ln>
-        </p:spPr>
-        <p:style>
-          <a:lnRef idx="1">
-            <a:schemeClr val="accent1"/>
-          </a:lnRef>
-          <a:fillRef idx="0">
-            <a:schemeClr val="accent1"/>
-          </a:fillRef>
-          <a:effectRef idx="0">
-            <a:schemeClr val="accent1"/>
-          </a:effectRef>
-          <a:fontRef idx="minor">
-            <a:schemeClr val="tx1"/>
-          </a:fontRef>
-        </p:style>
-      </p:cxnSp>
-      <p:pic>
-        <p:nvPicPr>
-          <p:cNvPr id="17" name="Picture 16"/>
-          <p:cNvPicPr>
-            <a:picLocks noChangeAspect="1"/>
-          </p:cNvPicPr>
-          <p:nvPr userDrawn="1"/>
-        </p:nvPicPr>
-        <p:blipFill>
-          <a:blip r:embed="rId4">
-            <a:extLst>
-              <a:ext uri="{28A0092B-C50C-407E-A947-70E740481C1C}">
-                <a14:useLocalDpi xmlns:a14="http://schemas.microsoft.com/office/drawing/2010/main" val="0"/>
-              </a:ext>
-            </a:extLst>
-          </a:blip>
-          <a:stretch>
-            <a:fillRect/>
-          </a:stretch>
-        </p:blipFill>
-        <p:spPr>
-          <a:xfrm>
-            <a:off x="323850" y="6557267"/>
-            <a:ext cx="1005840" cy="196053"/>
-          </a:xfrm>
-          <a:prstGeom prst="rect">
-            <a:avLst/>
-          </a:prstGeom>
-        </p:spPr>
-      </p:pic>
-      <p:sp>
-        <p:nvSpPr>
-          <p:cNvPr id="18" name="Footer Placeholder 5"/>
-          <p:cNvSpPr>
-            <a:spLocks noGrp="1"/>
-          </p:cNvSpPr>
-          <p:nvPr>
-            <p:ph type="ftr" sz="quarter" idx="3"/>
-          </p:nvPr>
-        </p:nvSpPr>
-        <p:spPr>
-          <a:xfrm>
-            <a:off x="1619672" y="6447599"/>
-            <a:ext cx="3086100" cy="439201"/>
-          </a:xfrm>
-          <a:prstGeom prst="rect">
-            <a:avLst/>
-          </a:prstGeom>
-        </p:spPr>
-        <p:txBody>
-          <a:bodyPr vert="horz" lIns="0" tIns="0" rIns="0" bIns="0" rtlCol="0" anchor="ctr"/>
-          <a:lstStyle>
-            <a:lvl1pPr algn="l">
-              <a:defRPr sz="1000" cap="all" baseline="0">
-                <a:solidFill>
-                  <a:srgbClr val="FFFFFF"/>
-                </a:solidFill>
-                <a:latin typeface="Arial" panose="020B0604020202020204" pitchFamily="34" charset="0"/>
-                <a:cs typeface="Arial" panose="020B0604020202020204" pitchFamily="34" charset="0"/>
-              </a:defRPr>
-            </a:lvl1pPr>
-          </a:lstStyle>
-          <a:p>
-            <a:r>
-              <a:rPr lang="en-US" dirty="0" smtClean="0"/>
-              <a:t>PRESENTATION NAME</a:t>
-            </a:r>
             <a:endParaRPr lang="en-US" dirty="0"/>
           </a:p>
         </p:txBody>
@@ -13959,158 +12403,6 @@
           </a:p>
         </p:txBody>
       </p:sp>
-      <p:sp>
-        <p:nvSpPr>
-          <p:cNvPr id="11" name="Rectangle 10"/>
-          <p:cNvSpPr/>
-          <p:nvPr userDrawn="1"/>
-        </p:nvSpPr>
-        <p:spPr>
-          <a:xfrm>
-            <a:off x="0" y="6447600"/>
-            <a:ext cx="9154800" cy="439200"/>
-          </a:xfrm>
-          <a:prstGeom prst="rect">
-            <a:avLst/>
-          </a:prstGeom>
-          <a:solidFill>
-            <a:srgbClr val="808080"/>
-          </a:solidFill>
-          <a:ln>
-            <a:noFill/>
-          </a:ln>
-        </p:spPr>
-        <p:style>
-          <a:lnRef idx="2">
-            <a:schemeClr val="accent1">
-              <a:shade val="50000"/>
-            </a:schemeClr>
-          </a:lnRef>
-          <a:fillRef idx="1">
-            <a:schemeClr val="accent1"/>
-          </a:fillRef>
-          <a:effectRef idx="0">
-            <a:schemeClr val="accent1"/>
-          </a:effectRef>
-          <a:fontRef idx="minor">
-            <a:schemeClr val="lt1"/>
-          </a:fontRef>
-        </p:style>
-        <p:txBody>
-          <a:bodyPr lIns="0" tIns="0" rIns="0" bIns="0" rtlCol="0" anchor="ctr"/>
-          <a:lstStyle/>
-          <a:p>
-            <a:pPr algn="ctr"/>
-            <a:endParaRPr lang="en-US"/>
-          </a:p>
-        </p:txBody>
-      </p:sp>
-      <p:cxnSp>
-        <p:nvCxnSpPr>
-          <p:cNvPr id="17" name="Straight Connector 16"/>
-          <p:cNvCxnSpPr/>
-          <p:nvPr userDrawn="1"/>
-        </p:nvCxnSpPr>
-        <p:spPr>
-          <a:xfrm>
-            <a:off x="1475656" y="6557267"/>
-            <a:ext cx="0" cy="216024"/>
-          </a:xfrm>
-          <a:prstGeom prst="line">
-            <a:avLst/>
-          </a:prstGeom>
-          <a:ln>
-            <a:solidFill>
-              <a:schemeClr val="bg1"/>
-            </a:solidFill>
-          </a:ln>
-        </p:spPr>
-        <p:style>
-          <a:lnRef idx="1">
-            <a:schemeClr val="accent1"/>
-          </a:lnRef>
-          <a:fillRef idx="0">
-            <a:schemeClr val="accent1"/>
-          </a:fillRef>
-          <a:effectRef idx="0">
-            <a:schemeClr val="accent1"/>
-          </a:effectRef>
-          <a:fontRef idx="minor">
-            <a:schemeClr val="tx1"/>
-          </a:fontRef>
-        </p:style>
-      </p:cxnSp>
-      <p:pic>
-        <p:nvPicPr>
-          <p:cNvPr id="20" name="Picture 19"/>
-          <p:cNvPicPr>
-            <a:picLocks noChangeAspect="1"/>
-          </p:cNvPicPr>
-          <p:nvPr userDrawn="1"/>
-        </p:nvPicPr>
-        <p:blipFill>
-          <a:blip r:embed="rId3">
-            <a:extLst>
-              <a:ext uri="{28A0092B-C50C-407E-A947-70E740481C1C}">
-                <a14:useLocalDpi xmlns:a14="http://schemas.microsoft.com/office/drawing/2010/main" val="0"/>
-              </a:ext>
-            </a:extLst>
-          </a:blip>
-          <a:stretch>
-            <a:fillRect/>
-          </a:stretch>
-        </p:blipFill>
-        <p:spPr>
-          <a:xfrm>
-            <a:off x="323850" y="6557267"/>
-            <a:ext cx="1005840" cy="196053"/>
-          </a:xfrm>
-          <a:prstGeom prst="rect">
-            <a:avLst/>
-          </a:prstGeom>
-        </p:spPr>
-      </p:pic>
-      <p:sp>
-        <p:nvSpPr>
-          <p:cNvPr id="21" name="Footer Placeholder 5"/>
-          <p:cNvSpPr>
-            <a:spLocks noGrp="1"/>
-          </p:cNvSpPr>
-          <p:nvPr>
-            <p:ph type="ftr" sz="quarter" idx="3"/>
-          </p:nvPr>
-        </p:nvSpPr>
-        <p:spPr>
-          <a:xfrm>
-            <a:off x="1619672" y="6447599"/>
-            <a:ext cx="3086100" cy="439201"/>
-          </a:xfrm>
-          <a:prstGeom prst="rect">
-            <a:avLst/>
-          </a:prstGeom>
-        </p:spPr>
-        <p:txBody>
-          <a:bodyPr vert="horz" lIns="0" tIns="0" rIns="0" bIns="0" rtlCol="0" anchor="ctr"/>
-          <a:lstStyle>
-            <a:lvl1pPr algn="l">
-              <a:defRPr sz="1000" cap="all" baseline="0">
-                <a:solidFill>
-                  <a:srgbClr val="FFFFFF"/>
-                </a:solidFill>
-                <a:latin typeface="Arial" panose="020B0604020202020204" pitchFamily="34" charset="0"/>
-                <a:cs typeface="Arial" panose="020B0604020202020204" pitchFamily="34" charset="0"/>
-              </a:defRPr>
-            </a:lvl1pPr>
-          </a:lstStyle>
-          <a:p>
-            <a:r>
-              <a:rPr lang="en-US" dirty="0" smtClean="0"/>
-              <a:t>PRESENTATION NAME</a:t>
-            </a:r>
-            <a:endParaRPr lang="en-US" dirty="0"/>
-          </a:p>
-        </p:txBody>
-      </p:sp>
     </p:spTree>
     <p:extLst>
       <p:ext uri="{BB962C8B-B14F-4D97-AF65-F5344CB8AC3E}">
@@ -14317,158 +12609,6 @@
           </a:p>
         </p:txBody>
       </p:sp>
-      <p:sp>
-        <p:nvSpPr>
-          <p:cNvPr id="14" name="Rectangle 13"/>
-          <p:cNvSpPr/>
-          <p:nvPr userDrawn="1"/>
-        </p:nvSpPr>
-        <p:spPr>
-          <a:xfrm>
-            <a:off x="0" y="6447600"/>
-            <a:ext cx="9154800" cy="439200"/>
-          </a:xfrm>
-          <a:prstGeom prst="rect">
-            <a:avLst/>
-          </a:prstGeom>
-          <a:solidFill>
-            <a:srgbClr val="808080"/>
-          </a:solidFill>
-          <a:ln>
-            <a:noFill/>
-          </a:ln>
-        </p:spPr>
-        <p:style>
-          <a:lnRef idx="2">
-            <a:schemeClr val="accent1">
-              <a:shade val="50000"/>
-            </a:schemeClr>
-          </a:lnRef>
-          <a:fillRef idx="1">
-            <a:schemeClr val="accent1"/>
-          </a:fillRef>
-          <a:effectRef idx="0">
-            <a:schemeClr val="accent1"/>
-          </a:effectRef>
-          <a:fontRef idx="minor">
-            <a:schemeClr val="lt1"/>
-          </a:fontRef>
-        </p:style>
-        <p:txBody>
-          <a:bodyPr lIns="0" tIns="0" rIns="0" bIns="0" rtlCol="0" anchor="ctr"/>
-          <a:lstStyle/>
-          <a:p>
-            <a:pPr algn="ctr"/>
-            <a:endParaRPr lang="en-US"/>
-          </a:p>
-        </p:txBody>
-      </p:sp>
-      <p:cxnSp>
-        <p:nvCxnSpPr>
-          <p:cNvPr id="15" name="Straight Connector 14"/>
-          <p:cNvCxnSpPr/>
-          <p:nvPr userDrawn="1"/>
-        </p:nvCxnSpPr>
-        <p:spPr>
-          <a:xfrm>
-            <a:off x="1475656" y="6557267"/>
-            <a:ext cx="0" cy="216024"/>
-          </a:xfrm>
-          <a:prstGeom prst="line">
-            <a:avLst/>
-          </a:prstGeom>
-          <a:ln>
-            <a:solidFill>
-              <a:schemeClr val="bg1"/>
-            </a:solidFill>
-          </a:ln>
-        </p:spPr>
-        <p:style>
-          <a:lnRef idx="1">
-            <a:schemeClr val="accent1"/>
-          </a:lnRef>
-          <a:fillRef idx="0">
-            <a:schemeClr val="accent1"/>
-          </a:fillRef>
-          <a:effectRef idx="0">
-            <a:schemeClr val="accent1"/>
-          </a:effectRef>
-          <a:fontRef idx="minor">
-            <a:schemeClr val="tx1"/>
-          </a:fontRef>
-        </p:style>
-      </p:cxnSp>
-      <p:pic>
-        <p:nvPicPr>
-          <p:cNvPr id="16" name="Picture 15"/>
-          <p:cNvPicPr>
-            <a:picLocks noChangeAspect="1"/>
-          </p:cNvPicPr>
-          <p:nvPr userDrawn="1"/>
-        </p:nvPicPr>
-        <p:blipFill>
-          <a:blip r:embed="rId4">
-            <a:extLst>
-              <a:ext uri="{28A0092B-C50C-407E-A947-70E740481C1C}">
-                <a14:useLocalDpi xmlns:a14="http://schemas.microsoft.com/office/drawing/2010/main" val="0"/>
-              </a:ext>
-            </a:extLst>
-          </a:blip>
-          <a:stretch>
-            <a:fillRect/>
-          </a:stretch>
-        </p:blipFill>
-        <p:spPr>
-          <a:xfrm>
-            <a:off x="323850" y="6557267"/>
-            <a:ext cx="1005840" cy="196053"/>
-          </a:xfrm>
-          <a:prstGeom prst="rect">
-            <a:avLst/>
-          </a:prstGeom>
-        </p:spPr>
-      </p:pic>
-      <p:sp>
-        <p:nvSpPr>
-          <p:cNvPr id="17" name="Footer Placeholder 5"/>
-          <p:cNvSpPr>
-            <a:spLocks noGrp="1"/>
-          </p:cNvSpPr>
-          <p:nvPr>
-            <p:ph type="ftr" sz="quarter" idx="3"/>
-          </p:nvPr>
-        </p:nvSpPr>
-        <p:spPr>
-          <a:xfrm>
-            <a:off x="1619672" y="6447599"/>
-            <a:ext cx="3086100" cy="439201"/>
-          </a:xfrm>
-          <a:prstGeom prst="rect">
-            <a:avLst/>
-          </a:prstGeom>
-        </p:spPr>
-        <p:txBody>
-          <a:bodyPr vert="horz" lIns="0" tIns="0" rIns="0" bIns="0" rtlCol="0" anchor="ctr"/>
-          <a:lstStyle>
-            <a:lvl1pPr algn="l">
-              <a:defRPr sz="1000" cap="all" baseline="0">
-                <a:solidFill>
-                  <a:srgbClr val="FFFFFF"/>
-                </a:solidFill>
-                <a:latin typeface="Arial" panose="020B0604020202020204" pitchFamily="34" charset="0"/>
-                <a:cs typeface="Arial" panose="020B0604020202020204" pitchFamily="34" charset="0"/>
-              </a:defRPr>
-            </a:lvl1pPr>
-          </a:lstStyle>
-          <a:p>
-            <a:r>
-              <a:rPr lang="en-US" dirty="0" smtClean="0"/>
-              <a:t>PRESENTATION NAME</a:t>
-            </a:r>
-            <a:endParaRPr lang="en-US" dirty="0"/>
-          </a:p>
-        </p:txBody>
-      </p:sp>
     </p:spTree>
     <p:extLst>
       <p:ext uri="{BB962C8B-B14F-4D97-AF65-F5344CB8AC3E}">
@@ -14581,158 +12721,6 @@
       </p:sp>
       <p:sp>
         <p:nvSpPr>
-          <p:cNvPr id="14" name="Rectangle 13"/>
-          <p:cNvSpPr/>
-          <p:nvPr userDrawn="1"/>
-        </p:nvSpPr>
-        <p:spPr>
-          <a:xfrm>
-            <a:off x="0" y="6447600"/>
-            <a:ext cx="9154800" cy="439200"/>
-          </a:xfrm>
-          <a:prstGeom prst="rect">
-            <a:avLst/>
-          </a:prstGeom>
-          <a:solidFill>
-            <a:srgbClr val="808080"/>
-          </a:solidFill>
-          <a:ln>
-            <a:noFill/>
-          </a:ln>
-        </p:spPr>
-        <p:style>
-          <a:lnRef idx="2">
-            <a:schemeClr val="accent1">
-              <a:shade val="50000"/>
-            </a:schemeClr>
-          </a:lnRef>
-          <a:fillRef idx="1">
-            <a:schemeClr val="accent1"/>
-          </a:fillRef>
-          <a:effectRef idx="0">
-            <a:schemeClr val="accent1"/>
-          </a:effectRef>
-          <a:fontRef idx="minor">
-            <a:schemeClr val="lt1"/>
-          </a:fontRef>
-        </p:style>
-        <p:txBody>
-          <a:bodyPr lIns="0" tIns="0" rIns="0" bIns="0" rtlCol="0" anchor="ctr"/>
-          <a:lstStyle/>
-          <a:p>
-            <a:pPr algn="ctr"/>
-            <a:endParaRPr lang="en-US"/>
-          </a:p>
-        </p:txBody>
-      </p:sp>
-      <p:cxnSp>
-        <p:nvCxnSpPr>
-          <p:cNvPr id="15" name="Straight Connector 14"/>
-          <p:cNvCxnSpPr/>
-          <p:nvPr userDrawn="1"/>
-        </p:nvCxnSpPr>
-        <p:spPr>
-          <a:xfrm>
-            <a:off x="1475656" y="6557267"/>
-            <a:ext cx="0" cy="216024"/>
-          </a:xfrm>
-          <a:prstGeom prst="line">
-            <a:avLst/>
-          </a:prstGeom>
-          <a:ln>
-            <a:solidFill>
-              <a:schemeClr val="bg1"/>
-            </a:solidFill>
-          </a:ln>
-        </p:spPr>
-        <p:style>
-          <a:lnRef idx="1">
-            <a:schemeClr val="accent1"/>
-          </a:lnRef>
-          <a:fillRef idx="0">
-            <a:schemeClr val="accent1"/>
-          </a:fillRef>
-          <a:effectRef idx="0">
-            <a:schemeClr val="accent1"/>
-          </a:effectRef>
-          <a:fontRef idx="minor">
-            <a:schemeClr val="tx1"/>
-          </a:fontRef>
-        </p:style>
-      </p:cxnSp>
-      <p:pic>
-        <p:nvPicPr>
-          <p:cNvPr id="16" name="Picture 15"/>
-          <p:cNvPicPr>
-            <a:picLocks noChangeAspect="1"/>
-          </p:cNvPicPr>
-          <p:nvPr userDrawn="1"/>
-        </p:nvPicPr>
-        <p:blipFill>
-          <a:blip r:embed="rId2">
-            <a:extLst>
-              <a:ext uri="{28A0092B-C50C-407E-A947-70E740481C1C}">
-                <a14:useLocalDpi xmlns:a14="http://schemas.microsoft.com/office/drawing/2010/main" val="0"/>
-              </a:ext>
-            </a:extLst>
-          </a:blip>
-          <a:stretch>
-            <a:fillRect/>
-          </a:stretch>
-        </p:blipFill>
-        <p:spPr>
-          <a:xfrm>
-            <a:off x="323850" y="6557267"/>
-            <a:ext cx="1005840" cy="196053"/>
-          </a:xfrm>
-          <a:prstGeom prst="rect">
-            <a:avLst/>
-          </a:prstGeom>
-        </p:spPr>
-      </p:pic>
-      <p:sp>
-        <p:nvSpPr>
-          <p:cNvPr id="17" name="Footer Placeholder 5"/>
-          <p:cNvSpPr>
-            <a:spLocks noGrp="1"/>
-          </p:cNvSpPr>
-          <p:nvPr>
-            <p:ph type="ftr" sz="quarter" idx="3"/>
-          </p:nvPr>
-        </p:nvSpPr>
-        <p:spPr>
-          <a:xfrm>
-            <a:off x="1619672" y="6447599"/>
-            <a:ext cx="3086100" cy="439201"/>
-          </a:xfrm>
-          <a:prstGeom prst="rect">
-            <a:avLst/>
-          </a:prstGeom>
-        </p:spPr>
-        <p:txBody>
-          <a:bodyPr vert="horz" lIns="0" tIns="0" rIns="0" bIns="0" rtlCol="0" anchor="ctr"/>
-          <a:lstStyle>
-            <a:lvl1pPr algn="l">
-              <a:defRPr sz="1000" cap="all" baseline="0">
-                <a:solidFill>
-                  <a:srgbClr val="FFFFFF"/>
-                </a:solidFill>
-                <a:latin typeface="Arial" panose="020B0604020202020204" pitchFamily="34" charset="0"/>
-                <a:cs typeface="Arial" panose="020B0604020202020204" pitchFamily="34" charset="0"/>
-              </a:defRPr>
-            </a:lvl1pPr>
-          </a:lstStyle>
-          <a:p>
-            <a:r>
-              <a:rPr lang="en-US" dirty="0" smtClean="0"/>
-              <a:t>PRESENTATION NAME</a:t>
-            </a:r>
-            <a:endParaRPr lang="en-US" dirty="0"/>
-          </a:p>
-        </p:txBody>
-      </p:sp>
-      <p:sp>
-        <p:nvSpPr>
           <p:cNvPr id="8" name="Text Placeholder 6"/>
           <p:cNvSpPr>
             <a:spLocks noGrp="1"/>
@@ -14926,158 +12914,6 @@
           </a:p>
         </p:txBody>
       </p:sp>
-      <p:sp>
-        <p:nvSpPr>
-          <p:cNvPr id="16" name="Rectangle 15"/>
-          <p:cNvSpPr/>
-          <p:nvPr userDrawn="1"/>
-        </p:nvSpPr>
-        <p:spPr>
-          <a:xfrm>
-            <a:off x="0" y="6447600"/>
-            <a:ext cx="9154800" cy="439200"/>
-          </a:xfrm>
-          <a:prstGeom prst="rect">
-            <a:avLst/>
-          </a:prstGeom>
-          <a:solidFill>
-            <a:srgbClr val="808080"/>
-          </a:solidFill>
-          <a:ln>
-            <a:noFill/>
-          </a:ln>
-        </p:spPr>
-        <p:style>
-          <a:lnRef idx="2">
-            <a:schemeClr val="accent1">
-              <a:shade val="50000"/>
-            </a:schemeClr>
-          </a:lnRef>
-          <a:fillRef idx="1">
-            <a:schemeClr val="accent1"/>
-          </a:fillRef>
-          <a:effectRef idx="0">
-            <a:schemeClr val="accent1"/>
-          </a:effectRef>
-          <a:fontRef idx="minor">
-            <a:schemeClr val="lt1"/>
-          </a:fontRef>
-        </p:style>
-        <p:txBody>
-          <a:bodyPr lIns="0" tIns="0" rIns="0" bIns="0" rtlCol="0" anchor="ctr"/>
-          <a:lstStyle/>
-          <a:p>
-            <a:pPr algn="ctr"/>
-            <a:endParaRPr lang="en-US"/>
-          </a:p>
-        </p:txBody>
-      </p:sp>
-      <p:cxnSp>
-        <p:nvCxnSpPr>
-          <p:cNvPr id="17" name="Straight Connector 16"/>
-          <p:cNvCxnSpPr/>
-          <p:nvPr userDrawn="1"/>
-        </p:nvCxnSpPr>
-        <p:spPr>
-          <a:xfrm>
-            <a:off x="1475656" y="6557267"/>
-            <a:ext cx="0" cy="216024"/>
-          </a:xfrm>
-          <a:prstGeom prst="line">
-            <a:avLst/>
-          </a:prstGeom>
-          <a:ln>
-            <a:solidFill>
-              <a:schemeClr val="bg1"/>
-            </a:solidFill>
-          </a:ln>
-        </p:spPr>
-        <p:style>
-          <a:lnRef idx="1">
-            <a:schemeClr val="accent1"/>
-          </a:lnRef>
-          <a:fillRef idx="0">
-            <a:schemeClr val="accent1"/>
-          </a:fillRef>
-          <a:effectRef idx="0">
-            <a:schemeClr val="accent1"/>
-          </a:effectRef>
-          <a:fontRef idx="minor">
-            <a:schemeClr val="tx1"/>
-          </a:fontRef>
-        </p:style>
-      </p:cxnSp>
-      <p:pic>
-        <p:nvPicPr>
-          <p:cNvPr id="18" name="Picture 17"/>
-          <p:cNvPicPr>
-            <a:picLocks noChangeAspect="1"/>
-          </p:cNvPicPr>
-          <p:nvPr userDrawn="1"/>
-        </p:nvPicPr>
-        <p:blipFill>
-          <a:blip r:embed="rId2">
-            <a:extLst>
-              <a:ext uri="{28A0092B-C50C-407E-A947-70E740481C1C}">
-                <a14:useLocalDpi xmlns:a14="http://schemas.microsoft.com/office/drawing/2010/main" val="0"/>
-              </a:ext>
-            </a:extLst>
-          </a:blip>
-          <a:stretch>
-            <a:fillRect/>
-          </a:stretch>
-        </p:blipFill>
-        <p:spPr>
-          <a:xfrm>
-            <a:off x="323850" y="6557267"/>
-            <a:ext cx="1005840" cy="196053"/>
-          </a:xfrm>
-          <a:prstGeom prst="rect">
-            <a:avLst/>
-          </a:prstGeom>
-        </p:spPr>
-      </p:pic>
-      <p:sp>
-        <p:nvSpPr>
-          <p:cNvPr id="19" name="Footer Placeholder 5"/>
-          <p:cNvSpPr>
-            <a:spLocks noGrp="1"/>
-          </p:cNvSpPr>
-          <p:nvPr>
-            <p:ph type="ftr" sz="quarter" idx="3"/>
-          </p:nvPr>
-        </p:nvSpPr>
-        <p:spPr>
-          <a:xfrm>
-            <a:off x="1619672" y="6447599"/>
-            <a:ext cx="3086100" cy="439201"/>
-          </a:xfrm>
-          <a:prstGeom prst="rect">
-            <a:avLst/>
-          </a:prstGeom>
-        </p:spPr>
-        <p:txBody>
-          <a:bodyPr vert="horz" lIns="0" tIns="0" rIns="0" bIns="0" rtlCol="0" anchor="ctr"/>
-          <a:lstStyle>
-            <a:lvl1pPr algn="l">
-              <a:defRPr sz="1000" cap="all" baseline="0">
-                <a:solidFill>
-                  <a:srgbClr val="FFFFFF"/>
-                </a:solidFill>
-                <a:latin typeface="Arial" panose="020B0604020202020204" pitchFamily="34" charset="0"/>
-                <a:cs typeface="Arial" panose="020B0604020202020204" pitchFamily="34" charset="0"/>
-              </a:defRPr>
-            </a:lvl1pPr>
-          </a:lstStyle>
-          <a:p>
-            <a:r>
-              <a:rPr lang="en-US" dirty="0" smtClean="0"/>
-              <a:t>PRESENTATION NAME</a:t>
-            </a:r>
-            <a:endParaRPr lang="en-US" dirty="0"/>
-          </a:p>
-        </p:txBody>
-      </p:sp>
     </p:spTree>
     <p:extLst>
       <p:ext uri="{BB962C8B-B14F-4D97-AF65-F5344CB8AC3E}">
@@ -15386,158 +13222,6 @@
             <a:r>
               <a:rPr lang="en-US" dirty="0" smtClean="0"/>
               <a:t>Header</a:t>
-            </a:r>
-            <a:endParaRPr lang="en-US" dirty="0"/>
-          </a:p>
-        </p:txBody>
-      </p:sp>
-      <p:sp>
-        <p:nvSpPr>
-          <p:cNvPr id="15" name="Rectangle 14"/>
-          <p:cNvSpPr/>
-          <p:nvPr userDrawn="1"/>
-        </p:nvSpPr>
-        <p:spPr>
-          <a:xfrm>
-            <a:off x="0" y="6447600"/>
-            <a:ext cx="9154800" cy="439200"/>
-          </a:xfrm>
-          <a:prstGeom prst="rect">
-            <a:avLst/>
-          </a:prstGeom>
-          <a:solidFill>
-            <a:srgbClr val="808080"/>
-          </a:solidFill>
-          <a:ln>
-            <a:noFill/>
-          </a:ln>
-        </p:spPr>
-        <p:style>
-          <a:lnRef idx="2">
-            <a:schemeClr val="accent1">
-              <a:shade val="50000"/>
-            </a:schemeClr>
-          </a:lnRef>
-          <a:fillRef idx="1">
-            <a:schemeClr val="accent1"/>
-          </a:fillRef>
-          <a:effectRef idx="0">
-            <a:schemeClr val="accent1"/>
-          </a:effectRef>
-          <a:fontRef idx="minor">
-            <a:schemeClr val="lt1"/>
-          </a:fontRef>
-        </p:style>
-        <p:txBody>
-          <a:bodyPr lIns="0" tIns="0" rIns="0" bIns="0" rtlCol="0" anchor="ctr"/>
-          <a:lstStyle/>
-          <a:p>
-            <a:pPr algn="ctr"/>
-            <a:endParaRPr lang="en-US"/>
-          </a:p>
-        </p:txBody>
-      </p:sp>
-      <p:cxnSp>
-        <p:nvCxnSpPr>
-          <p:cNvPr id="16" name="Straight Connector 15"/>
-          <p:cNvCxnSpPr/>
-          <p:nvPr userDrawn="1"/>
-        </p:nvCxnSpPr>
-        <p:spPr>
-          <a:xfrm>
-            <a:off x="1475656" y="6557267"/>
-            <a:ext cx="0" cy="216024"/>
-          </a:xfrm>
-          <a:prstGeom prst="line">
-            <a:avLst/>
-          </a:prstGeom>
-          <a:ln>
-            <a:solidFill>
-              <a:schemeClr val="bg1"/>
-            </a:solidFill>
-          </a:ln>
-        </p:spPr>
-        <p:style>
-          <a:lnRef idx="1">
-            <a:schemeClr val="accent1"/>
-          </a:lnRef>
-          <a:fillRef idx="0">
-            <a:schemeClr val="accent1"/>
-          </a:fillRef>
-          <a:effectRef idx="0">
-            <a:schemeClr val="accent1"/>
-          </a:effectRef>
-          <a:fontRef idx="minor">
-            <a:schemeClr val="tx1"/>
-          </a:fontRef>
-        </p:style>
-      </p:cxnSp>
-      <p:pic>
-        <p:nvPicPr>
-          <p:cNvPr id="17" name="Picture 16"/>
-          <p:cNvPicPr>
-            <a:picLocks noChangeAspect="1"/>
-          </p:cNvPicPr>
-          <p:nvPr userDrawn="1"/>
-        </p:nvPicPr>
-        <p:blipFill>
-          <a:blip r:embed="rId2">
-            <a:extLst>
-              <a:ext uri="{28A0092B-C50C-407E-A947-70E740481C1C}">
-                <a14:useLocalDpi xmlns:a14="http://schemas.microsoft.com/office/drawing/2010/main" val="0"/>
-              </a:ext>
-            </a:extLst>
-          </a:blip>
-          <a:stretch>
-            <a:fillRect/>
-          </a:stretch>
-        </p:blipFill>
-        <p:spPr>
-          <a:xfrm>
-            <a:off x="323850" y="6557267"/>
-            <a:ext cx="1005840" cy="196053"/>
-          </a:xfrm>
-          <a:prstGeom prst="rect">
-            <a:avLst/>
-          </a:prstGeom>
-        </p:spPr>
-      </p:pic>
-      <p:sp>
-        <p:nvSpPr>
-          <p:cNvPr id="18" name="Footer Placeholder 5"/>
-          <p:cNvSpPr>
-            <a:spLocks noGrp="1"/>
-          </p:cNvSpPr>
-          <p:nvPr>
-            <p:ph type="ftr" sz="quarter" idx="3"/>
-          </p:nvPr>
-        </p:nvSpPr>
-        <p:spPr>
-          <a:xfrm>
-            <a:off x="1619672" y="6447599"/>
-            <a:ext cx="3086100" cy="439201"/>
-          </a:xfrm>
-          <a:prstGeom prst="rect">
-            <a:avLst/>
-          </a:prstGeom>
-        </p:spPr>
-        <p:txBody>
-          <a:bodyPr vert="horz" lIns="0" tIns="0" rIns="0" bIns="0" rtlCol="0" anchor="ctr"/>
-          <a:lstStyle>
-            <a:lvl1pPr algn="l">
-              <a:defRPr sz="1000" cap="all" baseline="0">
-                <a:solidFill>
-                  <a:srgbClr val="FFFFFF"/>
-                </a:solidFill>
-                <a:latin typeface="Arial" panose="020B0604020202020204" pitchFamily="34" charset="0"/>
-                <a:cs typeface="Arial" panose="020B0604020202020204" pitchFamily="34" charset="0"/>
-              </a:defRPr>
-            </a:lvl1pPr>
-          </a:lstStyle>
-          <a:p>
-            <a:r>
-              <a:rPr lang="en-US" dirty="0" smtClean="0"/>
-              <a:t>PRESENTATION NAME</a:t>
             </a:r>
             <a:endParaRPr lang="en-US" dirty="0"/>
           </a:p>
@@ -15910,158 +13594,6 @@
             <a:r>
               <a:rPr lang="en-US" dirty="0" smtClean="0"/>
               <a:t>Header</a:t>
-            </a:r>
-            <a:endParaRPr lang="en-US" dirty="0"/>
-          </a:p>
-        </p:txBody>
-      </p:sp>
-      <p:sp>
-        <p:nvSpPr>
-          <p:cNvPr id="11" name="Rectangle 10"/>
-          <p:cNvSpPr/>
-          <p:nvPr userDrawn="1"/>
-        </p:nvSpPr>
-        <p:spPr>
-          <a:xfrm>
-            <a:off x="0" y="6447600"/>
-            <a:ext cx="9154800" cy="439200"/>
-          </a:xfrm>
-          <a:prstGeom prst="rect">
-            <a:avLst/>
-          </a:prstGeom>
-          <a:solidFill>
-            <a:srgbClr val="808080"/>
-          </a:solidFill>
-          <a:ln>
-            <a:noFill/>
-          </a:ln>
-        </p:spPr>
-        <p:style>
-          <a:lnRef idx="2">
-            <a:schemeClr val="accent1">
-              <a:shade val="50000"/>
-            </a:schemeClr>
-          </a:lnRef>
-          <a:fillRef idx="1">
-            <a:schemeClr val="accent1"/>
-          </a:fillRef>
-          <a:effectRef idx="0">
-            <a:schemeClr val="accent1"/>
-          </a:effectRef>
-          <a:fontRef idx="minor">
-            <a:schemeClr val="lt1"/>
-          </a:fontRef>
-        </p:style>
-        <p:txBody>
-          <a:bodyPr lIns="0" tIns="0" rIns="0" bIns="0" rtlCol="0" anchor="ctr"/>
-          <a:lstStyle/>
-          <a:p>
-            <a:pPr algn="ctr"/>
-            <a:endParaRPr lang="en-US"/>
-          </a:p>
-        </p:txBody>
-      </p:sp>
-      <p:cxnSp>
-        <p:nvCxnSpPr>
-          <p:cNvPr id="12" name="Straight Connector 11"/>
-          <p:cNvCxnSpPr/>
-          <p:nvPr userDrawn="1"/>
-        </p:nvCxnSpPr>
-        <p:spPr>
-          <a:xfrm>
-            <a:off x="1475656" y="6557267"/>
-            <a:ext cx="0" cy="216024"/>
-          </a:xfrm>
-          <a:prstGeom prst="line">
-            <a:avLst/>
-          </a:prstGeom>
-          <a:ln>
-            <a:solidFill>
-              <a:schemeClr val="bg1"/>
-            </a:solidFill>
-          </a:ln>
-        </p:spPr>
-        <p:style>
-          <a:lnRef idx="1">
-            <a:schemeClr val="accent1"/>
-          </a:lnRef>
-          <a:fillRef idx="0">
-            <a:schemeClr val="accent1"/>
-          </a:fillRef>
-          <a:effectRef idx="0">
-            <a:schemeClr val="accent1"/>
-          </a:effectRef>
-          <a:fontRef idx="minor">
-            <a:schemeClr val="tx1"/>
-          </a:fontRef>
-        </p:style>
-      </p:cxnSp>
-      <p:pic>
-        <p:nvPicPr>
-          <p:cNvPr id="19" name="Picture 18"/>
-          <p:cNvPicPr>
-            <a:picLocks noChangeAspect="1"/>
-          </p:cNvPicPr>
-          <p:nvPr userDrawn="1"/>
-        </p:nvPicPr>
-        <p:blipFill>
-          <a:blip r:embed="rId2">
-            <a:extLst>
-              <a:ext uri="{28A0092B-C50C-407E-A947-70E740481C1C}">
-                <a14:useLocalDpi xmlns:a14="http://schemas.microsoft.com/office/drawing/2010/main" val="0"/>
-              </a:ext>
-            </a:extLst>
-          </a:blip>
-          <a:stretch>
-            <a:fillRect/>
-          </a:stretch>
-        </p:blipFill>
-        <p:spPr>
-          <a:xfrm>
-            <a:off x="323850" y="6557267"/>
-            <a:ext cx="1005840" cy="196053"/>
-          </a:xfrm>
-          <a:prstGeom prst="rect">
-            <a:avLst/>
-          </a:prstGeom>
-        </p:spPr>
-      </p:pic>
-      <p:sp>
-        <p:nvSpPr>
-          <p:cNvPr id="20" name="Footer Placeholder 5"/>
-          <p:cNvSpPr>
-            <a:spLocks noGrp="1"/>
-          </p:cNvSpPr>
-          <p:nvPr>
-            <p:ph type="ftr" sz="quarter" idx="3"/>
-          </p:nvPr>
-        </p:nvSpPr>
-        <p:spPr>
-          <a:xfrm>
-            <a:off x="1619672" y="6447599"/>
-            <a:ext cx="3086100" cy="439201"/>
-          </a:xfrm>
-          <a:prstGeom prst="rect">
-            <a:avLst/>
-          </a:prstGeom>
-        </p:spPr>
-        <p:txBody>
-          <a:bodyPr vert="horz" lIns="0" tIns="0" rIns="0" bIns="0" rtlCol="0" anchor="ctr"/>
-          <a:lstStyle>
-            <a:lvl1pPr algn="l">
-              <a:defRPr sz="1000" cap="all" baseline="0">
-                <a:solidFill>
-                  <a:srgbClr val="FFFFFF"/>
-                </a:solidFill>
-                <a:latin typeface="Arial" panose="020B0604020202020204" pitchFamily="34" charset="0"/>
-                <a:cs typeface="Arial" panose="020B0604020202020204" pitchFamily="34" charset="0"/>
-              </a:defRPr>
-            </a:lvl1pPr>
-          </a:lstStyle>
-          <a:p>
-            <a:r>
-              <a:rPr lang="en-US" dirty="0" smtClean="0"/>
-              <a:t>PRESENTATION NAME</a:t>
             </a:r>
             <a:endParaRPr lang="en-US" dirty="0"/>
           </a:p>
@@ -16587,158 +14119,6 @@
           </a:p>
         </p:txBody>
       </p:sp>
-      <p:sp>
-        <p:nvSpPr>
-          <p:cNvPr id="9" name="Rectangle 8"/>
-          <p:cNvSpPr/>
-          <p:nvPr userDrawn="1"/>
-        </p:nvSpPr>
-        <p:spPr>
-          <a:xfrm>
-            <a:off x="0" y="6447600"/>
-            <a:ext cx="9154800" cy="439200"/>
-          </a:xfrm>
-          <a:prstGeom prst="rect">
-            <a:avLst/>
-          </a:prstGeom>
-          <a:solidFill>
-            <a:srgbClr val="808080"/>
-          </a:solidFill>
-          <a:ln>
-            <a:noFill/>
-          </a:ln>
-        </p:spPr>
-        <p:style>
-          <a:lnRef idx="2">
-            <a:schemeClr val="accent1">
-              <a:shade val="50000"/>
-            </a:schemeClr>
-          </a:lnRef>
-          <a:fillRef idx="1">
-            <a:schemeClr val="accent1"/>
-          </a:fillRef>
-          <a:effectRef idx="0">
-            <a:schemeClr val="accent1"/>
-          </a:effectRef>
-          <a:fontRef idx="minor">
-            <a:schemeClr val="lt1"/>
-          </a:fontRef>
-        </p:style>
-        <p:txBody>
-          <a:bodyPr lIns="0" tIns="0" rIns="0" bIns="0" rtlCol="0" anchor="ctr"/>
-          <a:lstStyle/>
-          <a:p>
-            <a:pPr algn="ctr"/>
-            <a:endParaRPr lang="en-US"/>
-          </a:p>
-        </p:txBody>
-      </p:sp>
-      <p:cxnSp>
-        <p:nvCxnSpPr>
-          <p:cNvPr id="14" name="Straight Connector 13"/>
-          <p:cNvCxnSpPr/>
-          <p:nvPr userDrawn="1"/>
-        </p:nvCxnSpPr>
-        <p:spPr>
-          <a:xfrm>
-            <a:off x="1475656" y="6557267"/>
-            <a:ext cx="0" cy="216024"/>
-          </a:xfrm>
-          <a:prstGeom prst="line">
-            <a:avLst/>
-          </a:prstGeom>
-          <a:ln>
-            <a:solidFill>
-              <a:schemeClr val="bg1"/>
-            </a:solidFill>
-          </a:ln>
-        </p:spPr>
-        <p:style>
-          <a:lnRef idx="1">
-            <a:schemeClr val="accent1"/>
-          </a:lnRef>
-          <a:fillRef idx="0">
-            <a:schemeClr val="accent1"/>
-          </a:fillRef>
-          <a:effectRef idx="0">
-            <a:schemeClr val="accent1"/>
-          </a:effectRef>
-          <a:fontRef idx="minor">
-            <a:schemeClr val="tx1"/>
-          </a:fontRef>
-        </p:style>
-      </p:cxnSp>
-      <p:pic>
-        <p:nvPicPr>
-          <p:cNvPr id="15" name="Picture 14"/>
-          <p:cNvPicPr>
-            <a:picLocks noChangeAspect="1"/>
-          </p:cNvPicPr>
-          <p:nvPr userDrawn="1"/>
-        </p:nvPicPr>
-        <p:blipFill>
-          <a:blip r:embed="rId2">
-            <a:extLst>
-              <a:ext uri="{28A0092B-C50C-407E-A947-70E740481C1C}">
-                <a14:useLocalDpi xmlns:a14="http://schemas.microsoft.com/office/drawing/2010/main" val="0"/>
-              </a:ext>
-            </a:extLst>
-          </a:blip>
-          <a:stretch>
-            <a:fillRect/>
-          </a:stretch>
-        </p:blipFill>
-        <p:spPr>
-          <a:xfrm>
-            <a:off x="323850" y="6557267"/>
-            <a:ext cx="1005840" cy="196053"/>
-          </a:xfrm>
-          <a:prstGeom prst="rect">
-            <a:avLst/>
-          </a:prstGeom>
-        </p:spPr>
-      </p:pic>
-      <p:sp>
-        <p:nvSpPr>
-          <p:cNvPr id="16" name="Footer Placeholder 5"/>
-          <p:cNvSpPr>
-            <a:spLocks noGrp="1"/>
-          </p:cNvSpPr>
-          <p:nvPr>
-            <p:ph type="ftr" sz="quarter" idx="3"/>
-          </p:nvPr>
-        </p:nvSpPr>
-        <p:spPr>
-          <a:xfrm>
-            <a:off x="1619672" y="6447599"/>
-            <a:ext cx="3086100" cy="439201"/>
-          </a:xfrm>
-          <a:prstGeom prst="rect">
-            <a:avLst/>
-          </a:prstGeom>
-        </p:spPr>
-        <p:txBody>
-          <a:bodyPr vert="horz" lIns="0" tIns="0" rIns="0" bIns="0" rtlCol="0" anchor="ctr"/>
-          <a:lstStyle>
-            <a:lvl1pPr algn="l">
-              <a:defRPr sz="1000" cap="all" baseline="0">
-                <a:solidFill>
-                  <a:srgbClr val="FFFFFF"/>
-                </a:solidFill>
-                <a:latin typeface="Arial" panose="020B0604020202020204" pitchFamily="34" charset="0"/>
-                <a:cs typeface="Arial" panose="020B0604020202020204" pitchFamily="34" charset="0"/>
-              </a:defRPr>
-            </a:lvl1pPr>
-          </a:lstStyle>
-          <a:p>
-            <a:r>
-              <a:rPr lang="en-US" dirty="0" smtClean="0"/>
-              <a:t>PRESENTATION NAME</a:t>
-            </a:r>
-            <a:endParaRPr lang="en-US" dirty="0"/>
-          </a:p>
-        </p:txBody>
-      </p:sp>
     </p:spTree>
     <p:extLst>
       <p:ext uri="{BB962C8B-B14F-4D97-AF65-F5344CB8AC3E}">
@@ -17424,158 +14804,6 @@
             <a:r>
               <a:rPr lang="en-US" dirty="0" smtClean="0"/>
               <a:t>Fifth level</a:t>
-            </a:r>
-            <a:endParaRPr lang="en-US" dirty="0"/>
-          </a:p>
-        </p:txBody>
-      </p:sp>
-      <p:sp>
-        <p:nvSpPr>
-          <p:cNvPr id="28" name="Rectangle 27"/>
-          <p:cNvSpPr/>
-          <p:nvPr userDrawn="1"/>
-        </p:nvSpPr>
-        <p:spPr>
-          <a:xfrm>
-            <a:off x="0" y="6447600"/>
-            <a:ext cx="9154800" cy="439200"/>
-          </a:xfrm>
-          <a:prstGeom prst="rect">
-            <a:avLst/>
-          </a:prstGeom>
-          <a:solidFill>
-            <a:srgbClr val="808080"/>
-          </a:solidFill>
-          <a:ln>
-            <a:noFill/>
-          </a:ln>
-        </p:spPr>
-        <p:style>
-          <a:lnRef idx="2">
-            <a:schemeClr val="accent1">
-              <a:shade val="50000"/>
-            </a:schemeClr>
-          </a:lnRef>
-          <a:fillRef idx="1">
-            <a:schemeClr val="accent1"/>
-          </a:fillRef>
-          <a:effectRef idx="0">
-            <a:schemeClr val="accent1"/>
-          </a:effectRef>
-          <a:fontRef idx="minor">
-            <a:schemeClr val="lt1"/>
-          </a:fontRef>
-        </p:style>
-        <p:txBody>
-          <a:bodyPr lIns="0" tIns="0" rIns="0" bIns="0" rtlCol="0" anchor="ctr"/>
-          <a:lstStyle/>
-          <a:p>
-            <a:pPr algn="ctr"/>
-            <a:endParaRPr lang="en-US"/>
-          </a:p>
-        </p:txBody>
-      </p:sp>
-      <p:cxnSp>
-        <p:nvCxnSpPr>
-          <p:cNvPr id="29" name="Straight Connector 28"/>
-          <p:cNvCxnSpPr/>
-          <p:nvPr userDrawn="1"/>
-        </p:nvCxnSpPr>
-        <p:spPr>
-          <a:xfrm>
-            <a:off x="1475656" y="6557267"/>
-            <a:ext cx="0" cy="216024"/>
-          </a:xfrm>
-          <a:prstGeom prst="line">
-            <a:avLst/>
-          </a:prstGeom>
-          <a:ln>
-            <a:solidFill>
-              <a:schemeClr val="bg1"/>
-            </a:solidFill>
-          </a:ln>
-        </p:spPr>
-        <p:style>
-          <a:lnRef idx="1">
-            <a:schemeClr val="accent1"/>
-          </a:lnRef>
-          <a:fillRef idx="0">
-            <a:schemeClr val="accent1"/>
-          </a:fillRef>
-          <a:effectRef idx="0">
-            <a:schemeClr val="accent1"/>
-          </a:effectRef>
-          <a:fontRef idx="minor">
-            <a:schemeClr val="tx1"/>
-          </a:fontRef>
-        </p:style>
-      </p:cxnSp>
-      <p:pic>
-        <p:nvPicPr>
-          <p:cNvPr id="30" name="Picture 29"/>
-          <p:cNvPicPr>
-            <a:picLocks noChangeAspect="1"/>
-          </p:cNvPicPr>
-          <p:nvPr userDrawn="1"/>
-        </p:nvPicPr>
-        <p:blipFill>
-          <a:blip r:embed="rId2">
-            <a:extLst>
-              <a:ext uri="{28A0092B-C50C-407E-A947-70E740481C1C}">
-                <a14:useLocalDpi xmlns:a14="http://schemas.microsoft.com/office/drawing/2010/main" val="0"/>
-              </a:ext>
-            </a:extLst>
-          </a:blip>
-          <a:stretch>
-            <a:fillRect/>
-          </a:stretch>
-        </p:blipFill>
-        <p:spPr>
-          <a:xfrm>
-            <a:off x="323850" y="6557267"/>
-            <a:ext cx="1005840" cy="196053"/>
-          </a:xfrm>
-          <a:prstGeom prst="rect">
-            <a:avLst/>
-          </a:prstGeom>
-        </p:spPr>
-      </p:pic>
-      <p:sp>
-        <p:nvSpPr>
-          <p:cNvPr id="31" name="Footer Placeholder 5"/>
-          <p:cNvSpPr>
-            <a:spLocks noGrp="1"/>
-          </p:cNvSpPr>
-          <p:nvPr>
-            <p:ph type="ftr" sz="quarter" idx="3"/>
-          </p:nvPr>
-        </p:nvSpPr>
-        <p:spPr>
-          <a:xfrm>
-            <a:off x="1619672" y="6447599"/>
-            <a:ext cx="3086100" cy="439201"/>
-          </a:xfrm>
-          <a:prstGeom prst="rect">
-            <a:avLst/>
-          </a:prstGeom>
-        </p:spPr>
-        <p:txBody>
-          <a:bodyPr vert="horz" lIns="0" tIns="0" rIns="0" bIns="0" rtlCol="0" anchor="ctr"/>
-          <a:lstStyle>
-            <a:lvl1pPr algn="l">
-              <a:defRPr sz="1000" cap="all" baseline="0">
-                <a:solidFill>
-                  <a:srgbClr val="FFFFFF"/>
-                </a:solidFill>
-                <a:latin typeface="Arial" panose="020B0604020202020204" pitchFamily="34" charset="0"/>
-                <a:cs typeface="Arial" panose="020B0604020202020204" pitchFamily="34" charset="0"/>
-              </a:defRPr>
-            </a:lvl1pPr>
-          </a:lstStyle>
-          <a:p>
-            <a:r>
-              <a:rPr lang="en-US" dirty="0" smtClean="0"/>
-              <a:t>PRESENTATION NAME</a:t>
             </a:r>
             <a:endParaRPr lang="en-US" dirty="0"/>
           </a:p>
@@ -18616,158 +15844,6 @@
           </a:fontRef>
         </p:style>
       </p:cxnSp>
-      <p:sp>
-        <p:nvSpPr>
-          <p:cNvPr id="22" name="Rectangle 21"/>
-          <p:cNvSpPr/>
-          <p:nvPr userDrawn="1"/>
-        </p:nvSpPr>
-        <p:spPr>
-          <a:xfrm>
-            <a:off x="0" y="6447600"/>
-            <a:ext cx="9154800" cy="439200"/>
-          </a:xfrm>
-          <a:prstGeom prst="rect">
-            <a:avLst/>
-          </a:prstGeom>
-          <a:solidFill>
-            <a:srgbClr val="808080"/>
-          </a:solidFill>
-          <a:ln>
-            <a:noFill/>
-          </a:ln>
-        </p:spPr>
-        <p:style>
-          <a:lnRef idx="2">
-            <a:schemeClr val="accent1">
-              <a:shade val="50000"/>
-            </a:schemeClr>
-          </a:lnRef>
-          <a:fillRef idx="1">
-            <a:schemeClr val="accent1"/>
-          </a:fillRef>
-          <a:effectRef idx="0">
-            <a:schemeClr val="accent1"/>
-          </a:effectRef>
-          <a:fontRef idx="minor">
-            <a:schemeClr val="lt1"/>
-          </a:fontRef>
-        </p:style>
-        <p:txBody>
-          <a:bodyPr lIns="0" tIns="0" rIns="0" bIns="0" rtlCol="0" anchor="ctr"/>
-          <a:lstStyle/>
-          <a:p>
-            <a:pPr algn="ctr"/>
-            <a:endParaRPr lang="en-US"/>
-          </a:p>
-        </p:txBody>
-      </p:sp>
-      <p:cxnSp>
-        <p:nvCxnSpPr>
-          <p:cNvPr id="23" name="Straight Connector 22"/>
-          <p:cNvCxnSpPr/>
-          <p:nvPr userDrawn="1"/>
-        </p:nvCxnSpPr>
-        <p:spPr>
-          <a:xfrm>
-            <a:off x="1475656" y="6557267"/>
-            <a:ext cx="0" cy="216024"/>
-          </a:xfrm>
-          <a:prstGeom prst="line">
-            <a:avLst/>
-          </a:prstGeom>
-          <a:ln>
-            <a:solidFill>
-              <a:schemeClr val="bg1"/>
-            </a:solidFill>
-          </a:ln>
-        </p:spPr>
-        <p:style>
-          <a:lnRef idx="1">
-            <a:schemeClr val="accent1"/>
-          </a:lnRef>
-          <a:fillRef idx="0">
-            <a:schemeClr val="accent1"/>
-          </a:fillRef>
-          <a:effectRef idx="0">
-            <a:schemeClr val="accent1"/>
-          </a:effectRef>
-          <a:fontRef idx="minor">
-            <a:schemeClr val="tx1"/>
-          </a:fontRef>
-        </p:style>
-      </p:cxnSp>
-      <p:pic>
-        <p:nvPicPr>
-          <p:cNvPr id="24" name="Picture 23"/>
-          <p:cNvPicPr>
-            <a:picLocks noChangeAspect="1"/>
-          </p:cNvPicPr>
-          <p:nvPr userDrawn="1"/>
-        </p:nvPicPr>
-        <p:blipFill>
-          <a:blip r:embed="rId5">
-            <a:extLst>
-              <a:ext uri="{28A0092B-C50C-407E-A947-70E740481C1C}">
-                <a14:useLocalDpi xmlns:a14="http://schemas.microsoft.com/office/drawing/2010/main" val="0"/>
-              </a:ext>
-            </a:extLst>
-          </a:blip>
-          <a:stretch>
-            <a:fillRect/>
-          </a:stretch>
-        </p:blipFill>
-        <p:spPr>
-          <a:xfrm>
-            <a:off x="323850" y="6557267"/>
-            <a:ext cx="1005840" cy="196053"/>
-          </a:xfrm>
-          <a:prstGeom prst="rect">
-            <a:avLst/>
-          </a:prstGeom>
-        </p:spPr>
-      </p:pic>
-      <p:sp>
-        <p:nvSpPr>
-          <p:cNvPr id="25" name="Footer Placeholder 5"/>
-          <p:cNvSpPr>
-            <a:spLocks noGrp="1"/>
-          </p:cNvSpPr>
-          <p:nvPr>
-            <p:ph type="ftr" sz="quarter" idx="3"/>
-          </p:nvPr>
-        </p:nvSpPr>
-        <p:spPr>
-          <a:xfrm>
-            <a:off x="1619672" y="6447599"/>
-            <a:ext cx="3086100" cy="439201"/>
-          </a:xfrm>
-          <a:prstGeom prst="rect">
-            <a:avLst/>
-          </a:prstGeom>
-        </p:spPr>
-        <p:txBody>
-          <a:bodyPr vert="horz" lIns="0" tIns="0" rIns="0" bIns="0" rtlCol="0" anchor="ctr"/>
-          <a:lstStyle>
-            <a:lvl1pPr algn="l">
-              <a:defRPr sz="1000" cap="all" baseline="0">
-                <a:solidFill>
-                  <a:srgbClr val="FFFFFF"/>
-                </a:solidFill>
-                <a:latin typeface="Arial" panose="020B0604020202020204" pitchFamily="34" charset="0"/>
-                <a:cs typeface="Arial" panose="020B0604020202020204" pitchFamily="34" charset="0"/>
-              </a:defRPr>
-            </a:lvl1pPr>
-          </a:lstStyle>
-          <a:p>
-            <a:r>
-              <a:rPr lang="en-US" dirty="0" smtClean="0"/>
-              <a:t>PRESENTATION NAME</a:t>
-            </a:r>
-            <a:endParaRPr lang="en-US" dirty="0"/>
-          </a:p>
-        </p:txBody>
-      </p:sp>
     </p:spTree>
     <p:extLst>
       <p:ext uri="{BB962C8B-B14F-4D97-AF65-F5344CB8AC3E}">
@@ -21521,9 +18597,7 @@
     <p:sldLayoutId id="2147483663" r:id="rId2"/>
     <p:sldLayoutId id="2147483712" r:id="rId3"/>
     <p:sldLayoutId id="2147483665" r:id="rId4"/>
-    <p:sldLayoutId id="2147483707" r:id="rId5"/>
-    <p:sldLayoutId id="2147483708" r:id="rId6"/>
-    <p:sldLayoutId id="2147483715" r:id="rId7"/>
+    <p:sldLayoutId id="2147483708" r:id="rId5"/>
   </p:sldLayoutIdLst>
   <p:timing>
     <p:tnLst>
@@ -21929,7 +19003,7 @@
           <p:nvPr userDrawn="1"/>
         </p:nvPicPr>
         <p:blipFill>
-          <a:blip r:embed="rId20">
+          <a:blip r:embed="rId22">
             <a:extLst>
               <a:ext uri="{28A0092B-C50C-407E-A947-70E740481C1C}">
                 <a14:useLocalDpi xmlns:a14="http://schemas.microsoft.com/office/drawing/2010/main" val="0"/>
@@ -21996,7 +19070,7 @@
           <p:nvPr userDrawn="1"/>
         </p:nvPicPr>
         <p:blipFill>
-          <a:blip r:embed="rId21">
+          <a:blip r:embed="rId23">
             <a:extLst>
               <a:ext uri="{28A0092B-C50C-407E-A947-70E740481C1C}">
                 <a14:useLocalDpi xmlns:a14="http://schemas.microsoft.com/office/drawing/2010/main" val="0"/>
@@ -22150,6 +19224,155 @@
           </a:p>
         </p:txBody>
       </p:sp>
+      <p:sp>
+        <p:nvSpPr>
+          <p:cNvPr id="12" name="Rectangle 11"/>
+          <p:cNvSpPr/>
+          <p:nvPr userDrawn="1"/>
+        </p:nvSpPr>
+        <p:spPr>
+          <a:xfrm>
+            <a:off x="0" y="6447600"/>
+            <a:ext cx="9154800" cy="439200"/>
+          </a:xfrm>
+          <a:prstGeom prst="rect">
+            <a:avLst/>
+          </a:prstGeom>
+          <a:solidFill>
+            <a:srgbClr val="808080"/>
+          </a:solidFill>
+          <a:ln>
+            <a:noFill/>
+          </a:ln>
+        </p:spPr>
+        <p:style>
+          <a:lnRef idx="2">
+            <a:schemeClr val="accent1">
+              <a:shade val="50000"/>
+            </a:schemeClr>
+          </a:lnRef>
+          <a:fillRef idx="1">
+            <a:schemeClr val="accent1"/>
+          </a:fillRef>
+          <a:effectRef idx="0">
+            <a:schemeClr val="accent1"/>
+          </a:effectRef>
+          <a:fontRef idx="minor">
+            <a:schemeClr val="lt1"/>
+          </a:fontRef>
+        </p:style>
+        <p:txBody>
+          <a:bodyPr lIns="0" tIns="0" rIns="0" bIns="0" rtlCol="0" anchor="ctr"/>
+          <a:lstStyle/>
+          <a:p>
+            <a:pPr algn="ctr"/>
+            <a:endParaRPr lang="en-US"/>
+          </a:p>
+        </p:txBody>
+      </p:sp>
+      <p:cxnSp>
+        <p:nvCxnSpPr>
+          <p:cNvPr id="14" name="Straight Connector 13"/>
+          <p:cNvCxnSpPr/>
+          <p:nvPr userDrawn="1"/>
+        </p:nvCxnSpPr>
+        <p:spPr>
+          <a:xfrm>
+            <a:off x="1475656" y="6557267"/>
+            <a:ext cx="0" cy="216024"/>
+          </a:xfrm>
+          <a:prstGeom prst="line">
+            <a:avLst/>
+          </a:prstGeom>
+          <a:ln>
+            <a:solidFill>
+              <a:schemeClr val="bg1"/>
+            </a:solidFill>
+          </a:ln>
+        </p:spPr>
+        <p:style>
+          <a:lnRef idx="1">
+            <a:schemeClr val="accent1"/>
+          </a:lnRef>
+          <a:fillRef idx="0">
+            <a:schemeClr val="accent1"/>
+          </a:fillRef>
+          <a:effectRef idx="0">
+            <a:schemeClr val="accent1"/>
+          </a:effectRef>
+          <a:fontRef idx="minor">
+            <a:schemeClr val="tx1"/>
+          </a:fontRef>
+        </p:style>
+      </p:cxnSp>
+      <p:pic>
+        <p:nvPicPr>
+          <p:cNvPr id="15" name="Picture 14"/>
+          <p:cNvPicPr>
+            <a:picLocks noChangeAspect="1"/>
+          </p:cNvPicPr>
+          <p:nvPr userDrawn="1"/>
+        </p:nvPicPr>
+        <p:blipFill>
+          <a:blip r:embed="rId24">
+            <a:extLst>
+              <a:ext uri="{28A0092B-C50C-407E-A947-70E740481C1C}">
+                <a14:useLocalDpi xmlns:a14="http://schemas.microsoft.com/office/drawing/2010/main" val="0"/>
+              </a:ext>
+            </a:extLst>
+          </a:blip>
+          <a:stretch>
+            <a:fillRect/>
+          </a:stretch>
+        </p:blipFill>
+        <p:spPr>
+          <a:xfrm>
+            <a:off x="323850" y="6557267"/>
+            <a:ext cx="1005840" cy="196053"/>
+          </a:xfrm>
+          <a:prstGeom prst="rect">
+            <a:avLst/>
+          </a:prstGeom>
+        </p:spPr>
+      </p:pic>
+      <p:sp>
+        <p:nvSpPr>
+          <p:cNvPr id="17" name="TextBox 16"/>
+          <p:cNvSpPr txBox="1"/>
+          <p:nvPr userDrawn="1"/>
+        </p:nvSpPr>
+        <p:spPr>
+          <a:xfrm>
+            <a:off x="1500077" y="6480613"/>
+            <a:ext cx="1869166" cy="369332"/>
+          </a:xfrm>
+          <a:prstGeom prst="rect">
+            <a:avLst/>
+          </a:prstGeom>
+          <a:noFill/>
+        </p:spPr>
+        <p:txBody>
+          <a:bodyPr wrap="none" rtlCol="0">
+            <a:spAutoFit/>
+          </a:bodyPr>
+          <a:lstStyle/>
+          <a:p>
+            <a:r>
+              <a:rPr lang="en-GB" dirty="0" smtClean="0">
+                <a:solidFill>
+                  <a:schemeClr val="bg1"/>
+                </a:solidFill>
+              </a:rPr>
+              <a:t>ASP.NET CORE</a:t>
+            </a:r>
+            <a:endParaRPr lang="en-US" dirty="0">
+              <a:solidFill>
+                <a:schemeClr val="bg1"/>
+              </a:solidFill>
+            </a:endParaRPr>
+          </a:p>
+        </p:txBody>
+      </p:sp>
     </p:spTree>
     <p:extLst>
       <p:ext uri="{BB962C8B-B14F-4D97-AF65-F5344CB8AC3E}">
@@ -22159,24 +19382,26 @@
   </p:cSld>
   <p:clrMap bg1="lt1" tx1="dk1" bg2="lt2" tx2="dk2" accent1="accent1" accent2="accent2" accent3="accent3" accent4="accent4" accent5="accent5" accent6="accent6" hlink="hlink" folHlink="folHlink"/>
   <p:sldLayoutIdLst>
-    <p:sldLayoutId id="2147483705" r:id="rId1"/>
-    <p:sldLayoutId id="2147483713" r:id="rId2"/>
-    <p:sldLayoutId id="2147483683" r:id="rId3"/>
-    <p:sldLayoutId id="2147483684" r:id="rId4"/>
-    <p:sldLayoutId id="2147483685" r:id="rId5"/>
-    <p:sldLayoutId id="2147483686" r:id="rId6"/>
-    <p:sldLayoutId id="2147483690" r:id="rId7"/>
-    <p:sldLayoutId id="2147483691" r:id="rId8"/>
-    <p:sldLayoutId id="2147483692" r:id="rId9"/>
-    <p:sldLayoutId id="2147483693" r:id="rId10"/>
-    <p:sldLayoutId id="2147483694" r:id="rId11"/>
-    <p:sldLayoutId id="2147483697" r:id="rId12"/>
-    <p:sldLayoutId id="2147483698" r:id="rId13"/>
-    <p:sldLayoutId id="2147483699" r:id="rId14"/>
-    <p:sldLayoutId id="2147483700" r:id="rId15"/>
-    <p:sldLayoutId id="2147483701" r:id="rId16"/>
-    <p:sldLayoutId id="2147483714" r:id="rId17"/>
-    <p:sldLayoutId id="2147483716" r:id="rId18"/>
+    <p:sldLayoutId id="2147483715" r:id="rId1"/>
+    <p:sldLayoutId id="2147483707" r:id="rId2"/>
+    <p:sldLayoutId id="2147483705" r:id="rId3"/>
+    <p:sldLayoutId id="2147483713" r:id="rId4"/>
+    <p:sldLayoutId id="2147483683" r:id="rId5"/>
+    <p:sldLayoutId id="2147483684" r:id="rId6"/>
+    <p:sldLayoutId id="2147483685" r:id="rId7"/>
+    <p:sldLayoutId id="2147483686" r:id="rId8"/>
+    <p:sldLayoutId id="2147483690" r:id="rId9"/>
+    <p:sldLayoutId id="2147483691" r:id="rId10"/>
+    <p:sldLayoutId id="2147483692" r:id="rId11"/>
+    <p:sldLayoutId id="2147483693" r:id="rId12"/>
+    <p:sldLayoutId id="2147483694" r:id="rId13"/>
+    <p:sldLayoutId id="2147483697" r:id="rId14"/>
+    <p:sldLayoutId id="2147483698" r:id="rId15"/>
+    <p:sldLayoutId id="2147483699" r:id="rId16"/>
+    <p:sldLayoutId id="2147483700" r:id="rId17"/>
+    <p:sldLayoutId id="2147483701" r:id="rId18"/>
+    <p:sldLayoutId id="2147483714" r:id="rId19"/>
+    <p:sldLayoutId id="2147483716" r:id="rId20"/>
   </p:sldLayoutIdLst>
   <p:timing>
     <p:tnLst>
@@ -22843,7 +20068,7 @@
           <a:p>
             <a:r>
               <a:rPr lang="en-GB" dirty="0" smtClean="0"/>
-              <a:t>ASP.NET</a:t>
+              <a:t>ASP.NET CORE</a:t>
             </a:r>
             <a:endParaRPr lang="en-US" dirty="0"/>
           </a:p>
@@ -22966,29 +20191,6 @@
       </p:sp>
       <p:sp>
         <p:nvSpPr>
-          <p:cNvPr id="3" name="Footer Placeholder 2"/>
-          <p:cNvSpPr>
-            <a:spLocks noGrp="1"/>
-          </p:cNvSpPr>
-          <p:nvPr>
-            <p:ph type="ftr" sz="quarter" idx="3"/>
-          </p:nvPr>
-        </p:nvSpPr>
-        <p:spPr/>
-        <p:txBody>
-          <a:bodyPr/>
-          <a:lstStyle/>
-          <a:p>
-            <a:r>
-              <a:rPr lang="en-US" smtClean="0"/>
-              <a:t>PRESENTATION NAME</a:t>
-            </a:r>
-            <a:endParaRPr lang="en-US" dirty="0"/>
-          </a:p>
-        </p:txBody>
-      </p:sp>
-      <p:sp>
-        <p:nvSpPr>
           <p:cNvPr id="4" name="Content Placeholder 3"/>
           <p:cNvSpPr>
             <a:spLocks noGrp="1"/>
@@ -23168,29 +20370,6 @@
             <a:r>
               <a:rPr lang="en-GB" dirty="0" smtClean="0"/>
               <a:t>Entry Point</a:t>
-            </a:r>
-            <a:endParaRPr lang="en-US" dirty="0"/>
-          </a:p>
-        </p:txBody>
-      </p:sp>
-      <p:sp>
-        <p:nvSpPr>
-          <p:cNvPr id="3" name="Footer Placeholder 2"/>
-          <p:cNvSpPr>
-            <a:spLocks noGrp="1"/>
-          </p:cNvSpPr>
-          <p:nvPr>
-            <p:ph type="ftr" sz="quarter" idx="3"/>
-          </p:nvPr>
-        </p:nvSpPr>
-        <p:spPr/>
-        <p:txBody>
-          <a:bodyPr/>
-          <a:lstStyle/>
-          <a:p>
-            <a:r>
-              <a:rPr lang="en-US" smtClean="0"/>
-              <a:t>PRESENTATION NAME</a:t>
             </a:r>
             <a:endParaRPr lang="en-US" dirty="0"/>
           </a:p>
@@ -23917,29 +21096,6 @@
       </p:sp>
       <p:sp>
         <p:nvSpPr>
-          <p:cNvPr id="3" name="Footer Placeholder 2"/>
-          <p:cNvSpPr>
-            <a:spLocks noGrp="1"/>
-          </p:cNvSpPr>
-          <p:nvPr>
-            <p:ph type="ftr" sz="quarter" idx="3"/>
-          </p:nvPr>
-        </p:nvSpPr>
-        <p:spPr/>
-        <p:txBody>
-          <a:bodyPr/>
-          <a:lstStyle/>
-          <a:p>
-            <a:r>
-              <a:rPr lang="en-US" smtClean="0"/>
-              <a:t>PRESENTATION NAME</a:t>
-            </a:r>
-            <a:endParaRPr lang="en-US" dirty="0"/>
-          </a:p>
-        </p:txBody>
-      </p:sp>
-      <p:sp>
-        <p:nvSpPr>
           <p:cNvPr id="6" name="Rectangle 5"/>
           <p:cNvSpPr/>
           <p:nvPr/>
@@ -24494,29 +21650,6 @@
       </p:sp>
       <p:sp>
         <p:nvSpPr>
-          <p:cNvPr id="3" name="Footer Placeholder 2"/>
-          <p:cNvSpPr>
-            <a:spLocks noGrp="1"/>
-          </p:cNvSpPr>
-          <p:nvPr>
-            <p:ph type="ftr" sz="quarter" idx="3"/>
-          </p:nvPr>
-        </p:nvSpPr>
-        <p:spPr/>
-        <p:txBody>
-          <a:bodyPr/>
-          <a:lstStyle/>
-          <a:p>
-            <a:r>
-              <a:rPr lang="en-US" smtClean="0"/>
-              <a:t>PRESENTATION NAME</a:t>
-            </a:r>
-            <a:endParaRPr lang="en-US" dirty="0"/>
-          </a:p>
-        </p:txBody>
-      </p:sp>
-      <p:sp>
-        <p:nvSpPr>
           <p:cNvPr id="4" name="Content Placeholder 3"/>
           <p:cNvSpPr>
             <a:spLocks noGrp="1"/>
@@ -24587,29 +21720,6 @@
               <a:rPr lang="en-US" dirty="0"/>
               <a:t>Dependency injection</a:t>
             </a:r>
-          </a:p>
-        </p:txBody>
-      </p:sp>
-      <p:sp>
-        <p:nvSpPr>
-          <p:cNvPr id="3" name="Footer Placeholder 2"/>
-          <p:cNvSpPr>
-            <a:spLocks noGrp="1"/>
-          </p:cNvSpPr>
-          <p:nvPr>
-            <p:ph type="ftr" sz="quarter" idx="3"/>
-          </p:nvPr>
-        </p:nvSpPr>
-        <p:spPr/>
-        <p:txBody>
-          <a:bodyPr/>
-          <a:lstStyle/>
-          <a:p>
-            <a:r>
-              <a:rPr lang="en-US" smtClean="0"/>
-              <a:t>PRESENTATION NAME</a:t>
-            </a:r>
-            <a:endParaRPr lang="en-US" dirty="0"/>
           </a:p>
         </p:txBody>
       </p:sp>
@@ -25312,29 +22422,6 @@
       </p:sp>
       <p:sp>
         <p:nvSpPr>
-          <p:cNvPr id="3" name="Footer Placeholder 2"/>
-          <p:cNvSpPr>
-            <a:spLocks noGrp="1"/>
-          </p:cNvSpPr>
-          <p:nvPr>
-            <p:ph type="ftr" sz="quarter" idx="3"/>
-          </p:nvPr>
-        </p:nvSpPr>
-        <p:spPr/>
-        <p:txBody>
-          <a:bodyPr/>
-          <a:lstStyle/>
-          <a:p>
-            <a:r>
-              <a:rPr lang="en-US" smtClean="0"/>
-              <a:t>PRESENTATION NAME</a:t>
-            </a:r>
-            <a:endParaRPr lang="en-US" dirty="0"/>
-          </a:p>
-        </p:txBody>
-      </p:sp>
-      <p:sp>
-        <p:nvSpPr>
           <p:cNvPr id="6" name="Rectangle 5"/>
           <p:cNvSpPr/>
           <p:nvPr/>
@@ -25924,29 +23011,6 @@
             <a:r>
               <a:rPr lang="en-US" dirty="0" smtClean="0"/>
               <a:t>Middleware</a:t>
-            </a:r>
-            <a:endParaRPr lang="en-US" dirty="0"/>
-          </a:p>
-        </p:txBody>
-      </p:sp>
-      <p:sp>
-        <p:nvSpPr>
-          <p:cNvPr id="3" name="Footer Placeholder 2"/>
-          <p:cNvSpPr>
-            <a:spLocks noGrp="1"/>
-          </p:cNvSpPr>
-          <p:nvPr>
-            <p:ph type="ftr" sz="quarter" idx="3"/>
-          </p:nvPr>
-        </p:nvSpPr>
-        <p:spPr/>
-        <p:txBody>
-          <a:bodyPr/>
-          <a:lstStyle/>
-          <a:p>
-            <a:r>
-              <a:rPr lang="en-US" smtClean="0"/>
-              <a:t>PRESENTATION NAME</a:t>
             </a:r>
             <a:endParaRPr lang="en-US" dirty="0"/>
           </a:p>
@@ -26032,29 +23096,6 @@
       </p:sp>
       <p:sp>
         <p:nvSpPr>
-          <p:cNvPr id="3" name="Footer Placeholder 2"/>
-          <p:cNvSpPr>
-            <a:spLocks noGrp="1"/>
-          </p:cNvSpPr>
-          <p:nvPr>
-            <p:ph type="ftr" sz="quarter" idx="3"/>
-          </p:nvPr>
-        </p:nvSpPr>
-        <p:spPr/>
-        <p:txBody>
-          <a:bodyPr/>
-          <a:lstStyle/>
-          <a:p>
-            <a:r>
-              <a:rPr lang="en-US" smtClean="0"/>
-              <a:t>PRESENTATION NAME</a:t>
-            </a:r>
-            <a:endParaRPr lang="en-US" dirty="0"/>
-          </a:p>
-        </p:txBody>
-      </p:sp>
-      <p:sp>
-        <p:nvSpPr>
           <p:cNvPr id="6" name="Rectangle 5"/>
           <p:cNvSpPr/>
           <p:nvPr/>
@@ -26201,9 +23242,9 @@
                 <a:solidFill>
                   <a:srgbClr val="008B8B"/>
                 </a:solidFill>
-                <a:latin typeface="Consolas"/>
+                <a:latin typeface="Consolas" panose="020B0609020204030204" pitchFamily="49" charset="0"/>
                 <a:ea typeface="Consolas"/>
-                <a:cs typeface="Consolas"/>
+                <a:cs typeface="Consolas" panose="020B0609020204030204" pitchFamily="49" charset="0"/>
               </a:rPr>
               <a:t>IApplicationBuilder</a:t>
             </a:r>
@@ -26234,9 +23275,9 @@
                 <a:solidFill>
                   <a:srgbClr val="006400"/>
                 </a:solidFill>
-                <a:latin typeface="Consolas"/>
+                <a:latin typeface="Consolas" panose="020B0609020204030204" pitchFamily="49" charset="0"/>
                 <a:ea typeface="Consolas"/>
-                <a:cs typeface="Consolas"/>
+                <a:cs typeface="Consolas" panose="020B0609020204030204" pitchFamily="49" charset="0"/>
               </a:rPr>
               <a:t>	//Serving static files</a:t>
             </a:r>
@@ -26254,20 +23295,32 @@
               <a:t>	</a:t>
             </a:r>
             <a:r>
-              <a:rPr lang="en-US" dirty="0" err="1" smtClean="0"/>
+              <a:rPr lang="en-US" dirty="0" err="1" smtClean="0">
+                <a:latin typeface="Consolas" panose="020B0609020204030204" pitchFamily="49" charset="0"/>
+                <a:cs typeface="Consolas" panose="020B0609020204030204" pitchFamily="49" charset="0"/>
+              </a:rPr>
               <a:t>app.UseStaticFiles</a:t>
             </a:r>
             <a:r>
-              <a:rPr lang="en-US" dirty="0" smtClean="0"/>
+              <a:rPr lang="en-US" dirty="0" smtClean="0">
+                <a:latin typeface="Consolas" panose="020B0609020204030204" pitchFamily="49" charset="0"/>
+                <a:cs typeface="Consolas" panose="020B0609020204030204" pitchFamily="49" charset="0"/>
+              </a:rPr>
               <a:t>();</a:t>
             </a:r>
           </a:p>
           <a:p>
-            <a:endParaRPr lang="en-US" dirty="0"/>
-          </a:p>
-          <a:p>
-            <a:r>
-              <a:rPr lang="en-US" dirty="0" smtClean="0"/>
+            <a:endParaRPr lang="en-US" dirty="0">
+              <a:latin typeface="Consolas" panose="020B0609020204030204" pitchFamily="49" charset="0"/>
+              <a:cs typeface="Consolas" panose="020B0609020204030204" pitchFamily="49" charset="0"/>
+            </a:endParaRPr>
+          </a:p>
+          <a:p>
+            <a:r>
+              <a:rPr lang="en-US" dirty="0" smtClean="0">
+                <a:latin typeface="Consolas" panose="020B0609020204030204" pitchFamily="49" charset="0"/>
+                <a:cs typeface="Consolas" panose="020B0609020204030204" pitchFamily="49" charset="0"/>
+              </a:rPr>
               <a:t>	</a:t>
             </a:r>
             <a:r>
@@ -26275,9 +23328,9 @@
                 <a:solidFill>
                   <a:srgbClr val="006400"/>
                 </a:solidFill>
-                <a:latin typeface="Consolas"/>
+                <a:latin typeface="Consolas" panose="020B0609020204030204" pitchFamily="49" charset="0"/>
                 <a:ea typeface="Consolas"/>
-                <a:cs typeface="Consolas"/>
+                <a:cs typeface="Consolas" panose="020B0609020204030204" pitchFamily="49" charset="0"/>
               </a:rPr>
               <a:t>//If it’s not static file request</a:t>
             </a:r>
@@ -26288,8 +23341,8 @@
                 <a:solidFill>
                   <a:srgbClr val="006400"/>
                 </a:solidFill>
-                <a:latin typeface="Consolas"/>
-                <a:cs typeface="Consolas"/>
+                <a:latin typeface="Consolas" panose="020B0609020204030204" pitchFamily="49" charset="0"/>
+                <a:cs typeface="Consolas" panose="020B0609020204030204" pitchFamily="49" charset="0"/>
               </a:rPr>
               <a:t>	</a:t>
             </a:r>
@@ -26298,12 +23351,15 @@
                 <a:solidFill>
                   <a:srgbClr val="006400"/>
                 </a:solidFill>
-                <a:latin typeface="Consolas"/>
-                <a:cs typeface="Consolas"/>
+                <a:latin typeface="Consolas" panose="020B0609020204030204" pitchFamily="49" charset="0"/>
+                <a:cs typeface="Consolas" panose="020B0609020204030204" pitchFamily="49" charset="0"/>
               </a:rPr>
               <a:t>//Perform authentication</a:t>
             </a:r>
-            <a:endParaRPr lang="en-US" dirty="0" smtClean="0"/>
+            <a:endParaRPr lang="en-US" dirty="0" smtClean="0">
+              <a:latin typeface="Consolas" panose="020B0609020204030204" pitchFamily="49" charset="0"/>
+              <a:cs typeface="Consolas" panose="020B0609020204030204" pitchFamily="49" charset="0"/>
+            </a:endParaRPr>
           </a:p>
           <a:p>
             <a:r>
@@ -26314,16 +23370,25 @@
               <a:t>	</a:t>
             </a:r>
             <a:r>
-              <a:rPr lang="en-US" dirty="0" err="1" smtClean="0"/>
+              <a:rPr lang="en-US" dirty="0" err="1" smtClean="0">
+                <a:latin typeface="Consolas" panose="020B0609020204030204" pitchFamily="49" charset="0"/>
+                <a:cs typeface="Consolas" panose="020B0609020204030204" pitchFamily="49" charset="0"/>
+              </a:rPr>
               <a:t>app.UseAuthentication</a:t>
             </a:r>
             <a:r>
-              <a:rPr lang="en-US" dirty="0" smtClean="0"/>
+              <a:rPr lang="en-US" dirty="0" smtClean="0">
+                <a:latin typeface="Consolas" panose="020B0609020204030204" pitchFamily="49" charset="0"/>
+                <a:cs typeface="Consolas" panose="020B0609020204030204" pitchFamily="49" charset="0"/>
+              </a:rPr>
               <a:t>();</a:t>
             </a:r>
           </a:p>
           <a:p>
-            <a:endParaRPr lang="en-US" dirty="0" smtClean="0"/>
+            <a:endParaRPr lang="en-US" dirty="0" smtClean="0">
+              <a:latin typeface="Consolas" panose="020B0609020204030204" pitchFamily="49" charset="0"/>
+              <a:cs typeface="Consolas" panose="020B0609020204030204" pitchFamily="49" charset="0"/>
+            </a:endParaRPr>
           </a:p>
           <a:p>
             <a:r>
@@ -26331,13 +23396,16 @@
                 <a:solidFill>
                   <a:srgbClr val="006400"/>
                 </a:solidFill>
-                <a:latin typeface="Consolas"/>
+                <a:latin typeface="Consolas" panose="020B0609020204030204" pitchFamily="49" charset="0"/>
                 <a:ea typeface="Consolas"/>
-                <a:cs typeface="Consolas"/>
+                <a:cs typeface="Consolas" panose="020B0609020204030204" pitchFamily="49" charset="0"/>
               </a:rPr>
               <a:t>	//Let’s find a right controller for request</a:t>
             </a:r>
-            <a:endParaRPr lang="en-US" dirty="0" smtClean="0"/>
+            <a:endParaRPr lang="en-US" dirty="0" smtClean="0">
+              <a:latin typeface="Consolas" panose="020B0609020204030204" pitchFamily="49" charset="0"/>
+              <a:cs typeface="Consolas" panose="020B0609020204030204" pitchFamily="49" charset="0"/>
+            </a:endParaRPr>
           </a:p>
           <a:p>
             <a:r>
@@ -26348,11 +23416,17 @@
               <a:t>	</a:t>
             </a:r>
             <a:r>
-              <a:rPr lang="en-US" dirty="0" err="1" smtClean="0"/>
+              <a:rPr lang="en-US" dirty="0" err="1" smtClean="0">
+                <a:latin typeface="Consolas" panose="020B0609020204030204" pitchFamily="49" charset="0"/>
+                <a:cs typeface="Consolas" panose="020B0609020204030204" pitchFamily="49" charset="0"/>
+              </a:rPr>
               <a:t>app.UseMvcWithDefaultRoute</a:t>
             </a:r>
             <a:r>
-              <a:rPr lang="en-US" dirty="0" smtClean="0"/>
+              <a:rPr lang="en-US" dirty="0" smtClean="0">
+                <a:latin typeface="Consolas" panose="020B0609020204030204" pitchFamily="49" charset="0"/>
+                <a:cs typeface="Consolas" panose="020B0609020204030204" pitchFamily="49" charset="0"/>
+              </a:rPr>
               <a:t>();</a:t>
             </a:r>
             <a:r>
@@ -26360,9 +23434,9 @@
                 <a:solidFill>
                   <a:srgbClr val="006400"/>
                 </a:solidFill>
-                <a:latin typeface="Consolas"/>
+                <a:latin typeface="Consolas" panose="020B0609020204030204" pitchFamily="49" charset="0"/>
                 <a:ea typeface="Consolas"/>
-                <a:cs typeface="Consolas"/>
+                <a:cs typeface="Consolas" panose="020B0609020204030204" pitchFamily="49" charset="0"/>
               </a:rPr>
               <a:t>	</a:t>
             </a:r>
@@ -26370,9 +23444,9 @@
               <a:solidFill>
                 <a:srgbClr val="006400"/>
               </a:solidFill>
-              <a:latin typeface="Consolas"/>
+              <a:latin typeface="Consolas" panose="020B0609020204030204" pitchFamily="49" charset="0"/>
               <a:ea typeface="Consolas"/>
-              <a:cs typeface="Consolas"/>
+              <a:cs typeface="Consolas" panose="020B0609020204030204" pitchFamily="49" charset="0"/>
             </a:endParaRPr>
           </a:p>
           <a:p>
@@ -26515,29 +23589,6 @@
       </p:sp>
       <p:sp>
         <p:nvSpPr>
-          <p:cNvPr id="3" name="Footer Placeholder 2"/>
-          <p:cNvSpPr>
-            <a:spLocks noGrp="1"/>
-          </p:cNvSpPr>
-          <p:nvPr>
-            <p:ph type="ftr" sz="quarter" idx="3"/>
-          </p:nvPr>
-        </p:nvSpPr>
-        <p:spPr/>
-        <p:txBody>
-          <a:bodyPr/>
-          <a:lstStyle/>
-          <a:p>
-            <a:r>
-              <a:rPr lang="en-US" smtClean="0"/>
-              <a:t>PRESENTATION NAME</a:t>
-            </a:r>
-            <a:endParaRPr lang="en-US" dirty="0"/>
-          </a:p>
-        </p:txBody>
-      </p:sp>
-      <p:sp>
-        <p:nvSpPr>
           <p:cNvPr id="6" name="Rectangle 5"/>
           <p:cNvSpPr/>
           <p:nvPr/>
@@ -27310,29 +24361,6 @@
             <a:r>
               <a:rPr lang="en-US" dirty="0" smtClean="0"/>
               <a:t>Environments</a:t>
-            </a:r>
-            <a:endParaRPr lang="en-US" dirty="0"/>
-          </a:p>
-        </p:txBody>
-      </p:sp>
-      <p:sp>
-        <p:nvSpPr>
-          <p:cNvPr id="3" name="Footer Placeholder 2"/>
-          <p:cNvSpPr>
-            <a:spLocks noGrp="1"/>
-          </p:cNvSpPr>
-          <p:nvPr>
-            <p:ph type="ftr" sz="quarter" idx="3"/>
-          </p:nvPr>
-        </p:nvSpPr>
-        <p:spPr/>
-        <p:txBody>
-          <a:bodyPr/>
-          <a:lstStyle/>
-          <a:p>
-            <a:r>
-              <a:rPr lang="en-US" smtClean="0"/>
-              <a:t>PRESENTATION NAME</a:t>
             </a:r>
             <a:endParaRPr lang="en-US" dirty="0"/>
           </a:p>
@@ -28224,29 +25252,6 @@
       </p:sp>
       <p:sp>
         <p:nvSpPr>
-          <p:cNvPr id="3" name="Footer Placeholder 2"/>
-          <p:cNvSpPr>
-            <a:spLocks noGrp="1"/>
-          </p:cNvSpPr>
-          <p:nvPr>
-            <p:ph type="ftr" sz="quarter" idx="3"/>
-          </p:nvPr>
-        </p:nvSpPr>
-        <p:spPr/>
-        <p:txBody>
-          <a:bodyPr/>
-          <a:lstStyle/>
-          <a:p>
-            <a:r>
-              <a:rPr lang="en-US" smtClean="0"/>
-              <a:t>PRESENTATION NAME</a:t>
-            </a:r>
-            <a:endParaRPr lang="en-US" dirty="0"/>
-          </a:p>
-        </p:txBody>
-      </p:sp>
-      <p:sp>
-        <p:nvSpPr>
           <p:cNvPr id="4" name="Content Placeholder 3"/>
           <p:cNvSpPr>
             <a:spLocks noGrp="1"/>
@@ -28406,29 +25411,6 @@
             <a:r>
               <a:rPr lang="en-US" dirty="0" err="1"/>
               <a:t>COnfiguration</a:t>
-            </a:r>
-            <a:endParaRPr lang="en-US" dirty="0"/>
-          </a:p>
-        </p:txBody>
-      </p:sp>
-      <p:sp>
-        <p:nvSpPr>
-          <p:cNvPr id="3" name="Footer Placeholder 2"/>
-          <p:cNvSpPr>
-            <a:spLocks noGrp="1"/>
-          </p:cNvSpPr>
-          <p:nvPr>
-            <p:ph type="ftr" sz="quarter" idx="3"/>
-          </p:nvPr>
-        </p:nvSpPr>
-        <p:spPr/>
-        <p:txBody>
-          <a:bodyPr/>
-          <a:lstStyle/>
-          <a:p>
-            <a:r>
-              <a:rPr lang="en-US" smtClean="0"/>
-              <a:t>PRESENTATION NAME</a:t>
             </a:r>
             <a:endParaRPr lang="en-US" dirty="0"/>
           </a:p>
@@ -29301,29 +26283,6 @@
       </p:sp>
       <p:sp>
         <p:nvSpPr>
-          <p:cNvPr id="3" name="Footer Placeholder 2"/>
-          <p:cNvSpPr>
-            <a:spLocks noGrp="1"/>
-          </p:cNvSpPr>
-          <p:nvPr>
-            <p:ph type="ftr" sz="quarter" idx="3"/>
-          </p:nvPr>
-        </p:nvSpPr>
-        <p:spPr/>
-        <p:txBody>
-          <a:bodyPr/>
-          <a:lstStyle/>
-          <a:p>
-            <a:r>
-              <a:rPr lang="en-US" smtClean="0"/>
-              <a:t>PRESENTATION NAME</a:t>
-            </a:r>
-            <a:endParaRPr lang="en-US" dirty="0"/>
-          </a:p>
-        </p:txBody>
-      </p:sp>
-      <p:sp>
-        <p:nvSpPr>
           <p:cNvPr id="6" name="Rectangle 5"/>
           <p:cNvSpPr/>
           <p:nvPr/>
@@ -30071,29 +27030,6 @@
       </p:sp>
       <p:sp>
         <p:nvSpPr>
-          <p:cNvPr id="3" name="Footer Placeholder 2"/>
-          <p:cNvSpPr>
-            <a:spLocks noGrp="1"/>
-          </p:cNvSpPr>
-          <p:nvPr>
-            <p:ph type="ftr" sz="quarter" idx="3"/>
-          </p:nvPr>
-        </p:nvSpPr>
-        <p:spPr/>
-        <p:txBody>
-          <a:bodyPr/>
-          <a:lstStyle/>
-          <a:p>
-            <a:r>
-              <a:rPr lang="en-US" smtClean="0"/>
-              <a:t>PRESENTATION NAME</a:t>
-            </a:r>
-            <a:endParaRPr lang="en-US" dirty="0"/>
-          </a:p>
-        </p:txBody>
-      </p:sp>
-      <p:sp>
-        <p:nvSpPr>
           <p:cNvPr id="6" name="Rectangle 5"/>
           <p:cNvSpPr/>
           <p:nvPr/>
@@ -30731,29 +27667,6 @@
       </p:sp>
       <p:sp>
         <p:nvSpPr>
-          <p:cNvPr id="3" name="Footer Placeholder 2"/>
-          <p:cNvSpPr>
-            <a:spLocks noGrp="1"/>
-          </p:cNvSpPr>
-          <p:nvPr>
-            <p:ph type="ftr" sz="quarter" idx="3"/>
-          </p:nvPr>
-        </p:nvSpPr>
-        <p:spPr/>
-        <p:txBody>
-          <a:bodyPr/>
-          <a:lstStyle/>
-          <a:p>
-            <a:r>
-              <a:rPr lang="en-US" smtClean="0"/>
-              <a:t>PRESENTATION NAME</a:t>
-            </a:r>
-            <a:endParaRPr lang="en-US" dirty="0"/>
-          </a:p>
-        </p:txBody>
-      </p:sp>
-      <p:sp>
-        <p:nvSpPr>
           <p:cNvPr id="6" name="Rectangle 5"/>
           <p:cNvSpPr/>
           <p:nvPr/>
@@ -31384,29 +28297,6 @@
             <a:r>
               <a:rPr lang="en-GB" dirty="0" smtClean="0"/>
               <a:t>TAG HELPERS</a:t>
-            </a:r>
-            <a:endParaRPr lang="en-US" dirty="0"/>
-          </a:p>
-        </p:txBody>
-      </p:sp>
-      <p:sp>
-        <p:nvSpPr>
-          <p:cNvPr id="3" name="Footer Placeholder 2"/>
-          <p:cNvSpPr>
-            <a:spLocks noGrp="1"/>
-          </p:cNvSpPr>
-          <p:nvPr>
-            <p:ph type="ftr" sz="quarter" idx="3"/>
-          </p:nvPr>
-        </p:nvSpPr>
-        <p:spPr/>
-        <p:txBody>
-          <a:bodyPr/>
-          <a:lstStyle/>
-          <a:p>
-            <a:r>
-              <a:rPr lang="en-US" smtClean="0"/>
-              <a:t>PRESENTATION NAME</a:t>
             </a:r>
             <a:endParaRPr lang="en-US" dirty="0"/>
           </a:p>
@@ -31689,29 +28579,6 @@
       </p:sp>
       <p:sp>
         <p:nvSpPr>
-          <p:cNvPr id="3" name="Footer Placeholder 2"/>
-          <p:cNvSpPr>
-            <a:spLocks noGrp="1"/>
-          </p:cNvSpPr>
-          <p:nvPr>
-            <p:ph type="ftr" sz="quarter" idx="3"/>
-          </p:nvPr>
-        </p:nvSpPr>
-        <p:spPr/>
-        <p:txBody>
-          <a:bodyPr/>
-          <a:lstStyle/>
-          <a:p>
-            <a:r>
-              <a:rPr lang="en-US" smtClean="0"/>
-              <a:t>PRESENTATION NAME</a:t>
-            </a:r>
-            <a:endParaRPr lang="en-US" dirty="0"/>
-          </a:p>
-        </p:txBody>
-      </p:sp>
-      <p:sp>
-        <p:nvSpPr>
           <p:cNvPr id="4" name="Content Placeholder 3"/>
           <p:cNvSpPr>
             <a:spLocks noGrp="1"/>
@@ -31784,29 +28651,6 @@
       </p:sp>
       <p:sp>
         <p:nvSpPr>
-          <p:cNvPr id="3" name="Footer Placeholder 2"/>
-          <p:cNvSpPr>
-            <a:spLocks noGrp="1"/>
-          </p:cNvSpPr>
-          <p:nvPr>
-            <p:ph type="ftr" sz="quarter" idx="3"/>
-          </p:nvPr>
-        </p:nvSpPr>
-        <p:spPr/>
-        <p:txBody>
-          <a:bodyPr/>
-          <a:lstStyle/>
-          <a:p>
-            <a:r>
-              <a:rPr lang="en-US" smtClean="0"/>
-              <a:t>PRESENTATION NAME</a:t>
-            </a:r>
-            <a:endParaRPr lang="en-US" dirty="0"/>
-          </a:p>
-        </p:txBody>
-      </p:sp>
-      <p:sp>
-        <p:nvSpPr>
           <p:cNvPr id="4" name="Content Placeholder 3"/>
           <p:cNvSpPr>
             <a:spLocks noGrp="1"/>
@@ -32011,29 +28855,6 @@
           </a:p>
         </p:txBody>
       </p:sp>
-      <p:sp>
-        <p:nvSpPr>
-          <p:cNvPr id="5" name="Footer Placeholder 4"/>
-          <p:cNvSpPr>
-            <a:spLocks noGrp="1"/>
-          </p:cNvSpPr>
-          <p:nvPr>
-            <p:ph type="ftr" sz="quarter" idx="3"/>
-          </p:nvPr>
-        </p:nvSpPr>
-        <p:spPr/>
-        <p:txBody>
-          <a:bodyPr/>
-          <a:lstStyle/>
-          <a:p>
-            <a:r>
-              <a:rPr lang="en-US" smtClean="0"/>
-              <a:t>PRESENTATION NAME</a:t>
-            </a:r>
-            <a:endParaRPr lang="en-US" dirty="0"/>
-          </a:p>
-        </p:txBody>
-      </p:sp>
     </p:spTree>
     <p:extLst>
       <p:ext uri="{BB962C8B-B14F-4D97-AF65-F5344CB8AC3E}">
@@ -32122,29 +28943,6 @@
           <a:lstStyle/>
           <a:p>
             <a:endParaRPr lang="en-US"/>
-          </a:p>
-        </p:txBody>
-      </p:sp>
-      <p:sp>
-        <p:nvSpPr>
-          <p:cNvPr id="5" name="Footer Placeholder 4"/>
-          <p:cNvSpPr>
-            <a:spLocks noGrp="1"/>
-          </p:cNvSpPr>
-          <p:nvPr>
-            <p:ph type="ftr" sz="quarter" idx="3"/>
-          </p:nvPr>
-        </p:nvSpPr>
-        <p:spPr/>
-        <p:txBody>
-          <a:bodyPr/>
-          <a:lstStyle/>
-          <a:p>
-            <a:r>
-              <a:rPr lang="en-US" smtClean="0"/>
-              <a:t>PRESENTATION NAME</a:t>
-            </a:r>
-            <a:endParaRPr lang="en-US" dirty="0"/>
           </a:p>
         </p:txBody>
       </p:sp>
@@ -32201,29 +28999,6 @@
           </a:p>
         </p:txBody>
       </p:sp>
-      <p:sp>
-        <p:nvSpPr>
-          <p:cNvPr id="3" name="Footer Placeholder 2"/>
-          <p:cNvSpPr>
-            <a:spLocks noGrp="1"/>
-          </p:cNvSpPr>
-          <p:nvPr>
-            <p:ph type="ftr" sz="quarter" idx="3"/>
-          </p:nvPr>
-        </p:nvSpPr>
-        <p:spPr/>
-        <p:txBody>
-          <a:bodyPr/>
-          <a:lstStyle/>
-          <a:p>
-            <a:r>
-              <a:rPr lang="en-US" smtClean="0"/>
-              <a:t>PRESENTATION NAME</a:t>
-            </a:r>
-            <a:endParaRPr lang="en-US" dirty="0"/>
-          </a:p>
-        </p:txBody>
-      </p:sp>
       <p:graphicFrame>
         <p:nvGraphicFramePr>
           <p:cNvPr id="5" name="Content Placeholder 4"/>
@@ -32234,7 +29009,7 @@
             <p:ph sz="quarter" idx="12"/>
             <p:extLst>
               <p:ext uri="{D42A27DB-BD31-4B8C-83A1-F6EECF244321}">
-                <p14:modId xmlns:p14="http://schemas.microsoft.com/office/powerpoint/2010/main" val="189163338"/>
+                <p14:modId xmlns:p14="http://schemas.microsoft.com/office/powerpoint/2010/main" val="1610384027"/>
               </p:ext>
             </p:extLst>
           </p:nvPr>

--- a/docs/ASP.NET CORE - iTechArt 2018.pptx
+++ b/docs/ASP.NET CORE - iTechArt 2018.pptx
@@ -2914,7 +2914,7 @@
   <dgm:whole/>
   <dgm:extLst>
     <a:ext uri="http://schemas.microsoft.com/office/drawing/2008/diagram">
-      <dsp:dataModelExt xmlns:dsp="http://schemas.microsoft.com/office/drawing/2008/diagram" relId="rId6" minVer="http://schemas.openxmlformats.org/drawingml/2006/diagram"/>
+      <dsp:dataModelExt xmlns:dsp="http://schemas.microsoft.com/office/drawing/2008/diagram" relId="rId7" minVer="http://schemas.openxmlformats.org/drawingml/2006/diagram"/>
     </a:ext>
   </dgm:extLst>
 </dgm:dataModel>
@@ -3228,7 +3228,7 @@
   <dgm:whole/>
   <dgm:extLst>
     <a:ext uri="http://schemas.microsoft.com/office/drawing/2008/diagram">
-      <dsp:dataModelExt xmlns:dsp="http://schemas.microsoft.com/office/drawing/2008/diagram" relId="rId6" minVer="http://schemas.openxmlformats.org/drawingml/2006/diagram"/>
+      <dsp:dataModelExt xmlns:dsp="http://schemas.microsoft.com/office/drawing/2008/diagram" relId="rId7" minVer="http://schemas.openxmlformats.org/drawingml/2006/diagram"/>
     </a:ext>
   </dgm:extLst>
 </dgm:dataModel>
@@ -8165,7 +8165,7 @@
           <a:p>
             <a:fld id="{4745C2A7-EC62-4025-933C-BCAFCDD3DF69}" type="datetimeFigureOut">
               <a:rPr lang="en-US" smtClean="0"/>
-              <a:t>2/14/2018</a:t>
+              <a:t>2/15/2018</a:t>
             </a:fld>
             <a:endParaRPr lang="en-US"/>
           </a:p>
@@ -8330,7 +8330,7 @@
           <a:p>
             <a:fld id="{06260018-D06A-43EF-993F-2C9FDF70442E}" type="datetimeFigureOut">
               <a:rPr lang="en-US" smtClean="0"/>
-              <a:t>2/14/2018</a:t>
+              <a:t>2/15/2018</a:t>
             </a:fld>
             <a:endParaRPr lang="en-US"/>
           </a:p>
@@ -8596,6 +8596,1929 @@
     </a:lvl9pPr>
   </p:notesStyle>
 </p:notesMaster>
+</file>
+
+<file path=ppt/notesSlides/notesSlide1.xml><?xml version="1.0" encoding="utf-8"?>
+<p:notes xmlns:a="http://schemas.openxmlformats.org/drawingml/2006/main" xmlns:r="http://schemas.openxmlformats.org/officeDocument/2006/relationships" xmlns:p="http://schemas.openxmlformats.org/presentationml/2006/main">
+  <p:cSld>
+    <p:spTree>
+      <p:nvGrpSpPr>
+        <p:cNvPr id="1" name=""/>
+        <p:cNvGrpSpPr/>
+        <p:nvPr/>
+      </p:nvGrpSpPr>
+      <p:grpSpPr>
+        <a:xfrm>
+          <a:off x="0" y="0"/>
+          <a:ext cx="0" cy="0"/>
+          <a:chOff x="0" y="0"/>
+          <a:chExt cx="0" cy="0"/>
+        </a:xfrm>
+      </p:grpSpPr>
+      <p:sp>
+        <p:nvSpPr>
+          <p:cNvPr id="2" name="Slide Image Placeholder 1"/>
+          <p:cNvSpPr>
+            <a:spLocks noGrp="1" noRot="1" noChangeAspect="1"/>
+          </p:cNvSpPr>
+          <p:nvPr>
+            <p:ph type="sldImg"/>
+          </p:nvPr>
+        </p:nvSpPr>
+        <p:spPr/>
+      </p:sp>
+      <p:sp>
+        <p:nvSpPr>
+          <p:cNvPr id="3" name="Notes Placeholder 2"/>
+          <p:cNvSpPr>
+            <a:spLocks noGrp="1"/>
+          </p:cNvSpPr>
+          <p:nvPr>
+            <p:ph type="body" idx="1"/>
+          </p:nvPr>
+        </p:nvSpPr>
+        <p:spPr/>
+        <p:txBody>
+          <a:bodyPr/>
+          <a:lstStyle/>
+          <a:p>
+            <a:r>
+              <a:rPr lang="en-US" dirty="0" smtClean="0"/>
+              <a:t>Talk</a:t>
+            </a:r>
+            <a:r>
+              <a:rPr lang="en-US" baseline="0" dirty="0" smtClean="0"/>
+              <a:t> about changes in company</a:t>
+            </a:r>
+            <a:endParaRPr lang="en-US" dirty="0"/>
+          </a:p>
+        </p:txBody>
+      </p:sp>
+      <p:sp>
+        <p:nvSpPr>
+          <p:cNvPr id="4" name="Slide Number Placeholder 3"/>
+          <p:cNvSpPr>
+            <a:spLocks noGrp="1"/>
+          </p:cNvSpPr>
+          <p:nvPr>
+            <p:ph type="sldNum" sz="quarter" idx="10"/>
+          </p:nvPr>
+        </p:nvSpPr>
+        <p:spPr/>
+        <p:txBody>
+          <a:bodyPr/>
+          <a:lstStyle/>
+          <a:p>
+            <a:fld id="{90A21AFC-86E3-4DD0-9273-5E1AF32C91DB}" type="slidenum">
+              <a:rPr lang="en-US" smtClean="0"/>
+              <a:t>5</a:t>
+            </a:fld>
+            <a:endParaRPr lang="en-US"/>
+          </a:p>
+        </p:txBody>
+      </p:sp>
+    </p:spTree>
+    <p:extLst>
+      <p:ext uri="{BB962C8B-B14F-4D97-AF65-F5344CB8AC3E}">
+        <p14:creationId xmlns:p14="http://schemas.microsoft.com/office/powerpoint/2010/main" val="3244724382"/>
+      </p:ext>
+    </p:extLst>
+  </p:cSld>
+  <p:clrMapOvr>
+    <a:masterClrMapping/>
+  </p:clrMapOvr>
+</p:notes>
+</file>
+
+<file path=ppt/notesSlides/notesSlide10.xml><?xml version="1.0" encoding="utf-8"?>
+<p:notes xmlns:a="http://schemas.openxmlformats.org/drawingml/2006/main" xmlns:r="http://schemas.openxmlformats.org/officeDocument/2006/relationships" xmlns:p="http://schemas.openxmlformats.org/presentationml/2006/main">
+  <p:cSld>
+    <p:spTree>
+      <p:nvGrpSpPr>
+        <p:cNvPr id="1" name=""/>
+        <p:cNvGrpSpPr/>
+        <p:nvPr/>
+      </p:nvGrpSpPr>
+      <p:grpSpPr>
+        <a:xfrm>
+          <a:off x="0" y="0"/>
+          <a:ext cx="0" cy="0"/>
+          <a:chOff x="0" y="0"/>
+          <a:chExt cx="0" cy="0"/>
+        </a:xfrm>
+      </p:grpSpPr>
+      <p:sp>
+        <p:nvSpPr>
+          <p:cNvPr id="2" name="Slide Image Placeholder 1"/>
+          <p:cNvSpPr>
+            <a:spLocks noGrp="1" noRot="1" noChangeAspect="1"/>
+          </p:cNvSpPr>
+          <p:nvPr>
+            <p:ph type="sldImg"/>
+          </p:nvPr>
+        </p:nvSpPr>
+        <p:spPr/>
+      </p:sp>
+      <p:sp>
+        <p:nvSpPr>
+          <p:cNvPr id="3" name="Notes Placeholder 2"/>
+          <p:cNvSpPr>
+            <a:spLocks noGrp="1"/>
+          </p:cNvSpPr>
+          <p:nvPr>
+            <p:ph type="body" idx="1"/>
+          </p:nvPr>
+        </p:nvSpPr>
+        <p:spPr/>
+        <p:txBody>
+          <a:bodyPr/>
+          <a:lstStyle/>
+          <a:p>
+            <a:r>
+              <a:rPr lang="en-US" dirty="0" smtClean="0"/>
+              <a:t>Middleware</a:t>
+            </a:r>
+            <a:r>
+              <a:rPr lang="en-US" baseline="0" dirty="0" smtClean="0"/>
+              <a:t> based solution </a:t>
+            </a:r>
+          </a:p>
+          <a:p>
+            <a:r>
+              <a:rPr lang="en-US" baseline="0" dirty="0" smtClean="0"/>
+              <a:t>Explain why</a:t>
+            </a:r>
+            <a:endParaRPr lang="en-US" dirty="0"/>
+          </a:p>
+        </p:txBody>
+      </p:sp>
+      <p:sp>
+        <p:nvSpPr>
+          <p:cNvPr id="4" name="Slide Number Placeholder 3"/>
+          <p:cNvSpPr>
+            <a:spLocks noGrp="1"/>
+          </p:cNvSpPr>
+          <p:nvPr>
+            <p:ph type="sldNum" sz="quarter" idx="10"/>
+          </p:nvPr>
+        </p:nvSpPr>
+        <p:spPr/>
+        <p:txBody>
+          <a:bodyPr/>
+          <a:lstStyle/>
+          <a:p>
+            <a:fld id="{90A21AFC-86E3-4DD0-9273-5E1AF32C91DB}" type="slidenum">
+              <a:rPr lang="en-US" smtClean="0"/>
+              <a:t>17</a:t>
+            </a:fld>
+            <a:endParaRPr lang="en-US"/>
+          </a:p>
+        </p:txBody>
+      </p:sp>
+    </p:spTree>
+    <p:extLst>
+      <p:ext uri="{BB962C8B-B14F-4D97-AF65-F5344CB8AC3E}">
+        <p14:creationId xmlns:p14="http://schemas.microsoft.com/office/powerpoint/2010/main" val="2790921279"/>
+      </p:ext>
+    </p:extLst>
+  </p:cSld>
+  <p:clrMapOvr>
+    <a:masterClrMapping/>
+  </p:clrMapOvr>
+</p:notes>
+</file>
+
+<file path=ppt/notesSlides/notesSlide11.xml><?xml version="1.0" encoding="utf-8"?>
+<p:notes xmlns:a="http://schemas.openxmlformats.org/drawingml/2006/main" xmlns:r="http://schemas.openxmlformats.org/officeDocument/2006/relationships" xmlns:p="http://schemas.openxmlformats.org/presentationml/2006/main">
+  <p:cSld>
+    <p:spTree>
+      <p:nvGrpSpPr>
+        <p:cNvPr id="1" name=""/>
+        <p:cNvGrpSpPr/>
+        <p:nvPr/>
+      </p:nvGrpSpPr>
+      <p:grpSpPr>
+        <a:xfrm>
+          <a:off x="0" y="0"/>
+          <a:ext cx="0" cy="0"/>
+          <a:chOff x="0" y="0"/>
+          <a:chExt cx="0" cy="0"/>
+        </a:xfrm>
+      </p:grpSpPr>
+      <p:sp>
+        <p:nvSpPr>
+          <p:cNvPr id="2" name="Slide Image Placeholder 1"/>
+          <p:cNvSpPr>
+            <a:spLocks noGrp="1" noRot="1" noChangeAspect="1"/>
+          </p:cNvSpPr>
+          <p:nvPr>
+            <p:ph type="sldImg"/>
+          </p:nvPr>
+        </p:nvSpPr>
+        <p:spPr/>
+      </p:sp>
+      <p:sp>
+        <p:nvSpPr>
+          <p:cNvPr id="3" name="Notes Placeholder 2"/>
+          <p:cNvSpPr>
+            <a:spLocks noGrp="1"/>
+          </p:cNvSpPr>
+          <p:nvPr>
+            <p:ph type="body" idx="1"/>
+          </p:nvPr>
+        </p:nvSpPr>
+        <p:spPr/>
+        <p:txBody>
+          <a:bodyPr/>
+          <a:lstStyle/>
+          <a:p>
+            <a:r>
+              <a:rPr lang="en-US" dirty="0" smtClean="0"/>
+              <a:t>Configuring</a:t>
+            </a:r>
+            <a:r>
+              <a:rPr lang="en-US" baseline="0" dirty="0" smtClean="0"/>
+              <a:t> pipeline</a:t>
+            </a:r>
+            <a:endParaRPr lang="en-US" dirty="0"/>
+          </a:p>
+        </p:txBody>
+      </p:sp>
+      <p:sp>
+        <p:nvSpPr>
+          <p:cNvPr id="4" name="Slide Number Placeholder 3"/>
+          <p:cNvSpPr>
+            <a:spLocks noGrp="1"/>
+          </p:cNvSpPr>
+          <p:nvPr>
+            <p:ph type="sldNum" sz="quarter" idx="10"/>
+          </p:nvPr>
+        </p:nvSpPr>
+        <p:spPr/>
+        <p:txBody>
+          <a:bodyPr/>
+          <a:lstStyle/>
+          <a:p>
+            <a:fld id="{90A21AFC-86E3-4DD0-9273-5E1AF32C91DB}" type="slidenum">
+              <a:rPr lang="en-US" smtClean="0"/>
+              <a:t>18</a:t>
+            </a:fld>
+            <a:endParaRPr lang="en-US"/>
+          </a:p>
+        </p:txBody>
+      </p:sp>
+    </p:spTree>
+    <p:extLst>
+      <p:ext uri="{BB962C8B-B14F-4D97-AF65-F5344CB8AC3E}">
+        <p14:creationId xmlns:p14="http://schemas.microsoft.com/office/powerpoint/2010/main" val="3984170527"/>
+      </p:ext>
+    </p:extLst>
+  </p:cSld>
+  <p:clrMapOvr>
+    <a:masterClrMapping/>
+  </p:clrMapOvr>
+</p:notes>
+</file>
+
+<file path=ppt/notesSlides/notesSlide12.xml><?xml version="1.0" encoding="utf-8"?>
+<p:notes xmlns:a="http://schemas.openxmlformats.org/drawingml/2006/main" xmlns:r="http://schemas.openxmlformats.org/officeDocument/2006/relationships" xmlns:p="http://schemas.openxmlformats.org/presentationml/2006/main">
+  <p:cSld>
+    <p:spTree>
+      <p:nvGrpSpPr>
+        <p:cNvPr id="1" name=""/>
+        <p:cNvGrpSpPr/>
+        <p:nvPr/>
+      </p:nvGrpSpPr>
+      <p:grpSpPr>
+        <a:xfrm>
+          <a:off x="0" y="0"/>
+          <a:ext cx="0" cy="0"/>
+          <a:chOff x="0" y="0"/>
+          <a:chExt cx="0" cy="0"/>
+        </a:xfrm>
+      </p:grpSpPr>
+      <p:sp>
+        <p:nvSpPr>
+          <p:cNvPr id="2" name="Slide Image Placeholder 1"/>
+          <p:cNvSpPr>
+            <a:spLocks noGrp="1" noRot="1" noChangeAspect="1"/>
+          </p:cNvSpPr>
+          <p:nvPr>
+            <p:ph type="sldImg"/>
+          </p:nvPr>
+        </p:nvSpPr>
+        <p:spPr/>
+      </p:sp>
+      <p:sp>
+        <p:nvSpPr>
+          <p:cNvPr id="3" name="Notes Placeholder 2"/>
+          <p:cNvSpPr>
+            <a:spLocks noGrp="1"/>
+          </p:cNvSpPr>
+          <p:nvPr>
+            <p:ph type="body" idx="1"/>
+          </p:nvPr>
+        </p:nvSpPr>
+        <p:spPr/>
+        <p:txBody>
+          <a:bodyPr/>
+          <a:lstStyle/>
+          <a:p>
+            <a:r>
+              <a:rPr lang="en-US" dirty="0" smtClean="0"/>
+              <a:t>Static</a:t>
+            </a:r>
+            <a:r>
+              <a:rPr lang="en-US" baseline="0" dirty="0" smtClean="0"/>
+              <a:t> files example</a:t>
+            </a:r>
+            <a:endParaRPr lang="en-US" dirty="0"/>
+          </a:p>
+        </p:txBody>
+      </p:sp>
+      <p:sp>
+        <p:nvSpPr>
+          <p:cNvPr id="4" name="Slide Number Placeholder 3"/>
+          <p:cNvSpPr>
+            <a:spLocks noGrp="1"/>
+          </p:cNvSpPr>
+          <p:nvPr>
+            <p:ph type="sldNum" sz="quarter" idx="10"/>
+          </p:nvPr>
+        </p:nvSpPr>
+        <p:spPr/>
+        <p:txBody>
+          <a:bodyPr/>
+          <a:lstStyle/>
+          <a:p>
+            <a:fld id="{90A21AFC-86E3-4DD0-9273-5E1AF32C91DB}" type="slidenum">
+              <a:rPr lang="en-US" smtClean="0"/>
+              <a:t>19</a:t>
+            </a:fld>
+            <a:endParaRPr lang="en-US"/>
+          </a:p>
+        </p:txBody>
+      </p:sp>
+    </p:spTree>
+    <p:extLst>
+      <p:ext uri="{BB962C8B-B14F-4D97-AF65-F5344CB8AC3E}">
+        <p14:creationId xmlns:p14="http://schemas.microsoft.com/office/powerpoint/2010/main" val="355942003"/>
+      </p:ext>
+    </p:extLst>
+  </p:cSld>
+  <p:clrMapOvr>
+    <a:masterClrMapping/>
+  </p:clrMapOvr>
+</p:notes>
+</file>
+
+<file path=ppt/notesSlides/notesSlide13.xml><?xml version="1.0" encoding="utf-8"?>
+<p:notes xmlns:a="http://schemas.openxmlformats.org/drawingml/2006/main" xmlns:r="http://schemas.openxmlformats.org/officeDocument/2006/relationships" xmlns:p="http://schemas.openxmlformats.org/presentationml/2006/main">
+  <p:cSld>
+    <p:spTree>
+      <p:nvGrpSpPr>
+        <p:cNvPr id="1" name=""/>
+        <p:cNvGrpSpPr/>
+        <p:nvPr/>
+      </p:nvGrpSpPr>
+      <p:grpSpPr>
+        <a:xfrm>
+          <a:off x="0" y="0"/>
+          <a:ext cx="0" cy="0"/>
+          <a:chOff x="0" y="0"/>
+          <a:chExt cx="0" cy="0"/>
+        </a:xfrm>
+      </p:grpSpPr>
+      <p:sp>
+        <p:nvSpPr>
+          <p:cNvPr id="2" name="Slide Image Placeholder 1"/>
+          <p:cNvSpPr>
+            <a:spLocks noGrp="1" noRot="1" noChangeAspect="1"/>
+          </p:cNvSpPr>
+          <p:nvPr>
+            <p:ph type="sldImg"/>
+          </p:nvPr>
+        </p:nvSpPr>
+        <p:spPr/>
+      </p:sp>
+      <p:sp>
+        <p:nvSpPr>
+          <p:cNvPr id="3" name="Notes Placeholder 2"/>
+          <p:cNvSpPr>
+            <a:spLocks noGrp="1"/>
+          </p:cNvSpPr>
+          <p:nvPr>
+            <p:ph type="body" idx="1"/>
+          </p:nvPr>
+        </p:nvSpPr>
+        <p:spPr/>
+        <p:txBody>
+          <a:bodyPr/>
+          <a:lstStyle/>
+          <a:p>
+            <a:r>
+              <a:rPr lang="en-US" dirty="0" smtClean="0"/>
+              <a:t>Working with </a:t>
+            </a:r>
+            <a:r>
+              <a:rPr lang="en-US" dirty="0" err="1" smtClean="0"/>
+              <a:t>environmets</a:t>
+            </a:r>
+            <a:endParaRPr lang="en-US" dirty="0"/>
+          </a:p>
+        </p:txBody>
+      </p:sp>
+      <p:sp>
+        <p:nvSpPr>
+          <p:cNvPr id="4" name="Slide Number Placeholder 3"/>
+          <p:cNvSpPr>
+            <a:spLocks noGrp="1"/>
+          </p:cNvSpPr>
+          <p:nvPr>
+            <p:ph type="sldNum" sz="quarter" idx="10"/>
+          </p:nvPr>
+        </p:nvSpPr>
+        <p:spPr/>
+        <p:txBody>
+          <a:bodyPr/>
+          <a:lstStyle/>
+          <a:p>
+            <a:fld id="{90A21AFC-86E3-4DD0-9273-5E1AF32C91DB}" type="slidenum">
+              <a:rPr lang="en-US" smtClean="0"/>
+              <a:t>20</a:t>
+            </a:fld>
+            <a:endParaRPr lang="en-US"/>
+          </a:p>
+        </p:txBody>
+      </p:sp>
+    </p:spTree>
+    <p:extLst>
+      <p:ext uri="{BB962C8B-B14F-4D97-AF65-F5344CB8AC3E}">
+        <p14:creationId xmlns:p14="http://schemas.microsoft.com/office/powerpoint/2010/main" val="3506780630"/>
+      </p:ext>
+    </p:extLst>
+  </p:cSld>
+  <p:clrMapOvr>
+    <a:masterClrMapping/>
+  </p:clrMapOvr>
+</p:notes>
+</file>
+
+<file path=ppt/notesSlides/notesSlide14.xml><?xml version="1.0" encoding="utf-8"?>
+<p:notes xmlns:a="http://schemas.openxmlformats.org/drawingml/2006/main" xmlns:r="http://schemas.openxmlformats.org/officeDocument/2006/relationships" xmlns:p="http://schemas.openxmlformats.org/presentationml/2006/main">
+  <p:cSld>
+    <p:spTree>
+      <p:nvGrpSpPr>
+        <p:cNvPr id="1" name=""/>
+        <p:cNvGrpSpPr/>
+        <p:nvPr/>
+      </p:nvGrpSpPr>
+      <p:grpSpPr>
+        <a:xfrm>
+          <a:off x="0" y="0"/>
+          <a:ext cx="0" cy="0"/>
+          <a:chOff x="0" y="0"/>
+          <a:chExt cx="0" cy="0"/>
+        </a:xfrm>
+      </p:grpSpPr>
+      <p:sp>
+        <p:nvSpPr>
+          <p:cNvPr id="2" name="Slide Image Placeholder 1"/>
+          <p:cNvSpPr>
+            <a:spLocks noGrp="1" noRot="1" noChangeAspect="1"/>
+          </p:cNvSpPr>
+          <p:nvPr>
+            <p:ph type="sldImg"/>
+          </p:nvPr>
+        </p:nvSpPr>
+        <p:spPr/>
+      </p:sp>
+      <p:sp>
+        <p:nvSpPr>
+          <p:cNvPr id="3" name="Notes Placeholder 2"/>
+          <p:cNvSpPr>
+            <a:spLocks noGrp="1"/>
+          </p:cNvSpPr>
+          <p:nvPr>
+            <p:ph type="body" idx="1"/>
+          </p:nvPr>
+        </p:nvSpPr>
+        <p:spPr/>
+        <p:txBody>
+          <a:bodyPr/>
+          <a:lstStyle/>
+          <a:p>
+            <a:r>
+              <a:rPr lang="en-US" dirty="0" smtClean="0"/>
+              <a:t>Options, settings</a:t>
+            </a:r>
+            <a:r>
+              <a:rPr lang="en-US" baseline="0" dirty="0" smtClean="0"/>
+              <a:t> and so on</a:t>
+            </a:r>
+            <a:endParaRPr lang="en-US" dirty="0"/>
+          </a:p>
+        </p:txBody>
+      </p:sp>
+      <p:sp>
+        <p:nvSpPr>
+          <p:cNvPr id="4" name="Slide Number Placeholder 3"/>
+          <p:cNvSpPr>
+            <a:spLocks noGrp="1"/>
+          </p:cNvSpPr>
+          <p:nvPr>
+            <p:ph type="sldNum" sz="quarter" idx="10"/>
+          </p:nvPr>
+        </p:nvSpPr>
+        <p:spPr/>
+        <p:txBody>
+          <a:bodyPr/>
+          <a:lstStyle/>
+          <a:p>
+            <a:fld id="{90A21AFC-86E3-4DD0-9273-5E1AF32C91DB}" type="slidenum">
+              <a:rPr lang="en-US" smtClean="0"/>
+              <a:t>21</a:t>
+            </a:fld>
+            <a:endParaRPr lang="en-US"/>
+          </a:p>
+        </p:txBody>
+      </p:sp>
+    </p:spTree>
+    <p:extLst>
+      <p:ext uri="{BB962C8B-B14F-4D97-AF65-F5344CB8AC3E}">
+        <p14:creationId xmlns:p14="http://schemas.microsoft.com/office/powerpoint/2010/main" val="4280043537"/>
+      </p:ext>
+    </p:extLst>
+  </p:cSld>
+  <p:clrMapOvr>
+    <a:masterClrMapping/>
+  </p:clrMapOvr>
+</p:notes>
+</file>
+
+<file path=ppt/notesSlides/notesSlide15.xml><?xml version="1.0" encoding="utf-8"?>
+<p:notes xmlns:a="http://schemas.openxmlformats.org/drawingml/2006/main" xmlns:r="http://schemas.openxmlformats.org/officeDocument/2006/relationships" xmlns:p="http://schemas.openxmlformats.org/presentationml/2006/main">
+  <p:cSld>
+    <p:spTree>
+      <p:nvGrpSpPr>
+        <p:cNvPr id="1" name=""/>
+        <p:cNvGrpSpPr/>
+        <p:nvPr/>
+      </p:nvGrpSpPr>
+      <p:grpSpPr>
+        <a:xfrm>
+          <a:off x="0" y="0"/>
+          <a:ext cx="0" cy="0"/>
+          <a:chOff x="0" y="0"/>
+          <a:chExt cx="0" cy="0"/>
+        </a:xfrm>
+      </p:grpSpPr>
+      <p:sp>
+        <p:nvSpPr>
+          <p:cNvPr id="2" name="Slide Image Placeholder 1"/>
+          <p:cNvSpPr>
+            <a:spLocks noGrp="1" noRot="1" noChangeAspect="1"/>
+          </p:cNvSpPr>
+          <p:nvPr>
+            <p:ph type="sldImg"/>
+          </p:nvPr>
+        </p:nvSpPr>
+        <p:spPr/>
+      </p:sp>
+      <p:sp>
+        <p:nvSpPr>
+          <p:cNvPr id="3" name="Notes Placeholder 2"/>
+          <p:cNvSpPr>
+            <a:spLocks noGrp="1"/>
+          </p:cNvSpPr>
+          <p:nvPr>
+            <p:ph type="body" idx="1"/>
+          </p:nvPr>
+        </p:nvSpPr>
+        <p:spPr/>
+        <p:txBody>
+          <a:bodyPr/>
+          <a:lstStyle/>
+          <a:p>
+            <a:r>
+              <a:rPr lang="en-US" dirty="0" smtClean="0"/>
+              <a:t>Logging</a:t>
+            </a:r>
+            <a:endParaRPr lang="en-US" dirty="0"/>
+          </a:p>
+        </p:txBody>
+      </p:sp>
+      <p:sp>
+        <p:nvSpPr>
+          <p:cNvPr id="4" name="Slide Number Placeholder 3"/>
+          <p:cNvSpPr>
+            <a:spLocks noGrp="1"/>
+          </p:cNvSpPr>
+          <p:nvPr>
+            <p:ph type="sldNum" sz="quarter" idx="10"/>
+          </p:nvPr>
+        </p:nvSpPr>
+        <p:spPr/>
+        <p:txBody>
+          <a:bodyPr/>
+          <a:lstStyle/>
+          <a:p>
+            <a:fld id="{90A21AFC-86E3-4DD0-9273-5E1AF32C91DB}" type="slidenum">
+              <a:rPr lang="en-US" smtClean="0"/>
+              <a:t>24</a:t>
+            </a:fld>
+            <a:endParaRPr lang="en-US"/>
+          </a:p>
+        </p:txBody>
+      </p:sp>
+    </p:spTree>
+    <p:extLst>
+      <p:ext uri="{BB962C8B-B14F-4D97-AF65-F5344CB8AC3E}">
+        <p14:creationId xmlns:p14="http://schemas.microsoft.com/office/powerpoint/2010/main" val="3405470828"/>
+      </p:ext>
+    </p:extLst>
+  </p:cSld>
+  <p:clrMapOvr>
+    <a:masterClrMapping/>
+  </p:clrMapOvr>
+</p:notes>
+</file>
+
+<file path=ppt/notesSlides/notesSlide16.xml><?xml version="1.0" encoding="utf-8"?>
+<p:notes xmlns:a="http://schemas.openxmlformats.org/drawingml/2006/main" xmlns:r="http://schemas.openxmlformats.org/officeDocument/2006/relationships" xmlns:p="http://schemas.openxmlformats.org/presentationml/2006/main">
+  <p:cSld>
+    <p:spTree>
+      <p:nvGrpSpPr>
+        <p:cNvPr id="1" name=""/>
+        <p:cNvGrpSpPr/>
+        <p:nvPr/>
+      </p:nvGrpSpPr>
+      <p:grpSpPr>
+        <a:xfrm>
+          <a:off x="0" y="0"/>
+          <a:ext cx="0" cy="0"/>
+          <a:chOff x="0" y="0"/>
+          <a:chExt cx="0" cy="0"/>
+        </a:xfrm>
+      </p:grpSpPr>
+      <p:sp>
+        <p:nvSpPr>
+          <p:cNvPr id="2" name="Slide Image Placeholder 1"/>
+          <p:cNvSpPr>
+            <a:spLocks noGrp="1" noRot="1" noChangeAspect="1"/>
+          </p:cNvSpPr>
+          <p:nvPr>
+            <p:ph type="sldImg"/>
+          </p:nvPr>
+        </p:nvSpPr>
+        <p:spPr/>
+      </p:sp>
+      <p:sp>
+        <p:nvSpPr>
+          <p:cNvPr id="3" name="Notes Placeholder 2"/>
+          <p:cNvSpPr>
+            <a:spLocks noGrp="1"/>
+          </p:cNvSpPr>
+          <p:nvPr>
+            <p:ph type="body" idx="1"/>
+          </p:nvPr>
+        </p:nvSpPr>
+        <p:spPr/>
+        <p:txBody>
+          <a:bodyPr/>
+          <a:lstStyle/>
+          <a:p>
+            <a:r>
+              <a:rPr lang="en-US" dirty="0" smtClean="0"/>
+              <a:t>Note that pattern is the same as in ASP.NET MVC</a:t>
+            </a:r>
+            <a:endParaRPr lang="en-US" dirty="0"/>
+          </a:p>
+        </p:txBody>
+      </p:sp>
+      <p:sp>
+        <p:nvSpPr>
+          <p:cNvPr id="4" name="Slide Number Placeholder 3"/>
+          <p:cNvSpPr>
+            <a:spLocks noGrp="1"/>
+          </p:cNvSpPr>
+          <p:nvPr>
+            <p:ph type="sldNum" sz="quarter" idx="10"/>
+          </p:nvPr>
+        </p:nvSpPr>
+        <p:spPr/>
+        <p:txBody>
+          <a:bodyPr/>
+          <a:lstStyle/>
+          <a:p>
+            <a:fld id="{90A21AFC-86E3-4DD0-9273-5E1AF32C91DB}" type="slidenum">
+              <a:rPr lang="en-US" smtClean="0"/>
+              <a:t>25</a:t>
+            </a:fld>
+            <a:endParaRPr lang="en-US"/>
+          </a:p>
+        </p:txBody>
+      </p:sp>
+    </p:spTree>
+    <p:extLst>
+      <p:ext uri="{BB962C8B-B14F-4D97-AF65-F5344CB8AC3E}">
+        <p14:creationId xmlns:p14="http://schemas.microsoft.com/office/powerpoint/2010/main" val="2399293375"/>
+      </p:ext>
+    </p:extLst>
+  </p:cSld>
+  <p:clrMapOvr>
+    <a:masterClrMapping/>
+  </p:clrMapOvr>
+</p:notes>
+</file>
+
+<file path=ppt/notesSlides/notesSlide17.xml><?xml version="1.0" encoding="utf-8"?>
+<p:notes xmlns:a="http://schemas.openxmlformats.org/drawingml/2006/main" xmlns:r="http://schemas.openxmlformats.org/officeDocument/2006/relationships" xmlns:p="http://schemas.openxmlformats.org/presentationml/2006/main">
+  <p:cSld>
+    <p:spTree>
+      <p:nvGrpSpPr>
+        <p:cNvPr id="1" name=""/>
+        <p:cNvGrpSpPr/>
+        <p:nvPr/>
+      </p:nvGrpSpPr>
+      <p:grpSpPr>
+        <a:xfrm>
+          <a:off x="0" y="0"/>
+          <a:ext cx="0" cy="0"/>
+          <a:chOff x="0" y="0"/>
+          <a:chExt cx="0" cy="0"/>
+        </a:xfrm>
+      </p:grpSpPr>
+      <p:sp>
+        <p:nvSpPr>
+          <p:cNvPr id="2" name="Slide Image Placeholder 1"/>
+          <p:cNvSpPr>
+            <a:spLocks noGrp="1" noRot="1" noChangeAspect="1"/>
+          </p:cNvSpPr>
+          <p:nvPr>
+            <p:ph type="sldImg"/>
+          </p:nvPr>
+        </p:nvSpPr>
+        <p:spPr/>
+      </p:sp>
+      <p:sp>
+        <p:nvSpPr>
+          <p:cNvPr id="3" name="Notes Placeholder 2"/>
+          <p:cNvSpPr>
+            <a:spLocks noGrp="1"/>
+          </p:cNvSpPr>
+          <p:nvPr>
+            <p:ph type="body" idx="1"/>
+          </p:nvPr>
+        </p:nvSpPr>
+        <p:spPr/>
+        <p:txBody>
+          <a:bodyPr/>
+          <a:lstStyle/>
+          <a:p>
+            <a:r>
+              <a:rPr lang="en-US" dirty="0" smtClean="0"/>
+              <a:t>Note about Tag Helper</a:t>
+            </a:r>
+            <a:endParaRPr lang="en-US" dirty="0"/>
+          </a:p>
+        </p:txBody>
+      </p:sp>
+      <p:sp>
+        <p:nvSpPr>
+          <p:cNvPr id="4" name="Slide Number Placeholder 3"/>
+          <p:cNvSpPr>
+            <a:spLocks noGrp="1"/>
+          </p:cNvSpPr>
+          <p:nvPr>
+            <p:ph type="sldNum" sz="quarter" idx="10"/>
+          </p:nvPr>
+        </p:nvSpPr>
+        <p:spPr/>
+        <p:txBody>
+          <a:bodyPr/>
+          <a:lstStyle/>
+          <a:p>
+            <a:fld id="{90A21AFC-86E3-4DD0-9273-5E1AF32C91DB}" type="slidenum">
+              <a:rPr lang="en-US" smtClean="0"/>
+              <a:t>26</a:t>
+            </a:fld>
+            <a:endParaRPr lang="en-US"/>
+          </a:p>
+        </p:txBody>
+      </p:sp>
+    </p:spTree>
+    <p:extLst>
+      <p:ext uri="{BB962C8B-B14F-4D97-AF65-F5344CB8AC3E}">
+        <p14:creationId xmlns:p14="http://schemas.microsoft.com/office/powerpoint/2010/main" val="3624488046"/>
+      </p:ext>
+    </p:extLst>
+  </p:cSld>
+  <p:clrMapOvr>
+    <a:masterClrMapping/>
+  </p:clrMapOvr>
+</p:notes>
+</file>
+
+<file path=ppt/notesSlides/notesSlide18.xml><?xml version="1.0" encoding="utf-8"?>
+<p:notes xmlns:a="http://schemas.openxmlformats.org/drawingml/2006/main" xmlns:r="http://schemas.openxmlformats.org/officeDocument/2006/relationships" xmlns:p="http://schemas.openxmlformats.org/presentationml/2006/main">
+  <p:cSld>
+    <p:spTree>
+      <p:nvGrpSpPr>
+        <p:cNvPr id="1" name=""/>
+        <p:cNvGrpSpPr/>
+        <p:nvPr/>
+      </p:nvGrpSpPr>
+      <p:grpSpPr>
+        <a:xfrm>
+          <a:off x="0" y="0"/>
+          <a:ext cx="0" cy="0"/>
+          <a:chOff x="0" y="0"/>
+          <a:chExt cx="0" cy="0"/>
+        </a:xfrm>
+      </p:grpSpPr>
+      <p:sp>
+        <p:nvSpPr>
+          <p:cNvPr id="2" name="Slide Image Placeholder 1"/>
+          <p:cNvSpPr>
+            <a:spLocks noGrp="1" noRot="1" noChangeAspect="1"/>
+          </p:cNvSpPr>
+          <p:nvPr>
+            <p:ph type="sldImg"/>
+          </p:nvPr>
+        </p:nvSpPr>
+        <p:spPr/>
+      </p:sp>
+      <p:sp>
+        <p:nvSpPr>
+          <p:cNvPr id="3" name="Notes Placeholder 2"/>
+          <p:cNvSpPr>
+            <a:spLocks noGrp="1"/>
+          </p:cNvSpPr>
+          <p:nvPr>
+            <p:ph type="body" idx="1"/>
+          </p:nvPr>
+        </p:nvSpPr>
+        <p:spPr/>
+        <p:txBody>
+          <a:bodyPr/>
+          <a:lstStyle/>
+          <a:p>
+            <a:r>
+              <a:rPr lang="en-US" dirty="0" smtClean="0"/>
+              <a:t>Before</a:t>
+            </a:r>
+            <a:endParaRPr lang="en-US" dirty="0"/>
+          </a:p>
+        </p:txBody>
+      </p:sp>
+      <p:sp>
+        <p:nvSpPr>
+          <p:cNvPr id="4" name="Slide Number Placeholder 3"/>
+          <p:cNvSpPr>
+            <a:spLocks noGrp="1"/>
+          </p:cNvSpPr>
+          <p:nvPr>
+            <p:ph type="sldNum" sz="quarter" idx="10"/>
+          </p:nvPr>
+        </p:nvSpPr>
+        <p:spPr/>
+        <p:txBody>
+          <a:bodyPr/>
+          <a:lstStyle/>
+          <a:p>
+            <a:fld id="{90A21AFC-86E3-4DD0-9273-5E1AF32C91DB}" type="slidenum">
+              <a:rPr lang="en-US" smtClean="0"/>
+              <a:t>28</a:t>
+            </a:fld>
+            <a:endParaRPr lang="en-US"/>
+          </a:p>
+        </p:txBody>
+      </p:sp>
+    </p:spTree>
+    <p:extLst>
+      <p:ext uri="{BB962C8B-B14F-4D97-AF65-F5344CB8AC3E}">
+        <p14:creationId xmlns:p14="http://schemas.microsoft.com/office/powerpoint/2010/main" val="1346651367"/>
+      </p:ext>
+    </p:extLst>
+  </p:cSld>
+  <p:clrMapOvr>
+    <a:masterClrMapping/>
+  </p:clrMapOvr>
+</p:notes>
+</file>
+
+<file path=ppt/notesSlides/notesSlide19.xml><?xml version="1.0" encoding="utf-8"?>
+<p:notes xmlns:a="http://schemas.openxmlformats.org/drawingml/2006/main" xmlns:r="http://schemas.openxmlformats.org/officeDocument/2006/relationships" xmlns:p="http://schemas.openxmlformats.org/presentationml/2006/main">
+  <p:cSld>
+    <p:spTree>
+      <p:nvGrpSpPr>
+        <p:cNvPr id="1" name=""/>
+        <p:cNvGrpSpPr/>
+        <p:nvPr/>
+      </p:nvGrpSpPr>
+      <p:grpSpPr>
+        <a:xfrm>
+          <a:off x="0" y="0"/>
+          <a:ext cx="0" cy="0"/>
+          <a:chOff x="0" y="0"/>
+          <a:chExt cx="0" cy="0"/>
+        </a:xfrm>
+      </p:grpSpPr>
+      <p:sp>
+        <p:nvSpPr>
+          <p:cNvPr id="2" name="Slide Image Placeholder 1"/>
+          <p:cNvSpPr>
+            <a:spLocks noGrp="1" noRot="1" noChangeAspect="1"/>
+          </p:cNvSpPr>
+          <p:nvPr>
+            <p:ph type="sldImg"/>
+          </p:nvPr>
+        </p:nvSpPr>
+        <p:spPr/>
+      </p:sp>
+      <p:sp>
+        <p:nvSpPr>
+          <p:cNvPr id="3" name="Notes Placeholder 2"/>
+          <p:cNvSpPr>
+            <a:spLocks noGrp="1"/>
+          </p:cNvSpPr>
+          <p:nvPr>
+            <p:ph type="body" idx="1"/>
+          </p:nvPr>
+        </p:nvSpPr>
+        <p:spPr/>
+        <p:txBody>
+          <a:bodyPr/>
+          <a:lstStyle/>
+          <a:p>
+            <a:r>
+              <a:rPr lang="en-US" dirty="0" smtClean="0"/>
+              <a:t>After</a:t>
+            </a:r>
+            <a:endParaRPr lang="en-US" dirty="0"/>
+          </a:p>
+        </p:txBody>
+      </p:sp>
+      <p:sp>
+        <p:nvSpPr>
+          <p:cNvPr id="4" name="Slide Number Placeholder 3"/>
+          <p:cNvSpPr>
+            <a:spLocks noGrp="1"/>
+          </p:cNvSpPr>
+          <p:nvPr>
+            <p:ph type="sldNum" sz="quarter" idx="10"/>
+          </p:nvPr>
+        </p:nvSpPr>
+        <p:spPr/>
+        <p:txBody>
+          <a:bodyPr/>
+          <a:lstStyle/>
+          <a:p>
+            <a:fld id="{90A21AFC-86E3-4DD0-9273-5E1AF32C91DB}" type="slidenum">
+              <a:rPr lang="en-US" smtClean="0"/>
+              <a:t>29</a:t>
+            </a:fld>
+            <a:endParaRPr lang="en-US"/>
+          </a:p>
+        </p:txBody>
+      </p:sp>
+    </p:spTree>
+    <p:extLst>
+      <p:ext uri="{BB962C8B-B14F-4D97-AF65-F5344CB8AC3E}">
+        <p14:creationId xmlns:p14="http://schemas.microsoft.com/office/powerpoint/2010/main" val="785469815"/>
+      </p:ext>
+    </p:extLst>
+  </p:cSld>
+  <p:clrMapOvr>
+    <a:masterClrMapping/>
+  </p:clrMapOvr>
+</p:notes>
+</file>
+
+<file path=ppt/notesSlides/notesSlide2.xml><?xml version="1.0" encoding="utf-8"?>
+<p:notes xmlns:a="http://schemas.openxmlformats.org/drawingml/2006/main" xmlns:r="http://schemas.openxmlformats.org/officeDocument/2006/relationships" xmlns:p="http://schemas.openxmlformats.org/presentationml/2006/main">
+  <p:cSld>
+    <p:spTree>
+      <p:nvGrpSpPr>
+        <p:cNvPr id="1" name=""/>
+        <p:cNvGrpSpPr/>
+        <p:nvPr/>
+      </p:nvGrpSpPr>
+      <p:grpSpPr>
+        <a:xfrm>
+          <a:off x="0" y="0"/>
+          <a:ext cx="0" cy="0"/>
+          <a:chOff x="0" y="0"/>
+          <a:chExt cx="0" cy="0"/>
+        </a:xfrm>
+      </p:grpSpPr>
+      <p:sp>
+        <p:nvSpPr>
+          <p:cNvPr id="2" name="Slide Image Placeholder 1"/>
+          <p:cNvSpPr>
+            <a:spLocks noGrp="1" noRot="1" noChangeAspect="1"/>
+          </p:cNvSpPr>
+          <p:nvPr>
+            <p:ph type="sldImg"/>
+          </p:nvPr>
+        </p:nvSpPr>
+        <p:spPr/>
+      </p:sp>
+      <p:sp>
+        <p:nvSpPr>
+          <p:cNvPr id="3" name="Notes Placeholder 2"/>
+          <p:cNvSpPr>
+            <a:spLocks noGrp="1"/>
+          </p:cNvSpPr>
+          <p:nvPr>
+            <p:ph type="body" idx="1"/>
+          </p:nvPr>
+        </p:nvSpPr>
+        <p:spPr/>
+        <p:txBody>
+          <a:bodyPr/>
+          <a:lstStyle/>
+          <a:p>
+            <a:r>
+              <a:rPr lang="en-US" dirty="0" smtClean="0"/>
+              <a:t>Reasons for new</a:t>
+            </a:r>
+            <a:r>
+              <a:rPr lang="en-US" baseline="0" dirty="0" smtClean="0"/>
+              <a:t> ASP.NET CORE</a:t>
+            </a:r>
+            <a:endParaRPr lang="en-US" dirty="0"/>
+          </a:p>
+        </p:txBody>
+      </p:sp>
+      <p:sp>
+        <p:nvSpPr>
+          <p:cNvPr id="4" name="Slide Number Placeholder 3"/>
+          <p:cNvSpPr>
+            <a:spLocks noGrp="1"/>
+          </p:cNvSpPr>
+          <p:nvPr>
+            <p:ph type="sldNum" sz="quarter" idx="10"/>
+          </p:nvPr>
+        </p:nvSpPr>
+        <p:spPr/>
+        <p:txBody>
+          <a:bodyPr/>
+          <a:lstStyle/>
+          <a:p>
+            <a:fld id="{90A21AFC-86E3-4DD0-9273-5E1AF32C91DB}" type="slidenum">
+              <a:rPr lang="en-US" smtClean="0"/>
+              <a:t>8</a:t>
+            </a:fld>
+            <a:endParaRPr lang="en-US"/>
+          </a:p>
+        </p:txBody>
+      </p:sp>
+    </p:spTree>
+    <p:extLst>
+      <p:ext uri="{BB962C8B-B14F-4D97-AF65-F5344CB8AC3E}">
+        <p14:creationId xmlns:p14="http://schemas.microsoft.com/office/powerpoint/2010/main" val="1983117352"/>
+      </p:ext>
+    </p:extLst>
+  </p:cSld>
+  <p:clrMapOvr>
+    <a:masterClrMapping/>
+  </p:clrMapOvr>
+</p:notes>
+</file>
+
+<file path=ppt/notesSlides/notesSlide20.xml><?xml version="1.0" encoding="utf-8"?>
+<p:notes xmlns:a="http://schemas.openxmlformats.org/drawingml/2006/main" xmlns:r="http://schemas.openxmlformats.org/officeDocument/2006/relationships" xmlns:p="http://schemas.openxmlformats.org/presentationml/2006/main">
+  <p:cSld>
+    <p:spTree>
+      <p:nvGrpSpPr>
+        <p:cNvPr id="1" name=""/>
+        <p:cNvGrpSpPr/>
+        <p:nvPr/>
+      </p:nvGrpSpPr>
+      <p:grpSpPr>
+        <a:xfrm>
+          <a:off x="0" y="0"/>
+          <a:ext cx="0" cy="0"/>
+          <a:chOff x="0" y="0"/>
+          <a:chExt cx="0" cy="0"/>
+        </a:xfrm>
+      </p:grpSpPr>
+      <p:sp>
+        <p:nvSpPr>
+          <p:cNvPr id="2" name="Slide Image Placeholder 1"/>
+          <p:cNvSpPr>
+            <a:spLocks noGrp="1" noRot="1" noChangeAspect="1"/>
+          </p:cNvSpPr>
+          <p:nvPr>
+            <p:ph type="sldImg"/>
+          </p:nvPr>
+        </p:nvSpPr>
+        <p:spPr/>
+      </p:sp>
+      <p:sp>
+        <p:nvSpPr>
+          <p:cNvPr id="3" name="Notes Placeholder 2"/>
+          <p:cNvSpPr>
+            <a:spLocks noGrp="1"/>
+          </p:cNvSpPr>
+          <p:nvPr>
+            <p:ph type="body" idx="1"/>
+          </p:nvPr>
+        </p:nvSpPr>
+        <p:spPr/>
+        <p:txBody>
+          <a:bodyPr/>
+          <a:lstStyle/>
+          <a:p>
+            <a:r>
+              <a:rPr lang="en-US" dirty="0" smtClean="0"/>
+              <a:t>Long talk</a:t>
+            </a:r>
+            <a:r>
+              <a:rPr lang="en-US" baseline="0" dirty="0" smtClean="0"/>
+              <a:t> about frontend</a:t>
+            </a:r>
+            <a:endParaRPr lang="en-US" dirty="0"/>
+          </a:p>
+        </p:txBody>
+      </p:sp>
+      <p:sp>
+        <p:nvSpPr>
+          <p:cNvPr id="4" name="Slide Number Placeholder 3"/>
+          <p:cNvSpPr>
+            <a:spLocks noGrp="1"/>
+          </p:cNvSpPr>
+          <p:nvPr>
+            <p:ph type="sldNum" sz="quarter" idx="10"/>
+          </p:nvPr>
+        </p:nvSpPr>
+        <p:spPr/>
+        <p:txBody>
+          <a:bodyPr/>
+          <a:lstStyle/>
+          <a:p>
+            <a:fld id="{90A21AFC-86E3-4DD0-9273-5E1AF32C91DB}" type="slidenum">
+              <a:rPr lang="en-US" smtClean="0"/>
+              <a:t>30</a:t>
+            </a:fld>
+            <a:endParaRPr lang="en-US"/>
+          </a:p>
+        </p:txBody>
+      </p:sp>
+    </p:spTree>
+    <p:extLst>
+      <p:ext uri="{BB962C8B-B14F-4D97-AF65-F5344CB8AC3E}">
+        <p14:creationId xmlns:p14="http://schemas.microsoft.com/office/powerpoint/2010/main" val="2677538150"/>
+      </p:ext>
+    </p:extLst>
+  </p:cSld>
+  <p:clrMapOvr>
+    <a:masterClrMapping/>
+  </p:clrMapOvr>
+</p:notes>
+</file>
+
+<file path=ppt/notesSlides/notesSlide21.xml><?xml version="1.0" encoding="utf-8"?>
+<p:notes xmlns:a="http://schemas.openxmlformats.org/drawingml/2006/main" xmlns:r="http://schemas.openxmlformats.org/officeDocument/2006/relationships" xmlns:p="http://schemas.openxmlformats.org/presentationml/2006/main">
+  <p:cSld>
+    <p:spTree>
+      <p:nvGrpSpPr>
+        <p:cNvPr id="1" name=""/>
+        <p:cNvGrpSpPr/>
+        <p:nvPr/>
+      </p:nvGrpSpPr>
+      <p:grpSpPr>
+        <a:xfrm>
+          <a:off x="0" y="0"/>
+          <a:ext cx="0" cy="0"/>
+          <a:chOff x="0" y="0"/>
+          <a:chExt cx="0" cy="0"/>
+        </a:xfrm>
+      </p:grpSpPr>
+      <p:sp>
+        <p:nvSpPr>
+          <p:cNvPr id="2" name="Slide Image Placeholder 1"/>
+          <p:cNvSpPr>
+            <a:spLocks noGrp="1" noRot="1" noChangeAspect="1"/>
+          </p:cNvSpPr>
+          <p:nvPr>
+            <p:ph type="sldImg"/>
+          </p:nvPr>
+        </p:nvSpPr>
+        <p:spPr/>
+      </p:sp>
+      <p:sp>
+        <p:nvSpPr>
+          <p:cNvPr id="3" name="Notes Placeholder 2"/>
+          <p:cNvSpPr>
+            <a:spLocks noGrp="1"/>
+          </p:cNvSpPr>
+          <p:nvPr>
+            <p:ph type="body" idx="1"/>
+          </p:nvPr>
+        </p:nvSpPr>
+        <p:spPr/>
+        <p:txBody>
+          <a:bodyPr/>
+          <a:lstStyle/>
+          <a:p>
+            <a:r>
+              <a:rPr lang="en-US" dirty="0" smtClean="0"/>
+              <a:t>Some jokes to say</a:t>
+            </a:r>
+            <a:endParaRPr lang="en-US" dirty="0"/>
+          </a:p>
+        </p:txBody>
+      </p:sp>
+      <p:sp>
+        <p:nvSpPr>
+          <p:cNvPr id="4" name="Slide Number Placeholder 3"/>
+          <p:cNvSpPr>
+            <a:spLocks noGrp="1"/>
+          </p:cNvSpPr>
+          <p:nvPr>
+            <p:ph type="sldNum" sz="quarter" idx="10"/>
+          </p:nvPr>
+        </p:nvSpPr>
+        <p:spPr/>
+        <p:txBody>
+          <a:bodyPr/>
+          <a:lstStyle/>
+          <a:p>
+            <a:fld id="{90A21AFC-86E3-4DD0-9273-5E1AF32C91DB}" type="slidenum">
+              <a:rPr lang="en-US" smtClean="0"/>
+              <a:t>31</a:t>
+            </a:fld>
+            <a:endParaRPr lang="en-US"/>
+          </a:p>
+        </p:txBody>
+      </p:sp>
+    </p:spTree>
+    <p:extLst>
+      <p:ext uri="{BB962C8B-B14F-4D97-AF65-F5344CB8AC3E}">
+        <p14:creationId xmlns:p14="http://schemas.microsoft.com/office/powerpoint/2010/main" val="946278124"/>
+      </p:ext>
+    </p:extLst>
+  </p:cSld>
+  <p:clrMapOvr>
+    <a:masterClrMapping/>
+  </p:clrMapOvr>
+</p:notes>
+</file>
+
+<file path=ppt/notesSlides/notesSlide3.xml><?xml version="1.0" encoding="utf-8"?>
+<p:notes xmlns:a="http://schemas.openxmlformats.org/drawingml/2006/main" xmlns:r="http://schemas.openxmlformats.org/officeDocument/2006/relationships" xmlns:p="http://schemas.openxmlformats.org/presentationml/2006/main">
+  <p:cSld>
+    <p:spTree>
+      <p:nvGrpSpPr>
+        <p:cNvPr id="1" name=""/>
+        <p:cNvGrpSpPr/>
+        <p:nvPr/>
+      </p:nvGrpSpPr>
+      <p:grpSpPr>
+        <a:xfrm>
+          <a:off x="0" y="0"/>
+          <a:ext cx="0" cy="0"/>
+          <a:chOff x="0" y="0"/>
+          <a:chExt cx="0" cy="0"/>
+        </a:xfrm>
+      </p:grpSpPr>
+      <p:sp>
+        <p:nvSpPr>
+          <p:cNvPr id="2" name="Slide Image Placeholder 1"/>
+          <p:cNvSpPr>
+            <a:spLocks noGrp="1" noRot="1" noChangeAspect="1"/>
+          </p:cNvSpPr>
+          <p:nvPr>
+            <p:ph type="sldImg"/>
+          </p:nvPr>
+        </p:nvSpPr>
+        <p:spPr/>
+      </p:sp>
+      <p:sp>
+        <p:nvSpPr>
+          <p:cNvPr id="3" name="Notes Placeholder 2"/>
+          <p:cNvSpPr>
+            <a:spLocks noGrp="1"/>
+          </p:cNvSpPr>
+          <p:nvPr>
+            <p:ph type="body" idx="1"/>
+          </p:nvPr>
+        </p:nvSpPr>
+        <p:spPr/>
+        <p:txBody>
+          <a:bodyPr/>
+          <a:lstStyle/>
+          <a:p>
+            <a:r>
+              <a:rPr lang="en-US" dirty="0" smtClean="0"/>
+              <a:t>That is short and working sample - easy</a:t>
+            </a:r>
+            <a:endParaRPr lang="en-US" dirty="0"/>
+          </a:p>
+        </p:txBody>
+      </p:sp>
+      <p:sp>
+        <p:nvSpPr>
+          <p:cNvPr id="4" name="Slide Number Placeholder 3"/>
+          <p:cNvSpPr>
+            <a:spLocks noGrp="1"/>
+          </p:cNvSpPr>
+          <p:nvPr>
+            <p:ph type="sldNum" sz="quarter" idx="10"/>
+          </p:nvPr>
+        </p:nvSpPr>
+        <p:spPr/>
+        <p:txBody>
+          <a:bodyPr/>
+          <a:lstStyle/>
+          <a:p>
+            <a:fld id="{90A21AFC-86E3-4DD0-9273-5E1AF32C91DB}" type="slidenum">
+              <a:rPr lang="en-US" smtClean="0"/>
+              <a:t>10</a:t>
+            </a:fld>
+            <a:endParaRPr lang="en-US"/>
+          </a:p>
+        </p:txBody>
+      </p:sp>
+    </p:spTree>
+    <p:extLst>
+      <p:ext uri="{BB962C8B-B14F-4D97-AF65-F5344CB8AC3E}">
+        <p14:creationId xmlns:p14="http://schemas.microsoft.com/office/powerpoint/2010/main" val="2445514350"/>
+      </p:ext>
+    </p:extLst>
+  </p:cSld>
+  <p:clrMapOvr>
+    <a:masterClrMapping/>
+  </p:clrMapOvr>
+</p:notes>
+</file>
+
+<file path=ppt/notesSlides/notesSlide4.xml><?xml version="1.0" encoding="utf-8"?>
+<p:notes xmlns:a="http://schemas.openxmlformats.org/drawingml/2006/main" xmlns:r="http://schemas.openxmlformats.org/officeDocument/2006/relationships" xmlns:p="http://schemas.openxmlformats.org/presentationml/2006/main">
+  <p:cSld>
+    <p:spTree>
+      <p:nvGrpSpPr>
+        <p:cNvPr id="1" name=""/>
+        <p:cNvGrpSpPr/>
+        <p:nvPr/>
+      </p:nvGrpSpPr>
+      <p:grpSpPr>
+        <a:xfrm>
+          <a:off x="0" y="0"/>
+          <a:ext cx="0" cy="0"/>
+          <a:chOff x="0" y="0"/>
+          <a:chExt cx="0" cy="0"/>
+        </a:xfrm>
+      </p:grpSpPr>
+      <p:sp>
+        <p:nvSpPr>
+          <p:cNvPr id="2" name="Slide Image Placeholder 1"/>
+          <p:cNvSpPr>
+            <a:spLocks noGrp="1" noRot="1" noChangeAspect="1"/>
+          </p:cNvSpPr>
+          <p:nvPr>
+            <p:ph type="sldImg"/>
+          </p:nvPr>
+        </p:nvSpPr>
+        <p:spPr/>
+      </p:sp>
+      <p:sp>
+        <p:nvSpPr>
+          <p:cNvPr id="3" name="Notes Placeholder 2"/>
+          <p:cNvSpPr>
+            <a:spLocks noGrp="1"/>
+          </p:cNvSpPr>
+          <p:nvPr>
+            <p:ph type="body" idx="1"/>
+          </p:nvPr>
+        </p:nvSpPr>
+        <p:spPr/>
+        <p:txBody>
+          <a:bodyPr/>
+          <a:lstStyle/>
+          <a:p>
+            <a:r>
+              <a:rPr lang="en-US" dirty="0" smtClean="0"/>
+              <a:t>We are going through this points</a:t>
+            </a:r>
+            <a:endParaRPr lang="en-US" dirty="0"/>
+          </a:p>
+        </p:txBody>
+      </p:sp>
+      <p:sp>
+        <p:nvSpPr>
+          <p:cNvPr id="4" name="Slide Number Placeholder 3"/>
+          <p:cNvSpPr>
+            <a:spLocks noGrp="1"/>
+          </p:cNvSpPr>
+          <p:nvPr>
+            <p:ph type="sldNum" sz="quarter" idx="10"/>
+          </p:nvPr>
+        </p:nvSpPr>
+        <p:spPr/>
+        <p:txBody>
+          <a:bodyPr/>
+          <a:lstStyle/>
+          <a:p>
+            <a:fld id="{90A21AFC-86E3-4DD0-9273-5E1AF32C91DB}" type="slidenum">
+              <a:rPr lang="en-US" smtClean="0"/>
+              <a:t>11</a:t>
+            </a:fld>
+            <a:endParaRPr lang="en-US"/>
+          </a:p>
+        </p:txBody>
+      </p:sp>
+    </p:spTree>
+    <p:extLst>
+      <p:ext uri="{BB962C8B-B14F-4D97-AF65-F5344CB8AC3E}">
+        <p14:creationId xmlns:p14="http://schemas.microsoft.com/office/powerpoint/2010/main" val="2955845852"/>
+      </p:ext>
+    </p:extLst>
+  </p:cSld>
+  <p:clrMapOvr>
+    <a:masterClrMapping/>
+  </p:clrMapOvr>
+</p:notes>
+</file>
+
+<file path=ppt/notesSlides/notesSlide5.xml><?xml version="1.0" encoding="utf-8"?>
+<p:notes xmlns:a="http://schemas.openxmlformats.org/drawingml/2006/main" xmlns:r="http://schemas.openxmlformats.org/officeDocument/2006/relationships" xmlns:p="http://schemas.openxmlformats.org/presentationml/2006/main">
+  <p:cSld>
+    <p:spTree>
+      <p:nvGrpSpPr>
+        <p:cNvPr id="1" name=""/>
+        <p:cNvGrpSpPr/>
+        <p:nvPr/>
+      </p:nvGrpSpPr>
+      <p:grpSpPr>
+        <a:xfrm>
+          <a:off x="0" y="0"/>
+          <a:ext cx="0" cy="0"/>
+          <a:chOff x="0" y="0"/>
+          <a:chExt cx="0" cy="0"/>
+        </a:xfrm>
+      </p:grpSpPr>
+      <p:sp>
+        <p:nvSpPr>
+          <p:cNvPr id="2" name="Slide Image Placeholder 1"/>
+          <p:cNvSpPr>
+            <a:spLocks noGrp="1" noRot="1" noChangeAspect="1"/>
+          </p:cNvSpPr>
+          <p:nvPr>
+            <p:ph type="sldImg"/>
+          </p:nvPr>
+        </p:nvSpPr>
+        <p:spPr/>
+      </p:sp>
+      <p:sp>
+        <p:nvSpPr>
+          <p:cNvPr id="3" name="Notes Placeholder 2"/>
+          <p:cNvSpPr>
+            <a:spLocks noGrp="1"/>
+          </p:cNvSpPr>
+          <p:nvPr>
+            <p:ph type="body" idx="1"/>
+          </p:nvPr>
+        </p:nvSpPr>
+        <p:spPr/>
+        <p:txBody>
+          <a:bodyPr/>
+          <a:lstStyle/>
+          <a:p>
+            <a:r>
+              <a:rPr lang="en-US" dirty="0" smtClean="0"/>
+              <a:t>That is default entry</a:t>
+            </a:r>
+            <a:r>
+              <a:rPr lang="en-US" baseline="0" dirty="0" smtClean="0"/>
+              <a:t> point sample</a:t>
+            </a:r>
+            <a:br>
+              <a:rPr lang="en-US" baseline="0" dirty="0" smtClean="0"/>
+            </a:br>
+            <a:r>
+              <a:rPr lang="en-US" baseline="0" dirty="0" smtClean="0"/>
+              <a:t>Explain what it is</a:t>
+            </a:r>
+            <a:endParaRPr lang="en-US" dirty="0"/>
+          </a:p>
+        </p:txBody>
+      </p:sp>
+      <p:sp>
+        <p:nvSpPr>
+          <p:cNvPr id="4" name="Slide Number Placeholder 3"/>
+          <p:cNvSpPr>
+            <a:spLocks noGrp="1"/>
+          </p:cNvSpPr>
+          <p:nvPr>
+            <p:ph type="sldNum" sz="quarter" idx="10"/>
+          </p:nvPr>
+        </p:nvSpPr>
+        <p:spPr/>
+        <p:txBody>
+          <a:bodyPr/>
+          <a:lstStyle/>
+          <a:p>
+            <a:fld id="{90A21AFC-86E3-4DD0-9273-5E1AF32C91DB}" type="slidenum">
+              <a:rPr lang="en-US" smtClean="0"/>
+              <a:t>12</a:t>
+            </a:fld>
+            <a:endParaRPr lang="en-US"/>
+          </a:p>
+        </p:txBody>
+      </p:sp>
+    </p:spTree>
+    <p:extLst>
+      <p:ext uri="{BB962C8B-B14F-4D97-AF65-F5344CB8AC3E}">
+        <p14:creationId xmlns:p14="http://schemas.microsoft.com/office/powerpoint/2010/main" val="631043533"/>
+      </p:ext>
+    </p:extLst>
+  </p:cSld>
+  <p:clrMapOvr>
+    <a:masterClrMapping/>
+  </p:clrMapOvr>
+</p:notes>
+</file>
+
+<file path=ppt/notesSlides/notesSlide6.xml><?xml version="1.0" encoding="utf-8"?>
+<p:notes xmlns:a="http://schemas.openxmlformats.org/drawingml/2006/main" xmlns:r="http://schemas.openxmlformats.org/officeDocument/2006/relationships" xmlns:p="http://schemas.openxmlformats.org/presentationml/2006/main">
+  <p:cSld>
+    <p:spTree>
+      <p:nvGrpSpPr>
+        <p:cNvPr id="1" name=""/>
+        <p:cNvGrpSpPr/>
+        <p:nvPr/>
+      </p:nvGrpSpPr>
+      <p:grpSpPr>
+        <a:xfrm>
+          <a:off x="0" y="0"/>
+          <a:ext cx="0" cy="0"/>
+          <a:chOff x="0" y="0"/>
+          <a:chExt cx="0" cy="0"/>
+        </a:xfrm>
+      </p:grpSpPr>
+      <p:sp>
+        <p:nvSpPr>
+          <p:cNvPr id="2" name="Slide Image Placeholder 1"/>
+          <p:cNvSpPr>
+            <a:spLocks noGrp="1" noRot="1" noChangeAspect="1"/>
+          </p:cNvSpPr>
+          <p:nvPr>
+            <p:ph type="sldImg"/>
+          </p:nvPr>
+        </p:nvSpPr>
+        <p:spPr/>
+      </p:sp>
+      <p:sp>
+        <p:nvSpPr>
+          <p:cNvPr id="3" name="Notes Placeholder 2"/>
+          <p:cNvSpPr>
+            <a:spLocks noGrp="1"/>
+          </p:cNvSpPr>
+          <p:nvPr>
+            <p:ph type="body" idx="1"/>
+          </p:nvPr>
+        </p:nvSpPr>
+        <p:spPr/>
+        <p:txBody>
+          <a:bodyPr/>
+          <a:lstStyle/>
+          <a:p>
+            <a:r>
+              <a:rPr lang="en-US" dirty="0" smtClean="0"/>
+              <a:t>Explain</a:t>
+            </a:r>
+            <a:r>
+              <a:rPr lang="en-US" baseline="0" dirty="0" smtClean="0"/>
+              <a:t> this 2 functions</a:t>
+            </a:r>
+          </a:p>
+          <a:p>
+            <a:r>
+              <a:rPr lang="en-US" baseline="0" dirty="0" smtClean="0"/>
+              <a:t>Important!</a:t>
+            </a:r>
+            <a:endParaRPr lang="en-US" dirty="0"/>
+          </a:p>
+        </p:txBody>
+      </p:sp>
+      <p:sp>
+        <p:nvSpPr>
+          <p:cNvPr id="4" name="Slide Number Placeholder 3"/>
+          <p:cNvSpPr>
+            <a:spLocks noGrp="1"/>
+          </p:cNvSpPr>
+          <p:nvPr>
+            <p:ph type="sldNum" sz="quarter" idx="10"/>
+          </p:nvPr>
+        </p:nvSpPr>
+        <p:spPr/>
+        <p:txBody>
+          <a:bodyPr/>
+          <a:lstStyle/>
+          <a:p>
+            <a:fld id="{90A21AFC-86E3-4DD0-9273-5E1AF32C91DB}" type="slidenum">
+              <a:rPr lang="en-US" smtClean="0"/>
+              <a:t>13</a:t>
+            </a:fld>
+            <a:endParaRPr lang="en-US"/>
+          </a:p>
+        </p:txBody>
+      </p:sp>
+    </p:spTree>
+    <p:extLst>
+      <p:ext uri="{BB962C8B-B14F-4D97-AF65-F5344CB8AC3E}">
+        <p14:creationId xmlns:p14="http://schemas.microsoft.com/office/powerpoint/2010/main" val="1889094283"/>
+      </p:ext>
+    </p:extLst>
+  </p:cSld>
+  <p:clrMapOvr>
+    <a:masterClrMapping/>
+  </p:clrMapOvr>
+</p:notes>
+</file>
+
+<file path=ppt/notesSlides/notesSlide7.xml><?xml version="1.0" encoding="utf-8"?>
+<p:notes xmlns:a="http://schemas.openxmlformats.org/drawingml/2006/main" xmlns:r="http://schemas.openxmlformats.org/officeDocument/2006/relationships" xmlns:p="http://schemas.openxmlformats.org/presentationml/2006/main">
+  <p:cSld>
+    <p:spTree>
+      <p:nvGrpSpPr>
+        <p:cNvPr id="1" name=""/>
+        <p:cNvGrpSpPr/>
+        <p:nvPr/>
+      </p:nvGrpSpPr>
+      <p:grpSpPr>
+        <a:xfrm>
+          <a:off x="0" y="0"/>
+          <a:ext cx="0" cy="0"/>
+          <a:chOff x="0" y="0"/>
+          <a:chExt cx="0" cy="0"/>
+        </a:xfrm>
+      </p:grpSpPr>
+      <p:sp>
+        <p:nvSpPr>
+          <p:cNvPr id="2" name="Slide Image Placeholder 1"/>
+          <p:cNvSpPr>
+            <a:spLocks noGrp="1" noRot="1" noChangeAspect="1"/>
+          </p:cNvSpPr>
+          <p:nvPr>
+            <p:ph type="sldImg"/>
+          </p:nvPr>
+        </p:nvSpPr>
+        <p:spPr/>
+      </p:sp>
+      <p:sp>
+        <p:nvSpPr>
+          <p:cNvPr id="3" name="Notes Placeholder 2"/>
+          <p:cNvSpPr>
+            <a:spLocks noGrp="1"/>
+          </p:cNvSpPr>
+          <p:nvPr>
+            <p:ph type="body" idx="1"/>
+          </p:nvPr>
+        </p:nvSpPr>
+        <p:spPr/>
+        <p:txBody>
+          <a:bodyPr/>
+          <a:lstStyle/>
+          <a:p>
+            <a:r>
+              <a:rPr lang="en-US" dirty="0" smtClean="0"/>
+              <a:t>Talk about</a:t>
+            </a:r>
+            <a:r>
+              <a:rPr lang="en-US" baseline="0" dirty="0" smtClean="0"/>
+              <a:t> </a:t>
+            </a:r>
+            <a:r>
+              <a:rPr lang="en-US" baseline="0" dirty="0" err="1" smtClean="0"/>
+              <a:t>IoC</a:t>
+            </a:r>
+            <a:r>
+              <a:rPr lang="en-US" baseline="0" dirty="0" smtClean="0"/>
+              <a:t> and DI</a:t>
+            </a:r>
+            <a:endParaRPr lang="en-US" dirty="0"/>
+          </a:p>
+        </p:txBody>
+      </p:sp>
+      <p:sp>
+        <p:nvSpPr>
+          <p:cNvPr id="4" name="Slide Number Placeholder 3"/>
+          <p:cNvSpPr>
+            <a:spLocks noGrp="1"/>
+          </p:cNvSpPr>
+          <p:nvPr>
+            <p:ph type="sldNum" sz="quarter" idx="10"/>
+          </p:nvPr>
+        </p:nvSpPr>
+        <p:spPr/>
+        <p:txBody>
+          <a:bodyPr/>
+          <a:lstStyle/>
+          <a:p>
+            <a:fld id="{90A21AFC-86E3-4DD0-9273-5E1AF32C91DB}" type="slidenum">
+              <a:rPr lang="en-US" smtClean="0"/>
+              <a:t>14</a:t>
+            </a:fld>
+            <a:endParaRPr lang="en-US"/>
+          </a:p>
+        </p:txBody>
+      </p:sp>
+    </p:spTree>
+    <p:extLst>
+      <p:ext uri="{BB962C8B-B14F-4D97-AF65-F5344CB8AC3E}">
+        <p14:creationId xmlns:p14="http://schemas.microsoft.com/office/powerpoint/2010/main" val="3529233226"/>
+      </p:ext>
+    </p:extLst>
+  </p:cSld>
+  <p:clrMapOvr>
+    <a:masterClrMapping/>
+  </p:clrMapOvr>
+</p:notes>
+</file>
+
+<file path=ppt/notesSlides/notesSlide8.xml><?xml version="1.0" encoding="utf-8"?>
+<p:notes xmlns:a="http://schemas.openxmlformats.org/drawingml/2006/main" xmlns:r="http://schemas.openxmlformats.org/officeDocument/2006/relationships" xmlns:p="http://schemas.openxmlformats.org/presentationml/2006/main">
+  <p:cSld>
+    <p:spTree>
+      <p:nvGrpSpPr>
+        <p:cNvPr id="1" name=""/>
+        <p:cNvGrpSpPr/>
+        <p:nvPr/>
+      </p:nvGrpSpPr>
+      <p:grpSpPr>
+        <a:xfrm>
+          <a:off x="0" y="0"/>
+          <a:ext cx="0" cy="0"/>
+          <a:chOff x="0" y="0"/>
+          <a:chExt cx="0" cy="0"/>
+        </a:xfrm>
+      </p:grpSpPr>
+      <p:sp>
+        <p:nvSpPr>
+          <p:cNvPr id="2" name="Slide Image Placeholder 1"/>
+          <p:cNvSpPr>
+            <a:spLocks noGrp="1" noRot="1" noChangeAspect="1"/>
+          </p:cNvSpPr>
+          <p:nvPr>
+            <p:ph type="sldImg"/>
+          </p:nvPr>
+        </p:nvSpPr>
+        <p:spPr/>
+      </p:sp>
+      <p:sp>
+        <p:nvSpPr>
+          <p:cNvPr id="3" name="Notes Placeholder 2"/>
+          <p:cNvSpPr>
+            <a:spLocks noGrp="1"/>
+          </p:cNvSpPr>
+          <p:nvPr>
+            <p:ph type="body" idx="1"/>
+          </p:nvPr>
+        </p:nvSpPr>
+        <p:spPr/>
+        <p:txBody>
+          <a:bodyPr/>
+          <a:lstStyle/>
+          <a:p>
+            <a:r>
+              <a:rPr lang="en-US" dirty="0" smtClean="0"/>
+              <a:t>Configuring services sample</a:t>
+            </a:r>
+            <a:endParaRPr lang="en-US" dirty="0"/>
+          </a:p>
+        </p:txBody>
+      </p:sp>
+      <p:sp>
+        <p:nvSpPr>
+          <p:cNvPr id="4" name="Slide Number Placeholder 3"/>
+          <p:cNvSpPr>
+            <a:spLocks noGrp="1"/>
+          </p:cNvSpPr>
+          <p:nvPr>
+            <p:ph type="sldNum" sz="quarter" idx="10"/>
+          </p:nvPr>
+        </p:nvSpPr>
+        <p:spPr/>
+        <p:txBody>
+          <a:bodyPr/>
+          <a:lstStyle/>
+          <a:p>
+            <a:fld id="{90A21AFC-86E3-4DD0-9273-5E1AF32C91DB}" type="slidenum">
+              <a:rPr lang="en-US" smtClean="0"/>
+              <a:t>15</a:t>
+            </a:fld>
+            <a:endParaRPr lang="en-US"/>
+          </a:p>
+        </p:txBody>
+      </p:sp>
+    </p:spTree>
+    <p:extLst>
+      <p:ext uri="{BB962C8B-B14F-4D97-AF65-F5344CB8AC3E}">
+        <p14:creationId xmlns:p14="http://schemas.microsoft.com/office/powerpoint/2010/main" val="287008715"/>
+      </p:ext>
+    </p:extLst>
+  </p:cSld>
+  <p:clrMapOvr>
+    <a:masterClrMapping/>
+  </p:clrMapOvr>
+</p:notes>
+</file>
+
+<file path=ppt/notesSlides/notesSlide9.xml><?xml version="1.0" encoding="utf-8"?>
+<p:notes xmlns:a="http://schemas.openxmlformats.org/drawingml/2006/main" xmlns:r="http://schemas.openxmlformats.org/officeDocument/2006/relationships" xmlns:p="http://schemas.openxmlformats.org/presentationml/2006/main">
+  <p:cSld>
+    <p:spTree>
+      <p:nvGrpSpPr>
+        <p:cNvPr id="1" name=""/>
+        <p:cNvGrpSpPr/>
+        <p:nvPr/>
+      </p:nvGrpSpPr>
+      <p:grpSpPr>
+        <a:xfrm>
+          <a:off x="0" y="0"/>
+          <a:ext cx="0" cy="0"/>
+          <a:chOff x="0" y="0"/>
+          <a:chExt cx="0" cy="0"/>
+        </a:xfrm>
+      </p:grpSpPr>
+      <p:sp>
+        <p:nvSpPr>
+          <p:cNvPr id="2" name="Slide Image Placeholder 1"/>
+          <p:cNvSpPr>
+            <a:spLocks noGrp="1" noRot="1" noChangeAspect="1"/>
+          </p:cNvSpPr>
+          <p:nvPr>
+            <p:ph type="sldImg"/>
+          </p:nvPr>
+        </p:nvSpPr>
+        <p:spPr/>
+      </p:sp>
+      <p:sp>
+        <p:nvSpPr>
+          <p:cNvPr id="3" name="Notes Placeholder 2"/>
+          <p:cNvSpPr>
+            <a:spLocks noGrp="1"/>
+          </p:cNvSpPr>
+          <p:nvPr>
+            <p:ph type="body" idx="1"/>
+          </p:nvPr>
+        </p:nvSpPr>
+        <p:spPr/>
+        <p:txBody>
+          <a:bodyPr/>
+          <a:lstStyle/>
+          <a:p>
+            <a:r>
+              <a:rPr lang="en-US" dirty="0" smtClean="0"/>
+              <a:t>How</a:t>
+            </a:r>
+            <a:r>
+              <a:rPr lang="en-US" baseline="0" dirty="0" smtClean="0"/>
+              <a:t> configuring working with DI</a:t>
+            </a:r>
+            <a:endParaRPr lang="en-US" dirty="0"/>
+          </a:p>
+        </p:txBody>
+      </p:sp>
+      <p:sp>
+        <p:nvSpPr>
+          <p:cNvPr id="4" name="Slide Number Placeholder 3"/>
+          <p:cNvSpPr>
+            <a:spLocks noGrp="1"/>
+          </p:cNvSpPr>
+          <p:nvPr>
+            <p:ph type="sldNum" sz="quarter" idx="10"/>
+          </p:nvPr>
+        </p:nvSpPr>
+        <p:spPr/>
+        <p:txBody>
+          <a:bodyPr/>
+          <a:lstStyle/>
+          <a:p>
+            <a:fld id="{90A21AFC-86E3-4DD0-9273-5E1AF32C91DB}" type="slidenum">
+              <a:rPr lang="en-US" smtClean="0"/>
+              <a:t>16</a:t>
+            </a:fld>
+            <a:endParaRPr lang="en-US"/>
+          </a:p>
+        </p:txBody>
+      </p:sp>
+    </p:spTree>
+    <p:extLst>
+      <p:ext uri="{BB962C8B-B14F-4D97-AF65-F5344CB8AC3E}">
+        <p14:creationId xmlns:p14="http://schemas.microsoft.com/office/powerpoint/2010/main" val="2315707921"/>
+      </p:ext>
+    </p:extLst>
+  </p:cSld>
+  <p:clrMapOvr>
+    <a:masterClrMapping/>
+  </p:clrMapOvr>
+</p:notes>
 </file>
 
 <file path=ppt/slideLayouts/slideLayout1.xml><?xml version="1.0" encoding="utf-8"?>
@@ -23694,7 +25617,6 @@
               <a:rPr lang="en-US" dirty="0"/>
               <a:t>nutshell</a:t>
             </a:r>
-            <a:endParaRPr lang="en-US" dirty="0"/>
           </a:p>
         </p:txBody>
       </p:sp>
@@ -24494,7 +26416,6 @@
               <a:rPr lang="en-US" sz="2800" dirty="0" smtClean="0"/>
               <a:t>MVC</a:t>
             </a:r>
-            <a:endParaRPr lang="en-US" sz="2800" dirty="0" smtClean="0"/>
           </a:p>
           <a:p>
             <a:pPr marL="457200" indent="-457200">
@@ -25878,7 +27799,6 @@
               <a:rPr lang="en-US" dirty="0"/>
               <a:t>Dependency injection</a:t>
             </a:r>
-            <a:endParaRPr lang="en-US" dirty="0"/>
           </a:p>
         </p:txBody>
       </p:sp>
@@ -27248,7 +29168,7 @@
         </p:xfrm>
         <a:graphic>
           <a:graphicData uri="http://schemas.openxmlformats.org/drawingml/2006/diagram">
-            <dgm:relIds xmlns:dgm="http://schemas.openxmlformats.org/drawingml/2006/diagram" xmlns:r="http://schemas.openxmlformats.org/officeDocument/2006/relationships" r:dm="rId2" r:lo="rId3" r:qs="rId4" r:cs="rId5"/>
+            <dgm:relIds xmlns:dgm="http://schemas.openxmlformats.org/drawingml/2006/diagram" xmlns:r="http://schemas.openxmlformats.org/officeDocument/2006/relationships" r:dm="rId3" r:lo="rId4" r:qs="rId5" r:cs="rId6"/>
           </a:graphicData>
         </a:graphic>
       </p:graphicFrame>
@@ -31896,7 +33816,7 @@
         </p:xfrm>
         <a:graphic>
           <a:graphicData uri="http://schemas.openxmlformats.org/drawingml/2006/diagram">
-            <dgm:relIds xmlns:dgm="http://schemas.openxmlformats.org/drawingml/2006/diagram" xmlns:r="http://schemas.openxmlformats.org/officeDocument/2006/relationships" r:dm="rId2" r:lo="rId3" r:qs="rId4" r:cs="rId5"/>
+            <dgm:relIds xmlns:dgm="http://schemas.openxmlformats.org/drawingml/2006/diagram" xmlns:r="http://schemas.openxmlformats.org/officeDocument/2006/relationships" r:dm="rId3" r:lo="rId4" r:qs="rId5" r:cs="rId6"/>
           </a:graphicData>
         </a:graphic>
       </p:graphicFrame>
@@ -32036,7 +33956,6 @@
               <a:rPr lang="en-US" sz="2800" dirty="0"/>
               <a:t>open source</a:t>
             </a:r>
-            <a:endParaRPr lang="en-US" sz="2800" dirty="0"/>
           </a:p>
         </p:txBody>
       </p:sp>
@@ -32998,7 +34917,7 @@
           </p:nvPr>
         </p:nvPicPr>
         <p:blipFill>
-          <a:blip r:embed="rId2">
+          <a:blip r:embed="rId3">
             <a:extLst>
               <a:ext uri="{28A0092B-C50C-407E-A947-70E740481C1C}">
                 <a14:useLocalDpi xmlns:a14="http://schemas.microsoft.com/office/drawing/2010/main" val="0"/>
@@ -33087,7 +35006,7 @@
           </p:nvPr>
         </p:nvPicPr>
         <p:blipFill>
-          <a:blip r:embed="rId2">
+          <a:blip r:embed="rId3">
             <a:extLst>
               <a:ext uri="{28A0092B-C50C-407E-A947-70E740481C1C}">
                 <a14:useLocalDpi xmlns:a14="http://schemas.microsoft.com/office/drawing/2010/main" val="0"/>
@@ -33442,11 +35361,7 @@
             </a:br>
             <a:r>
               <a:rPr lang="en-US" dirty="0" smtClean="0"/>
-              <a:t>You know </a:t>
-            </a:r>
-            <a:r>
-              <a:rPr lang="en-US" dirty="0" smtClean="0"/>
-              <a:t>ASP.NET CORE!</a:t>
+              <a:t>You know ASP.NET CORE!</a:t>
             </a:r>
             <a:endParaRPr lang="en-US" dirty="0"/>
           </a:p>
@@ -33760,25 +35675,6 @@
           <a:chExt cx="0" cy="0"/>
         </a:xfrm>
       </p:grpSpPr>
-      <p:sp>
-        <p:nvSpPr>
-          <p:cNvPr id="2" name="Text Placeholder 1"/>
-          <p:cNvSpPr>
-            <a:spLocks noGrp="1"/>
-          </p:cNvSpPr>
-          <p:nvPr>
-            <p:ph type="body" sz="quarter" idx="13"/>
-          </p:nvPr>
-        </p:nvSpPr>
-        <p:spPr/>
-        <p:txBody>
-          <a:bodyPr/>
-          <a:lstStyle/>
-          <a:p>
-            <a:endParaRPr lang="en-US" dirty="0"/>
-          </a:p>
-        </p:txBody>
-      </p:sp>
       <p:sp>
         <p:nvSpPr>
           <p:cNvPr id="3" name="Text Placeholder 2"/>
